--- a/문서/마지막 달 조영환,김태현,양영현.pptx
+++ b/문서/마지막 달 조영환,김태현,양영현.pptx
@@ -6,20 +6,28 @@
   </p:sldMasterIdLst>
   <p:sldIdLst>
     <p:sldId id="256" r:id="rId2"/>
-    <p:sldId id="338" r:id="rId3"/>
-    <p:sldId id="316" r:id="rId4"/>
-    <p:sldId id="315" r:id="rId5"/>
-    <p:sldId id="312" r:id="rId6"/>
-    <p:sldId id="314" r:id="rId7"/>
-    <p:sldId id="285" r:id="rId8"/>
-    <p:sldId id="286" r:id="rId9"/>
-    <p:sldId id="324" r:id="rId10"/>
-    <p:sldId id="340" r:id="rId11"/>
-    <p:sldId id="341" r:id="rId12"/>
-    <p:sldId id="321" r:id="rId13"/>
-    <p:sldId id="339" r:id="rId14"/>
-    <p:sldId id="325" r:id="rId15"/>
-    <p:sldId id="322" r:id="rId16"/>
+    <p:sldId id="348" r:id="rId3"/>
+    <p:sldId id="338" r:id="rId4"/>
+    <p:sldId id="316" r:id="rId5"/>
+    <p:sldId id="315" r:id="rId6"/>
+    <p:sldId id="312" r:id="rId7"/>
+    <p:sldId id="314" r:id="rId8"/>
+    <p:sldId id="285" r:id="rId9"/>
+    <p:sldId id="286" r:id="rId10"/>
+    <p:sldId id="343" r:id="rId11"/>
+    <p:sldId id="324" r:id="rId12"/>
+    <p:sldId id="344" r:id="rId13"/>
+    <p:sldId id="346" r:id="rId14"/>
+    <p:sldId id="322" r:id="rId15"/>
+    <p:sldId id="342" r:id="rId16"/>
+    <p:sldId id="340" r:id="rId17"/>
+    <p:sldId id="325" r:id="rId18"/>
+    <p:sldId id="321" r:id="rId19"/>
+    <p:sldId id="341" r:id="rId20"/>
+    <p:sldId id="345" r:id="rId21"/>
+    <p:sldId id="339" r:id="rId22"/>
+    <p:sldId id="350" r:id="rId23"/>
+    <p:sldId id="351" r:id="rId24"/>
   </p:sldIdLst>
   <p:sldSz cx="12192000" cy="6858000"/>
   <p:notesSz cx="6858000" cy="9144000"/>
@@ -350,7 +358,7 @@
           <a:p>
             <a:fld id="{D2297394-4390-4D82-9D35-4E44BBC72258}" type="datetimeFigureOut">
               <a:rPr lang="ko-KR" altLang="en-US" smtClean="0"/>
-              <a:t>2023-10-14</a:t>
+              <a:t>2023-10-15</a:t>
             </a:fld>
             <a:endParaRPr lang="ko-KR" altLang="en-US"/>
           </a:p>
@@ -684,7 +692,7 @@
           <a:p>
             <a:fld id="{D2297394-4390-4D82-9D35-4E44BBC72258}" type="datetimeFigureOut">
               <a:rPr lang="ko-KR" altLang="en-US" smtClean="0"/>
-              <a:t>2023-10-14</a:t>
+              <a:t>2023-10-15</a:t>
             </a:fld>
             <a:endParaRPr lang="ko-KR" altLang="en-US"/>
           </a:p>
@@ -962,7 +970,7 @@
           <a:p>
             <a:fld id="{D2297394-4390-4D82-9D35-4E44BBC72258}" type="datetimeFigureOut">
               <a:rPr lang="ko-KR" altLang="en-US" smtClean="0"/>
-              <a:t>2023-10-14</a:t>
+              <a:t>2023-10-15</a:t>
             </a:fld>
             <a:endParaRPr lang="ko-KR" altLang="en-US"/>
           </a:p>
@@ -1530,7 +1538,7 @@
           <a:p>
             <a:fld id="{D2297394-4390-4D82-9D35-4E44BBC72258}" type="datetimeFigureOut">
               <a:rPr lang="ko-KR" altLang="en-US" smtClean="0"/>
-              <a:t>2023-10-14</a:t>
+              <a:t>2023-10-15</a:t>
             </a:fld>
             <a:endParaRPr lang="ko-KR" altLang="en-US"/>
           </a:p>
@@ -1808,7 +1816,7 @@
           <a:p>
             <a:fld id="{D2297394-4390-4D82-9D35-4E44BBC72258}" type="datetimeFigureOut">
               <a:rPr lang="ko-KR" altLang="en-US" smtClean="0"/>
-              <a:t>2023-10-14</a:t>
+              <a:t>2023-10-15</a:t>
             </a:fld>
             <a:endParaRPr lang="ko-KR" altLang="en-US"/>
           </a:p>
@@ -2370,7 +2378,7 @@
           <a:p>
             <a:fld id="{D2297394-4390-4D82-9D35-4E44BBC72258}" type="datetimeFigureOut">
               <a:rPr lang="ko-KR" altLang="en-US" smtClean="0"/>
-              <a:t>2023-10-14</a:t>
+              <a:t>2023-10-15</a:t>
             </a:fld>
             <a:endParaRPr lang="ko-KR" altLang="en-US"/>
           </a:p>
@@ -2697,7 +2705,7 @@
           <a:p>
             <a:fld id="{D2297394-4390-4D82-9D35-4E44BBC72258}" type="datetimeFigureOut">
               <a:rPr lang="ko-KR" altLang="en-US" smtClean="0"/>
-              <a:t>2023-10-14</a:t>
+              <a:t>2023-10-15</a:t>
             </a:fld>
             <a:endParaRPr lang="ko-KR" altLang="en-US"/>
           </a:p>
@@ -2874,7 +2882,7 @@
           <a:p>
             <a:fld id="{D2297394-4390-4D82-9D35-4E44BBC72258}" type="datetimeFigureOut">
               <a:rPr lang="ko-KR" altLang="en-US" smtClean="0"/>
-              <a:t>2023-10-14</a:t>
+              <a:t>2023-10-15</a:t>
             </a:fld>
             <a:endParaRPr lang="ko-KR" altLang="en-US"/>
           </a:p>
@@ -3112,7 +3120,7 @@
           <a:p>
             <a:fld id="{D2297394-4390-4D82-9D35-4E44BBC72258}" type="datetimeFigureOut">
               <a:rPr lang="ko-KR" altLang="en-US" smtClean="0"/>
-              <a:t>2023-10-14</a:t>
+              <a:t>2023-10-15</a:t>
             </a:fld>
             <a:endParaRPr lang="ko-KR" altLang="en-US"/>
           </a:p>
@@ -3312,7 +3320,7 @@
           <a:p>
             <a:fld id="{D2297394-4390-4D82-9D35-4E44BBC72258}" type="datetimeFigureOut">
               <a:rPr lang="ko-KR" altLang="en-US" smtClean="0"/>
-              <a:t>2023-10-14</a:t>
+              <a:t>2023-10-15</a:t>
             </a:fld>
             <a:endParaRPr lang="ko-KR" altLang="en-US"/>
           </a:p>
@@ -3588,7 +3596,7 @@
           <a:p>
             <a:fld id="{D2297394-4390-4D82-9D35-4E44BBC72258}" type="datetimeFigureOut">
               <a:rPr lang="ko-KR" altLang="en-US" smtClean="0"/>
-              <a:t>2023-10-14</a:t>
+              <a:t>2023-10-15</a:t>
             </a:fld>
             <a:endParaRPr lang="ko-KR" altLang="en-US"/>
           </a:p>
@@ -3854,7 +3862,7 @@
           <a:p>
             <a:fld id="{D2297394-4390-4D82-9D35-4E44BBC72258}" type="datetimeFigureOut">
               <a:rPr lang="ko-KR" altLang="en-US" smtClean="0"/>
-              <a:t>2023-10-14</a:t>
+              <a:t>2023-10-15</a:t>
             </a:fld>
             <a:endParaRPr lang="ko-KR" altLang="en-US"/>
           </a:p>
@@ -4228,7 +4236,7 @@
           <a:p>
             <a:fld id="{D2297394-4390-4D82-9D35-4E44BBC72258}" type="datetimeFigureOut">
               <a:rPr lang="ko-KR" altLang="en-US" smtClean="0"/>
-              <a:t>2023-10-14</a:t>
+              <a:t>2023-10-15</a:t>
             </a:fld>
             <a:endParaRPr lang="ko-KR" altLang="en-US"/>
           </a:p>
@@ -4376,7 +4384,7 @@
           <a:p>
             <a:fld id="{D2297394-4390-4D82-9D35-4E44BBC72258}" type="datetimeFigureOut">
               <a:rPr lang="ko-KR" altLang="en-US" smtClean="0"/>
-              <a:t>2023-10-14</a:t>
+              <a:t>2023-10-15</a:t>
             </a:fld>
             <a:endParaRPr lang="ko-KR" altLang="en-US"/>
           </a:p>
@@ -4501,7 +4509,7 @@
           <a:p>
             <a:fld id="{D2297394-4390-4D82-9D35-4E44BBC72258}" type="datetimeFigureOut">
               <a:rPr lang="ko-KR" altLang="en-US" smtClean="0"/>
-              <a:t>2023-10-14</a:t>
+              <a:t>2023-10-15</a:t>
             </a:fld>
             <a:endParaRPr lang="ko-KR" altLang="en-US"/>
           </a:p>
@@ -4786,7 +4794,7 @@
           <a:p>
             <a:fld id="{D2297394-4390-4D82-9D35-4E44BBC72258}" type="datetimeFigureOut">
               <a:rPr lang="ko-KR" altLang="en-US" smtClean="0"/>
-              <a:t>2023-10-14</a:t>
+              <a:t>2023-10-15</a:t>
             </a:fld>
             <a:endParaRPr lang="ko-KR" altLang="en-US"/>
           </a:p>
@@ -5110,7 +5118,7 @@
           <a:p>
             <a:fld id="{D2297394-4390-4D82-9D35-4E44BBC72258}" type="datetimeFigureOut">
               <a:rPr lang="ko-KR" altLang="en-US" smtClean="0"/>
-              <a:t>2023-10-14</a:t>
+              <a:t>2023-10-15</a:t>
             </a:fld>
             <a:endParaRPr lang="ko-KR" altLang="en-US"/>
           </a:p>
@@ -5333,7 +5341,7 @@
           <a:p>
             <a:fld id="{D2297394-4390-4D82-9D35-4E44BBC72258}" type="datetimeFigureOut">
               <a:rPr lang="ko-KR" altLang="en-US" smtClean="0"/>
-              <a:t>2023-10-14</a:t>
+              <a:t>2023-10-15</a:t>
             </a:fld>
             <a:endParaRPr lang="ko-KR" altLang="en-US"/>
           </a:p>
@@ -6229,6 +6237,606 @@
           </p:nvPr>
         </p:nvSpPr>
         <p:spPr>
+          <a:solidFill>
+            <a:schemeClr val="accent2">
+              <a:lumMod val="20000"/>
+              <a:lumOff val="80000"/>
+              <a:alpha val="50000"/>
+            </a:schemeClr>
+          </a:solidFill>
+        </p:spPr>
+        <p:txBody>
+          <a:bodyPr/>
+          <a:lstStyle/>
+          <a:p>
+            <a:r>
+              <a:rPr lang="ko-KR" altLang="en-US" dirty="0"/>
+              <a:t>뗏목 탐사</a:t>
+            </a:r>
+          </a:p>
+        </p:txBody>
+      </p:sp>
+      <p:pic>
+        <p:nvPicPr>
+          <p:cNvPr id="5" name="그림 4">
+            <a:extLst>
+              <a:ext uri="{FF2B5EF4-FFF2-40B4-BE49-F238E27FC236}">
+                <a16:creationId xmlns:a16="http://schemas.microsoft.com/office/drawing/2014/main" id="{3D5F0A99-AB26-40A8-8485-A4BB6EA510B2}"/>
+              </a:ext>
+            </a:extLst>
+          </p:cNvPr>
+          <p:cNvPicPr>
+            <a:picLocks noChangeAspect="1"/>
+          </p:cNvPicPr>
+          <p:nvPr/>
+        </p:nvPicPr>
+        <p:blipFill rotWithShape="1">
+          <a:blip r:embed="rId2">
+            <a:extLst>
+              <a:ext uri="{28A0092B-C50C-407E-A947-70E740481C1C}">
+                <a14:useLocalDpi xmlns:a14="http://schemas.microsoft.com/office/drawing/2010/main" val="0"/>
+              </a:ext>
+            </a:extLst>
+          </a:blip>
+          <a:srcRect l="19917" r="30080"/>
+          <a:stretch/>
+        </p:blipFill>
+        <p:spPr>
+          <a:xfrm>
+            <a:off x="7440880" y="2142067"/>
+            <a:ext cx="3376346" cy="3798168"/>
+          </a:xfrm>
+          <a:prstGeom prst="rect">
+            <a:avLst/>
+          </a:prstGeom>
+        </p:spPr>
+      </p:pic>
+      <p:sp>
+        <p:nvSpPr>
+          <p:cNvPr id="3" name="내용 개체 틀 2">
+            <a:extLst>
+              <a:ext uri="{FF2B5EF4-FFF2-40B4-BE49-F238E27FC236}">
+                <a16:creationId xmlns:a16="http://schemas.microsoft.com/office/drawing/2014/main" id="{D4B1CE7D-45CA-4AA1-AE0F-7D9B60E3357E}"/>
+              </a:ext>
+            </a:extLst>
+          </p:cNvPr>
+          <p:cNvSpPr>
+            <a:spLocks noGrp="1"/>
+          </p:cNvSpPr>
+          <p:nvPr>
+            <p:ph idx="1"/>
+          </p:nvPr>
+        </p:nvSpPr>
+        <p:spPr>
+          <a:xfrm>
+            <a:off x="685802" y="2142067"/>
+            <a:ext cx="6755078" cy="3798168"/>
+          </a:xfrm>
+          <a:solidFill>
+            <a:schemeClr val="accent2">
+              <a:lumMod val="20000"/>
+              <a:lumOff val="80000"/>
+              <a:alpha val="50000"/>
+            </a:schemeClr>
+          </a:solidFill>
+        </p:spPr>
+        <p:txBody>
+          <a:bodyPr/>
+          <a:lstStyle/>
+          <a:p>
+            <a:r>
+              <a:rPr lang="ko-KR" altLang="en-US" dirty="0"/>
+              <a:t>밀물 기간에 가능한 제한적인 탐사를 위한 시스템으로 뗏목 건설에 필요한 자원 때문에 초반에는 이용이 불가능하다</a:t>
+            </a:r>
+            <a:r>
+              <a:rPr lang="en-US" altLang="ko-KR" dirty="0"/>
+              <a:t>.</a:t>
+            </a:r>
+          </a:p>
+          <a:p>
+            <a:r>
+              <a:rPr lang="ko-KR" altLang="en-US" dirty="0"/>
+              <a:t>밀물 기간에도 잠기지 않은 고지대는 파악할 수 있기 때문에  수위 상승으로 인해 이주할 고지대를 미리 수색할 수 있다</a:t>
+            </a:r>
+            <a:r>
+              <a:rPr lang="en-US" altLang="ko-KR" dirty="0"/>
+              <a:t>.</a:t>
+            </a:r>
+          </a:p>
+          <a:p>
+            <a:r>
+              <a:rPr lang="ko-KR" altLang="en-US" dirty="0"/>
+              <a:t>상점을 통해 해금된 신규</a:t>
+            </a:r>
+            <a:r>
+              <a:rPr lang="en-US" altLang="ko-KR" dirty="0"/>
+              <a:t>/</a:t>
+            </a:r>
+            <a:r>
+              <a:rPr lang="ko-KR" altLang="en-US" dirty="0"/>
+              <a:t>특수 자원의 위치를 미리 파악해 부표를 설치하고  썰물 기간에 탐사할 수 있다</a:t>
+            </a:r>
+            <a:r>
+              <a:rPr lang="en-US" altLang="ko-KR" dirty="0"/>
+              <a:t>.</a:t>
+            </a:r>
+          </a:p>
+          <a:p>
+            <a:r>
+              <a:rPr lang="ko-KR" altLang="en-US" dirty="0"/>
+              <a:t>반대로</a:t>
+            </a:r>
+            <a:r>
+              <a:rPr lang="en-US" altLang="ko-KR" dirty="0"/>
+              <a:t>, </a:t>
+            </a:r>
+            <a:r>
+              <a:rPr lang="ko-KR" altLang="en-US" dirty="0"/>
+              <a:t>썰물 기간동안 발견한 장소에 부표를 설치해 밀물 기간동안 탐사할 수도 있다</a:t>
+            </a:r>
+            <a:r>
+              <a:rPr lang="en-US" altLang="ko-KR" dirty="0"/>
+              <a:t>.</a:t>
+            </a:r>
+          </a:p>
+        </p:txBody>
+      </p:sp>
+    </p:spTree>
+    <p:extLst>
+      <p:ext uri="{BB962C8B-B14F-4D97-AF65-F5344CB8AC3E}">
+        <p14:creationId xmlns:p14="http://schemas.microsoft.com/office/powerpoint/2010/main" val="2616134241"/>
+      </p:ext>
+    </p:extLst>
+  </p:cSld>
+  <p:clrMapOvr>
+    <a:masterClrMapping/>
+  </p:clrMapOvr>
+</p:sld>
+</file>
+
+<file path=ppt/slides/slide11.xml><?xml version="1.0" encoding="utf-8"?>
+<p:sld xmlns:a="http://schemas.openxmlformats.org/drawingml/2006/main" xmlns:r="http://schemas.openxmlformats.org/officeDocument/2006/relationships" xmlns:p="http://schemas.openxmlformats.org/presentationml/2006/main">
+  <p:cSld>
+    <p:spTree>
+      <p:nvGrpSpPr>
+        <p:cNvPr id="1" name=""/>
+        <p:cNvGrpSpPr/>
+        <p:nvPr/>
+      </p:nvGrpSpPr>
+      <p:grpSpPr>
+        <a:xfrm>
+          <a:off x="0" y="0"/>
+          <a:ext cx="0" cy="0"/>
+          <a:chOff x="0" y="0"/>
+          <a:chExt cx="0" cy="0"/>
+        </a:xfrm>
+      </p:grpSpPr>
+      <p:sp>
+        <p:nvSpPr>
+          <p:cNvPr id="2" name="제목 1">
+            <a:extLst>
+              <a:ext uri="{FF2B5EF4-FFF2-40B4-BE49-F238E27FC236}">
+                <a16:creationId xmlns:a16="http://schemas.microsoft.com/office/drawing/2014/main" id="{CDFD7412-7A37-454A-BD81-F7FCA4765680}"/>
+              </a:ext>
+            </a:extLst>
+          </p:cNvPr>
+          <p:cNvSpPr>
+            <a:spLocks noGrp="1"/>
+          </p:cNvSpPr>
+          <p:nvPr>
+            <p:ph type="title"/>
+          </p:nvPr>
+        </p:nvSpPr>
+        <p:spPr>
+          <a:solidFill>
+            <a:schemeClr val="accent2">
+              <a:lumMod val="20000"/>
+              <a:lumOff val="80000"/>
+              <a:alpha val="50000"/>
+            </a:schemeClr>
+          </a:solidFill>
+        </p:spPr>
+        <p:txBody>
+          <a:bodyPr/>
+          <a:lstStyle/>
+          <a:p>
+            <a:r>
+              <a:rPr lang="ko-KR" altLang="en-US" dirty="0"/>
+              <a:t>전투</a:t>
+            </a:r>
+          </a:p>
+        </p:txBody>
+      </p:sp>
+      <p:sp>
+        <p:nvSpPr>
+          <p:cNvPr id="3" name="내용 개체 틀 2">
+            <a:extLst>
+              <a:ext uri="{FF2B5EF4-FFF2-40B4-BE49-F238E27FC236}">
+                <a16:creationId xmlns:a16="http://schemas.microsoft.com/office/drawing/2014/main" id="{D4B1CE7D-45CA-4AA1-AE0F-7D9B60E3357E}"/>
+              </a:ext>
+            </a:extLst>
+          </p:cNvPr>
+          <p:cNvSpPr>
+            <a:spLocks noGrp="1"/>
+          </p:cNvSpPr>
+          <p:nvPr>
+            <p:ph idx="1"/>
+          </p:nvPr>
+        </p:nvSpPr>
+        <p:spPr>
+          <a:xfrm>
+            <a:off x="685802" y="2142067"/>
+            <a:ext cx="6300700" cy="3798168"/>
+          </a:xfrm>
+          <a:solidFill>
+            <a:schemeClr val="accent2">
+              <a:lumMod val="20000"/>
+              <a:lumOff val="80000"/>
+              <a:alpha val="50000"/>
+            </a:schemeClr>
+          </a:solidFill>
+        </p:spPr>
+        <p:txBody>
+          <a:bodyPr/>
+          <a:lstStyle/>
+          <a:p>
+            <a:r>
+              <a:rPr lang="en-US" altLang="ko-KR" dirty="0"/>
+              <a:t>MMO </a:t>
+            </a:r>
+            <a:r>
+              <a:rPr lang="ko-KR" altLang="en-US" dirty="0"/>
+              <a:t>서바이벌 </a:t>
+            </a:r>
+            <a:r>
+              <a:rPr lang="ko-KR" altLang="en-US" dirty="0" err="1"/>
+              <a:t>샌드박스는</a:t>
+            </a:r>
+            <a:r>
+              <a:rPr lang="ko-KR" altLang="en-US" dirty="0"/>
+              <a:t> 핵으로 인해 패배하면 손실이 클 수 있으므로 원거리 공격 없이 근접 무기만을 사용한다</a:t>
+            </a:r>
+            <a:r>
+              <a:rPr lang="en-US" altLang="ko-KR" dirty="0"/>
+              <a:t>.</a:t>
+            </a:r>
+          </a:p>
+          <a:p>
+            <a:r>
+              <a:rPr lang="ko-KR" altLang="en-US" dirty="0"/>
+              <a:t>도구가 근접 무기 역할을 동시에 수행한다</a:t>
+            </a:r>
+            <a:r>
+              <a:rPr lang="en-US" altLang="ko-KR" dirty="0"/>
+              <a:t>.</a:t>
+            </a:r>
+          </a:p>
+          <a:p>
+            <a:r>
+              <a:rPr lang="ko-KR" altLang="en-US" dirty="0"/>
+              <a:t>무기는 서로 다른 </a:t>
+            </a:r>
+            <a:r>
+              <a:rPr lang="ko-KR" altLang="en-US" dirty="0" err="1"/>
+              <a:t>스탯을</a:t>
+            </a:r>
+            <a:r>
+              <a:rPr lang="ko-KR" altLang="en-US" dirty="0"/>
+              <a:t> 가지고 특정 </a:t>
+            </a:r>
+            <a:r>
+              <a:rPr lang="ko-KR" altLang="en-US" dirty="0" err="1"/>
+              <a:t>스탯에</a:t>
+            </a:r>
+            <a:r>
+              <a:rPr lang="ko-KR" altLang="en-US" dirty="0"/>
+              <a:t> 특화되면 다른 </a:t>
+            </a:r>
+            <a:r>
+              <a:rPr lang="ko-KR" altLang="en-US" dirty="0" err="1"/>
+              <a:t>스탯이</a:t>
+            </a:r>
+            <a:r>
+              <a:rPr lang="ko-KR" altLang="en-US" dirty="0"/>
+              <a:t> 낮아 지는 형식을 가진다</a:t>
+            </a:r>
+            <a:r>
+              <a:rPr lang="en-US" altLang="ko-KR" dirty="0"/>
+              <a:t>.</a:t>
+            </a:r>
+          </a:p>
+          <a:p>
+            <a:r>
+              <a:rPr lang="ko-KR" altLang="en-US" dirty="0"/>
+              <a:t>공격력 </a:t>
+            </a:r>
+            <a:r>
+              <a:rPr lang="en-US" altLang="ko-KR" dirty="0"/>
+              <a:t>| </a:t>
+            </a:r>
+            <a:r>
+              <a:rPr lang="ko-KR" altLang="en-US" dirty="0" err="1"/>
+              <a:t>공속</a:t>
+            </a:r>
+            <a:r>
+              <a:rPr lang="ko-KR" altLang="en-US" dirty="0"/>
+              <a:t> </a:t>
+            </a:r>
+            <a:r>
+              <a:rPr lang="en-US" altLang="ko-KR" dirty="0"/>
+              <a:t>| </a:t>
+            </a:r>
+            <a:r>
+              <a:rPr lang="ko-KR" altLang="en-US" dirty="0"/>
+              <a:t>사거리 </a:t>
+            </a:r>
+            <a:r>
+              <a:rPr lang="en-US" altLang="ko-KR" dirty="0"/>
+              <a:t>| </a:t>
+            </a:r>
+            <a:r>
+              <a:rPr lang="ko-KR" altLang="en-US" dirty="0"/>
+              <a:t>범위 </a:t>
+            </a:r>
+            <a:r>
+              <a:rPr lang="en-US" altLang="ko-KR" dirty="0"/>
+              <a:t>| </a:t>
+            </a:r>
+            <a:r>
+              <a:rPr lang="ko-KR" altLang="en-US" dirty="0" err="1"/>
+              <a:t>넉벡</a:t>
+            </a:r>
+            <a:endParaRPr lang="en-US" altLang="ko-KR" dirty="0"/>
+          </a:p>
+        </p:txBody>
+      </p:sp>
+      <p:pic>
+        <p:nvPicPr>
+          <p:cNvPr id="5" name="그림 4">
+            <a:extLst>
+              <a:ext uri="{FF2B5EF4-FFF2-40B4-BE49-F238E27FC236}">
+                <a16:creationId xmlns:a16="http://schemas.microsoft.com/office/drawing/2014/main" id="{D22E4345-8879-46B3-A028-43390D7E68A5}"/>
+              </a:ext>
+            </a:extLst>
+          </p:cNvPr>
+          <p:cNvPicPr>
+            <a:picLocks noChangeAspect="1"/>
+          </p:cNvPicPr>
+          <p:nvPr/>
+        </p:nvPicPr>
+        <p:blipFill>
+          <a:blip r:embed="rId2">
+            <a:extLst>
+              <a:ext uri="{28A0092B-C50C-407E-A947-70E740481C1C}">
+                <a14:useLocalDpi xmlns:a14="http://schemas.microsoft.com/office/drawing/2010/main" val="0"/>
+              </a:ext>
+            </a:extLst>
+          </a:blip>
+          <a:stretch>
+            <a:fillRect/>
+          </a:stretch>
+        </p:blipFill>
+        <p:spPr>
+          <a:xfrm>
+            <a:off x="6986502" y="2142067"/>
+            <a:ext cx="3830724" cy="3798168"/>
+          </a:xfrm>
+          <a:prstGeom prst="rect">
+            <a:avLst/>
+          </a:prstGeom>
+        </p:spPr>
+      </p:pic>
+    </p:spTree>
+    <p:extLst>
+      <p:ext uri="{BB962C8B-B14F-4D97-AF65-F5344CB8AC3E}">
+        <p14:creationId xmlns:p14="http://schemas.microsoft.com/office/powerpoint/2010/main" val="2866254711"/>
+      </p:ext>
+    </p:extLst>
+  </p:cSld>
+  <p:clrMapOvr>
+    <a:masterClrMapping/>
+  </p:clrMapOvr>
+</p:sld>
+</file>
+
+<file path=ppt/slides/slide12.xml><?xml version="1.0" encoding="utf-8"?>
+<p:sld xmlns:a="http://schemas.openxmlformats.org/drawingml/2006/main" xmlns:r="http://schemas.openxmlformats.org/officeDocument/2006/relationships" xmlns:p="http://schemas.openxmlformats.org/presentationml/2006/main">
+  <p:cSld>
+    <p:spTree>
+      <p:nvGrpSpPr>
+        <p:cNvPr id="1" name=""/>
+        <p:cNvGrpSpPr/>
+        <p:nvPr/>
+      </p:nvGrpSpPr>
+      <p:grpSpPr>
+        <a:xfrm>
+          <a:off x="0" y="0"/>
+          <a:ext cx="0" cy="0"/>
+          <a:chOff x="0" y="0"/>
+          <a:chExt cx="0" cy="0"/>
+        </a:xfrm>
+      </p:grpSpPr>
+      <p:sp>
+        <p:nvSpPr>
+          <p:cNvPr id="2" name="제목 1">
+            <a:extLst>
+              <a:ext uri="{FF2B5EF4-FFF2-40B4-BE49-F238E27FC236}">
+                <a16:creationId xmlns:a16="http://schemas.microsoft.com/office/drawing/2014/main" id="{CDFD7412-7A37-454A-BD81-F7FCA4765680}"/>
+              </a:ext>
+            </a:extLst>
+          </p:cNvPr>
+          <p:cNvSpPr>
+            <a:spLocks noGrp="1"/>
+          </p:cNvSpPr>
+          <p:nvPr>
+            <p:ph type="title"/>
+          </p:nvPr>
+        </p:nvSpPr>
+        <p:spPr>
+          <a:solidFill>
+            <a:schemeClr val="accent2">
+              <a:lumMod val="20000"/>
+              <a:lumOff val="80000"/>
+              <a:alpha val="50000"/>
+            </a:schemeClr>
+          </a:solidFill>
+        </p:spPr>
+        <p:txBody>
+          <a:bodyPr/>
+          <a:lstStyle/>
+          <a:p>
+            <a:r>
+              <a:rPr lang="ko-KR" altLang="en-US" dirty="0"/>
+              <a:t>레이드와 방어 시스템</a:t>
+            </a:r>
+          </a:p>
+        </p:txBody>
+      </p:sp>
+      <p:sp>
+        <p:nvSpPr>
+          <p:cNvPr id="3" name="내용 개체 틀 2">
+            <a:extLst>
+              <a:ext uri="{FF2B5EF4-FFF2-40B4-BE49-F238E27FC236}">
+                <a16:creationId xmlns:a16="http://schemas.microsoft.com/office/drawing/2014/main" id="{D4B1CE7D-45CA-4AA1-AE0F-7D9B60E3357E}"/>
+              </a:ext>
+            </a:extLst>
+          </p:cNvPr>
+          <p:cNvSpPr>
+            <a:spLocks noGrp="1"/>
+          </p:cNvSpPr>
+          <p:nvPr>
+            <p:ph idx="1"/>
+          </p:nvPr>
+        </p:nvSpPr>
+        <p:spPr>
+          <a:xfrm>
+            <a:off x="685802" y="2142067"/>
+            <a:ext cx="10131424" cy="3798168"/>
+          </a:xfrm>
+          <a:solidFill>
+            <a:schemeClr val="accent2">
+              <a:lumMod val="20000"/>
+              <a:lumOff val="80000"/>
+              <a:alpha val="50000"/>
+            </a:schemeClr>
+          </a:solidFill>
+        </p:spPr>
+        <p:txBody>
+          <a:bodyPr/>
+          <a:lstStyle/>
+          <a:p>
+            <a:r>
+              <a:rPr lang="ko-KR" altLang="en-US" dirty="0"/>
+              <a:t>밀물 기간이라면 뗏목을 이용해 적 기지에 접근해 레이드를 수행 가능하다</a:t>
+            </a:r>
+            <a:r>
+              <a:rPr lang="en-US" altLang="ko-KR" dirty="0"/>
+              <a:t>.</a:t>
+            </a:r>
+          </a:p>
+          <a:p>
+            <a:r>
+              <a:rPr lang="ko-KR" altLang="en-US" dirty="0"/>
+              <a:t>썰물 기간은 기지 외부 탐사에 집중할 수 있도록 레이드가 불가능해 기지 방어를 신경 쓰지 않고 외부 탐사를 나설 수 있고</a:t>
+            </a:r>
+            <a:r>
+              <a:rPr lang="en-US" altLang="ko-KR" dirty="0"/>
+              <a:t>, </a:t>
+            </a:r>
+            <a:r>
+              <a:rPr lang="ko-KR" altLang="en-US" dirty="0"/>
+              <a:t>기지 내부 관리에 집중해야 하는 밀물 기간에만 레이드가 가능하다</a:t>
+            </a:r>
+            <a:r>
+              <a:rPr lang="en-US" altLang="ko-KR" dirty="0"/>
+              <a:t>.</a:t>
+            </a:r>
+          </a:p>
+          <a:p>
+            <a:r>
+              <a:rPr lang="ko-KR" altLang="en-US" dirty="0"/>
+              <a:t>밀물 기간 내내 기지를 방어하는 것에 대한 피로도 문제의 가능성을 해결하기 위해 돌파 제한 시스템이 존재한다</a:t>
+            </a:r>
+            <a:r>
+              <a:rPr lang="en-US" altLang="ko-KR" dirty="0"/>
+              <a:t>.</a:t>
+            </a:r>
+          </a:p>
+          <a:p>
+            <a:r>
+              <a:rPr lang="ko-KR" altLang="en-US" dirty="0"/>
+              <a:t>레이드 시 다음 층으로 넘어가는 것을 </a:t>
+            </a:r>
+            <a:r>
+              <a:rPr lang="en-US" altLang="ko-KR" dirty="0"/>
+              <a:t>“</a:t>
+            </a:r>
+            <a:r>
+              <a:rPr lang="ko-KR" altLang="en-US" dirty="0"/>
+              <a:t>돌파</a:t>
+            </a:r>
+            <a:r>
+              <a:rPr lang="en-US" altLang="ko-KR" dirty="0"/>
+              <a:t>”</a:t>
+            </a:r>
+            <a:r>
+              <a:rPr lang="ko-KR" altLang="en-US" dirty="0"/>
+              <a:t>라고 하고 기지의 상태에 따라 돌파에 제한이 발생한다</a:t>
+            </a:r>
+            <a:r>
+              <a:rPr lang="en-US" altLang="ko-KR" dirty="0"/>
+              <a:t>.</a:t>
+            </a:r>
+          </a:p>
+        </p:txBody>
+      </p:sp>
+    </p:spTree>
+    <p:extLst>
+      <p:ext uri="{BB962C8B-B14F-4D97-AF65-F5344CB8AC3E}">
+        <p14:creationId xmlns:p14="http://schemas.microsoft.com/office/powerpoint/2010/main" val="2581523848"/>
+      </p:ext>
+    </p:extLst>
+  </p:cSld>
+  <p:clrMapOvr>
+    <a:masterClrMapping/>
+  </p:clrMapOvr>
+</p:sld>
+</file>
+
+<file path=ppt/slides/slide13.xml><?xml version="1.0" encoding="utf-8"?>
+<p:sld xmlns:a="http://schemas.openxmlformats.org/drawingml/2006/main" xmlns:r="http://schemas.openxmlformats.org/officeDocument/2006/relationships" xmlns:p="http://schemas.openxmlformats.org/presentationml/2006/main">
+  <p:cSld>
+    <p:spTree>
+      <p:nvGrpSpPr>
+        <p:cNvPr id="1" name=""/>
+        <p:cNvGrpSpPr/>
+        <p:nvPr/>
+      </p:nvGrpSpPr>
+      <p:grpSpPr>
+        <a:xfrm>
+          <a:off x="0" y="0"/>
+          <a:ext cx="0" cy="0"/>
+          <a:chOff x="0" y="0"/>
+          <a:chExt cx="0" cy="0"/>
+        </a:xfrm>
+      </p:grpSpPr>
+      <p:sp>
+        <p:nvSpPr>
+          <p:cNvPr id="2" name="제목 1">
+            <a:extLst>
+              <a:ext uri="{FF2B5EF4-FFF2-40B4-BE49-F238E27FC236}">
+                <a16:creationId xmlns:a16="http://schemas.microsoft.com/office/drawing/2014/main" id="{3E4CFDEA-DCB4-5E06-12BC-655B1314E691}"/>
+              </a:ext>
+            </a:extLst>
+          </p:cNvPr>
+          <p:cNvSpPr>
+            <a:spLocks noGrp="1"/>
+          </p:cNvSpPr>
+          <p:nvPr>
+            <p:ph type="title"/>
+          </p:nvPr>
+        </p:nvSpPr>
+        <p:spPr>
           <a:xfrm>
             <a:off x="685801" y="609600"/>
             <a:ext cx="10131425" cy="1456267"/>
@@ -6245,6 +6853,973 @@
           <a:bodyPr/>
           <a:lstStyle/>
           <a:p>
+            <a:r>
+              <a:rPr lang="ko-KR" altLang="en-US" dirty="0"/>
+              <a:t>레이드와 방어 시스템</a:t>
+            </a:r>
+          </a:p>
+        </p:txBody>
+      </p:sp>
+      <p:sp>
+        <p:nvSpPr>
+          <p:cNvPr id="4" name="내용 개체 틀 2">
+            <a:extLst>
+              <a:ext uri="{FF2B5EF4-FFF2-40B4-BE49-F238E27FC236}">
+                <a16:creationId xmlns:a16="http://schemas.microsoft.com/office/drawing/2014/main" id="{A1573498-403A-36C3-1513-1CA1F6E6B6F7}"/>
+              </a:ext>
+            </a:extLst>
+          </p:cNvPr>
+          <p:cNvSpPr txBox="1">
+            <a:spLocks/>
+          </p:cNvSpPr>
+          <p:nvPr/>
+        </p:nvSpPr>
+        <p:spPr>
+          <a:xfrm>
+            <a:off x="6867331" y="2132736"/>
+            <a:ext cx="3949894" cy="3798168"/>
+          </a:xfrm>
+          <a:prstGeom prst="rect">
+            <a:avLst/>
+          </a:prstGeom>
+          <a:solidFill>
+            <a:schemeClr val="accent2">
+              <a:lumMod val="20000"/>
+              <a:lumOff val="80000"/>
+              <a:alpha val="50000"/>
+            </a:schemeClr>
+          </a:solidFill>
+        </p:spPr>
+        <p:txBody>
+          <a:bodyPr vert="horz" lIns="91440" tIns="45720" rIns="91440" bIns="45720" rtlCol="0" anchor="ctr">
+            <a:normAutofit/>
+          </a:bodyPr>
+          <a:lstStyle>
+            <a:lvl1pPr marL="285750" indent="-285750" algn="l" defTabSz="457200" rtl="0" eaLnBrk="1" latinLnBrk="1" hangingPunct="1">
+              <a:spcBef>
+                <a:spcPts val="0"/>
+              </a:spcBef>
+              <a:spcAft>
+                <a:spcPts val="1000"/>
+              </a:spcAft>
+              <a:buClr>
+                <a:schemeClr val="tx1"/>
+              </a:buClr>
+              <a:buSzPct val="100000"/>
+              <a:buFont typeface="Arial"/>
+              <a:buChar char="•"/>
+              <a:defRPr sz="1800" kern="1200" cap="none">
+                <a:solidFill>
+                  <a:schemeClr val="tx1"/>
+                </a:solidFill>
+                <a:effectLst/>
+                <a:latin typeface="+mn-lt"/>
+                <a:ea typeface="+mn-ea"/>
+                <a:cs typeface="+mn-cs"/>
+              </a:defRPr>
+            </a:lvl1pPr>
+            <a:lvl2pPr marL="742950" indent="-285750" algn="l" defTabSz="457200" rtl="0" eaLnBrk="1" latinLnBrk="1" hangingPunct="1">
+              <a:spcBef>
+                <a:spcPts val="0"/>
+              </a:spcBef>
+              <a:spcAft>
+                <a:spcPts val="1000"/>
+              </a:spcAft>
+              <a:buClr>
+                <a:schemeClr val="tx1"/>
+              </a:buClr>
+              <a:buSzPct val="100000"/>
+              <a:buFont typeface="Arial"/>
+              <a:buChar char="•"/>
+              <a:defRPr sz="1600" kern="1200" cap="none">
+                <a:solidFill>
+                  <a:schemeClr val="tx1"/>
+                </a:solidFill>
+                <a:effectLst/>
+                <a:latin typeface="+mn-lt"/>
+                <a:ea typeface="+mn-ea"/>
+                <a:cs typeface="+mn-cs"/>
+              </a:defRPr>
+            </a:lvl2pPr>
+            <a:lvl3pPr marL="1200150" indent="-285750" algn="l" defTabSz="457200" rtl="0" eaLnBrk="1" latinLnBrk="1" hangingPunct="1">
+              <a:spcBef>
+                <a:spcPts val="0"/>
+              </a:spcBef>
+              <a:spcAft>
+                <a:spcPts val="1000"/>
+              </a:spcAft>
+              <a:buClr>
+                <a:schemeClr val="tx1"/>
+              </a:buClr>
+              <a:buSzPct val="100000"/>
+              <a:buFont typeface="Arial"/>
+              <a:buChar char="•"/>
+              <a:defRPr sz="1400" kern="1200" cap="none">
+                <a:solidFill>
+                  <a:schemeClr val="tx1"/>
+                </a:solidFill>
+                <a:effectLst/>
+                <a:latin typeface="+mn-lt"/>
+                <a:ea typeface="+mn-ea"/>
+                <a:cs typeface="+mn-cs"/>
+              </a:defRPr>
+            </a:lvl3pPr>
+            <a:lvl4pPr marL="1543050" indent="-171450" algn="l" defTabSz="457200" rtl="0" eaLnBrk="1" latinLnBrk="1" hangingPunct="1">
+              <a:spcBef>
+                <a:spcPts val="0"/>
+              </a:spcBef>
+              <a:spcAft>
+                <a:spcPts val="1000"/>
+              </a:spcAft>
+              <a:buClr>
+                <a:schemeClr val="tx1"/>
+              </a:buClr>
+              <a:buSzPct val="100000"/>
+              <a:buFont typeface="Arial"/>
+              <a:buChar char="•"/>
+              <a:defRPr sz="1200" kern="1200" cap="none">
+                <a:solidFill>
+                  <a:schemeClr val="tx1"/>
+                </a:solidFill>
+                <a:effectLst/>
+                <a:latin typeface="+mn-lt"/>
+                <a:ea typeface="+mn-ea"/>
+                <a:cs typeface="+mn-cs"/>
+              </a:defRPr>
+            </a:lvl4pPr>
+            <a:lvl5pPr marL="2000250" indent="-171450" algn="l" defTabSz="457200" rtl="0" eaLnBrk="1" latinLnBrk="1" hangingPunct="1">
+              <a:spcBef>
+                <a:spcPts val="0"/>
+              </a:spcBef>
+              <a:spcAft>
+                <a:spcPts val="1000"/>
+              </a:spcAft>
+              <a:buClr>
+                <a:schemeClr val="tx1"/>
+              </a:buClr>
+              <a:buSzPct val="100000"/>
+              <a:buFont typeface="Arial"/>
+              <a:buChar char="•"/>
+              <a:defRPr sz="1200" kern="1200" cap="none">
+                <a:solidFill>
+                  <a:schemeClr val="tx1"/>
+                </a:solidFill>
+                <a:effectLst/>
+                <a:latin typeface="+mn-lt"/>
+                <a:ea typeface="+mn-ea"/>
+                <a:cs typeface="+mn-cs"/>
+              </a:defRPr>
+            </a:lvl5pPr>
+            <a:lvl6pPr marL="2514600" indent="-228600" algn="l" defTabSz="457200" rtl="0" eaLnBrk="1" latinLnBrk="1" hangingPunct="1">
+              <a:spcBef>
+                <a:spcPts val="0"/>
+              </a:spcBef>
+              <a:spcAft>
+                <a:spcPts val="1000"/>
+              </a:spcAft>
+              <a:buClr>
+                <a:schemeClr val="tx1"/>
+              </a:buClr>
+              <a:buSzPct val="100000"/>
+              <a:buFont typeface="Arial"/>
+              <a:buChar char="•"/>
+              <a:defRPr sz="1200" kern="1200" cap="none">
+                <a:solidFill>
+                  <a:schemeClr val="tx1"/>
+                </a:solidFill>
+                <a:effectLst/>
+                <a:latin typeface="+mn-lt"/>
+                <a:ea typeface="+mn-ea"/>
+                <a:cs typeface="+mn-cs"/>
+              </a:defRPr>
+            </a:lvl6pPr>
+            <a:lvl7pPr marL="2971800" indent="-228600" algn="l" defTabSz="457200" rtl="0" eaLnBrk="1" latinLnBrk="1" hangingPunct="1">
+              <a:spcBef>
+                <a:spcPts val="0"/>
+              </a:spcBef>
+              <a:spcAft>
+                <a:spcPts val="1000"/>
+              </a:spcAft>
+              <a:buClr>
+                <a:schemeClr val="tx1"/>
+              </a:buClr>
+              <a:buSzPct val="100000"/>
+              <a:buFont typeface="Arial"/>
+              <a:buChar char="•"/>
+              <a:defRPr sz="1200" kern="1200" cap="none">
+                <a:solidFill>
+                  <a:schemeClr val="tx1"/>
+                </a:solidFill>
+                <a:effectLst/>
+                <a:latin typeface="+mn-lt"/>
+                <a:ea typeface="+mn-ea"/>
+                <a:cs typeface="+mn-cs"/>
+              </a:defRPr>
+            </a:lvl7pPr>
+            <a:lvl8pPr marL="3429000" indent="-228600" algn="l" defTabSz="457200" rtl="0" eaLnBrk="1" latinLnBrk="1" hangingPunct="1">
+              <a:spcBef>
+                <a:spcPts val="0"/>
+              </a:spcBef>
+              <a:spcAft>
+                <a:spcPts val="1000"/>
+              </a:spcAft>
+              <a:buClr>
+                <a:schemeClr val="tx1"/>
+              </a:buClr>
+              <a:buSzPct val="100000"/>
+              <a:buFont typeface="Arial"/>
+              <a:buChar char="•"/>
+              <a:defRPr sz="1200" kern="1200" cap="none">
+                <a:solidFill>
+                  <a:schemeClr val="tx1"/>
+                </a:solidFill>
+                <a:effectLst/>
+                <a:latin typeface="+mn-lt"/>
+                <a:ea typeface="+mn-ea"/>
+                <a:cs typeface="+mn-cs"/>
+              </a:defRPr>
+            </a:lvl8pPr>
+            <a:lvl9pPr marL="3886200" indent="-228600" algn="l" defTabSz="457200" rtl="0" eaLnBrk="1" latinLnBrk="1" hangingPunct="1">
+              <a:spcBef>
+                <a:spcPts val="0"/>
+              </a:spcBef>
+              <a:spcAft>
+                <a:spcPts val="1000"/>
+              </a:spcAft>
+              <a:buClr>
+                <a:schemeClr val="tx1"/>
+              </a:buClr>
+              <a:buSzPct val="100000"/>
+              <a:buFont typeface="Arial"/>
+              <a:buChar char="•"/>
+              <a:defRPr sz="1200" kern="1200" cap="none">
+                <a:solidFill>
+                  <a:schemeClr val="tx1"/>
+                </a:solidFill>
+                <a:effectLst/>
+                <a:latin typeface="+mn-lt"/>
+                <a:ea typeface="+mn-ea"/>
+                <a:cs typeface="+mn-cs"/>
+              </a:defRPr>
+            </a:lvl9pPr>
+          </a:lstStyle>
+          <a:p>
+            <a:r>
+              <a:rPr lang="ko-KR" altLang="en-US" dirty="0"/>
+              <a:t>돌파 제한은 게임을 일시적으로 중단하고 쉬는 유저를 배려하는 시스템이다</a:t>
+            </a:r>
+            <a:r>
+              <a:rPr lang="en-US" altLang="ko-KR" dirty="0"/>
+              <a:t>.</a:t>
+            </a:r>
+          </a:p>
+          <a:p>
+            <a:r>
+              <a:rPr lang="ko-KR" altLang="en-US" dirty="0"/>
+              <a:t>밀물 기간은 내정을 위한 주기로 설정되어 외부 탐사가 적합하지 않다</a:t>
+            </a:r>
+            <a:r>
+              <a:rPr lang="en-US" altLang="ko-KR" dirty="0"/>
+              <a:t>.</a:t>
+            </a:r>
+            <a:r>
+              <a:rPr lang="ko-KR" altLang="en-US" dirty="0"/>
+              <a:t> 이를 제약하기 위한 기능으로도 돌파 제한이 작동한다</a:t>
+            </a:r>
+            <a:r>
+              <a:rPr lang="en-US" altLang="ko-KR" dirty="0"/>
+              <a:t>.</a:t>
+            </a:r>
+          </a:p>
+          <a:p>
+            <a:r>
+              <a:rPr lang="ko-KR" altLang="en-US" dirty="0"/>
+              <a:t>레이드는 해수면에서 시작한다</a:t>
+            </a:r>
+            <a:r>
+              <a:rPr lang="en-US" altLang="ko-KR" dirty="0"/>
+              <a:t>. </a:t>
+            </a:r>
+            <a:r>
+              <a:rPr lang="ko-KR" altLang="en-US" dirty="0"/>
+              <a:t>해수면이 낮은 지역 부터 레이드를 시작할수록 돌파 제한이 많이 생겨난다</a:t>
+            </a:r>
+            <a:r>
+              <a:rPr lang="en-US" altLang="ko-KR" dirty="0"/>
+              <a:t>.</a:t>
+            </a:r>
+          </a:p>
+        </p:txBody>
+      </p:sp>
+      <p:pic>
+        <p:nvPicPr>
+          <p:cNvPr id="8" name="그림 7" descr="스크린샷, 텍스트이(가) 표시된 사진&#10;&#10;자동 생성된 설명">
+            <a:extLst>
+              <a:ext uri="{FF2B5EF4-FFF2-40B4-BE49-F238E27FC236}">
+                <a16:creationId xmlns:a16="http://schemas.microsoft.com/office/drawing/2014/main" id="{1F7A7077-93D5-4A03-33CE-4183619047D2}"/>
+              </a:ext>
+            </a:extLst>
+          </p:cNvPr>
+          <p:cNvPicPr>
+            <a:picLocks noChangeAspect="1"/>
+          </p:cNvPicPr>
+          <p:nvPr/>
+        </p:nvPicPr>
+        <p:blipFill>
+          <a:blip r:embed="rId2">
+            <a:extLst>
+              <a:ext uri="{28A0092B-C50C-407E-A947-70E740481C1C}">
+                <a14:useLocalDpi xmlns:a14="http://schemas.microsoft.com/office/drawing/2010/main" val="0"/>
+              </a:ext>
+            </a:extLst>
+          </a:blip>
+          <a:stretch>
+            <a:fillRect/>
+          </a:stretch>
+        </p:blipFill>
+        <p:spPr>
+          <a:xfrm>
+            <a:off x="685801" y="2142235"/>
+            <a:ext cx="6089582" cy="3798000"/>
+          </a:xfrm>
+          <a:prstGeom prst="rect">
+            <a:avLst/>
+          </a:prstGeom>
+        </p:spPr>
+      </p:pic>
+    </p:spTree>
+    <p:extLst>
+      <p:ext uri="{BB962C8B-B14F-4D97-AF65-F5344CB8AC3E}">
+        <p14:creationId xmlns:p14="http://schemas.microsoft.com/office/powerpoint/2010/main" val="2715977397"/>
+      </p:ext>
+    </p:extLst>
+  </p:cSld>
+  <p:clrMapOvr>
+    <a:masterClrMapping/>
+  </p:clrMapOvr>
+</p:sld>
+</file>
+
+<file path=ppt/slides/slide14.xml><?xml version="1.0" encoding="utf-8"?>
+<p:sld xmlns:a="http://schemas.openxmlformats.org/drawingml/2006/main" xmlns:r="http://schemas.openxmlformats.org/officeDocument/2006/relationships" xmlns:p="http://schemas.openxmlformats.org/presentationml/2006/main">
+  <p:cSld>
+    <p:spTree>
+      <p:nvGrpSpPr>
+        <p:cNvPr id="1" name=""/>
+        <p:cNvGrpSpPr/>
+        <p:nvPr/>
+      </p:nvGrpSpPr>
+      <p:grpSpPr>
+        <a:xfrm>
+          <a:off x="0" y="0"/>
+          <a:ext cx="0" cy="0"/>
+          <a:chOff x="0" y="0"/>
+          <a:chExt cx="0" cy="0"/>
+        </a:xfrm>
+      </p:grpSpPr>
+      <p:sp>
+        <p:nvSpPr>
+          <p:cNvPr id="2" name="제목 1">
+            <a:extLst>
+              <a:ext uri="{FF2B5EF4-FFF2-40B4-BE49-F238E27FC236}">
+                <a16:creationId xmlns:a16="http://schemas.microsoft.com/office/drawing/2014/main" id="{CDFD7412-7A37-454A-BD81-F7FCA4765680}"/>
+              </a:ext>
+            </a:extLst>
+          </p:cNvPr>
+          <p:cNvSpPr>
+            <a:spLocks noGrp="1"/>
+          </p:cNvSpPr>
+          <p:nvPr>
+            <p:ph type="title"/>
+          </p:nvPr>
+        </p:nvSpPr>
+        <p:spPr>
+          <a:solidFill>
+            <a:schemeClr val="accent2">
+              <a:lumMod val="20000"/>
+              <a:lumOff val="80000"/>
+              <a:alpha val="50000"/>
+            </a:schemeClr>
+          </a:solidFill>
+        </p:spPr>
+        <p:txBody>
+          <a:bodyPr/>
+          <a:lstStyle/>
+          <a:p>
+            <a:r>
+              <a:rPr lang="ko-KR" altLang="en-US" dirty="0"/>
+              <a:t>상점 </a:t>
+            </a:r>
+            <a:r>
+              <a:rPr lang="en-US" altLang="ko-KR" dirty="0"/>
+              <a:t>- </a:t>
+            </a:r>
+            <a:r>
+              <a:rPr lang="ko-KR" altLang="en-US" dirty="0"/>
+              <a:t>플레이어 기지의 효율성 증가</a:t>
+            </a:r>
+          </a:p>
+        </p:txBody>
+      </p:sp>
+      <p:sp>
+        <p:nvSpPr>
+          <p:cNvPr id="3" name="내용 개체 틀 2">
+            <a:extLst>
+              <a:ext uri="{FF2B5EF4-FFF2-40B4-BE49-F238E27FC236}">
+                <a16:creationId xmlns:a16="http://schemas.microsoft.com/office/drawing/2014/main" id="{D4B1CE7D-45CA-4AA1-AE0F-7D9B60E3357E}"/>
+              </a:ext>
+            </a:extLst>
+          </p:cNvPr>
+          <p:cNvSpPr>
+            <a:spLocks noGrp="1"/>
+          </p:cNvSpPr>
+          <p:nvPr>
+            <p:ph idx="1"/>
+          </p:nvPr>
+        </p:nvSpPr>
+        <p:spPr>
+          <a:xfrm>
+            <a:off x="685802" y="2142067"/>
+            <a:ext cx="5966925" cy="3798168"/>
+          </a:xfrm>
+          <a:solidFill>
+            <a:schemeClr val="accent2">
+              <a:lumMod val="20000"/>
+              <a:lumOff val="80000"/>
+              <a:alpha val="50000"/>
+            </a:schemeClr>
+          </a:solidFill>
+        </p:spPr>
+        <p:txBody>
+          <a:bodyPr>
+            <a:normAutofit/>
+          </a:bodyPr>
+          <a:lstStyle/>
+          <a:p>
+            <a:pPr algn="l">
+              <a:buFont typeface="Arial" panose="020B0604020202020204" pitchFamily="34" charset="0"/>
+              <a:buChar char="•"/>
+            </a:pPr>
+            <a:r>
+              <a:rPr lang="ko-KR" altLang="en-US" b="0" i="0" dirty="0">
+                <a:effectLst/>
+                <a:latin typeface="-apple-system"/>
+              </a:rPr>
+              <a:t>밀물 </a:t>
+            </a:r>
+            <a:r>
+              <a:rPr lang="en-US" altLang="ko-KR" b="0" i="0" dirty="0">
+                <a:effectLst/>
+                <a:latin typeface="-apple-system"/>
+              </a:rPr>
+              <a:t>: </a:t>
+            </a:r>
+            <a:r>
+              <a:rPr lang="ko-KR" altLang="en-US" b="0" i="0" dirty="0">
+                <a:effectLst/>
+                <a:latin typeface="-apple-system"/>
+              </a:rPr>
+              <a:t>플레이어가 포탈을 이용하여 상점을 사용 가능</a:t>
+            </a:r>
+          </a:p>
+          <a:p>
+            <a:pPr algn="l">
+              <a:buFont typeface="Arial" panose="020B0604020202020204" pitchFamily="34" charset="0"/>
+              <a:buChar char="•"/>
+            </a:pPr>
+            <a:r>
+              <a:rPr lang="ko-KR" altLang="en-US" b="0" i="0" dirty="0">
+                <a:effectLst/>
+                <a:latin typeface="-apple-system"/>
+              </a:rPr>
+              <a:t>썰물 </a:t>
+            </a:r>
+            <a:r>
+              <a:rPr lang="en-US" altLang="ko-KR" b="0" i="0" dirty="0">
+                <a:effectLst/>
+                <a:latin typeface="-apple-system"/>
+              </a:rPr>
+              <a:t>: </a:t>
+            </a:r>
+            <a:r>
+              <a:rPr lang="ko-KR" altLang="en-US" b="0" i="0" dirty="0">
+                <a:effectLst/>
+                <a:latin typeface="-apple-system"/>
+              </a:rPr>
+              <a:t>포탈에서 바닷물이 쏟아져 나와 상점이 비활성화</a:t>
+            </a:r>
+          </a:p>
+          <a:p>
+            <a:pPr algn="l">
+              <a:buFont typeface="Arial" panose="020B0604020202020204" pitchFamily="34" charset="0"/>
+              <a:buChar char="•"/>
+            </a:pPr>
+            <a:r>
+              <a:rPr lang="ko-KR" altLang="en-US" b="0" i="0" dirty="0">
+                <a:effectLst/>
+                <a:latin typeface="-apple-system"/>
+              </a:rPr>
+              <a:t>상점 아이템 재충전 </a:t>
+            </a:r>
+            <a:r>
+              <a:rPr lang="en-US" altLang="ko-KR" b="0" i="0" dirty="0">
+                <a:effectLst/>
+                <a:latin typeface="-apple-system"/>
+              </a:rPr>
+              <a:t>: </a:t>
+            </a:r>
+            <a:r>
+              <a:rPr lang="ko-KR" altLang="en-US" b="0" i="0" dirty="0">
+                <a:effectLst/>
+                <a:latin typeface="-apple-system"/>
+              </a:rPr>
+              <a:t>썰물시간에 아이템 재충전 </a:t>
+            </a:r>
+            <a:endParaRPr lang="en-US" altLang="ko-KR" b="0" i="0" dirty="0">
+              <a:effectLst/>
+              <a:latin typeface="-apple-system"/>
+            </a:endParaRPr>
+          </a:p>
+          <a:p>
+            <a:pPr algn="l">
+              <a:buFont typeface="Arial" panose="020B0604020202020204" pitchFamily="34" charset="0"/>
+              <a:buChar char="•"/>
+            </a:pPr>
+            <a:r>
+              <a:rPr lang="ko-KR" altLang="en-US" b="1" i="0" dirty="0">
+                <a:effectLst/>
+                <a:latin typeface="-apple-system"/>
+              </a:rPr>
+              <a:t>상점 종류</a:t>
+            </a:r>
+            <a:endParaRPr lang="ko-KR" altLang="en-US" b="0" i="0" dirty="0">
+              <a:effectLst/>
+              <a:latin typeface="-apple-system"/>
+            </a:endParaRPr>
+          </a:p>
+          <a:p>
+            <a:pPr marL="742950" lvl="1" indent="-285750" algn="l">
+              <a:buFont typeface="Arial" panose="020B0604020202020204" pitchFamily="34" charset="0"/>
+              <a:buChar char="•"/>
+            </a:pPr>
+            <a:r>
+              <a:rPr lang="ko-KR" altLang="en-US" dirty="0" err="1">
+                <a:latin typeface="-apple-system"/>
+              </a:rPr>
+              <a:t>테크트리</a:t>
+            </a:r>
+            <a:r>
+              <a:rPr lang="ko-KR" altLang="en-US" dirty="0">
+                <a:latin typeface="-apple-system"/>
+              </a:rPr>
+              <a:t> 상점</a:t>
+            </a:r>
+            <a:endParaRPr lang="en-US" altLang="ko-KR" b="0" i="0" dirty="0">
+              <a:effectLst/>
+              <a:latin typeface="-apple-system"/>
+            </a:endParaRPr>
+          </a:p>
+          <a:p>
+            <a:pPr marL="742950" lvl="1" indent="-285750" algn="l">
+              <a:buFont typeface="Arial" panose="020B0604020202020204" pitchFamily="34" charset="0"/>
+              <a:buChar char="•"/>
+            </a:pPr>
+            <a:r>
+              <a:rPr lang="ko-KR" altLang="en-US" b="0" i="0" dirty="0">
+                <a:effectLst/>
+                <a:latin typeface="-apple-system"/>
+              </a:rPr>
+              <a:t>건물 도면 판매</a:t>
+            </a:r>
+          </a:p>
+          <a:p>
+            <a:pPr marL="742950" lvl="1" indent="-285750" algn="l">
+              <a:buFont typeface="Arial" panose="020B0604020202020204" pitchFamily="34" charset="0"/>
+              <a:buChar char="•"/>
+            </a:pPr>
+            <a:r>
+              <a:rPr lang="ko-KR" altLang="en-US" dirty="0" err="1">
+                <a:latin typeface="-apple-system"/>
+              </a:rPr>
+              <a:t>파밍</a:t>
+            </a:r>
+            <a:r>
+              <a:rPr lang="en-US" altLang="ko-KR" dirty="0">
+                <a:latin typeface="-apple-system"/>
+              </a:rPr>
+              <a:t>,</a:t>
+            </a:r>
+            <a:r>
+              <a:rPr lang="ko-KR" altLang="en-US" dirty="0">
+                <a:latin typeface="-apple-system"/>
+              </a:rPr>
+              <a:t>제작 한 </a:t>
+            </a:r>
+            <a:r>
+              <a:rPr lang="ko-KR" altLang="en-US" b="0" i="0" dirty="0">
+                <a:effectLst/>
+                <a:latin typeface="-apple-system"/>
+              </a:rPr>
+              <a:t>아이템만 있어도 </a:t>
+            </a:r>
+            <a:r>
+              <a:rPr lang="ko-KR" altLang="en-US" b="0" i="0" dirty="0" err="1">
+                <a:effectLst/>
+                <a:latin typeface="-apple-system"/>
+              </a:rPr>
+              <a:t>언락</a:t>
+            </a:r>
+            <a:endParaRPr lang="ko-KR" altLang="en-US" b="0" i="0" dirty="0">
+              <a:effectLst/>
+              <a:latin typeface="-apple-system"/>
+            </a:endParaRPr>
+          </a:p>
+          <a:p>
+            <a:endParaRPr lang="ko-KR" altLang="en-US" dirty="0"/>
+          </a:p>
+        </p:txBody>
+      </p:sp>
+      <p:pic>
+        <p:nvPicPr>
+          <p:cNvPr id="4" name="그림 3">
+            <a:extLst>
+              <a:ext uri="{FF2B5EF4-FFF2-40B4-BE49-F238E27FC236}">
+                <a16:creationId xmlns:a16="http://schemas.microsoft.com/office/drawing/2014/main" id="{D665E4AE-9CC2-40BB-8263-67420FF192DB}"/>
+              </a:ext>
+            </a:extLst>
+          </p:cNvPr>
+          <p:cNvPicPr>
+            <a:picLocks noChangeAspect="1"/>
+          </p:cNvPicPr>
+          <p:nvPr/>
+        </p:nvPicPr>
+        <p:blipFill>
+          <a:blip r:embed="rId2">
+            <a:extLst>
+              <a:ext uri="{28A0092B-C50C-407E-A947-70E740481C1C}">
+                <a14:useLocalDpi xmlns:a14="http://schemas.microsoft.com/office/drawing/2010/main" val="0"/>
+              </a:ext>
+            </a:extLst>
+          </a:blip>
+          <a:stretch>
+            <a:fillRect/>
+          </a:stretch>
+        </p:blipFill>
+        <p:spPr>
+          <a:xfrm>
+            <a:off x="7019226" y="2142235"/>
+            <a:ext cx="3798000" cy="3798000"/>
+          </a:xfrm>
+          <a:prstGeom prst="rect">
+            <a:avLst/>
+          </a:prstGeom>
+        </p:spPr>
+      </p:pic>
+    </p:spTree>
+    <p:extLst>
+      <p:ext uri="{BB962C8B-B14F-4D97-AF65-F5344CB8AC3E}">
+        <p14:creationId xmlns:p14="http://schemas.microsoft.com/office/powerpoint/2010/main" val="2523731941"/>
+      </p:ext>
+    </p:extLst>
+  </p:cSld>
+  <p:clrMapOvr>
+    <a:masterClrMapping/>
+  </p:clrMapOvr>
+</p:sld>
+</file>
+
+<file path=ppt/slides/slide15.xml><?xml version="1.0" encoding="utf-8"?>
+<p:sld xmlns:a="http://schemas.openxmlformats.org/drawingml/2006/main" xmlns:r="http://schemas.openxmlformats.org/officeDocument/2006/relationships" xmlns:p="http://schemas.openxmlformats.org/presentationml/2006/main">
+  <p:cSld>
+    <p:spTree>
+      <p:nvGrpSpPr>
+        <p:cNvPr id="1" name=""/>
+        <p:cNvGrpSpPr/>
+        <p:nvPr/>
+      </p:nvGrpSpPr>
+      <p:grpSpPr>
+        <a:xfrm>
+          <a:off x="0" y="0"/>
+          <a:ext cx="0" cy="0"/>
+          <a:chOff x="0" y="0"/>
+          <a:chExt cx="0" cy="0"/>
+        </a:xfrm>
+      </p:grpSpPr>
+      <p:sp>
+        <p:nvSpPr>
+          <p:cNvPr id="2" name="제목 1">
+            <a:extLst>
+              <a:ext uri="{FF2B5EF4-FFF2-40B4-BE49-F238E27FC236}">
+                <a16:creationId xmlns:a16="http://schemas.microsoft.com/office/drawing/2014/main" id="{21494923-7577-4118-997F-EA0A33D52C9F}"/>
+              </a:ext>
+            </a:extLst>
+          </p:cNvPr>
+          <p:cNvSpPr>
+            <a:spLocks noGrp="1"/>
+          </p:cNvSpPr>
+          <p:nvPr>
+            <p:ph type="title"/>
+          </p:nvPr>
+        </p:nvSpPr>
+        <p:spPr>
+          <a:solidFill>
+            <a:schemeClr val="accent2">
+              <a:lumMod val="20000"/>
+              <a:lumOff val="80000"/>
+              <a:alpha val="50000"/>
+            </a:schemeClr>
+          </a:solidFill>
+        </p:spPr>
+        <p:txBody>
+          <a:bodyPr/>
+          <a:lstStyle/>
+          <a:p>
+            <a:r>
+              <a:rPr lang="ko-KR" altLang="en-US" dirty="0"/>
+              <a:t>엔딩</a:t>
+            </a:r>
+          </a:p>
+        </p:txBody>
+      </p:sp>
+      <p:sp>
+        <p:nvSpPr>
+          <p:cNvPr id="3" name="내용 개체 틀 2">
+            <a:extLst>
+              <a:ext uri="{FF2B5EF4-FFF2-40B4-BE49-F238E27FC236}">
+                <a16:creationId xmlns:a16="http://schemas.microsoft.com/office/drawing/2014/main" id="{1B9FAA24-A70E-4569-A6FD-258DBE24A120}"/>
+              </a:ext>
+            </a:extLst>
+          </p:cNvPr>
+          <p:cNvSpPr>
+            <a:spLocks noGrp="1"/>
+          </p:cNvSpPr>
+          <p:nvPr>
+            <p:ph idx="1"/>
+          </p:nvPr>
+        </p:nvSpPr>
+        <p:spPr>
+          <a:xfrm>
+            <a:off x="685802" y="2142067"/>
+            <a:ext cx="3376346" cy="3798168"/>
+          </a:xfrm>
+          <a:solidFill>
+            <a:schemeClr val="accent2">
+              <a:lumMod val="20000"/>
+              <a:lumOff val="80000"/>
+              <a:alpha val="50000"/>
+            </a:schemeClr>
+          </a:solidFill>
+        </p:spPr>
+        <p:txBody>
+          <a:bodyPr>
+            <a:normAutofit/>
+          </a:bodyPr>
+          <a:lstStyle/>
+          <a:p>
+            <a:pPr>
+              <a:buClrTx/>
+            </a:pPr>
+            <a:r>
+              <a:rPr lang="ko-KR" altLang="en-US" dirty="0"/>
+              <a:t>고생한 플레이어에게 보상을 주어주는 단계</a:t>
+            </a:r>
+            <a:r>
+              <a:rPr lang="en-US" altLang="ko-KR" dirty="0"/>
+              <a:t>.</a:t>
+            </a:r>
+          </a:p>
+          <a:p>
+            <a:pPr>
+              <a:buClrTx/>
+            </a:pPr>
+            <a:r>
+              <a:rPr lang="ko-KR" altLang="en-US" dirty="0"/>
+              <a:t>달과 지구가 직접적으로 충돌하지 않아 생존하게 된다</a:t>
+            </a:r>
+            <a:r>
+              <a:rPr lang="en-US" altLang="ko-KR" dirty="0"/>
+              <a:t>.</a:t>
+            </a:r>
+          </a:p>
+          <a:p>
+            <a:pPr>
+              <a:buClrTx/>
+            </a:pPr>
+            <a:r>
+              <a:rPr lang="ko-KR" altLang="en-US" dirty="0"/>
+              <a:t>달은 붕괴되어 지구의 고리가 되는 </a:t>
+            </a:r>
+            <a:r>
+              <a:rPr lang="ko-KR" altLang="en-US" dirty="0" err="1"/>
+              <a:t>시네마틱을</a:t>
+            </a:r>
+            <a:r>
+              <a:rPr lang="ko-KR" altLang="en-US" dirty="0"/>
+              <a:t> 보여 준다</a:t>
+            </a:r>
+            <a:r>
+              <a:rPr lang="en-US" altLang="ko-KR" dirty="0"/>
+              <a:t>.</a:t>
+            </a:r>
+          </a:p>
+          <a:p>
+            <a:pPr>
+              <a:buClrTx/>
+            </a:pPr>
+            <a:r>
+              <a:rPr lang="ko-KR" altLang="en-US" dirty="0"/>
+              <a:t>엔딩 이후 서버는 초기화 되며 플레이어에게 보상이 주어진다</a:t>
+            </a:r>
+            <a:r>
+              <a:rPr lang="en-US" altLang="ko-KR" dirty="0"/>
+              <a:t>.</a:t>
+            </a:r>
+          </a:p>
+        </p:txBody>
+      </p:sp>
+      <p:pic>
+        <p:nvPicPr>
+          <p:cNvPr id="5" name="그림 4">
+            <a:extLst>
+              <a:ext uri="{FF2B5EF4-FFF2-40B4-BE49-F238E27FC236}">
+                <a16:creationId xmlns:a16="http://schemas.microsoft.com/office/drawing/2014/main" id="{697261B5-05B0-45EC-AA6A-5F9A657EFA88}"/>
+              </a:ext>
+            </a:extLst>
+          </p:cNvPr>
+          <p:cNvPicPr>
+            <a:picLocks noChangeAspect="1"/>
+          </p:cNvPicPr>
+          <p:nvPr/>
+        </p:nvPicPr>
+        <p:blipFill>
+          <a:blip r:embed="rId2">
+            <a:extLst>
+              <a:ext uri="{28A0092B-C50C-407E-A947-70E740481C1C}">
+                <a14:useLocalDpi xmlns:a14="http://schemas.microsoft.com/office/drawing/2010/main" val="0"/>
+              </a:ext>
+            </a:extLst>
+          </a:blip>
+          <a:stretch>
+            <a:fillRect/>
+          </a:stretch>
+        </p:blipFill>
+        <p:spPr>
+          <a:xfrm>
+            <a:off x="4236098" y="2142067"/>
+            <a:ext cx="6578349" cy="3798168"/>
+          </a:xfrm>
+          <a:prstGeom prst="rect">
+            <a:avLst/>
+          </a:prstGeom>
+        </p:spPr>
+      </p:pic>
+      <p:pic>
+        <p:nvPicPr>
+          <p:cNvPr id="9" name="그림 8">
+            <a:extLst>
+              <a:ext uri="{FF2B5EF4-FFF2-40B4-BE49-F238E27FC236}">
+                <a16:creationId xmlns:a16="http://schemas.microsoft.com/office/drawing/2014/main" id="{5EF24924-7188-4801-85E4-0B34085C700B}"/>
+              </a:ext>
+            </a:extLst>
+          </p:cNvPr>
+          <p:cNvPicPr>
+            <a:picLocks noChangeAspect="1"/>
+          </p:cNvPicPr>
+          <p:nvPr/>
+        </p:nvPicPr>
+        <p:blipFill>
+          <a:blip r:embed="rId3">
+            <a:extLst>
+              <a:ext uri="{28A0092B-C50C-407E-A947-70E740481C1C}">
+                <a14:useLocalDpi xmlns:a14="http://schemas.microsoft.com/office/drawing/2010/main" val="0"/>
+              </a:ext>
+            </a:extLst>
+          </a:blip>
+          <a:stretch>
+            <a:fillRect/>
+          </a:stretch>
+        </p:blipFill>
+        <p:spPr>
+          <a:xfrm>
+            <a:off x="8225528" y="609599"/>
+            <a:ext cx="2588919" cy="1456267"/>
+          </a:xfrm>
+          <a:prstGeom prst="rect">
+            <a:avLst/>
+          </a:prstGeom>
+        </p:spPr>
+      </p:pic>
+    </p:spTree>
+    <p:extLst>
+      <p:ext uri="{BB962C8B-B14F-4D97-AF65-F5344CB8AC3E}">
+        <p14:creationId xmlns:p14="http://schemas.microsoft.com/office/powerpoint/2010/main" val="3514140346"/>
+      </p:ext>
+    </p:extLst>
+  </p:cSld>
+  <p:clrMapOvr>
+    <a:masterClrMapping/>
+  </p:clrMapOvr>
+</p:sld>
+</file>
+
+<file path=ppt/slides/slide16.xml><?xml version="1.0" encoding="utf-8"?>
+<p:sld xmlns:a="http://schemas.openxmlformats.org/drawingml/2006/main" xmlns:r="http://schemas.openxmlformats.org/officeDocument/2006/relationships" xmlns:p="http://schemas.openxmlformats.org/presentationml/2006/main">
+  <p:cSld>
+    <p:spTree>
+      <p:nvGrpSpPr>
+        <p:cNvPr id="1" name=""/>
+        <p:cNvGrpSpPr/>
+        <p:nvPr/>
+      </p:nvGrpSpPr>
+      <p:grpSpPr>
+        <a:xfrm>
+          <a:off x="0" y="0"/>
+          <a:ext cx="0" cy="0"/>
+          <a:chOff x="0" y="0"/>
+          <a:chExt cx="0" cy="0"/>
+        </a:xfrm>
+      </p:grpSpPr>
+      <p:sp>
+        <p:nvSpPr>
+          <p:cNvPr id="2" name="제목 1">
+            <a:extLst>
+              <a:ext uri="{FF2B5EF4-FFF2-40B4-BE49-F238E27FC236}">
+                <a16:creationId xmlns:a16="http://schemas.microsoft.com/office/drawing/2014/main" id="{CDFD7412-7A37-454A-BD81-F7FCA4765680}"/>
+              </a:ext>
+            </a:extLst>
+          </p:cNvPr>
+          <p:cNvSpPr>
+            <a:spLocks noGrp="1"/>
+          </p:cNvSpPr>
+          <p:nvPr>
+            <p:ph type="title"/>
+          </p:nvPr>
+        </p:nvSpPr>
+        <p:spPr>
+          <a:xfrm>
+            <a:off x="685801" y="609600"/>
+            <a:ext cx="10131425" cy="1456267"/>
+          </a:xfrm>
+          <a:solidFill>
+            <a:schemeClr val="accent2">
+              <a:lumMod val="20000"/>
+              <a:lumOff val="80000"/>
+              <a:alpha val="50000"/>
+            </a:schemeClr>
+          </a:solidFill>
+        </p:spPr>
+        <p:txBody>
+          <a:bodyPr/>
+          <a:lstStyle/>
+          <a:p>
+            <a:r>
+              <a:rPr lang="ko-KR" altLang="en-US" dirty="0"/>
+              <a:t>소비재</a:t>
+            </a:r>
+            <a:r>
+              <a:rPr lang="en-US" altLang="ko-KR" dirty="0"/>
+              <a:t>, </a:t>
+            </a:r>
             <a:r>
               <a:rPr lang="ko-KR" altLang="en-US" dirty="0"/>
               <a:t>식재료</a:t>
@@ -6303,7 +7878,7 @@
         </p:nvSpPr>
         <p:spPr>
           <a:xfrm>
-            <a:off x="6652726" y="2142067"/>
+            <a:off x="6652726" y="2132736"/>
             <a:ext cx="4164499" cy="3798168"/>
           </a:xfrm>
           <a:prstGeom prst="rect">
@@ -6533,9 +8108,52 @@
           <a:p>
             <a:r>
               <a:rPr lang="ko-KR" altLang="en-US" dirty="0"/>
-              <a:t>생존을 위한 회복 아이템</a:t>
+              <a:t>유통기한이 있어 지속적으로 생산해야 한다</a:t>
+            </a:r>
+            <a:r>
+              <a:rPr lang="en-US" altLang="ko-KR" dirty="0"/>
+              <a:t>.</a:t>
+            </a:r>
+          </a:p>
+          <a:p>
+            <a:r>
+              <a:rPr lang="ko-KR" altLang="en-US" dirty="0"/>
+              <a:t>소비재</a:t>
+            </a:r>
+            <a:r>
+              <a:rPr lang="en-US" altLang="ko-KR" dirty="0"/>
+              <a:t>: </a:t>
+            </a:r>
+            <a:r>
+              <a:rPr lang="ko-KR" altLang="en-US" dirty="0"/>
+              <a:t>생존을 위해 필수적으로 필요한 자원</a:t>
             </a:r>
             <a:endParaRPr lang="en-US" altLang="ko-KR" dirty="0"/>
+          </a:p>
+          <a:p>
+            <a:r>
+              <a:rPr lang="ko-KR" altLang="en-US" dirty="0"/>
+              <a:t>식재료</a:t>
+            </a:r>
+            <a:r>
+              <a:rPr lang="en-US" altLang="ko-KR" dirty="0"/>
+              <a:t>: </a:t>
+            </a:r>
+            <a:r>
+              <a:rPr lang="ko-KR" altLang="en-US" dirty="0"/>
+              <a:t>소비재의 재료로 소모되는 자원</a:t>
+            </a:r>
+            <a:endParaRPr lang="en-US" altLang="ko-KR" dirty="0"/>
+          </a:p>
+          <a:p>
+            <a:r>
+              <a:rPr lang="ko-KR" altLang="en-US" dirty="0"/>
+              <a:t>소비재의 생산량은 농장의 크기에 비례하기 때문에 농장에 필수적으로 소모되는 흙의 수와 소비재 생산량은 직접적인 연관이 있다</a:t>
+            </a:r>
+            <a:r>
+              <a:rPr lang="en-US" altLang="ko-KR" dirty="0"/>
+              <a:t>.</a:t>
+            </a:r>
           </a:p>
         </p:txBody>
       </p:sp>
@@ -6552,7 +8170,7 @@
 </p:sld>
 </file>
 
-<file path=ppt/slides/slide11.xml><?xml version="1.0" encoding="utf-8"?>
+<file path=ppt/slides/slide17.xml><?xml version="1.0" encoding="utf-8"?>
 <p:sld xmlns:a="http://schemas.openxmlformats.org/drawingml/2006/main" xmlns:r="http://schemas.openxmlformats.org/officeDocument/2006/relationships" xmlns:p="http://schemas.openxmlformats.org/presentationml/2006/main">
   <p:cSld>
     <p:spTree>
@@ -6586,10 +8204,6 @@
           </p:nvPr>
         </p:nvSpPr>
         <p:spPr>
-          <a:xfrm>
-            <a:off x="685801" y="609600"/>
-            <a:ext cx="10131425" cy="1456267"/>
-          </a:xfrm>
           <a:solidFill>
             <a:schemeClr val="accent2">
               <a:lumMod val="20000"/>
@@ -6604,41 +8218,53 @@
           <a:p>
             <a:r>
               <a:rPr lang="ko-KR" altLang="en-US" dirty="0"/>
-              <a:t>건축재</a:t>
-            </a:r>
-            <a:r>
-              <a:rPr lang="en-US" altLang="ko-KR" dirty="0"/>
-              <a:t>,</a:t>
-            </a:r>
-            <a:r>
-              <a:rPr lang="ko-KR" altLang="en-US" dirty="0"/>
-              <a:t>토양</a:t>
-            </a:r>
-            <a:r>
-              <a:rPr lang="en-US" altLang="ko-KR" dirty="0"/>
-              <a:t>,</a:t>
-            </a:r>
-            <a:r>
-              <a:rPr lang="ko-KR" altLang="en-US" dirty="0"/>
-              <a:t>건물</a:t>
-            </a:r>
-            <a:r>
-              <a:rPr lang="en-US" altLang="ko-KR" dirty="0"/>
-              <a:t>,</a:t>
-            </a:r>
-            <a:r>
-              <a:rPr lang="ko-KR" altLang="en-US" dirty="0"/>
-              <a:t>파이프</a:t>
-            </a:r>
-          </a:p>
-        </p:txBody>
-      </p:sp>
-      <p:sp>
-        <p:nvSpPr>
-          <p:cNvPr id="9" name="내용 개체 틀 2">
+              <a:t>중간재 </a:t>
+            </a:r>
+          </a:p>
+        </p:txBody>
+      </p:sp>
+      <p:pic>
+        <p:nvPicPr>
+          <p:cNvPr id="8" name="그림 7" descr="텍스트, 스크린샷, 소프트웨어이(가) 표시된 사진&#10;&#10;자동 생성된 설명">
             <a:extLst>
               <a:ext uri="{FF2B5EF4-FFF2-40B4-BE49-F238E27FC236}">
-                <a16:creationId xmlns:a16="http://schemas.microsoft.com/office/drawing/2014/main" id="{1AC4536D-CAB4-D253-DE2A-1F6F6DC94DAA}"/>
+                <a16:creationId xmlns:a16="http://schemas.microsoft.com/office/drawing/2014/main" id="{DFDFE723-F787-2CC8-78CA-A6FF832856E9}"/>
+              </a:ext>
+            </a:extLst>
+          </p:cNvPr>
+          <p:cNvPicPr preferRelativeResize="0">
+            <a:picLocks/>
+          </p:cNvPicPr>
+          <p:nvPr/>
+        </p:nvPicPr>
+        <p:blipFill>
+          <a:blip r:embed="rId2">
+            <a:extLst>
+              <a:ext uri="{28A0092B-C50C-407E-A947-70E740481C1C}">
+                <a14:useLocalDpi xmlns:a14="http://schemas.microsoft.com/office/drawing/2010/main" val="0"/>
+              </a:ext>
+            </a:extLst>
+          </a:blip>
+          <a:stretch>
+            <a:fillRect/>
+          </a:stretch>
+        </p:blipFill>
+        <p:spPr>
+          <a:xfrm>
+            <a:off x="685801" y="2132264"/>
+            <a:ext cx="5839200" cy="3798000"/>
+          </a:xfrm>
+          <a:prstGeom prst="rect">
+            <a:avLst/>
+          </a:prstGeom>
+        </p:spPr>
+      </p:pic>
+      <p:sp>
+        <p:nvSpPr>
+          <p:cNvPr id="4" name="내용 개체 틀 2">
+            <a:extLst>
+              <a:ext uri="{FF2B5EF4-FFF2-40B4-BE49-F238E27FC236}">
+                <a16:creationId xmlns:a16="http://schemas.microsoft.com/office/drawing/2014/main" id="{485D1006-CBB3-4972-8406-CE290E9FEB48}"/>
               </a:ext>
             </a:extLst>
           </p:cNvPr>
@@ -6649,8 +8275,8 @@
         </p:nvSpPr>
         <p:spPr>
           <a:xfrm>
-            <a:off x="6652727" y="2206852"/>
-            <a:ext cx="4164499" cy="3798168"/>
+            <a:off x="6652026" y="2132264"/>
+            <a:ext cx="4165200" cy="3798168"/>
           </a:xfrm>
           <a:prstGeom prst="rect">
             <a:avLst/>
@@ -6877,17 +8503,516 @@
             </a:lvl9pPr>
           </a:lstStyle>
           <a:p>
+            <a:pPr algn="l">
+              <a:buFont typeface="Arial" panose="020B0604020202020204" pitchFamily="34" charset="0"/>
+              <a:buChar char="•"/>
+            </a:pPr>
+            <a:r>
+              <a:rPr lang="ko-KR" altLang="en-US" dirty="0">
+                <a:latin typeface="-apple-system"/>
+              </a:rPr>
+              <a:t>다른 자원을 생산하기 이전에 거쳐가는 형태의 자원</a:t>
+            </a:r>
+            <a:endParaRPr lang="en-US" altLang="ko-KR" dirty="0">
+              <a:latin typeface="-apple-system"/>
+            </a:endParaRPr>
+          </a:p>
+          <a:p>
+            <a:pPr algn="l">
+              <a:buFont typeface="Arial" panose="020B0604020202020204" pitchFamily="34" charset="0"/>
+              <a:buChar char="•"/>
+            </a:pPr>
+            <a:r>
+              <a:rPr lang="ko-KR" altLang="en-US" b="0" i="0" dirty="0">
+                <a:effectLst/>
+                <a:latin typeface="-apple-system"/>
+              </a:rPr>
+              <a:t>생산 단계를 늘려 플레이어가 자동화 시설을 건설하도록 유도한다</a:t>
+            </a:r>
+            <a:r>
+              <a:rPr lang="en-US" altLang="ko-KR" b="0" i="0" dirty="0">
+                <a:effectLst/>
+                <a:latin typeface="-apple-system"/>
+              </a:rPr>
+              <a:t>.</a:t>
+            </a:r>
+            <a:endParaRPr lang="ko-KR" altLang="en-US" b="0" i="0" dirty="0">
+              <a:effectLst/>
+              <a:latin typeface="-apple-system"/>
+            </a:endParaRPr>
+          </a:p>
+        </p:txBody>
+      </p:sp>
+    </p:spTree>
+    <p:extLst>
+      <p:ext uri="{BB962C8B-B14F-4D97-AF65-F5344CB8AC3E}">
+        <p14:creationId xmlns:p14="http://schemas.microsoft.com/office/powerpoint/2010/main" val="2276608758"/>
+      </p:ext>
+    </p:extLst>
+  </p:cSld>
+  <p:clrMapOvr>
+    <a:masterClrMapping/>
+  </p:clrMapOvr>
+</p:sld>
+</file>
+
+<file path=ppt/slides/slide18.xml><?xml version="1.0" encoding="utf-8"?>
+<p:sld xmlns:a="http://schemas.openxmlformats.org/drawingml/2006/main" xmlns:r="http://schemas.openxmlformats.org/officeDocument/2006/relationships" xmlns:p="http://schemas.openxmlformats.org/presentationml/2006/main">
+  <p:cSld>
+    <p:spTree>
+      <p:nvGrpSpPr>
+        <p:cNvPr id="1" name=""/>
+        <p:cNvGrpSpPr/>
+        <p:nvPr/>
+      </p:nvGrpSpPr>
+      <p:grpSpPr>
+        <a:xfrm>
+          <a:off x="0" y="0"/>
+          <a:ext cx="0" cy="0"/>
+          <a:chOff x="0" y="0"/>
+          <a:chExt cx="0" cy="0"/>
+        </a:xfrm>
+      </p:grpSpPr>
+      <p:sp>
+        <p:nvSpPr>
+          <p:cNvPr id="2" name="제목 1">
+            <a:extLst>
+              <a:ext uri="{FF2B5EF4-FFF2-40B4-BE49-F238E27FC236}">
+                <a16:creationId xmlns:a16="http://schemas.microsoft.com/office/drawing/2014/main" id="{CDFD7412-7A37-454A-BD81-F7FCA4765680}"/>
+              </a:ext>
+            </a:extLst>
+          </p:cNvPr>
+          <p:cNvSpPr>
+            <a:spLocks noGrp="1"/>
+          </p:cNvSpPr>
+          <p:nvPr>
+            <p:ph type="title"/>
+          </p:nvPr>
+        </p:nvSpPr>
+        <p:spPr>
+          <a:xfrm>
+            <a:off x="685801" y="609600"/>
+            <a:ext cx="10131425" cy="1456267"/>
+          </a:xfrm>
+          <a:solidFill>
+            <a:schemeClr val="accent2">
+              <a:lumMod val="20000"/>
+              <a:lumOff val="80000"/>
+              <a:alpha val="50000"/>
+            </a:schemeClr>
+          </a:solidFill>
+        </p:spPr>
+        <p:txBody>
+          <a:bodyPr/>
+          <a:lstStyle/>
+          <a:p>
+            <a:r>
+              <a:rPr lang="ko-KR" altLang="en-US" dirty="0"/>
+              <a:t>원자재</a:t>
+            </a:r>
+            <a:r>
+              <a:rPr lang="en-US" altLang="ko-KR" dirty="0"/>
+              <a:t>,</a:t>
+            </a:r>
+            <a:r>
+              <a:rPr lang="ko-KR" altLang="en-US" dirty="0"/>
+              <a:t>연료</a:t>
+            </a:r>
+          </a:p>
+        </p:txBody>
+      </p:sp>
+      <p:pic>
+        <p:nvPicPr>
+          <p:cNvPr id="8" name="내용 개체 틀 7" descr="텍스트, 스크린샷이(가) 표시된 사진&#10;&#10;자동 생성된 설명">
+            <a:extLst>
+              <a:ext uri="{FF2B5EF4-FFF2-40B4-BE49-F238E27FC236}">
+                <a16:creationId xmlns:a16="http://schemas.microsoft.com/office/drawing/2014/main" id="{5051C358-721F-9311-1165-49D9DA907738}"/>
+              </a:ext>
+            </a:extLst>
+          </p:cNvPr>
+          <p:cNvPicPr>
+            <a:picLocks noGrp="1" noChangeAspect="1"/>
+          </p:cNvPicPr>
+          <p:nvPr>
+            <p:ph idx="1"/>
+          </p:nvPr>
+        </p:nvPicPr>
+        <p:blipFill>
+          <a:blip r:embed="rId2">
+            <a:extLst>
+              <a:ext uri="{28A0092B-C50C-407E-A947-70E740481C1C}">
+                <a14:useLocalDpi xmlns:a14="http://schemas.microsoft.com/office/drawing/2010/main" val="0"/>
+              </a:ext>
+            </a:extLst>
+          </a:blip>
+          <a:stretch>
+            <a:fillRect/>
+          </a:stretch>
+        </p:blipFill>
+        <p:spPr>
+          <a:xfrm>
+            <a:off x="685801" y="2132204"/>
+            <a:ext cx="5839459" cy="3798167"/>
+          </a:xfrm>
+        </p:spPr>
+      </p:pic>
+      <p:sp>
+        <p:nvSpPr>
+          <p:cNvPr id="9" name="내용 개체 틀 2">
+            <a:extLst>
+              <a:ext uri="{FF2B5EF4-FFF2-40B4-BE49-F238E27FC236}">
+                <a16:creationId xmlns:a16="http://schemas.microsoft.com/office/drawing/2014/main" id="{1AC4536D-CAB4-D253-DE2A-1F6F6DC94DAA}"/>
+              </a:ext>
+            </a:extLst>
+          </p:cNvPr>
+          <p:cNvSpPr txBox="1">
+            <a:spLocks/>
+          </p:cNvSpPr>
+          <p:nvPr/>
+        </p:nvSpPr>
+        <p:spPr>
+          <a:xfrm>
+            <a:off x="6652727" y="2132204"/>
+            <a:ext cx="4164499" cy="3798168"/>
+          </a:xfrm>
+          <a:prstGeom prst="rect">
+            <a:avLst/>
+          </a:prstGeom>
+          <a:solidFill>
+            <a:schemeClr val="accent2">
+              <a:lumMod val="20000"/>
+              <a:lumOff val="80000"/>
+              <a:alpha val="50000"/>
+            </a:schemeClr>
+          </a:solidFill>
+        </p:spPr>
+        <p:txBody>
+          <a:bodyPr vert="horz" lIns="91440" tIns="45720" rIns="91440" bIns="45720" rtlCol="0" anchor="ctr">
+            <a:normAutofit/>
+          </a:bodyPr>
+          <a:lstStyle>
+            <a:lvl1pPr marL="285750" indent="-285750" algn="l" defTabSz="457200" rtl="0" eaLnBrk="1" latinLnBrk="1" hangingPunct="1">
+              <a:spcBef>
+                <a:spcPts val="0"/>
+              </a:spcBef>
+              <a:spcAft>
+                <a:spcPts val="1000"/>
+              </a:spcAft>
+              <a:buClr>
+                <a:schemeClr val="tx1"/>
+              </a:buClr>
+              <a:buSzPct val="100000"/>
+              <a:buFont typeface="Arial"/>
+              <a:buChar char="•"/>
+              <a:defRPr sz="1800" kern="1200" cap="none">
+                <a:solidFill>
+                  <a:schemeClr val="tx1"/>
+                </a:solidFill>
+                <a:effectLst/>
+                <a:latin typeface="+mn-lt"/>
+                <a:ea typeface="+mn-ea"/>
+                <a:cs typeface="+mn-cs"/>
+              </a:defRPr>
+            </a:lvl1pPr>
+            <a:lvl2pPr marL="742950" indent="-285750" algn="l" defTabSz="457200" rtl="0" eaLnBrk="1" latinLnBrk="1" hangingPunct="1">
+              <a:spcBef>
+                <a:spcPts val="0"/>
+              </a:spcBef>
+              <a:spcAft>
+                <a:spcPts val="1000"/>
+              </a:spcAft>
+              <a:buClr>
+                <a:schemeClr val="tx1"/>
+              </a:buClr>
+              <a:buSzPct val="100000"/>
+              <a:buFont typeface="Arial"/>
+              <a:buChar char="•"/>
+              <a:defRPr sz="1600" kern="1200" cap="none">
+                <a:solidFill>
+                  <a:schemeClr val="tx1"/>
+                </a:solidFill>
+                <a:effectLst/>
+                <a:latin typeface="+mn-lt"/>
+                <a:ea typeface="+mn-ea"/>
+                <a:cs typeface="+mn-cs"/>
+              </a:defRPr>
+            </a:lvl2pPr>
+            <a:lvl3pPr marL="1200150" indent="-285750" algn="l" defTabSz="457200" rtl="0" eaLnBrk="1" latinLnBrk="1" hangingPunct="1">
+              <a:spcBef>
+                <a:spcPts val="0"/>
+              </a:spcBef>
+              <a:spcAft>
+                <a:spcPts val="1000"/>
+              </a:spcAft>
+              <a:buClr>
+                <a:schemeClr val="tx1"/>
+              </a:buClr>
+              <a:buSzPct val="100000"/>
+              <a:buFont typeface="Arial"/>
+              <a:buChar char="•"/>
+              <a:defRPr sz="1400" kern="1200" cap="none">
+                <a:solidFill>
+                  <a:schemeClr val="tx1"/>
+                </a:solidFill>
+                <a:effectLst/>
+                <a:latin typeface="+mn-lt"/>
+                <a:ea typeface="+mn-ea"/>
+                <a:cs typeface="+mn-cs"/>
+              </a:defRPr>
+            </a:lvl3pPr>
+            <a:lvl4pPr marL="1543050" indent="-171450" algn="l" defTabSz="457200" rtl="0" eaLnBrk="1" latinLnBrk="1" hangingPunct="1">
+              <a:spcBef>
+                <a:spcPts val="0"/>
+              </a:spcBef>
+              <a:spcAft>
+                <a:spcPts val="1000"/>
+              </a:spcAft>
+              <a:buClr>
+                <a:schemeClr val="tx1"/>
+              </a:buClr>
+              <a:buSzPct val="100000"/>
+              <a:buFont typeface="Arial"/>
+              <a:buChar char="•"/>
+              <a:defRPr sz="1200" kern="1200" cap="none">
+                <a:solidFill>
+                  <a:schemeClr val="tx1"/>
+                </a:solidFill>
+                <a:effectLst/>
+                <a:latin typeface="+mn-lt"/>
+                <a:ea typeface="+mn-ea"/>
+                <a:cs typeface="+mn-cs"/>
+              </a:defRPr>
+            </a:lvl4pPr>
+            <a:lvl5pPr marL="2000250" indent="-171450" algn="l" defTabSz="457200" rtl="0" eaLnBrk="1" latinLnBrk="1" hangingPunct="1">
+              <a:spcBef>
+                <a:spcPts val="0"/>
+              </a:spcBef>
+              <a:spcAft>
+                <a:spcPts val="1000"/>
+              </a:spcAft>
+              <a:buClr>
+                <a:schemeClr val="tx1"/>
+              </a:buClr>
+              <a:buSzPct val="100000"/>
+              <a:buFont typeface="Arial"/>
+              <a:buChar char="•"/>
+              <a:defRPr sz="1200" kern="1200" cap="none">
+                <a:solidFill>
+                  <a:schemeClr val="tx1"/>
+                </a:solidFill>
+                <a:effectLst/>
+                <a:latin typeface="+mn-lt"/>
+                <a:ea typeface="+mn-ea"/>
+                <a:cs typeface="+mn-cs"/>
+              </a:defRPr>
+            </a:lvl5pPr>
+            <a:lvl6pPr marL="2514600" indent="-228600" algn="l" defTabSz="457200" rtl="0" eaLnBrk="1" latinLnBrk="1" hangingPunct="1">
+              <a:spcBef>
+                <a:spcPts val="0"/>
+              </a:spcBef>
+              <a:spcAft>
+                <a:spcPts val="1000"/>
+              </a:spcAft>
+              <a:buClr>
+                <a:schemeClr val="tx1"/>
+              </a:buClr>
+              <a:buSzPct val="100000"/>
+              <a:buFont typeface="Arial"/>
+              <a:buChar char="•"/>
+              <a:defRPr sz="1200" kern="1200" cap="none">
+                <a:solidFill>
+                  <a:schemeClr val="tx1"/>
+                </a:solidFill>
+                <a:effectLst/>
+                <a:latin typeface="+mn-lt"/>
+                <a:ea typeface="+mn-ea"/>
+                <a:cs typeface="+mn-cs"/>
+              </a:defRPr>
+            </a:lvl6pPr>
+            <a:lvl7pPr marL="2971800" indent="-228600" algn="l" defTabSz="457200" rtl="0" eaLnBrk="1" latinLnBrk="1" hangingPunct="1">
+              <a:spcBef>
+                <a:spcPts val="0"/>
+              </a:spcBef>
+              <a:spcAft>
+                <a:spcPts val="1000"/>
+              </a:spcAft>
+              <a:buClr>
+                <a:schemeClr val="tx1"/>
+              </a:buClr>
+              <a:buSzPct val="100000"/>
+              <a:buFont typeface="Arial"/>
+              <a:buChar char="•"/>
+              <a:defRPr sz="1200" kern="1200" cap="none">
+                <a:solidFill>
+                  <a:schemeClr val="tx1"/>
+                </a:solidFill>
+                <a:effectLst/>
+                <a:latin typeface="+mn-lt"/>
+                <a:ea typeface="+mn-ea"/>
+                <a:cs typeface="+mn-cs"/>
+              </a:defRPr>
+            </a:lvl7pPr>
+            <a:lvl8pPr marL="3429000" indent="-228600" algn="l" defTabSz="457200" rtl="0" eaLnBrk="1" latinLnBrk="1" hangingPunct="1">
+              <a:spcBef>
+                <a:spcPts val="0"/>
+              </a:spcBef>
+              <a:spcAft>
+                <a:spcPts val="1000"/>
+              </a:spcAft>
+              <a:buClr>
+                <a:schemeClr val="tx1"/>
+              </a:buClr>
+              <a:buSzPct val="100000"/>
+              <a:buFont typeface="Arial"/>
+              <a:buChar char="•"/>
+              <a:defRPr sz="1200" kern="1200" cap="none">
+                <a:solidFill>
+                  <a:schemeClr val="tx1"/>
+                </a:solidFill>
+                <a:effectLst/>
+                <a:latin typeface="+mn-lt"/>
+                <a:ea typeface="+mn-ea"/>
+                <a:cs typeface="+mn-cs"/>
+              </a:defRPr>
+            </a:lvl8pPr>
+            <a:lvl9pPr marL="3886200" indent="-228600" algn="l" defTabSz="457200" rtl="0" eaLnBrk="1" latinLnBrk="1" hangingPunct="1">
+              <a:spcBef>
+                <a:spcPts val="0"/>
+              </a:spcBef>
+              <a:spcAft>
+                <a:spcPts val="1000"/>
+              </a:spcAft>
+              <a:buClr>
+                <a:schemeClr val="tx1"/>
+              </a:buClr>
+              <a:buSzPct val="100000"/>
+              <a:buFont typeface="Arial"/>
+              <a:buChar char="•"/>
+              <a:defRPr sz="1200" kern="1200" cap="none">
+                <a:solidFill>
+                  <a:schemeClr val="tx1"/>
+                </a:solidFill>
+                <a:effectLst/>
+                <a:latin typeface="+mn-lt"/>
+                <a:ea typeface="+mn-ea"/>
+                <a:cs typeface="+mn-cs"/>
+              </a:defRPr>
+            </a:lvl9pPr>
+          </a:lstStyle>
+          <a:p>
+            <a:r>
+              <a:rPr lang="ko-KR" altLang="en-US" dirty="0"/>
+              <a:t>원자재</a:t>
+            </a:r>
+            <a:r>
+              <a:rPr lang="en-US" altLang="ko-KR" dirty="0"/>
+              <a:t>: </a:t>
+            </a:r>
+            <a:r>
+              <a:rPr lang="ko-KR" altLang="en-US" dirty="0"/>
+              <a:t>식재료</a:t>
+            </a:r>
+            <a:r>
+              <a:rPr lang="en-US" altLang="ko-KR" dirty="0"/>
+              <a:t>,</a:t>
+            </a:r>
+            <a:r>
+              <a:rPr lang="ko-KR" altLang="en-US" dirty="0"/>
+              <a:t>건축재를 만들기 위한 아이템</a:t>
+            </a:r>
+            <a:endParaRPr lang="en-US" altLang="ko-KR" dirty="0"/>
+          </a:p>
+          <a:p>
+            <a:r>
+              <a:rPr lang="ko-KR" altLang="en-US" dirty="0"/>
+              <a:t>연료</a:t>
+            </a:r>
+            <a:r>
+              <a:rPr lang="en-US" altLang="ko-KR" dirty="0"/>
+              <a:t>: </a:t>
+            </a:r>
+            <a:r>
+              <a:rPr lang="ko-KR" altLang="en-US" dirty="0"/>
+              <a:t>건물을 가동시키는 동력원</a:t>
+            </a:r>
+            <a:endParaRPr lang="en-US" altLang="ko-KR" dirty="0"/>
+          </a:p>
+        </p:txBody>
+      </p:sp>
+    </p:spTree>
+    <p:extLst>
+      <p:ext uri="{BB962C8B-B14F-4D97-AF65-F5344CB8AC3E}">
+        <p14:creationId xmlns:p14="http://schemas.microsoft.com/office/powerpoint/2010/main" val="360440818"/>
+      </p:ext>
+    </p:extLst>
+  </p:cSld>
+  <p:clrMapOvr>
+    <a:masterClrMapping/>
+  </p:clrMapOvr>
+</p:sld>
+</file>
+
+<file path=ppt/slides/slide19.xml><?xml version="1.0" encoding="utf-8"?>
+<p:sld xmlns:a="http://schemas.openxmlformats.org/drawingml/2006/main" xmlns:r="http://schemas.openxmlformats.org/officeDocument/2006/relationships" xmlns:p="http://schemas.openxmlformats.org/presentationml/2006/main">
+  <p:cSld>
+    <p:spTree>
+      <p:nvGrpSpPr>
+        <p:cNvPr id="1" name=""/>
+        <p:cNvGrpSpPr/>
+        <p:nvPr/>
+      </p:nvGrpSpPr>
+      <p:grpSpPr>
+        <a:xfrm>
+          <a:off x="0" y="0"/>
+          <a:ext cx="0" cy="0"/>
+          <a:chOff x="0" y="0"/>
+          <a:chExt cx="0" cy="0"/>
+        </a:xfrm>
+      </p:grpSpPr>
+      <p:sp>
+        <p:nvSpPr>
+          <p:cNvPr id="2" name="제목 1">
+            <a:extLst>
+              <a:ext uri="{FF2B5EF4-FFF2-40B4-BE49-F238E27FC236}">
+                <a16:creationId xmlns:a16="http://schemas.microsoft.com/office/drawing/2014/main" id="{CDFD7412-7A37-454A-BD81-F7FCA4765680}"/>
+              </a:ext>
+            </a:extLst>
+          </p:cNvPr>
+          <p:cNvSpPr>
+            <a:spLocks noGrp="1"/>
+          </p:cNvSpPr>
+          <p:nvPr>
+            <p:ph type="title"/>
+          </p:nvPr>
+        </p:nvSpPr>
+        <p:spPr>
+          <a:xfrm>
+            <a:off x="685801" y="609600"/>
+            <a:ext cx="10131425" cy="1456267"/>
+          </a:xfrm>
+          <a:solidFill>
+            <a:schemeClr val="accent2">
+              <a:lumMod val="20000"/>
+              <a:lumOff val="80000"/>
+              <a:alpha val="50000"/>
+            </a:schemeClr>
+          </a:solidFill>
+        </p:spPr>
+        <p:txBody>
+          <a:bodyPr/>
+          <a:lstStyle/>
+          <a:p>
             <a:r>
               <a:rPr lang="ko-KR" altLang="en-US" dirty="0"/>
               <a:t>건축재</a:t>
             </a:r>
             <a:r>
               <a:rPr lang="en-US" altLang="ko-KR" dirty="0"/>
-              <a:t>: </a:t>
+              <a:t>,</a:t>
             </a:r>
             <a:r>
               <a:rPr lang="ko-KR" altLang="en-US" dirty="0"/>
-              <a:t>건물을 제작하기 위한 아이템</a:t>
+              <a:t>토양</a:t>
             </a:r>
             <a:r>
               <a:rPr lang="en-US" altLang="ko-KR" dirty="0"/>
@@ -6895,7 +9020,282 @@
             </a:r>
             <a:r>
               <a:rPr lang="ko-KR" altLang="en-US" dirty="0"/>
-              <a:t>원하는 아이템을 얻기 위해 커스터마이징을 해야 한다</a:t>
+              <a:t>건물</a:t>
+            </a:r>
+            <a:r>
+              <a:rPr lang="en-US" altLang="ko-KR" dirty="0"/>
+              <a:t>,</a:t>
+            </a:r>
+            <a:r>
+              <a:rPr lang="ko-KR" altLang="en-US" dirty="0"/>
+              <a:t>파이프</a:t>
+            </a:r>
+          </a:p>
+        </p:txBody>
+      </p:sp>
+      <p:sp>
+        <p:nvSpPr>
+          <p:cNvPr id="9" name="내용 개체 틀 2">
+            <a:extLst>
+              <a:ext uri="{FF2B5EF4-FFF2-40B4-BE49-F238E27FC236}">
+                <a16:creationId xmlns:a16="http://schemas.microsoft.com/office/drawing/2014/main" id="{1AC4536D-CAB4-D253-DE2A-1F6F6DC94DAA}"/>
+              </a:ext>
+            </a:extLst>
+          </p:cNvPr>
+          <p:cNvSpPr txBox="1">
+            <a:spLocks/>
+          </p:cNvSpPr>
+          <p:nvPr/>
+        </p:nvSpPr>
+        <p:spPr>
+          <a:xfrm>
+            <a:off x="6652727" y="2132204"/>
+            <a:ext cx="4164499" cy="3798168"/>
+          </a:xfrm>
+          <a:prstGeom prst="rect">
+            <a:avLst/>
+          </a:prstGeom>
+          <a:solidFill>
+            <a:schemeClr val="accent2">
+              <a:lumMod val="20000"/>
+              <a:lumOff val="80000"/>
+              <a:alpha val="50000"/>
+            </a:schemeClr>
+          </a:solidFill>
+        </p:spPr>
+        <p:txBody>
+          <a:bodyPr vert="horz" lIns="91440" tIns="45720" rIns="91440" bIns="45720" rtlCol="0" anchor="ctr">
+            <a:normAutofit fontScale="92500"/>
+          </a:bodyPr>
+          <a:lstStyle>
+            <a:lvl1pPr marL="285750" indent="-285750" algn="l" defTabSz="457200" rtl="0" eaLnBrk="1" latinLnBrk="1" hangingPunct="1">
+              <a:spcBef>
+                <a:spcPts val="0"/>
+              </a:spcBef>
+              <a:spcAft>
+                <a:spcPts val="1000"/>
+              </a:spcAft>
+              <a:buClr>
+                <a:schemeClr val="tx1"/>
+              </a:buClr>
+              <a:buSzPct val="100000"/>
+              <a:buFont typeface="Arial"/>
+              <a:buChar char="•"/>
+              <a:defRPr sz="1800" kern="1200" cap="none">
+                <a:solidFill>
+                  <a:schemeClr val="tx1"/>
+                </a:solidFill>
+                <a:effectLst/>
+                <a:latin typeface="+mn-lt"/>
+                <a:ea typeface="+mn-ea"/>
+                <a:cs typeface="+mn-cs"/>
+              </a:defRPr>
+            </a:lvl1pPr>
+            <a:lvl2pPr marL="742950" indent="-285750" algn="l" defTabSz="457200" rtl="0" eaLnBrk="1" latinLnBrk="1" hangingPunct="1">
+              <a:spcBef>
+                <a:spcPts val="0"/>
+              </a:spcBef>
+              <a:spcAft>
+                <a:spcPts val="1000"/>
+              </a:spcAft>
+              <a:buClr>
+                <a:schemeClr val="tx1"/>
+              </a:buClr>
+              <a:buSzPct val="100000"/>
+              <a:buFont typeface="Arial"/>
+              <a:buChar char="•"/>
+              <a:defRPr sz="1600" kern="1200" cap="none">
+                <a:solidFill>
+                  <a:schemeClr val="tx1"/>
+                </a:solidFill>
+                <a:effectLst/>
+                <a:latin typeface="+mn-lt"/>
+                <a:ea typeface="+mn-ea"/>
+                <a:cs typeface="+mn-cs"/>
+              </a:defRPr>
+            </a:lvl2pPr>
+            <a:lvl3pPr marL="1200150" indent="-285750" algn="l" defTabSz="457200" rtl="0" eaLnBrk="1" latinLnBrk="1" hangingPunct="1">
+              <a:spcBef>
+                <a:spcPts val="0"/>
+              </a:spcBef>
+              <a:spcAft>
+                <a:spcPts val="1000"/>
+              </a:spcAft>
+              <a:buClr>
+                <a:schemeClr val="tx1"/>
+              </a:buClr>
+              <a:buSzPct val="100000"/>
+              <a:buFont typeface="Arial"/>
+              <a:buChar char="•"/>
+              <a:defRPr sz="1400" kern="1200" cap="none">
+                <a:solidFill>
+                  <a:schemeClr val="tx1"/>
+                </a:solidFill>
+                <a:effectLst/>
+                <a:latin typeface="+mn-lt"/>
+                <a:ea typeface="+mn-ea"/>
+                <a:cs typeface="+mn-cs"/>
+              </a:defRPr>
+            </a:lvl3pPr>
+            <a:lvl4pPr marL="1543050" indent="-171450" algn="l" defTabSz="457200" rtl="0" eaLnBrk="1" latinLnBrk="1" hangingPunct="1">
+              <a:spcBef>
+                <a:spcPts val="0"/>
+              </a:spcBef>
+              <a:spcAft>
+                <a:spcPts val="1000"/>
+              </a:spcAft>
+              <a:buClr>
+                <a:schemeClr val="tx1"/>
+              </a:buClr>
+              <a:buSzPct val="100000"/>
+              <a:buFont typeface="Arial"/>
+              <a:buChar char="•"/>
+              <a:defRPr sz="1200" kern="1200" cap="none">
+                <a:solidFill>
+                  <a:schemeClr val="tx1"/>
+                </a:solidFill>
+                <a:effectLst/>
+                <a:latin typeface="+mn-lt"/>
+                <a:ea typeface="+mn-ea"/>
+                <a:cs typeface="+mn-cs"/>
+              </a:defRPr>
+            </a:lvl4pPr>
+            <a:lvl5pPr marL="2000250" indent="-171450" algn="l" defTabSz="457200" rtl="0" eaLnBrk="1" latinLnBrk="1" hangingPunct="1">
+              <a:spcBef>
+                <a:spcPts val="0"/>
+              </a:spcBef>
+              <a:spcAft>
+                <a:spcPts val="1000"/>
+              </a:spcAft>
+              <a:buClr>
+                <a:schemeClr val="tx1"/>
+              </a:buClr>
+              <a:buSzPct val="100000"/>
+              <a:buFont typeface="Arial"/>
+              <a:buChar char="•"/>
+              <a:defRPr sz="1200" kern="1200" cap="none">
+                <a:solidFill>
+                  <a:schemeClr val="tx1"/>
+                </a:solidFill>
+                <a:effectLst/>
+                <a:latin typeface="+mn-lt"/>
+                <a:ea typeface="+mn-ea"/>
+                <a:cs typeface="+mn-cs"/>
+              </a:defRPr>
+            </a:lvl5pPr>
+            <a:lvl6pPr marL="2514600" indent="-228600" algn="l" defTabSz="457200" rtl="0" eaLnBrk="1" latinLnBrk="1" hangingPunct="1">
+              <a:spcBef>
+                <a:spcPts val="0"/>
+              </a:spcBef>
+              <a:spcAft>
+                <a:spcPts val="1000"/>
+              </a:spcAft>
+              <a:buClr>
+                <a:schemeClr val="tx1"/>
+              </a:buClr>
+              <a:buSzPct val="100000"/>
+              <a:buFont typeface="Arial"/>
+              <a:buChar char="•"/>
+              <a:defRPr sz="1200" kern="1200" cap="none">
+                <a:solidFill>
+                  <a:schemeClr val="tx1"/>
+                </a:solidFill>
+                <a:effectLst/>
+                <a:latin typeface="+mn-lt"/>
+                <a:ea typeface="+mn-ea"/>
+                <a:cs typeface="+mn-cs"/>
+              </a:defRPr>
+            </a:lvl6pPr>
+            <a:lvl7pPr marL="2971800" indent="-228600" algn="l" defTabSz="457200" rtl="0" eaLnBrk="1" latinLnBrk="1" hangingPunct="1">
+              <a:spcBef>
+                <a:spcPts val="0"/>
+              </a:spcBef>
+              <a:spcAft>
+                <a:spcPts val="1000"/>
+              </a:spcAft>
+              <a:buClr>
+                <a:schemeClr val="tx1"/>
+              </a:buClr>
+              <a:buSzPct val="100000"/>
+              <a:buFont typeface="Arial"/>
+              <a:buChar char="•"/>
+              <a:defRPr sz="1200" kern="1200" cap="none">
+                <a:solidFill>
+                  <a:schemeClr val="tx1"/>
+                </a:solidFill>
+                <a:effectLst/>
+                <a:latin typeface="+mn-lt"/>
+                <a:ea typeface="+mn-ea"/>
+                <a:cs typeface="+mn-cs"/>
+              </a:defRPr>
+            </a:lvl7pPr>
+            <a:lvl8pPr marL="3429000" indent="-228600" algn="l" defTabSz="457200" rtl="0" eaLnBrk="1" latinLnBrk="1" hangingPunct="1">
+              <a:spcBef>
+                <a:spcPts val="0"/>
+              </a:spcBef>
+              <a:spcAft>
+                <a:spcPts val="1000"/>
+              </a:spcAft>
+              <a:buClr>
+                <a:schemeClr val="tx1"/>
+              </a:buClr>
+              <a:buSzPct val="100000"/>
+              <a:buFont typeface="Arial"/>
+              <a:buChar char="•"/>
+              <a:defRPr sz="1200" kern="1200" cap="none">
+                <a:solidFill>
+                  <a:schemeClr val="tx1"/>
+                </a:solidFill>
+                <a:effectLst/>
+                <a:latin typeface="+mn-lt"/>
+                <a:ea typeface="+mn-ea"/>
+                <a:cs typeface="+mn-cs"/>
+              </a:defRPr>
+            </a:lvl8pPr>
+            <a:lvl9pPr marL="3886200" indent="-228600" algn="l" defTabSz="457200" rtl="0" eaLnBrk="1" latinLnBrk="1" hangingPunct="1">
+              <a:spcBef>
+                <a:spcPts val="0"/>
+              </a:spcBef>
+              <a:spcAft>
+                <a:spcPts val="1000"/>
+              </a:spcAft>
+              <a:buClr>
+                <a:schemeClr val="tx1"/>
+              </a:buClr>
+              <a:buSzPct val="100000"/>
+              <a:buFont typeface="Arial"/>
+              <a:buChar char="•"/>
+              <a:defRPr sz="1200" kern="1200" cap="none">
+                <a:solidFill>
+                  <a:schemeClr val="tx1"/>
+                </a:solidFill>
+                <a:effectLst/>
+                <a:latin typeface="+mn-lt"/>
+                <a:ea typeface="+mn-ea"/>
+                <a:cs typeface="+mn-cs"/>
+              </a:defRPr>
+            </a:lvl9pPr>
+          </a:lstStyle>
+          <a:p>
+            <a:r>
+              <a:rPr lang="ko-KR" altLang="en-US" dirty="0"/>
+              <a:t>건축재</a:t>
+            </a:r>
+            <a:r>
+              <a:rPr lang="en-US" altLang="ko-KR" dirty="0"/>
+              <a:t>: </a:t>
+            </a:r>
+            <a:r>
+              <a:rPr lang="ko-KR" altLang="en-US" dirty="0"/>
+              <a:t>건물</a:t>
+            </a:r>
+            <a:r>
+              <a:rPr lang="en-US" altLang="ko-KR" dirty="0"/>
+              <a:t> </a:t>
+            </a:r>
+            <a:r>
+              <a:rPr lang="ko-KR" altLang="en-US" dirty="0"/>
+              <a:t>제작에 필수적으로 소모되는 자원 건물 수에 비례한다</a:t>
             </a:r>
             <a:r>
               <a:rPr lang="en-US" altLang="ko-KR" dirty="0"/>
@@ -6909,13 +9309,38 @@
             </a:r>
             <a:r>
               <a:rPr lang="en-US" altLang="ko-KR" dirty="0"/>
-              <a:t>: </a:t>
+              <a:t>:  </a:t>
             </a:r>
             <a:r>
               <a:rPr lang="ko-KR" altLang="en-US" dirty="0"/>
-              <a:t>건축재를 업그레이드 시킬 수 있는 아이템</a:t>
-            </a:r>
-            <a:endParaRPr lang="en-US" altLang="ko-KR" dirty="0"/>
+              <a:t>농토 생산과 관련된 중간재이다</a:t>
+            </a:r>
+            <a:r>
+              <a:rPr lang="en-US" altLang="ko-KR" dirty="0"/>
+              <a:t>.</a:t>
+            </a:r>
+          </a:p>
+          <a:p>
+            <a:pPr lvl="1"/>
+            <a:r>
+              <a:rPr lang="ko-KR" altLang="en-US" dirty="0"/>
+              <a:t>농토는 농장 건설에 사용되어 소비재 생산량과 직접적인 연관을 가진다</a:t>
+            </a:r>
+            <a:r>
+              <a:rPr lang="en-US" altLang="ko-KR" dirty="0"/>
+              <a:t>.</a:t>
+            </a:r>
+          </a:p>
+          <a:p>
+            <a:pPr lvl="1"/>
+            <a:r>
+              <a:rPr lang="ko-KR" altLang="en-US" dirty="0"/>
+              <a:t>따라서 다른 토양 자원을 생산하면 그 만큼 소비재 생산력을 포기하는 구조가 된다</a:t>
+            </a:r>
+            <a:r>
+              <a:rPr lang="en-US" altLang="ko-KR" dirty="0"/>
+              <a:t>.</a:t>
+            </a:r>
           </a:p>
           <a:p>
             <a:r>
@@ -6953,9 +9378,6 @@
               <a:rPr lang="ko-KR" altLang="en-US" dirty="0"/>
               <a:t>아이템을 건물과 건물 사이로 이동 시킬 수 있는 건물</a:t>
             </a:r>
-            <a:endParaRPr lang="en-US" altLang="ko-KR" dirty="0"/>
-          </a:p>
-          <a:p>
             <a:endParaRPr lang="en-US" altLang="ko-KR" dirty="0"/>
           </a:p>
         </p:txBody>
@@ -6990,7 +9412,7 @@
         </p:blipFill>
         <p:spPr>
           <a:xfrm>
-            <a:off x="685801" y="2206853"/>
+            <a:off x="685801" y="2132205"/>
             <a:ext cx="5839459" cy="3798167"/>
           </a:xfrm>
         </p:spPr>
@@ -7008,7 +9430,7 @@
 </p:sld>
 </file>
 
-<file path=ppt/slides/slide12.xml><?xml version="1.0" encoding="utf-8"?>
+<file path=ppt/slides/slide2.xml><?xml version="1.0" encoding="utf-8"?>
 <p:sld xmlns:a="http://schemas.openxmlformats.org/drawingml/2006/main" xmlns:r="http://schemas.openxmlformats.org/officeDocument/2006/relationships" xmlns:p="http://schemas.openxmlformats.org/presentationml/2006/main">
   <p:cSld>
     <p:spTree>
@@ -7027,6 +9449,125 @@
       </p:grpSpPr>
       <p:sp>
         <p:nvSpPr>
+          <p:cNvPr id="8" name="제목 1">
+            <a:extLst>
+              <a:ext uri="{FF2B5EF4-FFF2-40B4-BE49-F238E27FC236}">
+                <a16:creationId xmlns:a16="http://schemas.microsoft.com/office/drawing/2014/main" id="{27691F16-A8CB-399D-E87E-4DBFC329FA96}"/>
+              </a:ext>
+            </a:extLst>
+          </p:cNvPr>
+          <p:cNvSpPr txBox="1">
+            <a:spLocks/>
+          </p:cNvSpPr>
+          <p:nvPr/>
+        </p:nvSpPr>
+        <p:spPr>
+          <a:xfrm>
+            <a:off x="685801" y="2168339"/>
+            <a:ext cx="10131425" cy="3724096"/>
+          </a:xfrm>
+          <a:prstGeom prst="rect">
+            <a:avLst/>
+          </a:prstGeom>
+          <a:solidFill>
+            <a:schemeClr val="accent2">
+              <a:lumMod val="20000"/>
+              <a:lumOff val="80000"/>
+              <a:alpha val="50000"/>
+            </a:schemeClr>
+          </a:solidFill>
+          <a:effectLst/>
+        </p:spPr>
+        <p:txBody>
+          <a:bodyPr vert="horz" lIns="91440" tIns="45720" rIns="91440" bIns="45720" rtlCol="0" anchor="ctr">
+            <a:normAutofit/>
+          </a:bodyPr>
+          <a:lstStyle>
+            <a:lvl1pPr algn="l" defTabSz="457200" rtl="0" eaLnBrk="1" latinLnBrk="1" hangingPunct="1">
+              <a:spcBef>
+                <a:spcPct val="0"/>
+              </a:spcBef>
+              <a:buNone/>
+              <a:defRPr sz="3600" kern="1200" cap="all">
+                <a:ln w="3175" cmpd="sng">
+                  <a:noFill/>
+                </a:ln>
+                <a:solidFill>
+                  <a:schemeClr val="tx1"/>
+                </a:solidFill>
+                <a:effectLst/>
+                <a:latin typeface="+mj-lt"/>
+                <a:ea typeface="+mj-ea"/>
+                <a:cs typeface="+mj-cs"/>
+              </a:defRPr>
+            </a:lvl1pPr>
+            <a:lvl2pPr eaLnBrk="1" latinLnBrk="1" hangingPunct="1">
+              <a:defRPr>
+                <a:solidFill>
+                  <a:schemeClr val="tx2"/>
+                </a:solidFill>
+              </a:defRPr>
+            </a:lvl2pPr>
+            <a:lvl3pPr eaLnBrk="1" latinLnBrk="1" hangingPunct="1">
+              <a:defRPr>
+                <a:solidFill>
+                  <a:schemeClr val="tx2"/>
+                </a:solidFill>
+              </a:defRPr>
+            </a:lvl3pPr>
+            <a:lvl4pPr eaLnBrk="1" latinLnBrk="1" hangingPunct="1">
+              <a:defRPr>
+                <a:solidFill>
+                  <a:schemeClr val="tx2"/>
+                </a:solidFill>
+              </a:defRPr>
+            </a:lvl4pPr>
+            <a:lvl5pPr eaLnBrk="1" latinLnBrk="1" hangingPunct="1">
+              <a:defRPr>
+                <a:solidFill>
+                  <a:schemeClr val="tx2"/>
+                </a:solidFill>
+              </a:defRPr>
+            </a:lvl5pPr>
+            <a:lvl6pPr eaLnBrk="1" latinLnBrk="1" hangingPunct="1">
+              <a:defRPr>
+                <a:solidFill>
+                  <a:schemeClr val="tx2"/>
+                </a:solidFill>
+              </a:defRPr>
+            </a:lvl6pPr>
+            <a:lvl7pPr eaLnBrk="1" latinLnBrk="1" hangingPunct="1">
+              <a:defRPr>
+                <a:solidFill>
+                  <a:schemeClr val="tx2"/>
+                </a:solidFill>
+              </a:defRPr>
+            </a:lvl7pPr>
+            <a:lvl8pPr eaLnBrk="1" latinLnBrk="1" hangingPunct="1">
+              <a:defRPr>
+                <a:solidFill>
+                  <a:schemeClr val="tx2"/>
+                </a:solidFill>
+              </a:defRPr>
+            </a:lvl8pPr>
+            <a:lvl9pPr eaLnBrk="1" latinLnBrk="1" hangingPunct="1">
+              <a:defRPr>
+                <a:solidFill>
+                  <a:schemeClr val="tx2"/>
+                </a:solidFill>
+              </a:defRPr>
+            </a:lvl9pPr>
+          </a:lstStyle>
+          <a:p>
+            <a:endParaRPr lang="en-US" altLang="ko-KR" dirty="0"/>
+          </a:p>
+          <a:p>
+            <a:endParaRPr lang="ko-KR" altLang="en-US" dirty="0"/>
+          </a:p>
+        </p:txBody>
+      </p:sp>
+      <p:sp>
+        <p:nvSpPr>
           <p:cNvPr id="2" name="제목 1">
             <a:extLst>
               <a:ext uri="{FF2B5EF4-FFF2-40B4-BE49-F238E27FC236}">
@@ -7042,10 +9583,6 @@
           </p:nvPr>
         </p:nvSpPr>
         <p:spPr>
-          <a:xfrm>
-            <a:off x="685801" y="609600"/>
-            <a:ext cx="10131425" cy="1456267"/>
-          </a:xfrm>
           <a:solidFill>
             <a:schemeClr val="accent2">
               <a:lumMod val="20000"/>
@@ -7060,341 +9597,317 @@
           <a:p>
             <a:r>
               <a:rPr lang="ko-KR" altLang="en-US" dirty="0"/>
-              <a:t>원자재</a:t>
-            </a:r>
-            <a:r>
-              <a:rPr lang="en-US" altLang="ko-KR" dirty="0"/>
-              <a:t>,</a:t>
-            </a:r>
-            <a:r>
-              <a:rPr lang="ko-KR" altLang="en-US" dirty="0"/>
-              <a:t>연료</a:t>
-            </a:r>
-          </a:p>
-        </p:txBody>
-      </p:sp>
-      <p:pic>
-        <p:nvPicPr>
-          <p:cNvPr id="8" name="내용 개체 틀 7" descr="텍스트, 스크린샷이(가) 표시된 사진&#10;&#10;자동 생성된 설명">
+              <a:t>목차</a:t>
+            </a:r>
+          </a:p>
+        </p:txBody>
+      </p:sp>
+      <p:sp>
+        <p:nvSpPr>
+          <p:cNvPr id="5" name="TextBox 4">
             <a:extLst>
               <a:ext uri="{FF2B5EF4-FFF2-40B4-BE49-F238E27FC236}">
-                <a16:creationId xmlns:a16="http://schemas.microsoft.com/office/drawing/2014/main" id="{5051C358-721F-9311-1165-49D9DA907738}"/>
+                <a16:creationId xmlns:a16="http://schemas.microsoft.com/office/drawing/2014/main" id="{505835A3-4AF7-BC30-B532-DAAD53C97D2F}"/>
               </a:ext>
             </a:extLst>
           </p:cNvPr>
-          <p:cNvPicPr>
-            <a:picLocks noGrp="1" noChangeAspect="1"/>
-          </p:cNvPicPr>
-          <p:nvPr>
-            <p:ph idx="1"/>
-          </p:nvPr>
-        </p:nvPicPr>
-        <p:blipFill>
-          <a:blip r:embed="rId2">
-            <a:extLst>
-              <a:ext uri="{28A0092B-C50C-407E-A947-70E740481C1C}">
-                <a14:useLocalDpi xmlns:a14="http://schemas.microsoft.com/office/drawing/2010/main" val="0"/>
-              </a:ext>
-            </a:extLst>
-          </a:blip>
-          <a:stretch>
-            <a:fillRect/>
-          </a:stretch>
-        </p:blipFill>
+          <p:cNvSpPr txBox="1"/>
+          <p:nvPr/>
+        </p:nvSpPr>
         <p:spPr>
           <a:xfrm>
-            <a:off x="685801" y="2206853"/>
-            <a:ext cx="5839459" cy="3798167"/>
-          </a:xfrm>
-        </p:spPr>
-      </p:pic>
-      <p:sp>
-        <p:nvSpPr>
-          <p:cNvPr id="9" name="내용 개체 틀 2">
-            <a:extLst>
-              <a:ext uri="{FF2B5EF4-FFF2-40B4-BE49-F238E27FC236}">
-                <a16:creationId xmlns:a16="http://schemas.microsoft.com/office/drawing/2014/main" id="{1AC4536D-CAB4-D253-DE2A-1F6F6DC94DAA}"/>
-              </a:ext>
-            </a:extLst>
-          </p:cNvPr>
-          <p:cNvSpPr txBox="1">
-            <a:spLocks/>
-          </p:cNvSpPr>
-          <p:nvPr/>
-        </p:nvSpPr>
-        <p:spPr>
-          <a:xfrm>
-            <a:off x="6652727" y="2206852"/>
-            <a:ext cx="4164499" cy="3798168"/>
+            <a:off x="685801" y="2168339"/>
+            <a:ext cx="4525598" cy="3724096"/>
           </a:xfrm>
           <a:prstGeom prst="rect">
             <a:avLst/>
           </a:prstGeom>
-          <a:solidFill>
-            <a:schemeClr val="accent2">
-              <a:lumMod val="20000"/>
-              <a:lumOff val="80000"/>
-              <a:alpha val="50000"/>
-            </a:schemeClr>
-          </a:solidFill>
+          <a:noFill/>
         </p:spPr>
         <p:txBody>
-          <a:bodyPr vert="horz" lIns="91440" tIns="45720" rIns="91440" bIns="45720" rtlCol="0" anchor="ctr">
-            <a:normAutofit/>
+          <a:bodyPr wrap="none" rtlCol="0">
+            <a:spAutoFit/>
           </a:bodyPr>
-          <a:lstStyle>
-            <a:lvl1pPr marL="285750" indent="-285750" algn="l" defTabSz="457200" rtl="0" eaLnBrk="1" latinLnBrk="1" hangingPunct="1">
-              <a:spcBef>
-                <a:spcPts val="0"/>
-              </a:spcBef>
-              <a:spcAft>
-                <a:spcPts val="1000"/>
-              </a:spcAft>
-              <a:buClr>
-                <a:schemeClr val="tx1"/>
-              </a:buClr>
-              <a:buSzPct val="100000"/>
-              <a:buFont typeface="Arial"/>
-              <a:buChar char="•"/>
-              <a:defRPr sz="1800" kern="1200" cap="none">
-                <a:solidFill>
-                  <a:schemeClr val="tx1"/>
-                </a:solidFill>
-                <a:effectLst/>
-                <a:latin typeface="+mn-lt"/>
-                <a:ea typeface="+mn-ea"/>
-                <a:cs typeface="+mn-cs"/>
-              </a:defRPr>
-            </a:lvl1pPr>
-            <a:lvl2pPr marL="742950" indent="-285750" algn="l" defTabSz="457200" rtl="0" eaLnBrk="1" latinLnBrk="1" hangingPunct="1">
-              <a:spcBef>
-                <a:spcPts val="0"/>
-              </a:spcBef>
-              <a:spcAft>
-                <a:spcPts val="1000"/>
-              </a:spcAft>
-              <a:buClr>
-                <a:schemeClr val="tx1"/>
-              </a:buClr>
-              <a:buSzPct val="100000"/>
-              <a:buFont typeface="Arial"/>
-              <a:buChar char="•"/>
-              <a:defRPr sz="1600" kern="1200" cap="none">
-                <a:solidFill>
-                  <a:schemeClr val="tx1"/>
-                </a:solidFill>
-                <a:effectLst/>
-                <a:latin typeface="+mn-lt"/>
-                <a:ea typeface="+mn-ea"/>
-                <a:cs typeface="+mn-cs"/>
-              </a:defRPr>
-            </a:lvl2pPr>
-            <a:lvl3pPr marL="1200150" indent="-285750" algn="l" defTabSz="457200" rtl="0" eaLnBrk="1" latinLnBrk="1" hangingPunct="1">
-              <a:spcBef>
-                <a:spcPts val="0"/>
-              </a:spcBef>
-              <a:spcAft>
-                <a:spcPts val="1000"/>
-              </a:spcAft>
-              <a:buClr>
-                <a:schemeClr val="tx1"/>
-              </a:buClr>
-              <a:buSzPct val="100000"/>
-              <a:buFont typeface="Arial"/>
-              <a:buChar char="•"/>
-              <a:defRPr sz="1400" kern="1200" cap="none">
-                <a:solidFill>
-                  <a:schemeClr val="tx1"/>
-                </a:solidFill>
-                <a:effectLst/>
-                <a:latin typeface="+mn-lt"/>
-                <a:ea typeface="+mn-ea"/>
-                <a:cs typeface="+mn-cs"/>
-              </a:defRPr>
-            </a:lvl3pPr>
-            <a:lvl4pPr marL="1543050" indent="-171450" algn="l" defTabSz="457200" rtl="0" eaLnBrk="1" latinLnBrk="1" hangingPunct="1">
-              <a:spcBef>
-                <a:spcPts val="0"/>
-              </a:spcBef>
-              <a:spcAft>
-                <a:spcPts val="1000"/>
-              </a:spcAft>
-              <a:buClr>
-                <a:schemeClr val="tx1"/>
-              </a:buClr>
-              <a:buSzPct val="100000"/>
-              <a:buFont typeface="Arial"/>
-              <a:buChar char="•"/>
-              <a:defRPr sz="1200" kern="1200" cap="none">
-                <a:solidFill>
-                  <a:schemeClr val="tx1"/>
-                </a:solidFill>
-                <a:effectLst/>
-                <a:latin typeface="+mn-lt"/>
-                <a:ea typeface="+mn-ea"/>
-                <a:cs typeface="+mn-cs"/>
-              </a:defRPr>
-            </a:lvl4pPr>
-            <a:lvl5pPr marL="2000250" indent="-171450" algn="l" defTabSz="457200" rtl="0" eaLnBrk="1" latinLnBrk="1" hangingPunct="1">
-              <a:spcBef>
-                <a:spcPts val="0"/>
-              </a:spcBef>
-              <a:spcAft>
-                <a:spcPts val="1000"/>
-              </a:spcAft>
-              <a:buClr>
-                <a:schemeClr val="tx1"/>
-              </a:buClr>
-              <a:buSzPct val="100000"/>
-              <a:buFont typeface="Arial"/>
-              <a:buChar char="•"/>
-              <a:defRPr sz="1200" kern="1200" cap="none">
-                <a:solidFill>
-                  <a:schemeClr val="tx1"/>
-                </a:solidFill>
-                <a:effectLst/>
-                <a:latin typeface="+mn-lt"/>
-                <a:ea typeface="+mn-ea"/>
-                <a:cs typeface="+mn-cs"/>
-              </a:defRPr>
-            </a:lvl5pPr>
-            <a:lvl6pPr marL="2514600" indent="-228600" algn="l" defTabSz="457200" rtl="0" eaLnBrk="1" latinLnBrk="1" hangingPunct="1">
-              <a:spcBef>
-                <a:spcPts val="0"/>
-              </a:spcBef>
-              <a:spcAft>
-                <a:spcPts val="1000"/>
-              </a:spcAft>
-              <a:buClr>
-                <a:schemeClr val="tx1"/>
-              </a:buClr>
-              <a:buSzPct val="100000"/>
-              <a:buFont typeface="Arial"/>
-              <a:buChar char="•"/>
-              <a:defRPr sz="1200" kern="1200" cap="none">
-                <a:solidFill>
-                  <a:schemeClr val="tx1"/>
-                </a:solidFill>
-                <a:effectLst/>
-                <a:latin typeface="+mn-lt"/>
-                <a:ea typeface="+mn-ea"/>
-                <a:cs typeface="+mn-cs"/>
-              </a:defRPr>
-            </a:lvl6pPr>
-            <a:lvl7pPr marL="2971800" indent="-228600" algn="l" defTabSz="457200" rtl="0" eaLnBrk="1" latinLnBrk="1" hangingPunct="1">
-              <a:spcBef>
-                <a:spcPts val="0"/>
-              </a:spcBef>
-              <a:spcAft>
-                <a:spcPts val="1000"/>
-              </a:spcAft>
-              <a:buClr>
-                <a:schemeClr val="tx1"/>
-              </a:buClr>
-              <a:buSzPct val="100000"/>
-              <a:buFont typeface="Arial"/>
-              <a:buChar char="•"/>
-              <a:defRPr sz="1200" kern="1200" cap="none">
-                <a:solidFill>
-                  <a:schemeClr val="tx1"/>
-                </a:solidFill>
-                <a:effectLst/>
-                <a:latin typeface="+mn-lt"/>
-                <a:ea typeface="+mn-ea"/>
-                <a:cs typeface="+mn-cs"/>
-              </a:defRPr>
-            </a:lvl7pPr>
-            <a:lvl8pPr marL="3429000" indent="-228600" algn="l" defTabSz="457200" rtl="0" eaLnBrk="1" latinLnBrk="1" hangingPunct="1">
-              <a:spcBef>
-                <a:spcPts val="0"/>
-              </a:spcBef>
-              <a:spcAft>
-                <a:spcPts val="1000"/>
-              </a:spcAft>
-              <a:buClr>
-                <a:schemeClr val="tx1"/>
-              </a:buClr>
-              <a:buSzPct val="100000"/>
-              <a:buFont typeface="Arial"/>
-              <a:buChar char="•"/>
-              <a:defRPr sz="1200" kern="1200" cap="none">
-                <a:solidFill>
-                  <a:schemeClr val="tx1"/>
-                </a:solidFill>
-                <a:effectLst/>
-                <a:latin typeface="+mn-lt"/>
-                <a:ea typeface="+mn-ea"/>
-                <a:cs typeface="+mn-cs"/>
-              </a:defRPr>
-            </a:lvl8pPr>
-            <a:lvl9pPr marL="3886200" indent="-228600" algn="l" defTabSz="457200" rtl="0" eaLnBrk="1" latinLnBrk="1" hangingPunct="1">
-              <a:spcBef>
-                <a:spcPts val="0"/>
-              </a:spcBef>
-              <a:spcAft>
-                <a:spcPts val="1000"/>
-              </a:spcAft>
-              <a:buClr>
-                <a:schemeClr val="tx1"/>
-              </a:buClr>
-              <a:buSzPct val="100000"/>
-              <a:buFont typeface="Arial"/>
-              <a:buChar char="•"/>
-              <a:defRPr sz="1200" kern="1200" cap="none">
-                <a:solidFill>
-                  <a:schemeClr val="tx1"/>
-                </a:solidFill>
-                <a:effectLst/>
-                <a:latin typeface="+mn-lt"/>
-                <a:ea typeface="+mn-ea"/>
-                <a:cs typeface="+mn-cs"/>
-              </a:defRPr>
-            </a:lvl9pPr>
-          </a:lstStyle>
-          <a:p>
-            <a:r>
-              <a:rPr lang="ko-KR" altLang="en-US" dirty="0"/>
+          <a:lstStyle/>
+          <a:p>
+            <a:pPr marL="342900" indent="-342900">
+              <a:buFont typeface="+mj-lt"/>
+              <a:buAutoNum type="arabicPeriod"/>
+            </a:pPr>
+            <a:r>
+              <a:rPr lang="ko-KR" altLang="en-US" sz="3000" dirty="0"/>
+              <a:t>게임 소개</a:t>
+            </a:r>
+            <a:endParaRPr lang="en-US" altLang="ko-KR" sz="3000" dirty="0"/>
+          </a:p>
+          <a:p>
+            <a:pPr marL="342900" indent="-342900">
+              <a:buFont typeface="+mj-lt"/>
+              <a:buAutoNum type="arabicPeriod"/>
+            </a:pPr>
+            <a:r>
+              <a:rPr lang="ko-KR" altLang="en-US" sz="3000" dirty="0"/>
+              <a:t>게임 컨셉</a:t>
+            </a:r>
+            <a:endParaRPr lang="en-US" altLang="ko-KR" sz="3000" dirty="0"/>
+          </a:p>
+          <a:p>
+            <a:pPr marL="1028700" lvl="1" indent="-571500">
+              <a:buFont typeface="Arial" panose="020B0604020202020204" pitchFamily="34" charset="0"/>
+              <a:buChar char="•"/>
+            </a:pPr>
+            <a:r>
+              <a:rPr lang="ko-KR" altLang="en-US" sz="2200" dirty="0"/>
+              <a:t>사이클 전환</a:t>
+            </a:r>
+            <a:endParaRPr lang="en-US" altLang="ko-KR" sz="2200" dirty="0"/>
+          </a:p>
+          <a:p>
+            <a:pPr marL="1028700" lvl="1" indent="-571500">
+              <a:buFont typeface="Arial" panose="020B0604020202020204" pitchFamily="34" charset="0"/>
+              <a:buChar char="•"/>
+            </a:pPr>
+            <a:r>
+              <a:rPr lang="ko-KR" altLang="en-US" sz="2200" dirty="0"/>
+              <a:t>밀물</a:t>
+            </a:r>
+            <a:r>
+              <a:rPr lang="en-US" altLang="ko-KR" sz="2200" dirty="0"/>
+              <a:t>,</a:t>
+            </a:r>
+            <a:r>
+              <a:rPr lang="ko-KR" altLang="en-US" sz="2200" dirty="0"/>
+              <a:t>썰물</a:t>
+            </a:r>
+            <a:r>
+              <a:rPr lang="en-US" altLang="ko-KR" sz="2200" dirty="0"/>
+              <a:t>,</a:t>
+            </a:r>
+          </a:p>
+          <a:p>
+            <a:pPr marL="1028700" lvl="1" indent="-571500">
+              <a:buFont typeface="Arial" panose="020B0604020202020204" pitchFamily="34" charset="0"/>
+              <a:buChar char="•"/>
+            </a:pPr>
+            <a:r>
+              <a:rPr lang="ko-KR" altLang="en-US" sz="2200" dirty="0"/>
+              <a:t>폭풍전야</a:t>
+            </a:r>
+            <a:r>
+              <a:rPr lang="en-US" altLang="ko-KR" sz="2200" dirty="0"/>
+              <a:t>,</a:t>
+            </a:r>
+            <a:r>
+              <a:rPr lang="ko-KR" altLang="en-US" sz="2200" dirty="0"/>
+              <a:t>최후의 시련 시기</a:t>
+            </a:r>
+            <a:endParaRPr lang="en-US" altLang="ko-KR" sz="2200" dirty="0"/>
+          </a:p>
+          <a:p>
+            <a:pPr marL="1028700" lvl="1" indent="-571500">
+              <a:buFont typeface="Arial" panose="020B0604020202020204" pitchFamily="34" charset="0"/>
+              <a:buChar char="•"/>
+            </a:pPr>
+            <a:r>
+              <a:rPr lang="ko-KR" altLang="en-US" sz="2200" dirty="0"/>
+              <a:t>탐사</a:t>
+            </a:r>
+            <a:endParaRPr lang="en-US" altLang="ko-KR" sz="2200" dirty="0"/>
+          </a:p>
+          <a:p>
+            <a:pPr marL="1028700" lvl="1" indent="-571500">
+              <a:buFont typeface="Arial" panose="020B0604020202020204" pitchFamily="34" charset="0"/>
+              <a:buChar char="•"/>
+            </a:pPr>
+            <a:r>
+              <a:rPr lang="ko-KR" altLang="en-US" sz="2200" dirty="0"/>
+              <a:t>전투</a:t>
+            </a:r>
+            <a:endParaRPr lang="en-US" altLang="ko-KR" sz="2200" dirty="0"/>
+          </a:p>
+          <a:p>
+            <a:pPr marL="1028700" lvl="1" indent="-571500">
+              <a:buFont typeface="Arial" panose="020B0604020202020204" pitchFamily="34" charset="0"/>
+              <a:buChar char="•"/>
+            </a:pPr>
+            <a:r>
+              <a:rPr lang="ko-KR" altLang="en-US" sz="2200" dirty="0"/>
+              <a:t>레이드</a:t>
+            </a:r>
+            <a:endParaRPr lang="en-US" altLang="ko-KR" sz="2200" dirty="0"/>
+          </a:p>
+          <a:p>
+            <a:pPr marL="1028700" lvl="1" indent="-571500">
+              <a:buFont typeface="Arial" panose="020B0604020202020204" pitchFamily="34" charset="0"/>
+              <a:buChar char="•"/>
+            </a:pPr>
+            <a:r>
+              <a:rPr lang="ko-KR" altLang="en-US" sz="2200" dirty="0"/>
+              <a:t>상점</a:t>
+            </a:r>
+            <a:endParaRPr lang="en-US" altLang="ko-KR" sz="2200" dirty="0"/>
+          </a:p>
+          <a:p>
+            <a:pPr marL="1028700" lvl="1" indent="-571500">
+              <a:buFont typeface="Arial" panose="020B0604020202020204" pitchFamily="34" charset="0"/>
+              <a:buChar char="•"/>
+            </a:pPr>
+            <a:r>
+              <a:rPr lang="ko-KR" altLang="en-US" sz="2200" dirty="0"/>
+              <a:t>엔딩</a:t>
+            </a:r>
+            <a:endParaRPr lang="en-US" altLang="ko-KR" sz="2200" dirty="0"/>
+          </a:p>
+        </p:txBody>
+      </p:sp>
+      <p:sp>
+        <p:nvSpPr>
+          <p:cNvPr id="7" name="TextBox 6">
+            <a:extLst>
+              <a:ext uri="{FF2B5EF4-FFF2-40B4-BE49-F238E27FC236}">
+                <a16:creationId xmlns:a16="http://schemas.microsoft.com/office/drawing/2014/main" id="{8C01D891-07F8-B950-1D99-1F8988B3481D}"/>
+              </a:ext>
+            </a:extLst>
+          </p:cNvPr>
+          <p:cNvSpPr txBox="1"/>
+          <p:nvPr/>
+        </p:nvSpPr>
+        <p:spPr>
+          <a:xfrm>
+            <a:off x="6096000" y="2168339"/>
+            <a:ext cx="4237057" cy="3662541"/>
+          </a:xfrm>
+          <a:prstGeom prst="rect">
+            <a:avLst/>
+          </a:prstGeom>
+          <a:noFill/>
+        </p:spPr>
+        <p:txBody>
+          <a:bodyPr wrap="none" rtlCol="0">
+            <a:spAutoFit/>
+          </a:bodyPr>
+          <a:lstStyle/>
+          <a:p>
+            <a:r>
+              <a:rPr lang="en-US" altLang="ko-KR" sz="4000" dirty="0"/>
+              <a:t>3.</a:t>
+            </a:r>
+            <a:r>
+              <a:rPr lang="ko-KR" altLang="en-US" sz="3000" dirty="0"/>
+              <a:t>아이템</a:t>
+            </a:r>
+            <a:endParaRPr lang="en-US" altLang="ko-KR" sz="3000" dirty="0"/>
+          </a:p>
+          <a:p>
+            <a:pPr marL="1028700" lvl="1" indent="-571500">
+              <a:buFont typeface="Arial" panose="020B0604020202020204" pitchFamily="34" charset="0"/>
+              <a:buChar char="•"/>
+            </a:pPr>
+            <a:r>
+              <a:rPr lang="ko-KR" altLang="en-US" sz="2200" dirty="0"/>
+              <a:t>소비재</a:t>
+            </a:r>
+            <a:r>
+              <a:rPr lang="en-US" altLang="ko-KR" sz="2200" dirty="0"/>
+              <a:t>,</a:t>
+            </a:r>
+            <a:r>
+              <a:rPr lang="ko-KR" altLang="en-US" sz="2200" dirty="0"/>
+              <a:t>식재료</a:t>
+            </a:r>
+            <a:endParaRPr lang="en-US" altLang="ko-KR" sz="2200" dirty="0"/>
+          </a:p>
+          <a:p>
+            <a:pPr marL="1028700" lvl="1" indent="-571500">
+              <a:buFont typeface="Arial" panose="020B0604020202020204" pitchFamily="34" charset="0"/>
+              <a:buChar char="•"/>
+            </a:pPr>
+            <a:r>
+              <a:rPr lang="ko-KR" altLang="en-US" sz="2200" dirty="0"/>
+              <a:t>중간재</a:t>
+            </a:r>
+            <a:endParaRPr lang="en-US" altLang="ko-KR" sz="2200" dirty="0"/>
+          </a:p>
+          <a:p>
+            <a:pPr marL="1028700" lvl="1" indent="-571500">
+              <a:buFont typeface="Arial" panose="020B0604020202020204" pitchFamily="34" charset="0"/>
+              <a:buChar char="•"/>
+            </a:pPr>
+            <a:r>
+              <a:rPr lang="ko-KR" altLang="en-US" sz="2200" dirty="0"/>
               <a:t>원자재</a:t>
             </a:r>
             <a:r>
-              <a:rPr lang="en-US" altLang="ko-KR" dirty="0"/>
-              <a:t>: </a:t>
-            </a:r>
-            <a:r>
-              <a:rPr lang="ko-KR" altLang="en-US" dirty="0"/>
-              <a:t>식재료</a:t>
-            </a:r>
-            <a:r>
-              <a:rPr lang="en-US" altLang="ko-KR" dirty="0"/>
+              <a:rPr lang="en-US" altLang="ko-KR" sz="2200" dirty="0"/>
               <a:t>,</a:t>
             </a:r>
             <a:r>
-              <a:rPr lang="ko-KR" altLang="en-US" dirty="0"/>
-              <a:t>건축재를 만들기 위한 아이템</a:t>
-            </a:r>
-            <a:endParaRPr lang="en-US" altLang="ko-KR" dirty="0"/>
-          </a:p>
-          <a:p>
-            <a:r>
-              <a:rPr lang="ko-KR" altLang="en-US" dirty="0"/>
+              <a:rPr lang="ko-KR" altLang="en-US" sz="2200" dirty="0"/>
               <a:t>연료</a:t>
             </a:r>
-            <a:r>
-              <a:rPr lang="en-US" altLang="ko-KR" dirty="0"/>
-              <a:t>: </a:t>
-            </a:r>
-            <a:r>
-              <a:rPr lang="ko-KR" altLang="en-US" dirty="0"/>
-              <a:t>건물을 가동시키는 동력원</a:t>
-            </a:r>
-            <a:endParaRPr lang="en-US" altLang="ko-KR" dirty="0"/>
+            <a:endParaRPr lang="en-US" altLang="ko-KR" sz="2200" dirty="0"/>
+          </a:p>
+          <a:p>
+            <a:pPr marL="1028700" lvl="1" indent="-571500">
+              <a:buFont typeface="Arial" panose="020B0604020202020204" pitchFamily="34" charset="0"/>
+              <a:buChar char="•"/>
+            </a:pPr>
+            <a:r>
+              <a:rPr lang="ko-KR" altLang="en-US" sz="2200" dirty="0"/>
+              <a:t>건축재 토양 건물 파이프</a:t>
+            </a:r>
+            <a:endParaRPr lang="en-US" altLang="ko-KR" sz="2200" dirty="0"/>
+          </a:p>
+          <a:p>
+            <a:pPr marL="1028700" lvl="1" indent="-571500">
+              <a:buFont typeface="Arial" panose="020B0604020202020204" pitchFamily="34" charset="0"/>
+              <a:buChar char="•"/>
+            </a:pPr>
+            <a:r>
+              <a:rPr lang="ko-KR" altLang="en-US" sz="2200" dirty="0"/>
+              <a:t>건물의 종류</a:t>
+            </a:r>
+            <a:endParaRPr lang="en-US" altLang="ko-KR" sz="2200" dirty="0"/>
+          </a:p>
+          <a:p>
+            <a:pPr marL="1028700" lvl="1" indent="-571500">
+              <a:buFont typeface="Arial" panose="020B0604020202020204" pitchFamily="34" charset="0"/>
+              <a:buChar char="•"/>
+            </a:pPr>
+            <a:r>
+              <a:rPr lang="ko-KR" altLang="en-US" sz="2200" dirty="0"/>
+              <a:t>건물의 디자인</a:t>
+            </a:r>
+            <a:endParaRPr lang="en-US" altLang="ko-KR" sz="2200" dirty="0"/>
+          </a:p>
+          <a:p>
+            <a:r>
+              <a:rPr lang="en-US" altLang="ko-KR" sz="3000" dirty="0"/>
+              <a:t>4.</a:t>
+            </a:r>
+            <a:r>
+              <a:rPr lang="ko-KR" altLang="en-US" sz="3000" dirty="0"/>
+              <a:t>수강 과목</a:t>
+            </a:r>
+            <a:endParaRPr lang="en-US" altLang="ko-KR" sz="3000" dirty="0"/>
+          </a:p>
+          <a:p>
+            <a:r>
+              <a:rPr lang="en-US" altLang="ko-KR" sz="3000" dirty="0"/>
+              <a:t>5.</a:t>
+            </a:r>
+            <a:r>
+              <a:rPr lang="ko-KR" altLang="en-US" sz="3000" dirty="0"/>
+              <a:t>참고 문헌</a:t>
+            </a:r>
+            <a:endParaRPr lang="en-US" altLang="ko-KR" sz="3000" dirty="0"/>
           </a:p>
         </p:txBody>
       </p:sp>
     </p:spTree>
     <p:extLst>
       <p:ext uri="{BB962C8B-B14F-4D97-AF65-F5344CB8AC3E}">
-        <p14:creationId xmlns:p14="http://schemas.microsoft.com/office/powerpoint/2010/main" val="360440818"/>
+        <p14:creationId xmlns:p14="http://schemas.microsoft.com/office/powerpoint/2010/main" val="26214237"/>
       </p:ext>
     </p:extLst>
   </p:cSld>
@@ -7404,7 +9917,7 @@
 </p:sld>
 </file>
 
-<file path=ppt/slides/slide13.xml><?xml version="1.0" encoding="utf-8"?>
+<file path=ppt/slides/slide20.xml><?xml version="1.0" encoding="utf-8"?>
 <p:sld xmlns:a="http://schemas.openxmlformats.org/drawingml/2006/main" xmlns:r="http://schemas.openxmlformats.org/officeDocument/2006/relationships" xmlns:p="http://schemas.openxmlformats.org/presentationml/2006/main">
   <p:cSld>
     <p:spTree>
@@ -7489,7 +10002,7 @@
         </p:blipFill>
         <p:spPr>
           <a:xfrm>
-            <a:off x="685801" y="2207077"/>
+            <a:off x="685801" y="2132429"/>
             <a:ext cx="6076800" cy="3798000"/>
           </a:xfrm>
           <a:prstGeom prst="rect">
@@ -7513,7 +10026,7 @@
         </p:nvSpPr>
         <p:spPr>
           <a:xfrm>
-            <a:off x="6876661" y="2206909"/>
+            <a:off x="6876661" y="2132429"/>
             <a:ext cx="3940565" cy="3798168"/>
           </a:xfrm>
           <a:prstGeom prst="rect">
@@ -8098,7 +10611,7 @@
     </p:spTree>
     <p:extLst>
       <p:ext uri="{BB962C8B-B14F-4D97-AF65-F5344CB8AC3E}">
-        <p14:creationId xmlns:p14="http://schemas.microsoft.com/office/powerpoint/2010/main" val="4193896562"/>
+        <p14:creationId xmlns:p14="http://schemas.microsoft.com/office/powerpoint/2010/main" val="3439287893"/>
       </p:ext>
     </p:extLst>
   </p:cSld>
@@ -8108,7 +10621,7 @@
 </p:sld>
 </file>
 
-<file path=ppt/slides/slide14.xml><?xml version="1.0" encoding="utf-8"?>
+<file path=ppt/slides/slide21.xml><?xml version="1.0" encoding="utf-8"?>
 <p:sld xmlns:a="http://schemas.openxmlformats.org/drawingml/2006/main" xmlns:r="http://schemas.openxmlformats.org/officeDocument/2006/relationships" xmlns:p="http://schemas.openxmlformats.org/presentationml/2006/main">
   <p:cSld>
     <p:spTree>
@@ -8142,6 +10655,10 @@
           </p:nvPr>
         </p:nvSpPr>
         <p:spPr>
+          <a:xfrm>
+            <a:off x="685801" y="609600"/>
+            <a:ext cx="10131425" cy="1456267"/>
+          </a:xfrm>
           <a:solidFill>
             <a:schemeClr val="accent2">
               <a:lumMod val="20000"/>
@@ -8156,17 +10673,319 @@
           <a:p>
             <a:r>
               <a:rPr lang="ko-KR" altLang="en-US" dirty="0"/>
-              <a:t>중간재 </a:t>
-            </a:r>
+              <a:t>건물의 디자인</a:t>
+            </a:r>
+          </a:p>
+        </p:txBody>
+      </p:sp>
+      <p:sp>
+        <p:nvSpPr>
+          <p:cNvPr id="9" name="내용 개체 틀 2">
+            <a:extLst>
+              <a:ext uri="{FF2B5EF4-FFF2-40B4-BE49-F238E27FC236}">
+                <a16:creationId xmlns:a16="http://schemas.microsoft.com/office/drawing/2014/main" id="{6D63F34C-D108-B4CD-12A1-77154C966FFA}"/>
+              </a:ext>
+            </a:extLst>
+          </p:cNvPr>
+          <p:cNvSpPr txBox="1">
+            <a:spLocks/>
+          </p:cNvSpPr>
+          <p:nvPr/>
+        </p:nvSpPr>
+        <p:spPr>
+          <a:xfrm>
+            <a:off x="6876661" y="2132261"/>
+            <a:ext cx="3940565" cy="3798168"/>
+          </a:xfrm>
+          <a:prstGeom prst="rect">
+            <a:avLst/>
+          </a:prstGeom>
+          <a:solidFill>
+            <a:schemeClr val="accent2">
+              <a:lumMod val="20000"/>
+              <a:lumOff val="80000"/>
+              <a:alpha val="50000"/>
+            </a:schemeClr>
+          </a:solidFill>
+        </p:spPr>
+        <p:txBody>
+          <a:bodyPr vert="horz" lIns="91440" tIns="45720" rIns="91440" bIns="45720" rtlCol="0" anchor="ctr">
+            <a:normAutofit/>
+          </a:bodyPr>
+          <a:lstStyle>
+            <a:lvl1pPr marL="285750" indent="-285750" algn="l" defTabSz="457200" rtl="0" eaLnBrk="1" latinLnBrk="1" hangingPunct="1">
+              <a:spcBef>
+                <a:spcPts val="0"/>
+              </a:spcBef>
+              <a:spcAft>
+                <a:spcPts val="1000"/>
+              </a:spcAft>
+              <a:buClr>
+                <a:schemeClr val="tx1"/>
+              </a:buClr>
+              <a:buSzPct val="100000"/>
+              <a:buFont typeface="Arial"/>
+              <a:buChar char="•"/>
+              <a:defRPr sz="1800" kern="1200" cap="none">
+                <a:solidFill>
+                  <a:schemeClr val="tx1"/>
+                </a:solidFill>
+                <a:effectLst/>
+                <a:latin typeface="+mn-lt"/>
+                <a:ea typeface="+mn-ea"/>
+                <a:cs typeface="+mn-cs"/>
+              </a:defRPr>
+            </a:lvl1pPr>
+            <a:lvl2pPr marL="742950" indent="-285750" algn="l" defTabSz="457200" rtl="0" eaLnBrk="1" latinLnBrk="1" hangingPunct="1">
+              <a:spcBef>
+                <a:spcPts val="0"/>
+              </a:spcBef>
+              <a:spcAft>
+                <a:spcPts val="1000"/>
+              </a:spcAft>
+              <a:buClr>
+                <a:schemeClr val="tx1"/>
+              </a:buClr>
+              <a:buSzPct val="100000"/>
+              <a:buFont typeface="Arial"/>
+              <a:buChar char="•"/>
+              <a:defRPr sz="1600" kern="1200" cap="none">
+                <a:solidFill>
+                  <a:schemeClr val="tx1"/>
+                </a:solidFill>
+                <a:effectLst/>
+                <a:latin typeface="+mn-lt"/>
+                <a:ea typeface="+mn-ea"/>
+                <a:cs typeface="+mn-cs"/>
+              </a:defRPr>
+            </a:lvl2pPr>
+            <a:lvl3pPr marL="1200150" indent="-285750" algn="l" defTabSz="457200" rtl="0" eaLnBrk="1" latinLnBrk="1" hangingPunct="1">
+              <a:spcBef>
+                <a:spcPts val="0"/>
+              </a:spcBef>
+              <a:spcAft>
+                <a:spcPts val="1000"/>
+              </a:spcAft>
+              <a:buClr>
+                <a:schemeClr val="tx1"/>
+              </a:buClr>
+              <a:buSzPct val="100000"/>
+              <a:buFont typeface="Arial"/>
+              <a:buChar char="•"/>
+              <a:defRPr sz="1400" kern="1200" cap="none">
+                <a:solidFill>
+                  <a:schemeClr val="tx1"/>
+                </a:solidFill>
+                <a:effectLst/>
+                <a:latin typeface="+mn-lt"/>
+                <a:ea typeface="+mn-ea"/>
+                <a:cs typeface="+mn-cs"/>
+              </a:defRPr>
+            </a:lvl3pPr>
+            <a:lvl4pPr marL="1543050" indent="-171450" algn="l" defTabSz="457200" rtl="0" eaLnBrk="1" latinLnBrk="1" hangingPunct="1">
+              <a:spcBef>
+                <a:spcPts val="0"/>
+              </a:spcBef>
+              <a:spcAft>
+                <a:spcPts val="1000"/>
+              </a:spcAft>
+              <a:buClr>
+                <a:schemeClr val="tx1"/>
+              </a:buClr>
+              <a:buSzPct val="100000"/>
+              <a:buFont typeface="Arial"/>
+              <a:buChar char="•"/>
+              <a:defRPr sz="1200" kern="1200" cap="none">
+                <a:solidFill>
+                  <a:schemeClr val="tx1"/>
+                </a:solidFill>
+                <a:effectLst/>
+                <a:latin typeface="+mn-lt"/>
+                <a:ea typeface="+mn-ea"/>
+                <a:cs typeface="+mn-cs"/>
+              </a:defRPr>
+            </a:lvl4pPr>
+            <a:lvl5pPr marL="2000250" indent="-171450" algn="l" defTabSz="457200" rtl="0" eaLnBrk="1" latinLnBrk="1" hangingPunct="1">
+              <a:spcBef>
+                <a:spcPts val="0"/>
+              </a:spcBef>
+              <a:spcAft>
+                <a:spcPts val="1000"/>
+              </a:spcAft>
+              <a:buClr>
+                <a:schemeClr val="tx1"/>
+              </a:buClr>
+              <a:buSzPct val="100000"/>
+              <a:buFont typeface="Arial"/>
+              <a:buChar char="•"/>
+              <a:defRPr sz="1200" kern="1200" cap="none">
+                <a:solidFill>
+                  <a:schemeClr val="tx1"/>
+                </a:solidFill>
+                <a:effectLst/>
+                <a:latin typeface="+mn-lt"/>
+                <a:ea typeface="+mn-ea"/>
+                <a:cs typeface="+mn-cs"/>
+              </a:defRPr>
+            </a:lvl5pPr>
+            <a:lvl6pPr marL="2514600" indent="-228600" algn="l" defTabSz="457200" rtl="0" eaLnBrk="1" latinLnBrk="1" hangingPunct="1">
+              <a:spcBef>
+                <a:spcPts val="0"/>
+              </a:spcBef>
+              <a:spcAft>
+                <a:spcPts val="1000"/>
+              </a:spcAft>
+              <a:buClr>
+                <a:schemeClr val="tx1"/>
+              </a:buClr>
+              <a:buSzPct val="100000"/>
+              <a:buFont typeface="Arial"/>
+              <a:buChar char="•"/>
+              <a:defRPr sz="1200" kern="1200" cap="none">
+                <a:solidFill>
+                  <a:schemeClr val="tx1"/>
+                </a:solidFill>
+                <a:effectLst/>
+                <a:latin typeface="+mn-lt"/>
+                <a:ea typeface="+mn-ea"/>
+                <a:cs typeface="+mn-cs"/>
+              </a:defRPr>
+            </a:lvl6pPr>
+            <a:lvl7pPr marL="2971800" indent="-228600" algn="l" defTabSz="457200" rtl="0" eaLnBrk="1" latinLnBrk="1" hangingPunct="1">
+              <a:spcBef>
+                <a:spcPts val="0"/>
+              </a:spcBef>
+              <a:spcAft>
+                <a:spcPts val="1000"/>
+              </a:spcAft>
+              <a:buClr>
+                <a:schemeClr val="tx1"/>
+              </a:buClr>
+              <a:buSzPct val="100000"/>
+              <a:buFont typeface="Arial"/>
+              <a:buChar char="•"/>
+              <a:defRPr sz="1200" kern="1200" cap="none">
+                <a:solidFill>
+                  <a:schemeClr val="tx1"/>
+                </a:solidFill>
+                <a:effectLst/>
+                <a:latin typeface="+mn-lt"/>
+                <a:ea typeface="+mn-ea"/>
+                <a:cs typeface="+mn-cs"/>
+              </a:defRPr>
+            </a:lvl7pPr>
+            <a:lvl8pPr marL="3429000" indent="-228600" algn="l" defTabSz="457200" rtl="0" eaLnBrk="1" latinLnBrk="1" hangingPunct="1">
+              <a:spcBef>
+                <a:spcPts val="0"/>
+              </a:spcBef>
+              <a:spcAft>
+                <a:spcPts val="1000"/>
+              </a:spcAft>
+              <a:buClr>
+                <a:schemeClr val="tx1"/>
+              </a:buClr>
+              <a:buSzPct val="100000"/>
+              <a:buFont typeface="Arial"/>
+              <a:buChar char="•"/>
+              <a:defRPr sz="1200" kern="1200" cap="none">
+                <a:solidFill>
+                  <a:schemeClr val="tx1"/>
+                </a:solidFill>
+                <a:effectLst/>
+                <a:latin typeface="+mn-lt"/>
+                <a:ea typeface="+mn-ea"/>
+                <a:cs typeface="+mn-cs"/>
+              </a:defRPr>
+            </a:lvl8pPr>
+            <a:lvl9pPr marL="3886200" indent="-228600" algn="l" defTabSz="457200" rtl="0" eaLnBrk="1" latinLnBrk="1" hangingPunct="1">
+              <a:spcBef>
+                <a:spcPts val="0"/>
+              </a:spcBef>
+              <a:spcAft>
+                <a:spcPts val="1000"/>
+              </a:spcAft>
+              <a:buClr>
+                <a:schemeClr val="tx1"/>
+              </a:buClr>
+              <a:buSzPct val="100000"/>
+              <a:buFont typeface="Arial"/>
+              <a:buChar char="•"/>
+              <a:defRPr sz="1200" kern="1200" cap="none">
+                <a:solidFill>
+                  <a:schemeClr val="tx1"/>
+                </a:solidFill>
+                <a:effectLst/>
+                <a:latin typeface="+mn-lt"/>
+                <a:ea typeface="+mn-ea"/>
+                <a:cs typeface="+mn-cs"/>
+              </a:defRPr>
+            </a:lvl9pPr>
+          </a:lstStyle>
+          <a:p>
+            <a:pPr algn="l">
+              <a:buFont typeface="Arial" panose="020B0604020202020204" pitchFamily="34" charset="0"/>
+              <a:buChar char="•"/>
+            </a:pPr>
+            <a:r>
+              <a:rPr lang="ko-KR" altLang="en-US" b="0" i="0" dirty="0">
+                <a:effectLst/>
+                <a:latin typeface="-apple-system"/>
+              </a:rPr>
+              <a:t>건물은 사람만한 실험용 기구로 되어 </a:t>
+            </a:r>
+            <a:r>
+              <a:rPr lang="ko-KR" altLang="en-US" dirty="0">
+                <a:latin typeface="-apple-system"/>
+              </a:rPr>
+              <a:t>있는</a:t>
+            </a:r>
+            <a:r>
+              <a:rPr lang="ko-KR" altLang="en-US" b="0" i="0" dirty="0">
+                <a:effectLst/>
+                <a:latin typeface="-apple-system"/>
+              </a:rPr>
+              <a:t> 디자인을 사용한다</a:t>
+            </a:r>
+            <a:r>
+              <a:rPr lang="en-US" altLang="ko-KR" b="0" i="0" dirty="0">
+                <a:effectLst/>
+                <a:latin typeface="-apple-system"/>
+              </a:rPr>
+              <a:t>.</a:t>
+            </a:r>
+          </a:p>
+          <a:p>
+            <a:pPr algn="l">
+              <a:buFont typeface="Arial" panose="020B0604020202020204" pitchFamily="34" charset="0"/>
+              <a:buChar char="•"/>
+            </a:pPr>
+            <a:r>
+              <a:rPr lang="ko-KR" altLang="en-US" b="0" i="0" dirty="0">
+                <a:effectLst/>
+                <a:latin typeface="-apple-system"/>
+              </a:rPr>
+              <a:t>기지를 하늘에서 바라본다면 실험실 테이블과 같은 형태를 띄게 될 것으로 기대한다</a:t>
+            </a:r>
+            <a:r>
+              <a:rPr lang="en-US" altLang="ko-KR" b="0" i="0" dirty="0">
+                <a:effectLst/>
+                <a:latin typeface="-apple-system"/>
+              </a:rPr>
+              <a:t>.</a:t>
+            </a:r>
+            <a:endParaRPr lang="ko-KR" altLang="en-US" b="0" i="0" dirty="0">
+              <a:effectLst/>
+              <a:latin typeface="-apple-system"/>
+            </a:endParaRPr>
           </a:p>
         </p:txBody>
       </p:sp>
       <p:pic>
         <p:nvPicPr>
-          <p:cNvPr id="8" name="그림 7" descr="텍스트, 스크린샷, 소프트웨어이(가) 표시된 사진&#10;&#10;자동 생성된 설명">
+          <p:cNvPr id="6" name="그림 5" descr="만화 영화, 장난감, 축적 모형이(가) 표시된 사진&#10;&#10;자동 생성된 설명">
             <a:extLst>
               <a:ext uri="{FF2B5EF4-FFF2-40B4-BE49-F238E27FC236}">
-                <a16:creationId xmlns:a16="http://schemas.microsoft.com/office/drawing/2014/main" id="{DFDFE723-F787-2CC8-78CA-A6FF832856E9}"/>
+                <a16:creationId xmlns:a16="http://schemas.microsoft.com/office/drawing/2014/main" id="{1A9CC81C-FFB2-F803-6921-A2AF781C5B5B}"/>
               </a:ext>
             </a:extLst>
           </p:cNvPr>
@@ -8189,8 +11008,8 @@
         </p:blipFill>
         <p:spPr>
           <a:xfrm>
-            <a:off x="685801" y="2217134"/>
-            <a:ext cx="6076800" cy="3798000"/>
+            <a:off x="714375" y="2132261"/>
+            <a:ext cx="5391633" cy="3798000"/>
           </a:xfrm>
           <a:prstGeom prst="rect">
             <a:avLst/>
@@ -8200,7 +11019,7 @@
     </p:spTree>
     <p:extLst>
       <p:ext uri="{BB962C8B-B14F-4D97-AF65-F5344CB8AC3E}">
-        <p14:creationId xmlns:p14="http://schemas.microsoft.com/office/powerpoint/2010/main" val="2276608758"/>
+        <p14:creationId xmlns:p14="http://schemas.microsoft.com/office/powerpoint/2010/main" val="4193896562"/>
       </p:ext>
     </p:extLst>
   </p:cSld>
@@ -8210,7 +11029,7 @@
 </p:sld>
 </file>
 
-<file path=ppt/slides/slide15.xml><?xml version="1.0" encoding="utf-8"?>
+<file path=ppt/slides/slide22.xml><?xml version="1.0" encoding="utf-8"?>
 <p:sld xmlns:a="http://schemas.openxmlformats.org/drawingml/2006/main" xmlns:r="http://schemas.openxmlformats.org/officeDocument/2006/relationships" xmlns:p="http://schemas.openxmlformats.org/presentationml/2006/main">
   <p:cSld>
     <p:spTree>
@@ -8229,10 +11048,261 @@
       </p:grpSpPr>
       <p:sp>
         <p:nvSpPr>
-          <p:cNvPr id="2" name="제목 1">
+          <p:cNvPr id="14" name="내용 개체 틀 2">
             <a:extLst>
               <a:ext uri="{FF2B5EF4-FFF2-40B4-BE49-F238E27FC236}">
-                <a16:creationId xmlns:a16="http://schemas.microsoft.com/office/drawing/2014/main" id="{CDFD7412-7A37-454A-BD81-F7FCA4765680}"/>
+                <a16:creationId xmlns:a16="http://schemas.microsoft.com/office/drawing/2014/main" id="{CADAC4F1-0A7E-1513-5CEE-05194359B1FA}"/>
+              </a:ext>
+            </a:extLst>
+          </p:cNvPr>
+          <p:cNvSpPr txBox="1">
+            <a:spLocks/>
+          </p:cNvSpPr>
+          <p:nvPr/>
+        </p:nvSpPr>
+        <p:spPr>
+          <a:xfrm>
+            <a:off x="685802" y="2142067"/>
+            <a:ext cx="3284312" cy="3798168"/>
+          </a:xfrm>
+          <a:prstGeom prst="rect">
+            <a:avLst/>
+          </a:prstGeom>
+          <a:solidFill>
+            <a:schemeClr val="accent2">
+              <a:lumMod val="20000"/>
+              <a:lumOff val="80000"/>
+              <a:alpha val="50000"/>
+            </a:schemeClr>
+          </a:solidFill>
+        </p:spPr>
+        <p:txBody>
+          <a:bodyPr vert="horz" lIns="91440" tIns="45720" rIns="91440" bIns="45720" rtlCol="0" anchor="ctr">
+            <a:normAutofit/>
+          </a:bodyPr>
+          <a:lstStyle>
+            <a:lvl1pPr marL="285750" indent="-285750" algn="l" defTabSz="457200" rtl="0" eaLnBrk="1" latinLnBrk="1" hangingPunct="1">
+              <a:spcBef>
+                <a:spcPts val="0"/>
+              </a:spcBef>
+              <a:spcAft>
+                <a:spcPts val="1000"/>
+              </a:spcAft>
+              <a:buClr>
+                <a:schemeClr val="tx1"/>
+              </a:buClr>
+              <a:buSzPct val="100000"/>
+              <a:buFont typeface="Arial"/>
+              <a:buChar char="•"/>
+              <a:defRPr sz="1800" kern="1200" cap="none">
+                <a:solidFill>
+                  <a:schemeClr val="tx1"/>
+                </a:solidFill>
+                <a:effectLst/>
+                <a:latin typeface="+mn-lt"/>
+                <a:ea typeface="+mn-ea"/>
+                <a:cs typeface="+mn-cs"/>
+              </a:defRPr>
+            </a:lvl1pPr>
+            <a:lvl2pPr marL="742950" indent="-285750" algn="l" defTabSz="457200" rtl="0" eaLnBrk="1" latinLnBrk="1" hangingPunct="1">
+              <a:spcBef>
+                <a:spcPts val="0"/>
+              </a:spcBef>
+              <a:spcAft>
+                <a:spcPts val="1000"/>
+              </a:spcAft>
+              <a:buClr>
+                <a:schemeClr val="tx1"/>
+              </a:buClr>
+              <a:buSzPct val="100000"/>
+              <a:buFont typeface="Arial"/>
+              <a:buChar char="•"/>
+              <a:defRPr sz="1600" kern="1200" cap="none">
+                <a:solidFill>
+                  <a:schemeClr val="tx1"/>
+                </a:solidFill>
+                <a:effectLst/>
+                <a:latin typeface="+mn-lt"/>
+                <a:ea typeface="+mn-ea"/>
+                <a:cs typeface="+mn-cs"/>
+              </a:defRPr>
+            </a:lvl2pPr>
+            <a:lvl3pPr marL="1200150" indent="-285750" algn="l" defTabSz="457200" rtl="0" eaLnBrk="1" latinLnBrk="1" hangingPunct="1">
+              <a:spcBef>
+                <a:spcPts val="0"/>
+              </a:spcBef>
+              <a:spcAft>
+                <a:spcPts val="1000"/>
+              </a:spcAft>
+              <a:buClr>
+                <a:schemeClr val="tx1"/>
+              </a:buClr>
+              <a:buSzPct val="100000"/>
+              <a:buFont typeface="Arial"/>
+              <a:buChar char="•"/>
+              <a:defRPr sz="1400" kern="1200" cap="none">
+                <a:solidFill>
+                  <a:schemeClr val="tx1"/>
+                </a:solidFill>
+                <a:effectLst/>
+                <a:latin typeface="+mn-lt"/>
+                <a:ea typeface="+mn-ea"/>
+                <a:cs typeface="+mn-cs"/>
+              </a:defRPr>
+            </a:lvl3pPr>
+            <a:lvl4pPr marL="1543050" indent="-171450" algn="l" defTabSz="457200" rtl="0" eaLnBrk="1" latinLnBrk="1" hangingPunct="1">
+              <a:spcBef>
+                <a:spcPts val="0"/>
+              </a:spcBef>
+              <a:spcAft>
+                <a:spcPts val="1000"/>
+              </a:spcAft>
+              <a:buClr>
+                <a:schemeClr val="tx1"/>
+              </a:buClr>
+              <a:buSzPct val="100000"/>
+              <a:buFont typeface="Arial"/>
+              <a:buChar char="•"/>
+              <a:defRPr sz="1200" kern="1200" cap="none">
+                <a:solidFill>
+                  <a:schemeClr val="tx1"/>
+                </a:solidFill>
+                <a:effectLst/>
+                <a:latin typeface="+mn-lt"/>
+                <a:ea typeface="+mn-ea"/>
+                <a:cs typeface="+mn-cs"/>
+              </a:defRPr>
+            </a:lvl4pPr>
+            <a:lvl5pPr marL="2000250" indent="-171450" algn="l" defTabSz="457200" rtl="0" eaLnBrk="1" latinLnBrk="1" hangingPunct="1">
+              <a:spcBef>
+                <a:spcPts val="0"/>
+              </a:spcBef>
+              <a:spcAft>
+                <a:spcPts val="1000"/>
+              </a:spcAft>
+              <a:buClr>
+                <a:schemeClr val="tx1"/>
+              </a:buClr>
+              <a:buSzPct val="100000"/>
+              <a:buFont typeface="Arial"/>
+              <a:buChar char="•"/>
+              <a:defRPr sz="1200" kern="1200" cap="none">
+                <a:solidFill>
+                  <a:schemeClr val="tx1"/>
+                </a:solidFill>
+                <a:effectLst/>
+                <a:latin typeface="+mn-lt"/>
+                <a:ea typeface="+mn-ea"/>
+                <a:cs typeface="+mn-cs"/>
+              </a:defRPr>
+            </a:lvl5pPr>
+            <a:lvl6pPr marL="2514600" indent="-228600" algn="l" defTabSz="457200" rtl="0" eaLnBrk="1" latinLnBrk="1" hangingPunct="1">
+              <a:spcBef>
+                <a:spcPts val="0"/>
+              </a:spcBef>
+              <a:spcAft>
+                <a:spcPts val="1000"/>
+              </a:spcAft>
+              <a:buClr>
+                <a:schemeClr val="tx1"/>
+              </a:buClr>
+              <a:buSzPct val="100000"/>
+              <a:buFont typeface="Arial"/>
+              <a:buChar char="•"/>
+              <a:defRPr sz="1200" kern="1200" cap="none">
+                <a:solidFill>
+                  <a:schemeClr val="tx1"/>
+                </a:solidFill>
+                <a:effectLst/>
+                <a:latin typeface="+mn-lt"/>
+                <a:ea typeface="+mn-ea"/>
+                <a:cs typeface="+mn-cs"/>
+              </a:defRPr>
+            </a:lvl6pPr>
+            <a:lvl7pPr marL="2971800" indent="-228600" algn="l" defTabSz="457200" rtl="0" eaLnBrk="1" latinLnBrk="1" hangingPunct="1">
+              <a:spcBef>
+                <a:spcPts val="0"/>
+              </a:spcBef>
+              <a:spcAft>
+                <a:spcPts val="1000"/>
+              </a:spcAft>
+              <a:buClr>
+                <a:schemeClr val="tx1"/>
+              </a:buClr>
+              <a:buSzPct val="100000"/>
+              <a:buFont typeface="Arial"/>
+              <a:buChar char="•"/>
+              <a:defRPr sz="1200" kern="1200" cap="none">
+                <a:solidFill>
+                  <a:schemeClr val="tx1"/>
+                </a:solidFill>
+                <a:effectLst/>
+                <a:latin typeface="+mn-lt"/>
+                <a:ea typeface="+mn-ea"/>
+                <a:cs typeface="+mn-cs"/>
+              </a:defRPr>
+            </a:lvl7pPr>
+            <a:lvl8pPr marL="3429000" indent="-228600" algn="l" defTabSz="457200" rtl="0" eaLnBrk="1" latinLnBrk="1" hangingPunct="1">
+              <a:spcBef>
+                <a:spcPts val="0"/>
+              </a:spcBef>
+              <a:spcAft>
+                <a:spcPts val="1000"/>
+              </a:spcAft>
+              <a:buClr>
+                <a:schemeClr val="tx1"/>
+              </a:buClr>
+              <a:buSzPct val="100000"/>
+              <a:buFont typeface="Arial"/>
+              <a:buChar char="•"/>
+              <a:defRPr sz="1200" kern="1200" cap="none">
+                <a:solidFill>
+                  <a:schemeClr val="tx1"/>
+                </a:solidFill>
+                <a:effectLst/>
+                <a:latin typeface="+mn-lt"/>
+                <a:ea typeface="+mn-ea"/>
+                <a:cs typeface="+mn-cs"/>
+              </a:defRPr>
+            </a:lvl8pPr>
+            <a:lvl9pPr marL="3886200" indent="-228600" algn="l" defTabSz="457200" rtl="0" eaLnBrk="1" latinLnBrk="1" hangingPunct="1">
+              <a:spcBef>
+                <a:spcPts val="0"/>
+              </a:spcBef>
+              <a:spcAft>
+                <a:spcPts val="1000"/>
+              </a:spcAft>
+              <a:buClr>
+                <a:schemeClr val="tx1"/>
+              </a:buClr>
+              <a:buSzPct val="100000"/>
+              <a:buFont typeface="Arial"/>
+              <a:buChar char="•"/>
+              <a:defRPr sz="1200" kern="1200" cap="none">
+                <a:solidFill>
+                  <a:schemeClr val="tx1"/>
+                </a:solidFill>
+                <a:effectLst/>
+                <a:latin typeface="+mn-lt"/>
+                <a:ea typeface="+mn-ea"/>
+                <a:cs typeface="+mn-cs"/>
+              </a:defRPr>
+            </a:lvl9pPr>
+          </a:lstStyle>
+          <a:p>
+            <a:pPr>
+              <a:buClrTx/>
+            </a:pPr>
+            <a:endParaRPr lang="en-US" altLang="ko-KR" dirty="0"/>
+          </a:p>
+        </p:txBody>
+      </p:sp>
+      <p:sp>
+        <p:nvSpPr>
+          <p:cNvPr id="4" name="제목 1">
+            <a:extLst>
+              <a:ext uri="{FF2B5EF4-FFF2-40B4-BE49-F238E27FC236}">
+                <a16:creationId xmlns:a16="http://schemas.microsoft.com/office/drawing/2014/main" id="{0B1DA833-78C9-1074-2F78-C0CA5C206F07}"/>
               </a:ext>
             </a:extLst>
           </p:cNvPr>
@@ -8244,53 +11314,9 @@
           </p:nvPr>
         </p:nvSpPr>
         <p:spPr>
-          <a:solidFill>
-            <a:schemeClr val="accent2">
-              <a:lumMod val="20000"/>
-              <a:lumOff val="80000"/>
-              <a:alpha val="50000"/>
-            </a:schemeClr>
-          </a:solidFill>
-        </p:spPr>
-        <p:txBody>
-          <a:bodyPr/>
-          <a:lstStyle/>
-          <a:p>
-            <a:r>
-              <a:rPr lang="ko-KR" altLang="en-US" dirty="0"/>
-              <a:t>상점 </a:t>
-            </a:r>
-            <a:r>
-              <a:rPr lang="en-US" altLang="ko-KR" dirty="0"/>
-              <a:t>- </a:t>
-            </a:r>
-            <a:r>
-              <a:rPr lang="ko-KR" altLang="en-US" dirty="0"/>
-              <a:t>플레이어 기지의 효율성 증가</a:t>
-            </a:r>
-          </a:p>
-        </p:txBody>
-      </p:sp>
-      <p:sp>
-        <p:nvSpPr>
-          <p:cNvPr id="3" name="내용 개체 틀 2">
-            <a:extLst>
-              <a:ext uri="{FF2B5EF4-FFF2-40B4-BE49-F238E27FC236}">
-                <a16:creationId xmlns:a16="http://schemas.microsoft.com/office/drawing/2014/main" id="{D4B1CE7D-45CA-4AA1-AE0F-7D9B60E3357E}"/>
-              </a:ext>
-            </a:extLst>
-          </p:cNvPr>
-          <p:cNvSpPr>
-            <a:spLocks noGrp="1"/>
-          </p:cNvSpPr>
-          <p:nvPr>
-            <p:ph idx="1"/>
-          </p:nvPr>
-        </p:nvSpPr>
-        <p:spPr>
           <a:xfrm>
-            <a:off x="685802" y="2142067"/>
-            <a:ext cx="6752296" cy="3798168"/>
+            <a:off x="685801" y="609600"/>
+            <a:ext cx="10131425" cy="1456267"/>
           </a:xfrm>
           <a:solidFill>
             <a:schemeClr val="accent2">
@@ -8301,266 +11327,942 @@
           </a:solidFill>
         </p:spPr>
         <p:txBody>
-          <a:bodyPr>
-            <a:normAutofit/>
-          </a:bodyPr>
+          <a:bodyPr/>
           <a:lstStyle/>
           <a:p>
-            <a:pPr algn="l">
-              <a:buFont typeface="Arial" panose="020B0604020202020204" pitchFamily="34" charset="0"/>
-              <a:buChar char="•"/>
-            </a:pPr>
-            <a:r>
-              <a:rPr lang="ko-KR" altLang="en-US" b="0" i="0" dirty="0">
-                <a:effectLst/>
-                <a:latin typeface="-apple-system"/>
-              </a:rPr>
-              <a:t>밀물 </a:t>
-            </a:r>
-            <a:r>
-              <a:rPr lang="en-US" altLang="ko-KR" b="0" i="0" dirty="0">
-                <a:effectLst/>
-                <a:latin typeface="-apple-system"/>
-              </a:rPr>
-              <a:t>: </a:t>
-            </a:r>
-            <a:r>
-              <a:rPr lang="ko-KR" altLang="en-US" b="0" i="0" dirty="0">
-                <a:effectLst/>
-                <a:latin typeface="-apple-system"/>
-              </a:rPr>
-              <a:t>플레이어가 포탈을 이용하여 사용가능</a:t>
-            </a:r>
-          </a:p>
-          <a:p>
-            <a:pPr algn="l">
-              <a:buFont typeface="Arial" panose="020B0604020202020204" pitchFamily="34" charset="0"/>
-              <a:buChar char="•"/>
-            </a:pPr>
-            <a:r>
-              <a:rPr lang="ko-KR" altLang="en-US" b="0" i="0" dirty="0">
-                <a:effectLst/>
-                <a:latin typeface="-apple-system"/>
-              </a:rPr>
-              <a:t>썰물 </a:t>
-            </a:r>
-            <a:r>
-              <a:rPr lang="en-US" altLang="ko-KR" b="0" i="0" dirty="0">
-                <a:effectLst/>
-                <a:latin typeface="-apple-system"/>
-              </a:rPr>
-              <a:t>: </a:t>
-            </a:r>
-            <a:r>
-              <a:rPr lang="ko-KR" altLang="en-US" b="0" i="0" dirty="0">
-                <a:effectLst/>
-                <a:latin typeface="-apple-system"/>
-              </a:rPr>
-              <a:t>플레이어가 포탈자체를 사용 불가능</a:t>
-            </a:r>
-          </a:p>
-          <a:p>
-            <a:pPr algn="l">
-              <a:buFont typeface="Arial" panose="020B0604020202020204" pitchFamily="34" charset="0"/>
-              <a:buChar char="•"/>
-            </a:pPr>
-            <a:r>
-              <a:rPr lang="ko-KR" altLang="en-US" b="0" i="0" dirty="0">
-                <a:effectLst/>
-                <a:latin typeface="-apple-system"/>
-              </a:rPr>
-              <a:t>상점 아이템 재충전 </a:t>
-            </a:r>
-            <a:r>
-              <a:rPr lang="en-US" altLang="ko-KR" b="0" i="0" dirty="0">
-                <a:effectLst/>
-                <a:latin typeface="-apple-system"/>
-              </a:rPr>
-              <a:t>: </a:t>
-            </a:r>
-            <a:r>
-              <a:rPr lang="ko-KR" altLang="en-US" b="0" i="0" dirty="0">
-                <a:effectLst/>
-                <a:latin typeface="-apple-system"/>
-              </a:rPr>
-              <a:t>썰물시간에 아이템 재충전 </a:t>
-            </a:r>
-            <a:r>
-              <a:rPr lang="ko-KR" altLang="en-US" b="1" i="0" dirty="0">
-                <a:effectLst/>
-                <a:latin typeface="-apple-system"/>
-              </a:rPr>
-              <a:t>상점 종류</a:t>
-            </a:r>
-            <a:endParaRPr lang="ko-KR" altLang="en-US" b="0" i="0" dirty="0">
-              <a:effectLst/>
-              <a:latin typeface="-apple-system"/>
-            </a:endParaRPr>
-          </a:p>
-          <a:p>
-            <a:pPr algn="l">
-              <a:buFont typeface="Arial" panose="020B0604020202020204" pitchFamily="34" charset="0"/>
-              <a:buChar char="•"/>
-            </a:pPr>
-            <a:r>
-              <a:rPr lang="ko-KR" altLang="en-US" b="0" i="0" dirty="0">
-                <a:effectLst/>
-                <a:latin typeface="-apple-system"/>
-              </a:rPr>
-              <a:t>아이템 상점 </a:t>
-            </a:r>
-            <a:r>
-              <a:rPr lang="en-US" altLang="ko-KR" b="0" i="0" dirty="0">
-                <a:effectLst/>
-                <a:latin typeface="-apple-system"/>
-              </a:rPr>
-              <a:t>, </a:t>
-            </a:r>
-            <a:r>
-              <a:rPr lang="ko-KR" altLang="en-US" b="0" i="0" dirty="0" err="1">
-                <a:effectLst/>
-                <a:latin typeface="-apple-system"/>
-              </a:rPr>
-              <a:t>테크트리</a:t>
-            </a:r>
-            <a:r>
-              <a:rPr lang="ko-KR" altLang="en-US" b="0" i="0" dirty="0">
-                <a:effectLst/>
-                <a:latin typeface="-apple-system"/>
-              </a:rPr>
-              <a:t> 상점</a:t>
-            </a:r>
-          </a:p>
-          <a:p>
-            <a:pPr marL="742950" lvl="1" indent="-285750" algn="l">
-              <a:buFont typeface="Arial" panose="020B0604020202020204" pitchFamily="34" charset="0"/>
-              <a:buChar char="•"/>
-            </a:pPr>
-            <a:r>
-              <a:rPr lang="ko-KR" altLang="en-US" b="0" i="0" dirty="0" err="1">
-                <a:effectLst/>
-                <a:latin typeface="-apple-system"/>
-              </a:rPr>
-              <a:t>테크트리</a:t>
-            </a:r>
-            <a:r>
-              <a:rPr lang="ko-KR" altLang="en-US" b="0" i="0" dirty="0">
-                <a:effectLst/>
-                <a:latin typeface="-apple-system"/>
-              </a:rPr>
-              <a:t> 상점</a:t>
-            </a:r>
-            <a:r>
-              <a:rPr lang="en-US" altLang="ko-KR" b="0" i="0" dirty="0">
-                <a:effectLst/>
-                <a:latin typeface="-apple-system"/>
-              </a:rPr>
-              <a:t>: </a:t>
-            </a:r>
-            <a:r>
-              <a:rPr lang="ko-KR" altLang="en-US" b="0" i="0" dirty="0">
-                <a:effectLst/>
-                <a:latin typeface="-apple-system"/>
-              </a:rPr>
-              <a:t>건물 도면 판매</a:t>
-            </a:r>
-          </a:p>
-          <a:p>
-            <a:pPr marL="742950" lvl="1" indent="-285750" algn="l">
-              <a:buFont typeface="Arial" panose="020B0604020202020204" pitchFamily="34" charset="0"/>
-              <a:buChar char="•"/>
-            </a:pPr>
-            <a:r>
-              <a:rPr lang="ko-KR" altLang="en-US" dirty="0" err="1">
-                <a:latin typeface="-apple-system"/>
-              </a:rPr>
-              <a:t>파밍</a:t>
-            </a:r>
-            <a:r>
-              <a:rPr lang="en-US" altLang="ko-KR" dirty="0">
-                <a:latin typeface="-apple-system"/>
-              </a:rPr>
-              <a:t>,</a:t>
-            </a:r>
-            <a:r>
-              <a:rPr lang="ko-KR" altLang="en-US" dirty="0">
-                <a:latin typeface="-apple-system"/>
-              </a:rPr>
-              <a:t>제작 한 </a:t>
-            </a:r>
-            <a:r>
-              <a:rPr lang="ko-KR" altLang="en-US" b="0" i="0" dirty="0">
-                <a:effectLst/>
-                <a:latin typeface="-apple-system"/>
-              </a:rPr>
-              <a:t>아이템만 있어도 </a:t>
-            </a:r>
-            <a:r>
-              <a:rPr lang="ko-KR" altLang="en-US" b="0" i="0" dirty="0" err="1">
-                <a:effectLst/>
-                <a:latin typeface="-apple-system"/>
-              </a:rPr>
-              <a:t>언락</a:t>
-            </a:r>
-            <a:endParaRPr lang="ko-KR" altLang="en-US" b="0" i="0" dirty="0">
-              <a:effectLst/>
-              <a:latin typeface="-apple-system"/>
-            </a:endParaRPr>
-          </a:p>
-          <a:p>
-            <a:pPr marL="457200" lvl="1" indent="0" algn="l">
-              <a:buNone/>
-            </a:pPr>
-            <a:endParaRPr lang="ko-KR" altLang="en-US" b="0" i="0" dirty="0">
-              <a:effectLst/>
-              <a:latin typeface="-apple-system"/>
-            </a:endParaRPr>
-          </a:p>
-          <a:p>
-            <a:endParaRPr lang="ko-KR" altLang="en-US" dirty="0"/>
-          </a:p>
-        </p:txBody>
-      </p:sp>
-      <p:pic>
-        <p:nvPicPr>
-          <p:cNvPr id="4" name="그림 3">
+            <a:r>
+              <a:rPr lang="ko-KR" altLang="en-US" dirty="0"/>
+              <a:t>수강 과목</a:t>
+            </a:r>
+          </a:p>
+        </p:txBody>
+      </p:sp>
+      <p:sp>
+        <p:nvSpPr>
+          <p:cNvPr id="3" name="내용 개체 틀 2">
             <a:extLst>
               <a:ext uri="{FF2B5EF4-FFF2-40B4-BE49-F238E27FC236}">
-                <a16:creationId xmlns:a16="http://schemas.microsoft.com/office/drawing/2014/main" id="{D665E4AE-9CC2-40BB-8263-67420FF192DB}"/>
+                <a16:creationId xmlns:a16="http://schemas.microsoft.com/office/drawing/2014/main" id="{BDB4074F-F3C9-CF47-F321-C7F952C7FF24}"/>
               </a:ext>
             </a:extLst>
           </p:cNvPr>
-          <p:cNvPicPr>
-            <a:picLocks noChangeAspect="1"/>
-          </p:cNvPicPr>
+          <p:cNvSpPr txBox="1">
+            <a:spLocks/>
+          </p:cNvSpPr>
           <p:nvPr/>
-        </p:nvPicPr>
-        <p:blipFill>
-          <a:blip r:embed="rId2">
-            <a:extLst>
-              <a:ext uri="{28A0092B-C50C-407E-A947-70E740481C1C}">
-                <a14:useLocalDpi xmlns:a14="http://schemas.microsoft.com/office/drawing/2010/main" val="0"/>
-              </a:ext>
-            </a:extLst>
-          </a:blip>
-          <a:stretch>
-            <a:fillRect/>
-          </a:stretch>
-        </p:blipFill>
+        </p:nvSpPr>
         <p:spPr>
           <a:xfrm>
-            <a:off x="7438098" y="2290041"/>
-            <a:ext cx="3379128" cy="3379128"/>
+            <a:off x="4109357" y="2142067"/>
+            <a:ext cx="3284312" cy="3798168"/>
           </a:xfrm>
           <a:prstGeom prst="rect">
             <a:avLst/>
           </a:prstGeom>
+          <a:solidFill>
+            <a:schemeClr val="accent2">
+              <a:lumMod val="20000"/>
+              <a:lumOff val="80000"/>
+              <a:alpha val="50000"/>
+            </a:schemeClr>
+          </a:solidFill>
         </p:spPr>
-      </p:pic>
+        <p:txBody>
+          <a:bodyPr vert="horz" lIns="91440" tIns="45720" rIns="91440" bIns="45720" rtlCol="0" anchor="ctr">
+            <a:normAutofit/>
+          </a:bodyPr>
+          <a:lstStyle>
+            <a:lvl1pPr marL="285750" indent="-285750" algn="l" defTabSz="457200" rtl="0" eaLnBrk="1" latinLnBrk="1" hangingPunct="1">
+              <a:spcBef>
+                <a:spcPts val="0"/>
+              </a:spcBef>
+              <a:spcAft>
+                <a:spcPts val="1000"/>
+              </a:spcAft>
+              <a:buClr>
+                <a:schemeClr val="tx1"/>
+              </a:buClr>
+              <a:buSzPct val="100000"/>
+              <a:buFont typeface="Arial"/>
+              <a:buChar char="•"/>
+              <a:defRPr sz="1800" kern="1200" cap="none">
+                <a:solidFill>
+                  <a:schemeClr val="tx1"/>
+                </a:solidFill>
+                <a:effectLst/>
+                <a:latin typeface="+mn-lt"/>
+                <a:ea typeface="+mn-ea"/>
+                <a:cs typeface="+mn-cs"/>
+              </a:defRPr>
+            </a:lvl1pPr>
+            <a:lvl2pPr marL="742950" indent="-285750" algn="l" defTabSz="457200" rtl="0" eaLnBrk="1" latinLnBrk="1" hangingPunct="1">
+              <a:spcBef>
+                <a:spcPts val="0"/>
+              </a:spcBef>
+              <a:spcAft>
+                <a:spcPts val="1000"/>
+              </a:spcAft>
+              <a:buClr>
+                <a:schemeClr val="tx1"/>
+              </a:buClr>
+              <a:buSzPct val="100000"/>
+              <a:buFont typeface="Arial"/>
+              <a:buChar char="•"/>
+              <a:defRPr sz="1600" kern="1200" cap="none">
+                <a:solidFill>
+                  <a:schemeClr val="tx1"/>
+                </a:solidFill>
+                <a:effectLst/>
+                <a:latin typeface="+mn-lt"/>
+                <a:ea typeface="+mn-ea"/>
+                <a:cs typeface="+mn-cs"/>
+              </a:defRPr>
+            </a:lvl2pPr>
+            <a:lvl3pPr marL="1200150" indent="-285750" algn="l" defTabSz="457200" rtl="0" eaLnBrk="1" latinLnBrk="1" hangingPunct="1">
+              <a:spcBef>
+                <a:spcPts val="0"/>
+              </a:spcBef>
+              <a:spcAft>
+                <a:spcPts val="1000"/>
+              </a:spcAft>
+              <a:buClr>
+                <a:schemeClr val="tx1"/>
+              </a:buClr>
+              <a:buSzPct val="100000"/>
+              <a:buFont typeface="Arial"/>
+              <a:buChar char="•"/>
+              <a:defRPr sz="1400" kern="1200" cap="none">
+                <a:solidFill>
+                  <a:schemeClr val="tx1"/>
+                </a:solidFill>
+                <a:effectLst/>
+                <a:latin typeface="+mn-lt"/>
+                <a:ea typeface="+mn-ea"/>
+                <a:cs typeface="+mn-cs"/>
+              </a:defRPr>
+            </a:lvl3pPr>
+            <a:lvl4pPr marL="1543050" indent="-171450" algn="l" defTabSz="457200" rtl="0" eaLnBrk="1" latinLnBrk="1" hangingPunct="1">
+              <a:spcBef>
+                <a:spcPts val="0"/>
+              </a:spcBef>
+              <a:spcAft>
+                <a:spcPts val="1000"/>
+              </a:spcAft>
+              <a:buClr>
+                <a:schemeClr val="tx1"/>
+              </a:buClr>
+              <a:buSzPct val="100000"/>
+              <a:buFont typeface="Arial"/>
+              <a:buChar char="•"/>
+              <a:defRPr sz="1200" kern="1200" cap="none">
+                <a:solidFill>
+                  <a:schemeClr val="tx1"/>
+                </a:solidFill>
+                <a:effectLst/>
+                <a:latin typeface="+mn-lt"/>
+                <a:ea typeface="+mn-ea"/>
+                <a:cs typeface="+mn-cs"/>
+              </a:defRPr>
+            </a:lvl4pPr>
+            <a:lvl5pPr marL="2000250" indent="-171450" algn="l" defTabSz="457200" rtl="0" eaLnBrk="1" latinLnBrk="1" hangingPunct="1">
+              <a:spcBef>
+                <a:spcPts val="0"/>
+              </a:spcBef>
+              <a:spcAft>
+                <a:spcPts val="1000"/>
+              </a:spcAft>
+              <a:buClr>
+                <a:schemeClr val="tx1"/>
+              </a:buClr>
+              <a:buSzPct val="100000"/>
+              <a:buFont typeface="Arial"/>
+              <a:buChar char="•"/>
+              <a:defRPr sz="1200" kern="1200" cap="none">
+                <a:solidFill>
+                  <a:schemeClr val="tx1"/>
+                </a:solidFill>
+                <a:effectLst/>
+                <a:latin typeface="+mn-lt"/>
+                <a:ea typeface="+mn-ea"/>
+                <a:cs typeface="+mn-cs"/>
+              </a:defRPr>
+            </a:lvl5pPr>
+            <a:lvl6pPr marL="2514600" indent="-228600" algn="l" defTabSz="457200" rtl="0" eaLnBrk="1" latinLnBrk="1" hangingPunct="1">
+              <a:spcBef>
+                <a:spcPts val="0"/>
+              </a:spcBef>
+              <a:spcAft>
+                <a:spcPts val="1000"/>
+              </a:spcAft>
+              <a:buClr>
+                <a:schemeClr val="tx1"/>
+              </a:buClr>
+              <a:buSzPct val="100000"/>
+              <a:buFont typeface="Arial"/>
+              <a:buChar char="•"/>
+              <a:defRPr sz="1200" kern="1200" cap="none">
+                <a:solidFill>
+                  <a:schemeClr val="tx1"/>
+                </a:solidFill>
+                <a:effectLst/>
+                <a:latin typeface="+mn-lt"/>
+                <a:ea typeface="+mn-ea"/>
+                <a:cs typeface="+mn-cs"/>
+              </a:defRPr>
+            </a:lvl6pPr>
+            <a:lvl7pPr marL="2971800" indent="-228600" algn="l" defTabSz="457200" rtl="0" eaLnBrk="1" latinLnBrk="1" hangingPunct="1">
+              <a:spcBef>
+                <a:spcPts val="0"/>
+              </a:spcBef>
+              <a:spcAft>
+                <a:spcPts val="1000"/>
+              </a:spcAft>
+              <a:buClr>
+                <a:schemeClr val="tx1"/>
+              </a:buClr>
+              <a:buSzPct val="100000"/>
+              <a:buFont typeface="Arial"/>
+              <a:buChar char="•"/>
+              <a:defRPr sz="1200" kern="1200" cap="none">
+                <a:solidFill>
+                  <a:schemeClr val="tx1"/>
+                </a:solidFill>
+                <a:effectLst/>
+                <a:latin typeface="+mn-lt"/>
+                <a:ea typeface="+mn-ea"/>
+                <a:cs typeface="+mn-cs"/>
+              </a:defRPr>
+            </a:lvl7pPr>
+            <a:lvl8pPr marL="3429000" indent="-228600" algn="l" defTabSz="457200" rtl="0" eaLnBrk="1" latinLnBrk="1" hangingPunct="1">
+              <a:spcBef>
+                <a:spcPts val="0"/>
+              </a:spcBef>
+              <a:spcAft>
+                <a:spcPts val="1000"/>
+              </a:spcAft>
+              <a:buClr>
+                <a:schemeClr val="tx1"/>
+              </a:buClr>
+              <a:buSzPct val="100000"/>
+              <a:buFont typeface="Arial"/>
+              <a:buChar char="•"/>
+              <a:defRPr sz="1200" kern="1200" cap="none">
+                <a:solidFill>
+                  <a:schemeClr val="tx1"/>
+                </a:solidFill>
+                <a:effectLst/>
+                <a:latin typeface="+mn-lt"/>
+                <a:ea typeface="+mn-ea"/>
+                <a:cs typeface="+mn-cs"/>
+              </a:defRPr>
+            </a:lvl8pPr>
+            <a:lvl9pPr marL="3886200" indent="-228600" algn="l" defTabSz="457200" rtl="0" eaLnBrk="1" latinLnBrk="1" hangingPunct="1">
+              <a:spcBef>
+                <a:spcPts val="0"/>
+              </a:spcBef>
+              <a:spcAft>
+                <a:spcPts val="1000"/>
+              </a:spcAft>
+              <a:buClr>
+                <a:schemeClr val="tx1"/>
+              </a:buClr>
+              <a:buSzPct val="100000"/>
+              <a:buFont typeface="Arial"/>
+              <a:buChar char="•"/>
+              <a:defRPr sz="1200" kern="1200" cap="none">
+                <a:solidFill>
+                  <a:schemeClr val="tx1"/>
+                </a:solidFill>
+                <a:effectLst/>
+                <a:latin typeface="+mn-lt"/>
+                <a:ea typeface="+mn-ea"/>
+                <a:cs typeface="+mn-cs"/>
+              </a:defRPr>
+            </a:lvl9pPr>
+          </a:lstStyle>
+          <a:p>
+            <a:pPr>
+              <a:buClrTx/>
+            </a:pPr>
+            <a:endParaRPr lang="en-US" altLang="ko-KR" dirty="0"/>
+          </a:p>
+        </p:txBody>
+      </p:sp>
+      <p:sp>
+        <p:nvSpPr>
+          <p:cNvPr id="5" name="내용 개체 틀 2">
+            <a:extLst>
+              <a:ext uri="{FF2B5EF4-FFF2-40B4-BE49-F238E27FC236}">
+                <a16:creationId xmlns:a16="http://schemas.microsoft.com/office/drawing/2014/main" id="{097FD412-3F29-3D2D-A354-190865129920}"/>
+              </a:ext>
+            </a:extLst>
+          </p:cNvPr>
+          <p:cNvSpPr txBox="1">
+            <a:spLocks/>
+          </p:cNvSpPr>
+          <p:nvPr/>
+        </p:nvSpPr>
+        <p:spPr>
+          <a:xfrm>
+            <a:off x="7532914" y="2142067"/>
+            <a:ext cx="3284312" cy="3798168"/>
+          </a:xfrm>
+          <a:prstGeom prst="rect">
+            <a:avLst/>
+          </a:prstGeom>
+          <a:solidFill>
+            <a:schemeClr val="accent2">
+              <a:lumMod val="20000"/>
+              <a:lumOff val="80000"/>
+              <a:alpha val="50000"/>
+            </a:schemeClr>
+          </a:solidFill>
+        </p:spPr>
+        <p:txBody>
+          <a:bodyPr vert="horz" lIns="91440" tIns="45720" rIns="91440" bIns="45720" rtlCol="0" anchor="ctr">
+            <a:normAutofit/>
+          </a:bodyPr>
+          <a:lstStyle>
+            <a:lvl1pPr marL="285750" indent="-285750" algn="l" defTabSz="457200" rtl="0" eaLnBrk="1" latinLnBrk="1" hangingPunct="1">
+              <a:spcBef>
+                <a:spcPts val="0"/>
+              </a:spcBef>
+              <a:spcAft>
+                <a:spcPts val="1000"/>
+              </a:spcAft>
+              <a:buClr>
+                <a:schemeClr val="tx1"/>
+              </a:buClr>
+              <a:buSzPct val="100000"/>
+              <a:buFont typeface="Arial"/>
+              <a:buChar char="•"/>
+              <a:defRPr sz="1800" kern="1200" cap="none">
+                <a:solidFill>
+                  <a:schemeClr val="tx1"/>
+                </a:solidFill>
+                <a:effectLst/>
+                <a:latin typeface="+mn-lt"/>
+                <a:ea typeface="+mn-ea"/>
+                <a:cs typeface="+mn-cs"/>
+              </a:defRPr>
+            </a:lvl1pPr>
+            <a:lvl2pPr marL="742950" indent="-285750" algn="l" defTabSz="457200" rtl="0" eaLnBrk="1" latinLnBrk="1" hangingPunct="1">
+              <a:spcBef>
+                <a:spcPts val="0"/>
+              </a:spcBef>
+              <a:spcAft>
+                <a:spcPts val="1000"/>
+              </a:spcAft>
+              <a:buClr>
+                <a:schemeClr val="tx1"/>
+              </a:buClr>
+              <a:buSzPct val="100000"/>
+              <a:buFont typeface="Arial"/>
+              <a:buChar char="•"/>
+              <a:defRPr sz="1600" kern="1200" cap="none">
+                <a:solidFill>
+                  <a:schemeClr val="tx1"/>
+                </a:solidFill>
+                <a:effectLst/>
+                <a:latin typeface="+mn-lt"/>
+                <a:ea typeface="+mn-ea"/>
+                <a:cs typeface="+mn-cs"/>
+              </a:defRPr>
+            </a:lvl2pPr>
+            <a:lvl3pPr marL="1200150" indent="-285750" algn="l" defTabSz="457200" rtl="0" eaLnBrk="1" latinLnBrk="1" hangingPunct="1">
+              <a:spcBef>
+                <a:spcPts val="0"/>
+              </a:spcBef>
+              <a:spcAft>
+                <a:spcPts val="1000"/>
+              </a:spcAft>
+              <a:buClr>
+                <a:schemeClr val="tx1"/>
+              </a:buClr>
+              <a:buSzPct val="100000"/>
+              <a:buFont typeface="Arial"/>
+              <a:buChar char="•"/>
+              <a:defRPr sz="1400" kern="1200" cap="none">
+                <a:solidFill>
+                  <a:schemeClr val="tx1"/>
+                </a:solidFill>
+                <a:effectLst/>
+                <a:latin typeface="+mn-lt"/>
+                <a:ea typeface="+mn-ea"/>
+                <a:cs typeface="+mn-cs"/>
+              </a:defRPr>
+            </a:lvl3pPr>
+            <a:lvl4pPr marL="1543050" indent="-171450" algn="l" defTabSz="457200" rtl="0" eaLnBrk="1" latinLnBrk="1" hangingPunct="1">
+              <a:spcBef>
+                <a:spcPts val="0"/>
+              </a:spcBef>
+              <a:spcAft>
+                <a:spcPts val="1000"/>
+              </a:spcAft>
+              <a:buClr>
+                <a:schemeClr val="tx1"/>
+              </a:buClr>
+              <a:buSzPct val="100000"/>
+              <a:buFont typeface="Arial"/>
+              <a:buChar char="•"/>
+              <a:defRPr sz="1200" kern="1200" cap="none">
+                <a:solidFill>
+                  <a:schemeClr val="tx1"/>
+                </a:solidFill>
+                <a:effectLst/>
+                <a:latin typeface="+mn-lt"/>
+                <a:ea typeface="+mn-ea"/>
+                <a:cs typeface="+mn-cs"/>
+              </a:defRPr>
+            </a:lvl4pPr>
+            <a:lvl5pPr marL="2000250" indent="-171450" algn="l" defTabSz="457200" rtl="0" eaLnBrk="1" latinLnBrk="1" hangingPunct="1">
+              <a:spcBef>
+                <a:spcPts val="0"/>
+              </a:spcBef>
+              <a:spcAft>
+                <a:spcPts val="1000"/>
+              </a:spcAft>
+              <a:buClr>
+                <a:schemeClr val="tx1"/>
+              </a:buClr>
+              <a:buSzPct val="100000"/>
+              <a:buFont typeface="Arial"/>
+              <a:buChar char="•"/>
+              <a:defRPr sz="1200" kern="1200" cap="none">
+                <a:solidFill>
+                  <a:schemeClr val="tx1"/>
+                </a:solidFill>
+                <a:effectLst/>
+                <a:latin typeface="+mn-lt"/>
+                <a:ea typeface="+mn-ea"/>
+                <a:cs typeface="+mn-cs"/>
+              </a:defRPr>
+            </a:lvl5pPr>
+            <a:lvl6pPr marL="2514600" indent="-228600" algn="l" defTabSz="457200" rtl="0" eaLnBrk="1" latinLnBrk="1" hangingPunct="1">
+              <a:spcBef>
+                <a:spcPts val="0"/>
+              </a:spcBef>
+              <a:spcAft>
+                <a:spcPts val="1000"/>
+              </a:spcAft>
+              <a:buClr>
+                <a:schemeClr val="tx1"/>
+              </a:buClr>
+              <a:buSzPct val="100000"/>
+              <a:buFont typeface="Arial"/>
+              <a:buChar char="•"/>
+              <a:defRPr sz="1200" kern="1200" cap="none">
+                <a:solidFill>
+                  <a:schemeClr val="tx1"/>
+                </a:solidFill>
+                <a:effectLst/>
+                <a:latin typeface="+mn-lt"/>
+                <a:ea typeface="+mn-ea"/>
+                <a:cs typeface="+mn-cs"/>
+              </a:defRPr>
+            </a:lvl6pPr>
+            <a:lvl7pPr marL="2971800" indent="-228600" algn="l" defTabSz="457200" rtl="0" eaLnBrk="1" latinLnBrk="1" hangingPunct="1">
+              <a:spcBef>
+                <a:spcPts val="0"/>
+              </a:spcBef>
+              <a:spcAft>
+                <a:spcPts val="1000"/>
+              </a:spcAft>
+              <a:buClr>
+                <a:schemeClr val="tx1"/>
+              </a:buClr>
+              <a:buSzPct val="100000"/>
+              <a:buFont typeface="Arial"/>
+              <a:buChar char="•"/>
+              <a:defRPr sz="1200" kern="1200" cap="none">
+                <a:solidFill>
+                  <a:schemeClr val="tx1"/>
+                </a:solidFill>
+                <a:effectLst/>
+                <a:latin typeface="+mn-lt"/>
+                <a:ea typeface="+mn-ea"/>
+                <a:cs typeface="+mn-cs"/>
+              </a:defRPr>
+            </a:lvl7pPr>
+            <a:lvl8pPr marL="3429000" indent="-228600" algn="l" defTabSz="457200" rtl="0" eaLnBrk="1" latinLnBrk="1" hangingPunct="1">
+              <a:spcBef>
+                <a:spcPts val="0"/>
+              </a:spcBef>
+              <a:spcAft>
+                <a:spcPts val="1000"/>
+              </a:spcAft>
+              <a:buClr>
+                <a:schemeClr val="tx1"/>
+              </a:buClr>
+              <a:buSzPct val="100000"/>
+              <a:buFont typeface="Arial"/>
+              <a:buChar char="•"/>
+              <a:defRPr sz="1200" kern="1200" cap="none">
+                <a:solidFill>
+                  <a:schemeClr val="tx1"/>
+                </a:solidFill>
+                <a:effectLst/>
+                <a:latin typeface="+mn-lt"/>
+                <a:ea typeface="+mn-ea"/>
+                <a:cs typeface="+mn-cs"/>
+              </a:defRPr>
+            </a:lvl8pPr>
+            <a:lvl9pPr marL="3886200" indent="-228600" algn="l" defTabSz="457200" rtl="0" eaLnBrk="1" latinLnBrk="1" hangingPunct="1">
+              <a:spcBef>
+                <a:spcPts val="0"/>
+              </a:spcBef>
+              <a:spcAft>
+                <a:spcPts val="1000"/>
+              </a:spcAft>
+              <a:buClr>
+                <a:schemeClr val="tx1"/>
+              </a:buClr>
+              <a:buSzPct val="100000"/>
+              <a:buFont typeface="Arial"/>
+              <a:buChar char="•"/>
+              <a:defRPr sz="1200" kern="1200" cap="none">
+                <a:solidFill>
+                  <a:schemeClr val="tx1"/>
+                </a:solidFill>
+                <a:effectLst/>
+                <a:latin typeface="+mn-lt"/>
+                <a:ea typeface="+mn-ea"/>
+                <a:cs typeface="+mn-cs"/>
+              </a:defRPr>
+            </a:lvl9pPr>
+          </a:lstStyle>
+          <a:p>
+            <a:pPr>
+              <a:buClrTx/>
+            </a:pPr>
+            <a:endParaRPr lang="en-US" altLang="ko-KR" dirty="0"/>
+          </a:p>
+        </p:txBody>
+      </p:sp>
+      <p:sp>
+        <p:nvSpPr>
+          <p:cNvPr id="7" name="사각형: 둥근 모서리 6">
+            <a:extLst>
+              <a:ext uri="{FF2B5EF4-FFF2-40B4-BE49-F238E27FC236}">
+                <a16:creationId xmlns:a16="http://schemas.microsoft.com/office/drawing/2014/main" id="{47BAD4C4-DA6A-6F88-C31D-2931ED988096}"/>
+              </a:ext>
+            </a:extLst>
+          </p:cNvPr>
+          <p:cNvSpPr/>
+          <p:nvPr/>
+        </p:nvSpPr>
+        <p:spPr>
+          <a:xfrm>
+            <a:off x="1595505" y="2267339"/>
+            <a:ext cx="1464906" cy="587828"/>
+          </a:xfrm>
+          <a:prstGeom prst="roundRect">
+            <a:avLst/>
+          </a:prstGeom>
+          <a:solidFill>
+            <a:srgbClr val="0D0A3A"/>
+          </a:solidFill>
+          <a:ln>
+            <a:solidFill>
+              <a:srgbClr val="0D0A3A"/>
+            </a:solidFill>
+          </a:ln>
+        </p:spPr>
+        <p:style>
+          <a:lnRef idx="2">
+            <a:schemeClr val="accent1">
+              <a:shade val="15000"/>
+            </a:schemeClr>
+          </a:lnRef>
+          <a:fillRef idx="1">
+            <a:schemeClr val="accent1"/>
+          </a:fillRef>
+          <a:effectRef idx="0">
+            <a:schemeClr val="accent1"/>
+          </a:effectRef>
+          <a:fontRef idx="minor">
+            <a:schemeClr val="lt1"/>
+          </a:fontRef>
+        </p:style>
+        <p:txBody>
+          <a:bodyPr rtlCol="0" anchor="ctr"/>
+          <a:lstStyle/>
+          <a:p>
+            <a:pPr algn="ctr"/>
+            <a:r>
+              <a:rPr lang="ko-KR" altLang="en-US" dirty="0"/>
+              <a:t>조영환</a:t>
+            </a:r>
+          </a:p>
+        </p:txBody>
+      </p:sp>
+      <p:sp>
+        <p:nvSpPr>
+          <p:cNvPr id="8" name="사각형: 둥근 모서리 7">
+            <a:extLst>
+              <a:ext uri="{FF2B5EF4-FFF2-40B4-BE49-F238E27FC236}">
+                <a16:creationId xmlns:a16="http://schemas.microsoft.com/office/drawing/2014/main" id="{95881B3F-A016-D754-2935-A537F471331A}"/>
+              </a:ext>
+            </a:extLst>
+          </p:cNvPr>
+          <p:cNvSpPr/>
+          <p:nvPr/>
+        </p:nvSpPr>
+        <p:spPr>
+          <a:xfrm>
+            <a:off x="5019060" y="2267339"/>
+            <a:ext cx="1464906" cy="587828"/>
+          </a:xfrm>
+          <a:prstGeom prst="roundRect">
+            <a:avLst/>
+          </a:prstGeom>
+          <a:solidFill>
+            <a:srgbClr val="0D0A3A"/>
+          </a:solidFill>
+          <a:ln>
+            <a:solidFill>
+              <a:srgbClr val="0D0A3A"/>
+            </a:solidFill>
+          </a:ln>
+        </p:spPr>
+        <p:style>
+          <a:lnRef idx="2">
+            <a:schemeClr val="accent1">
+              <a:shade val="15000"/>
+            </a:schemeClr>
+          </a:lnRef>
+          <a:fillRef idx="1">
+            <a:schemeClr val="accent1"/>
+          </a:fillRef>
+          <a:effectRef idx="0">
+            <a:schemeClr val="accent1"/>
+          </a:effectRef>
+          <a:fontRef idx="minor">
+            <a:schemeClr val="lt1"/>
+          </a:fontRef>
+        </p:style>
+        <p:txBody>
+          <a:bodyPr rtlCol="0" anchor="ctr"/>
+          <a:lstStyle/>
+          <a:p>
+            <a:pPr algn="ctr"/>
+            <a:r>
+              <a:rPr lang="ko-KR" altLang="en-US" dirty="0"/>
+              <a:t>김태현</a:t>
+            </a:r>
+          </a:p>
+        </p:txBody>
+      </p:sp>
+      <p:sp>
+        <p:nvSpPr>
+          <p:cNvPr id="9" name="사각형: 둥근 모서리 8">
+            <a:extLst>
+              <a:ext uri="{FF2B5EF4-FFF2-40B4-BE49-F238E27FC236}">
+                <a16:creationId xmlns:a16="http://schemas.microsoft.com/office/drawing/2014/main" id="{CC5FEB54-84B4-5CC8-8EC1-5A9CF60E1913}"/>
+              </a:ext>
+            </a:extLst>
+          </p:cNvPr>
+          <p:cNvSpPr/>
+          <p:nvPr/>
+        </p:nvSpPr>
+        <p:spPr>
+          <a:xfrm>
+            <a:off x="8442617" y="2267339"/>
+            <a:ext cx="1464906" cy="587828"/>
+          </a:xfrm>
+          <a:prstGeom prst="roundRect">
+            <a:avLst/>
+          </a:prstGeom>
+          <a:solidFill>
+            <a:srgbClr val="0D0A3A"/>
+          </a:solidFill>
+          <a:ln>
+            <a:solidFill>
+              <a:srgbClr val="0D0A3A"/>
+            </a:solidFill>
+          </a:ln>
+        </p:spPr>
+        <p:style>
+          <a:lnRef idx="2">
+            <a:schemeClr val="accent1">
+              <a:shade val="15000"/>
+            </a:schemeClr>
+          </a:lnRef>
+          <a:fillRef idx="1">
+            <a:schemeClr val="accent1"/>
+          </a:fillRef>
+          <a:effectRef idx="0">
+            <a:schemeClr val="accent1"/>
+          </a:effectRef>
+          <a:fontRef idx="minor">
+            <a:schemeClr val="lt1"/>
+          </a:fontRef>
+        </p:style>
+        <p:txBody>
+          <a:bodyPr rtlCol="0" anchor="ctr"/>
+          <a:lstStyle/>
+          <a:p>
+            <a:pPr algn="ctr"/>
+            <a:r>
+              <a:rPr lang="ko-KR" altLang="en-US" dirty="0" err="1"/>
+              <a:t>양연현</a:t>
+            </a:r>
+            <a:endParaRPr lang="ko-KR" altLang="en-US" dirty="0"/>
+          </a:p>
+        </p:txBody>
+      </p:sp>
+      <p:sp>
+        <p:nvSpPr>
+          <p:cNvPr id="10" name="TextBox 9">
+            <a:extLst>
+              <a:ext uri="{FF2B5EF4-FFF2-40B4-BE49-F238E27FC236}">
+                <a16:creationId xmlns:a16="http://schemas.microsoft.com/office/drawing/2014/main" id="{E51AA664-C0CD-9663-2828-21CC8A45D2B8}"/>
+              </a:ext>
+            </a:extLst>
+          </p:cNvPr>
+          <p:cNvSpPr txBox="1"/>
+          <p:nvPr/>
+        </p:nvSpPr>
+        <p:spPr>
+          <a:xfrm>
+            <a:off x="863083" y="2980439"/>
+            <a:ext cx="2603598" cy="1477328"/>
+          </a:xfrm>
+          <a:prstGeom prst="rect">
+            <a:avLst/>
+          </a:prstGeom>
+          <a:noFill/>
+        </p:spPr>
+        <p:txBody>
+          <a:bodyPr wrap="none" rtlCol="0">
+            <a:spAutoFit/>
+          </a:bodyPr>
+          <a:lstStyle/>
+          <a:p>
+            <a:pPr marL="285750" indent="-285750">
+              <a:buClrTx/>
+              <a:buFont typeface="Arial" panose="020B0604020202020204" pitchFamily="34" charset="0"/>
+              <a:buChar char="•"/>
+            </a:pPr>
+            <a:r>
+              <a:rPr lang="ko-KR" altLang="en-US" dirty="0"/>
+              <a:t>게임 인터페이스</a:t>
+            </a:r>
+            <a:endParaRPr lang="en-US" altLang="ko-KR" dirty="0"/>
+          </a:p>
+          <a:p>
+            <a:pPr marL="285750" indent="-285750">
+              <a:buClrTx/>
+              <a:buFont typeface="Arial" panose="020B0604020202020204" pitchFamily="34" charset="0"/>
+              <a:buChar char="•"/>
+            </a:pPr>
+            <a:r>
+              <a:rPr lang="ko-KR" altLang="en-US" dirty="0"/>
+              <a:t>데이터베이스</a:t>
+            </a:r>
+            <a:endParaRPr lang="en-US" altLang="ko-KR" dirty="0"/>
+          </a:p>
+          <a:p>
+            <a:pPr marL="285750" indent="-285750">
+              <a:buClrTx/>
+              <a:buFont typeface="Arial" panose="020B0604020202020204" pitchFamily="34" charset="0"/>
+              <a:buChar char="•"/>
+            </a:pPr>
+            <a:r>
+              <a:rPr lang="ko-KR" altLang="en-US" dirty="0"/>
+              <a:t>게임엔진</a:t>
+            </a:r>
+            <a:endParaRPr lang="en-US" altLang="ko-KR" dirty="0"/>
+          </a:p>
+          <a:p>
+            <a:pPr marL="285750" indent="-285750">
+              <a:buClrTx/>
+              <a:buFont typeface="Arial" panose="020B0604020202020204" pitchFamily="34" charset="0"/>
+              <a:buChar char="•"/>
+            </a:pPr>
+            <a:r>
+              <a:rPr lang="ko-KR" altLang="en-US" dirty="0"/>
+              <a:t>네트워크 프로그래밍</a:t>
+            </a:r>
+            <a:endParaRPr lang="en-US" altLang="ko-KR" dirty="0"/>
+          </a:p>
+          <a:p>
+            <a:endParaRPr lang="ko-KR" altLang="en-US" dirty="0"/>
+          </a:p>
+        </p:txBody>
+      </p:sp>
+      <p:sp>
+        <p:nvSpPr>
+          <p:cNvPr id="12" name="TextBox 11">
+            <a:extLst>
+              <a:ext uri="{FF2B5EF4-FFF2-40B4-BE49-F238E27FC236}">
+                <a16:creationId xmlns:a16="http://schemas.microsoft.com/office/drawing/2014/main" id="{40F63AD7-697B-E38E-B1E5-7DA57A4951DD}"/>
+              </a:ext>
+            </a:extLst>
+          </p:cNvPr>
+          <p:cNvSpPr txBox="1"/>
+          <p:nvPr/>
+        </p:nvSpPr>
+        <p:spPr>
+          <a:xfrm>
+            <a:off x="4250392" y="2980439"/>
+            <a:ext cx="2141933" cy="1477328"/>
+          </a:xfrm>
+          <a:prstGeom prst="rect">
+            <a:avLst/>
+          </a:prstGeom>
+          <a:noFill/>
+        </p:spPr>
+        <p:txBody>
+          <a:bodyPr wrap="none" rtlCol="0">
+            <a:spAutoFit/>
+          </a:bodyPr>
+          <a:lstStyle/>
+          <a:p>
+            <a:pPr marL="285750" indent="-285750">
+              <a:buClrTx/>
+              <a:buFont typeface="Arial" panose="020B0604020202020204" pitchFamily="34" charset="0"/>
+              <a:buChar char="•"/>
+            </a:pPr>
+            <a:r>
+              <a:rPr lang="ko-KR" altLang="en-US" dirty="0"/>
+              <a:t>게임 인터페이스</a:t>
+            </a:r>
+            <a:endParaRPr lang="en-US" altLang="ko-KR" dirty="0"/>
+          </a:p>
+          <a:p>
+            <a:pPr marL="285750" indent="-285750">
+              <a:buClrTx/>
+              <a:buFont typeface="Arial" panose="020B0604020202020204" pitchFamily="34" charset="0"/>
+              <a:buChar char="•"/>
+            </a:pPr>
+            <a:r>
+              <a:rPr lang="ko-KR" altLang="en-US" dirty="0"/>
+              <a:t>데이터베이스</a:t>
+            </a:r>
+            <a:endParaRPr lang="en-US" altLang="ko-KR" dirty="0"/>
+          </a:p>
+          <a:p>
+            <a:pPr marL="285750" indent="-285750">
+              <a:buClrTx/>
+              <a:buFont typeface="Arial" panose="020B0604020202020204" pitchFamily="34" charset="0"/>
+              <a:buChar char="•"/>
+            </a:pPr>
+            <a:r>
+              <a:rPr lang="ko-KR" altLang="en-US" dirty="0"/>
+              <a:t>게임엔진</a:t>
+            </a:r>
+            <a:endParaRPr lang="en-US" altLang="ko-KR" dirty="0"/>
+          </a:p>
+          <a:p>
+            <a:pPr marL="285750" indent="-285750">
+              <a:buClrTx/>
+              <a:buFont typeface="Arial" panose="020B0604020202020204" pitchFamily="34" charset="0"/>
+              <a:buChar char="•"/>
+            </a:pPr>
+            <a:r>
+              <a:rPr lang="en-US" altLang="ko-KR" dirty="0"/>
+              <a:t>3D</a:t>
+            </a:r>
+            <a:r>
+              <a:rPr lang="ko-KR" altLang="en-US" dirty="0"/>
+              <a:t>모델링</a:t>
+            </a:r>
+            <a:endParaRPr lang="en-US" altLang="ko-KR" dirty="0"/>
+          </a:p>
+          <a:p>
+            <a:pPr marL="285750" indent="-285750">
+              <a:buFont typeface="Arial" panose="020B0604020202020204" pitchFamily="34" charset="0"/>
+              <a:buChar char="•"/>
+            </a:pPr>
+            <a:endParaRPr lang="ko-KR" altLang="en-US" dirty="0"/>
+          </a:p>
+        </p:txBody>
+      </p:sp>
+      <p:sp>
+        <p:nvSpPr>
+          <p:cNvPr id="13" name="TextBox 12">
+            <a:extLst>
+              <a:ext uri="{FF2B5EF4-FFF2-40B4-BE49-F238E27FC236}">
+                <a16:creationId xmlns:a16="http://schemas.microsoft.com/office/drawing/2014/main" id="{39037018-E783-CF90-3017-6A4AD86FF2F1}"/>
+              </a:ext>
+            </a:extLst>
+          </p:cNvPr>
+          <p:cNvSpPr txBox="1"/>
+          <p:nvPr/>
+        </p:nvSpPr>
+        <p:spPr>
+          <a:xfrm>
+            <a:off x="7680682" y="2980439"/>
+            <a:ext cx="1887055" cy="1200329"/>
+          </a:xfrm>
+          <a:prstGeom prst="rect">
+            <a:avLst/>
+          </a:prstGeom>
+          <a:noFill/>
+        </p:spPr>
+        <p:txBody>
+          <a:bodyPr wrap="none" rtlCol="0">
+            <a:spAutoFit/>
+          </a:bodyPr>
+          <a:lstStyle/>
+          <a:p>
+            <a:pPr marL="285750" indent="-285750">
+              <a:buClrTx/>
+              <a:buFont typeface="Arial" panose="020B0604020202020204" pitchFamily="34" charset="0"/>
+              <a:buChar char="•"/>
+            </a:pPr>
+            <a:r>
+              <a:rPr lang="en-US" altLang="ko-KR" dirty="0"/>
+              <a:t>3D</a:t>
+            </a:r>
+            <a:r>
+              <a:rPr lang="ko-KR" altLang="en-US" dirty="0"/>
+              <a:t>모델링</a:t>
+            </a:r>
+            <a:endParaRPr lang="en-US" altLang="ko-KR" dirty="0"/>
+          </a:p>
+          <a:p>
+            <a:pPr marL="285750" indent="-285750">
+              <a:buClrTx/>
+              <a:buFont typeface="Arial" panose="020B0604020202020204" pitchFamily="34" charset="0"/>
+              <a:buChar char="•"/>
+            </a:pPr>
+            <a:r>
+              <a:rPr lang="en-US" altLang="ko-KR" dirty="0"/>
+              <a:t>3D</a:t>
+            </a:r>
+            <a:r>
+              <a:rPr lang="ko-KR" altLang="en-US" dirty="0"/>
+              <a:t>애니메이션</a:t>
+            </a:r>
+            <a:endParaRPr lang="en-US" altLang="ko-KR" dirty="0"/>
+          </a:p>
+          <a:p>
+            <a:pPr marL="285750" indent="-285750">
+              <a:buClrTx/>
+              <a:buFont typeface="Arial" panose="020B0604020202020204" pitchFamily="34" charset="0"/>
+              <a:buChar char="•"/>
+            </a:pPr>
+            <a:r>
+              <a:rPr lang="ko-KR" altLang="en-US" dirty="0"/>
+              <a:t>게임기획</a:t>
+            </a:r>
+            <a:endParaRPr lang="en-US" altLang="ko-KR" dirty="0"/>
+          </a:p>
+          <a:p>
+            <a:pPr marL="285750" indent="-285750">
+              <a:buFont typeface="Arial" panose="020B0604020202020204" pitchFamily="34" charset="0"/>
+              <a:buChar char="•"/>
+            </a:pPr>
+            <a:endParaRPr lang="ko-KR" altLang="en-US" dirty="0"/>
+          </a:p>
+        </p:txBody>
+      </p:sp>
     </p:spTree>
     <p:extLst>
       <p:ext uri="{BB962C8B-B14F-4D97-AF65-F5344CB8AC3E}">
-        <p14:creationId xmlns:p14="http://schemas.microsoft.com/office/powerpoint/2010/main" val="2523731941"/>
+        <p14:creationId xmlns:p14="http://schemas.microsoft.com/office/powerpoint/2010/main" val="4247809250"/>
       </p:ext>
     </p:extLst>
   </p:cSld>
@@ -8570,7 +12272,7 @@
 </p:sld>
 </file>
 
-<file path=ppt/slides/slide2.xml><?xml version="1.0" encoding="utf-8"?>
+<file path=ppt/slides/slide23.xml><?xml version="1.0" encoding="utf-8"?>
 <p:sld xmlns:a="http://schemas.openxmlformats.org/drawingml/2006/main" xmlns:r="http://schemas.openxmlformats.org/officeDocument/2006/relationships" xmlns:p="http://schemas.openxmlformats.org/presentationml/2006/main">
   <p:cSld>
     <p:spTree>
@@ -8589,353 +12291,6 @@
       </p:grpSpPr>
       <p:sp>
         <p:nvSpPr>
-          <p:cNvPr id="10" name="내용 개체 틀 2">
-            <a:extLst>
-              <a:ext uri="{FF2B5EF4-FFF2-40B4-BE49-F238E27FC236}">
-                <a16:creationId xmlns:a16="http://schemas.microsoft.com/office/drawing/2014/main" id="{450715A0-124F-3157-5ED9-E3252CBFB30A}"/>
-              </a:ext>
-            </a:extLst>
-          </p:cNvPr>
-          <p:cNvSpPr txBox="1">
-            <a:spLocks/>
-          </p:cNvSpPr>
-          <p:nvPr/>
-        </p:nvSpPr>
-        <p:spPr>
-          <a:xfrm>
-            <a:off x="4310844" y="2124231"/>
-            <a:ext cx="6506382" cy="3649662"/>
-          </a:xfrm>
-          <a:prstGeom prst="rect">
-            <a:avLst/>
-          </a:prstGeom>
-          <a:solidFill>
-            <a:schemeClr val="accent2">
-              <a:lumMod val="20000"/>
-              <a:lumOff val="80000"/>
-              <a:alpha val="50000"/>
-            </a:schemeClr>
-          </a:solidFill>
-        </p:spPr>
-        <p:txBody>
-          <a:bodyPr vert="horz" lIns="91440" tIns="45720" rIns="91440" bIns="45720" rtlCol="0" anchor="ctr">
-            <a:normAutofit/>
-          </a:bodyPr>
-          <a:lstStyle>
-            <a:lvl1pPr marL="285750" indent="-285750" algn="l" defTabSz="457200" rtl="0" eaLnBrk="1" latinLnBrk="1" hangingPunct="1">
-              <a:spcBef>
-                <a:spcPts val="0"/>
-              </a:spcBef>
-              <a:spcAft>
-                <a:spcPts val="1000"/>
-              </a:spcAft>
-              <a:buClr>
-                <a:schemeClr val="tx1"/>
-              </a:buClr>
-              <a:buSzPct val="100000"/>
-              <a:buFont typeface="Arial"/>
-              <a:buChar char="•"/>
-              <a:defRPr sz="1800" kern="1200" cap="none">
-                <a:solidFill>
-                  <a:schemeClr val="tx1"/>
-                </a:solidFill>
-                <a:effectLst/>
-                <a:latin typeface="+mn-lt"/>
-                <a:ea typeface="+mn-ea"/>
-                <a:cs typeface="+mn-cs"/>
-              </a:defRPr>
-            </a:lvl1pPr>
-            <a:lvl2pPr marL="742950" indent="-285750" algn="l" defTabSz="457200" rtl="0" eaLnBrk="1" latinLnBrk="1" hangingPunct="1">
-              <a:spcBef>
-                <a:spcPts val="0"/>
-              </a:spcBef>
-              <a:spcAft>
-                <a:spcPts val="1000"/>
-              </a:spcAft>
-              <a:buClr>
-                <a:schemeClr val="tx1"/>
-              </a:buClr>
-              <a:buSzPct val="100000"/>
-              <a:buFont typeface="Arial"/>
-              <a:buChar char="•"/>
-              <a:defRPr sz="1600" kern="1200" cap="none">
-                <a:solidFill>
-                  <a:schemeClr val="tx1"/>
-                </a:solidFill>
-                <a:effectLst/>
-                <a:latin typeface="+mn-lt"/>
-                <a:ea typeface="+mn-ea"/>
-                <a:cs typeface="+mn-cs"/>
-              </a:defRPr>
-            </a:lvl2pPr>
-            <a:lvl3pPr marL="1200150" indent="-285750" algn="l" defTabSz="457200" rtl="0" eaLnBrk="1" latinLnBrk="1" hangingPunct="1">
-              <a:spcBef>
-                <a:spcPts val="0"/>
-              </a:spcBef>
-              <a:spcAft>
-                <a:spcPts val="1000"/>
-              </a:spcAft>
-              <a:buClr>
-                <a:schemeClr val="tx1"/>
-              </a:buClr>
-              <a:buSzPct val="100000"/>
-              <a:buFont typeface="Arial"/>
-              <a:buChar char="•"/>
-              <a:defRPr sz="1400" kern="1200" cap="none">
-                <a:solidFill>
-                  <a:schemeClr val="tx1"/>
-                </a:solidFill>
-                <a:effectLst/>
-                <a:latin typeface="+mn-lt"/>
-                <a:ea typeface="+mn-ea"/>
-                <a:cs typeface="+mn-cs"/>
-              </a:defRPr>
-            </a:lvl3pPr>
-            <a:lvl4pPr marL="1543050" indent="-171450" algn="l" defTabSz="457200" rtl="0" eaLnBrk="1" latinLnBrk="1" hangingPunct="1">
-              <a:spcBef>
-                <a:spcPts val="0"/>
-              </a:spcBef>
-              <a:spcAft>
-                <a:spcPts val="1000"/>
-              </a:spcAft>
-              <a:buClr>
-                <a:schemeClr val="tx1"/>
-              </a:buClr>
-              <a:buSzPct val="100000"/>
-              <a:buFont typeface="Arial"/>
-              <a:buChar char="•"/>
-              <a:defRPr sz="1200" kern="1200" cap="none">
-                <a:solidFill>
-                  <a:schemeClr val="tx1"/>
-                </a:solidFill>
-                <a:effectLst/>
-                <a:latin typeface="+mn-lt"/>
-                <a:ea typeface="+mn-ea"/>
-                <a:cs typeface="+mn-cs"/>
-              </a:defRPr>
-            </a:lvl4pPr>
-            <a:lvl5pPr marL="2000250" indent="-171450" algn="l" defTabSz="457200" rtl="0" eaLnBrk="1" latinLnBrk="1" hangingPunct="1">
-              <a:spcBef>
-                <a:spcPts val="0"/>
-              </a:spcBef>
-              <a:spcAft>
-                <a:spcPts val="1000"/>
-              </a:spcAft>
-              <a:buClr>
-                <a:schemeClr val="tx1"/>
-              </a:buClr>
-              <a:buSzPct val="100000"/>
-              <a:buFont typeface="Arial"/>
-              <a:buChar char="•"/>
-              <a:defRPr sz="1200" kern="1200" cap="none">
-                <a:solidFill>
-                  <a:schemeClr val="tx1"/>
-                </a:solidFill>
-                <a:effectLst/>
-                <a:latin typeface="+mn-lt"/>
-                <a:ea typeface="+mn-ea"/>
-                <a:cs typeface="+mn-cs"/>
-              </a:defRPr>
-            </a:lvl5pPr>
-            <a:lvl6pPr marL="2514600" indent="-228600" algn="l" defTabSz="457200" rtl="0" eaLnBrk="1" latinLnBrk="1" hangingPunct="1">
-              <a:spcBef>
-                <a:spcPts val="0"/>
-              </a:spcBef>
-              <a:spcAft>
-                <a:spcPts val="1000"/>
-              </a:spcAft>
-              <a:buClr>
-                <a:schemeClr val="tx1"/>
-              </a:buClr>
-              <a:buSzPct val="100000"/>
-              <a:buFont typeface="Arial"/>
-              <a:buChar char="•"/>
-              <a:defRPr sz="1200" kern="1200" cap="none">
-                <a:solidFill>
-                  <a:schemeClr val="tx1"/>
-                </a:solidFill>
-                <a:effectLst/>
-                <a:latin typeface="+mn-lt"/>
-                <a:ea typeface="+mn-ea"/>
-                <a:cs typeface="+mn-cs"/>
-              </a:defRPr>
-            </a:lvl6pPr>
-            <a:lvl7pPr marL="2971800" indent="-228600" algn="l" defTabSz="457200" rtl="0" eaLnBrk="1" latinLnBrk="1" hangingPunct="1">
-              <a:spcBef>
-                <a:spcPts val="0"/>
-              </a:spcBef>
-              <a:spcAft>
-                <a:spcPts val="1000"/>
-              </a:spcAft>
-              <a:buClr>
-                <a:schemeClr val="tx1"/>
-              </a:buClr>
-              <a:buSzPct val="100000"/>
-              <a:buFont typeface="Arial"/>
-              <a:buChar char="•"/>
-              <a:defRPr sz="1200" kern="1200" cap="none">
-                <a:solidFill>
-                  <a:schemeClr val="tx1"/>
-                </a:solidFill>
-                <a:effectLst/>
-                <a:latin typeface="+mn-lt"/>
-                <a:ea typeface="+mn-ea"/>
-                <a:cs typeface="+mn-cs"/>
-              </a:defRPr>
-            </a:lvl7pPr>
-            <a:lvl8pPr marL="3429000" indent="-228600" algn="l" defTabSz="457200" rtl="0" eaLnBrk="1" latinLnBrk="1" hangingPunct="1">
-              <a:spcBef>
-                <a:spcPts val="0"/>
-              </a:spcBef>
-              <a:spcAft>
-                <a:spcPts val="1000"/>
-              </a:spcAft>
-              <a:buClr>
-                <a:schemeClr val="tx1"/>
-              </a:buClr>
-              <a:buSzPct val="100000"/>
-              <a:buFont typeface="Arial"/>
-              <a:buChar char="•"/>
-              <a:defRPr sz="1200" kern="1200" cap="none">
-                <a:solidFill>
-                  <a:schemeClr val="tx1"/>
-                </a:solidFill>
-                <a:effectLst/>
-                <a:latin typeface="+mn-lt"/>
-                <a:ea typeface="+mn-ea"/>
-                <a:cs typeface="+mn-cs"/>
-              </a:defRPr>
-            </a:lvl8pPr>
-            <a:lvl9pPr marL="3886200" indent="-228600" algn="l" defTabSz="457200" rtl="0" eaLnBrk="1" latinLnBrk="1" hangingPunct="1">
-              <a:spcBef>
-                <a:spcPts val="0"/>
-              </a:spcBef>
-              <a:spcAft>
-                <a:spcPts val="1000"/>
-              </a:spcAft>
-              <a:buClr>
-                <a:schemeClr val="tx1"/>
-              </a:buClr>
-              <a:buSzPct val="100000"/>
-              <a:buFont typeface="Arial"/>
-              <a:buChar char="•"/>
-              <a:defRPr sz="1200" kern="1200" cap="none">
-                <a:solidFill>
-                  <a:schemeClr val="tx1"/>
-                </a:solidFill>
-                <a:effectLst/>
-                <a:latin typeface="+mn-lt"/>
-                <a:ea typeface="+mn-ea"/>
-                <a:cs typeface="+mn-cs"/>
-              </a:defRPr>
-            </a:lvl9pPr>
-          </a:lstStyle>
-          <a:p>
-            <a:pPr marL="0" indent="0" algn="ctr">
-              <a:buNone/>
-            </a:pPr>
-            <a:r>
-              <a:rPr lang="ko-KR" altLang="en-US" sz="3500" dirty="0"/>
-              <a:t>만약 지구에 달이 떨어진다면</a:t>
-            </a:r>
-            <a:r>
-              <a:rPr lang="en-US" altLang="ko-KR" sz="3500" dirty="0"/>
-              <a:t>?</a:t>
-            </a:r>
-          </a:p>
-          <a:p>
-            <a:pPr marL="0" indent="0" algn="ctr">
-              <a:buNone/>
-            </a:pPr>
-            <a:r>
-              <a:rPr lang="ko-KR" altLang="en-US" sz="2800" dirty="0">
-                <a:solidFill>
-                  <a:schemeClr val="tx2">
-                    <a:lumMod val="25000"/>
-                  </a:schemeClr>
-                </a:solidFill>
-              </a:rPr>
-              <a:t>떨어지는 달에 의한 지구환경에서 적응하고 살아남아라</a:t>
-            </a:r>
-            <a:r>
-              <a:rPr lang="en-US" altLang="ko-KR" sz="2800" dirty="0">
-                <a:solidFill>
-                  <a:schemeClr val="tx2">
-                    <a:lumMod val="25000"/>
-                  </a:schemeClr>
-                </a:solidFill>
-              </a:rPr>
-              <a:t>!</a:t>
-            </a:r>
-          </a:p>
-          <a:p>
-            <a:pPr marL="0" indent="0" algn="ctr">
-              <a:buNone/>
-            </a:pPr>
-            <a:endParaRPr lang="en-US" altLang="ko-KR" sz="1500" dirty="0">
-              <a:solidFill>
-                <a:schemeClr val="tx2">
-                  <a:lumMod val="25000"/>
-                </a:schemeClr>
-              </a:solidFill>
-            </a:endParaRPr>
-          </a:p>
-          <a:p>
-            <a:pPr marL="0" indent="0" algn="ctr">
-              <a:buNone/>
-            </a:pPr>
-            <a:r>
-              <a:rPr lang="ko-KR" altLang="en-US" sz="1500" dirty="0">
-                <a:solidFill>
-                  <a:schemeClr val="bg2">
-                    <a:lumMod val="75000"/>
-                  </a:schemeClr>
-                </a:solidFill>
-              </a:rPr>
-              <a:t>장르</a:t>
-            </a:r>
-            <a:r>
-              <a:rPr lang="en-US" altLang="ko-KR" sz="1500" dirty="0">
-                <a:solidFill>
-                  <a:schemeClr val="bg2">
-                    <a:lumMod val="75000"/>
-                  </a:schemeClr>
-                </a:solidFill>
-              </a:rPr>
-              <a:t>: </a:t>
-            </a:r>
-            <a:r>
-              <a:rPr lang="ko-KR" altLang="en-US" sz="1500" dirty="0">
-                <a:solidFill>
-                  <a:schemeClr val="bg2">
-                    <a:lumMod val="75000"/>
-                  </a:schemeClr>
-                </a:solidFill>
-              </a:rPr>
-              <a:t>서바이벌 </a:t>
-            </a:r>
-            <a:r>
-              <a:rPr lang="ko-KR" altLang="en-US" sz="1500" dirty="0" err="1">
-                <a:solidFill>
-                  <a:schemeClr val="bg2">
-                    <a:lumMod val="75000"/>
-                  </a:schemeClr>
-                </a:solidFill>
-              </a:rPr>
-              <a:t>샌드박스</a:t>
-            </a:r>
-            <a:endParaRPr lang="en-US" altLang="ko-KR" sz="1500" dirty="0">
-              <a:solidFill>
-                <a:schemeClr val="bg2">
-                  <a:lumMod val="75000"/>
-                </a:schemeClr>
-              </a:solidFill>
-            </a:endParaRPr>
-          </a:p>
-        </p:txBody>
-      </p:sp>
-      <p:sp>
-        <p:nvSpPr>
           <p:cNvPr id="2" name="제목 1">
             <a:extLst>
               <a:ext uri="{FF2B5EF4-FFF2-40B4-BE49-F238E27FC236}">
@@ -8951,6 +12306,10 @@
           </p:nvPr>
         </p:nvSpPr>
         <p:spPr>
+          <a:xfrm>
+            <a:off x="685801" y="609600"/>
+            <a:ext cx="10131425" cy="1456267"/>
+          </a:xfrm>
           <a:solidFill>
             <a:schemeClr val="accent2">
               <a:lumMod val="20000"/>
@@ -8965,64 +12324,253 @@
           <a:p>
             <a:r>
               <a:rPr lang="ko-KR" altLang="en-US" dirty="0"/>
-              <a:t>게임 소개</a:t>
-            </a:r>
-          </a:p>
-        </p:txBody>
-      </p:sp>
-      <p:pic>
-        <p:nvPicPr>
-          <p:cNvPr id="1026" name="Picture 2">
+              <a:t>참고 문헌</a:t>
+            </a:r>
+          </a:p>
+        </p:txBody>
+      </p:sp>
+      <p:sp>
+        <p:nvSpPr>
+          <p:cNvPr id="3" name="제목 1">
             <a:extLst>
               <a:ext uri="{FF2B5EF4-FFF2-40B4-BE49-F238E27FC236}">
-                <a16:creationId xmlns:a16="http://schemas.microsoft.com/office/drawing/2014/main" id="{3FC63816-30DE-B23F-A624-4EF32BBFCE5E}"/>
+                <a16:creationId xmlns:a16="http://schemas.microsoft.com/office/drawing/2014/main" id="{CE5D546F-002E-3241-1E53-2DEFDCBAC893}"/>
               </a:ext>
             </a:extLst>
           </p:cNvPr>
-          <p:cNvPicPr>
-            <a:picLocks noGrp="1" noChangeAspect="1" noChangeArrowheads="1"/>
-          </p:cNvPicPr>
-          <p:nvPr>
-            <p:ph idx="1"/>
-          </p:nvPr>
-        </p:nvPicPr>
-        <p:blipFill>
-          <a:blip r:embed="rId2">
-            <a:extLst>
-              <a:ext uri="{28A0092B-C50C-407E-A947-70E740481C1C}">
-                <a14:useLocalDpi xmlns:a14="http://schemas.microsoft.com/office/drawing/2010/main" val="0"/>
-              </a:ext>
-            </a:extLst>
-          </a:blip>
-          <a:srcRect/>
-          <a:stretch>
-            <a:fillRect/>
-          </a:stretch>
-        </p:blipFill>
-        <p:spPr bwMode="auto">
+          <p:cNvSpPr txBox="1">
+            <a:spLocks/>
+          </p:cNvSpPr>
+          <p:nvPr/>
+        </p:nvSpPr>
+        <p:spPr>
           <a:xfrm>
-            <a:off x="685801" y="2124231"/>
-            <a:ext cx="3625043" cy="3649662"/>
+            <a:off x="685801" y="2142927"/>
+            <a:ext cx="10131425" cy="3798000"/>
           </a:xfrm>
           <a:prstGeom prst="rect">
             <a:avLst/>
           </a:prstGeom>
-          <a:noFill/>
-          <a:extLst>
-            <a:ext uri="{909E8E84-426E-40DD-AFC4-6F175D3DCCD1}">
-              <a14:hiddenFill xmlns:a14="http://schemas.microsoft.com/office/drawing/2010/main">
-                <a:solidFill>
-                  <a:srgbClr val="FFFFFF"/>
-                </a:solidFill>
-              </a14:hiddenFill>
-            </a:ext>
-          </a:extLst>
+          <a:solidFill>
+            <a:schemeClr val="accent2">
+              <a:lumMod val="20000"/>
+              <a:lumOff val="80000"/>
+              <a:alpha val="50000"/>
+            </a:schemeClr>
+          </a:solidFill>
+          <a:effectLst/>
         </p:spPr>
-      </p:pic>
+        <p:txBody>
+          <a:bodyPr vert="horz" lIns="91440" tIns="45720" rIns="91440" bIns="45720" rtlCol="0" anchor="ctr">
+            <a:normAutofit/>
+          </a:bodyPr>
+          <a:lstStyle>
+            <a:lvl1pPr algn="l" defTabSz="457200" rtl="0" eaLnBrk="1" latinLnBrk="1" hangingPunct="1">
+              <a:spcBef>
+                <a:spcPct val="0"/>
+              </a:spcBef>
+              <a:buNone/>
+              <a:defRPr sz="3600" kern="1200" cap="all">
+                <a:ln w="3175" cmpd="sng">
+                  <a:noFill/>
+                </a:ln>
+                <a:solidFill>
+                  <a:schemeClr val="tx1"/>
+                </a:solidFill>
+                <a:effectLst/>
+                <a:latin typeface="+mj-lt"/>
+                <a:ea typeface="+mj-ea"/>
+                <a:cs typeface="+mj-cs"/>
+              </a:defRPr>
+            </a:lvl1pPr>
+            <a:lvl2pPr eaLnBrk="1" latinLnBrk="1" hangingPunct="1">
+              <a:defRPr>
+                <a:solidFill>
+                  <a:schemeClr val="tx2"/>
+                </a:solidFill>
+              </a:defRPr>
+            </a:lvl2pPr>
+            <a:lvl3pPr eaLnBrk="1" latinLnBrk="1" hangingPunct="1">
+              <a:defRPr>
+                <a:solidFill>
+                  <a:schemeClr val="tx2"/>
+                </a:solidFill>
+              </a:defRPr>
+            </a:lvl3pPr>
+            <a:lvl4pPr eaLnBrk="1" latinLnBrk="1" hangingPunct="1">
+              <a:defRPr>
+                <a:solidFill>
+                  <a:schemeClr val="tx2"/>
+                </a:solidFill>
+              </a:defRPr>
+            </a:lvl4pPr>
+            <a:lvl5pPr eaLnBrk="1" latinLnBrk="1" hangingPunct="1">
+              <a:defRPr>
+                <a:solidFill>
+                  <a:schemeClr val="tx2"/>
+                </a:solidFill>
+              </a:defRPr>
+            </a:lvl5pPr>
+            <a:lvl6pPr eaLnBrk="1" latinLnBrk="1" hangingPunct="1">
+              <a:defRPr>
+                <a:solidFill>
+                  <a:schemeClr val="tx2"/>
+                </a:solidFill>
+              </a:defRPr>
+            </a:lvl6pPr>
+            <a:lvl7pPr eaLnBrk="1" latinLnBrk="1" hangingPunct="1">
+              <a:defRPr>
+                <a:solidFill>
+                  <a:schemeClr val="tx2"/>
+                </a:solidFill>
+              </a:defRPr>
+            </a:lvl7pPr>
+            <a:lvl8pPr eaLnBrk="1" latinLnBrk="1" hangingPunct="1">
+              <a:defRPr>
+                <a:solidFill>
+                  <a:schemeClr val="tx2"/>
+                </a:solidFill>
+              </a:defRPr>
+            </a:lvl8pPr>
+            <a:lvl9pPr eaLnBrk="1" latinLnBrk="1" hangingPunct="1">
+              <a:defRPr>
+                <a:solidFill>
+                  <a:schemeClr val="tx2"/>
+                </a:solidFill>
+              </a:defRPr>
+            </a:lvl9pPr>
+          </a:lstStyle>
+          <a:p>
+            <a:pPr marL="342900" indent="-342900">
+              <a:buFont typeface="Arial" panose="020B0604020202020204" pitchFamily="34" charset="0"/>
+              <a:buChar char="•"/>
+            </a:pPr>
+            <a:r>
+              <a:rPr lang="en-US" altLang="ko-KR" sz="1700" dirty="0">
+                <a:latin typeface="+mj-ea"/>
+                <a:hlinkClick r:id="rId2">
+                  <a:extLst>
+                    <a:ext uri="{A12FA001-AC4F-418D-AE19-62706E023703}">
+                      <ahyp:hlinkClr xmlns:ahyp="http://schemas.microsoft.com/office/drawing/2018/hyperlinkcolor" val="tx"/>
+                    </a:ext>
+                  </a:extLst>
+                </a:hlinkClick>
+              </a:rPr>
+              <a:t>What Happens if the Moon Crashes into Earth?: </a:t>
+            </a:r>
+            <a:r>
+              <a:rPr lang="en-US" altLang="ko-KR" sz="1700" dirty="0">
+                <a:latin typeface="+mj-ea"/>
+                <a:hlinkClick r:id="rId2">
+                  <a:extLst>
+                    <a:ext uri="{A12FA001-AC4F-418D-AE19-62706E023703}">
+                      <ahyp:hlinkClr xmlns:ahyp="http://schemas.microsoft.com/office/drawing/2018/hyperlinkcolor" val="tx"/>
+                    </a:ext>
+                  </a:extLst>
+                </a:hlinkClick>
+              </a:rPr>
+              <a:t>(https://www.youtube.com/watch?v=lheapd7bgLA&amp;t=522s&amp;ab_channel=Kurzgesagt%E2%80%93InaNutshell</a:t>
+            </a:r>
+            <a:r>
+              <a:rPr lang="en-US" altLang="ko-KR" sz="1700" dirty="0">
+                <a:latin typeface="+mj-ea"/>
+              </a:rPr>
+              <a:t>)</a:t>
+            </a:r>
+          </a:p>
+          <a:p>
+            <a:pPr marL="342900" indent="-342900">
+              <a:buFont typeface="Arial" panose="020B0604020202020204" pitchFamily="34" charset="0"/>
+              <a:buChar char="•"/>
+            </a:pPr>
+            <a:r>
+              <a:rPr lang="en-US" altLang="ko-KR" sz="1700" dirty="0">
+                <a:latin typeface="+mj-ea"/>
+              </a:rPr>
+              <a:t>Rust: (</a:t>
+            </a:r>
+            <a:r>
+              <a:rPr lang="en-US" altLang="ko-KR" sz="1700" dirty="0">
+                <a:latin typeface="+mj-ea"/>
+                <a:hlinkClick r:id="rId3"/>
+              </a:rPr>
+              <a:t>https://store.steampowered.com/app/252490/Rust/?l=koreana</a:t>
+            </a:r>
+            <a:r>
+              <a:rPr lang="en-US" altLang="ko-KR" sz="1700" dirty="0">
+                <a:latin typeface="+mj-ea"/>
+              </a:rPr>
+              <a:t>)</a:t>
+            </a:r>
+          </a:p>
+          <a:p>
+            <a:pPr marL="342900" indent="-342900">
+              <a:buFont typeface="Arial" panose="020B0604020202020204" pitchFamily="34" charset="0"/>
+              <a:buChar char="•"/>
+            </a:pPr>
+            <a:r>
+              <a:rPr lang="en-US" altLang="ko-KR" sz="1700" dirty="0">
+                <a:latin typeface="+mj-ea"/>
+              </a:rPr>
+              <a:t>MINECRAFT: (</a:t>
+            </a:r>
+            <a:r>
+              <a:rPr lang="en-US" altLang="ko-KR" sz="1700" dirty="0">
+                <a:latin typeface="+mj-ea"/>
+                <a:hlinkClick r:id="rId4"/>
+              </a:rPr>
+              <a:t>https://www.minecraft.net/ko-kr</a:t>
+            </a:r>
+            <a:r>
+              <a:rPr lang="en-US" altLang="ko-KR" sz="1700" dirty="0">
+                <a:latin typeface="+mj-ea"/>
+              </a:rPr>
+              <a:t>)</a:t>
+            </a:r>
+          </a:p>
+          <a:p>
+            <a:pPr marL="342900" indent="-342900">
+              <a:buFont typeface="Arial" panose="020B0604020202020204" pitchFamily="34" charset="0"/>
+              <a:buChar char="•"/>
+            </a:pPr>
+            <a:r>
+              <a:rPr lang="en-US" altLang="ko-KR" sz="1700" dirty="0" err="1">
+                <a:latin typeface="+mj-ea"/>
+              </a:rPr>
+              <a:t>Frostpunk</a:t>
+            </a:r>
+            <a:r>
+              <a:rPr lang="en-US" altLang="ko-KR" sz="1700" dirty="0">
+                <a:latin typeface="+mj-ea"/>
+                <a:sym typeface="Wingdings" panose="05000000000000000000" pitchFamily="2" charset="2"/>
+              </a:rPr>
+              <a:t>: (https://store.steampowered.com/app/323190/Frostpunk/?l=koreana)</a:t>
+            </a:r>
+            <a:endParaRPr lang="en-US" altLang="ko-KR" sz="1700" dirty="0">
+              <a:latin typeface="+mj-ea"/>
+            </a:endParaRPr>
+          </a:p>
+          <a:p>
+            <a:pPr marL="342900" indent="-342900">
+              <a:buFont typeface="Arial" panose="020B0604020202020204" pitchFamily="34" charset="0"/>
+              <a:buChar char="•"/>
+            </a:pPr>
+            <a:r>
+              <a:rPr lang="en-US" altLang="ko-KR" sz="1700" dirty="0">
+                <a:latin typeface="+mj-ea"/>
+              </a:rPr>
+              <a:t>Garry’s mod: (https://store.steampowered.com/app/4000/Garrys_Mod/?l=koreana)</a:t>
+            </a:r>
+            <a:endParaRPr lang="ko-KR" altLang="en-US" sz="1700" dirty="0">
+              <a:latin typeface="+mj-ea"/>
+            </a:endParaRPr>
+          </a:p>
+        </p:txBody>
+      </p:sp>
     </p:spTree>
     <p:extLst>
       <p:ext uri="{BB962C8B-B14F-4D97-AF65-F5344CB8AC3E}">
-        <p14:creationId xmlns:p14="http://schemas.microsoft.com/office/powerpoint/2010/main" val="3498070282"/>
+        <p14:creationId xmlns:p14="http://schemas.microsoft.com/office/powerpoint/2010/main" val="2044744030"/>
       </p:ext>
     </p:extLst>
   </p:cSld>
@@ -9051,6 +12599,353 @@
       </p:grpSpPr>
       <p:sp>
         <p:nvSpPr>
+          <p:cNvPr id="10" name="내용 개체 틀 2">
+            <a:extLst>
+              <a:ext uri="{FF2B5EF4-FFF2-40B4-BE49-F238E27FC236}">
+                <a16:creationId xmlns:a16="http://schemas.microsoft.com/office/drawing/2014/main" id="{450715A0-124F-3157-5ED9-E3252CBFB30A}"/>
+              </a:ext>
+            </a:extLst>
+          </p:cNvPr>
+          <p:cNvSpPr txBox="1">
+            <a:spLocks/>
+          </p:cNvSpPr>
+          <p:nvPr/>
+        </p:nvSpPr>
+        <p:spPr>
+          <a:xfrm>
+            <a:off x="4310844" y="2124231"/>
+            <a:ext cx="6506382" cy="3798000"/>
+          </a:xfrm>
+          <a:prstGeom prst="rect">
+            <a:avLst/>
+          </a:prstGeom>
+          <a:solidFill>
+            <a:schemeClr val="accent2">
+              <a:lumMod val="20000"/>
+              <a:lumOff val="80000"/>
+              <a:alpha val="50000"/>
+            </a:schemeClr>
+          </a:solidFill>
+        </p:spPr>
+        <p:txBody>
+          <a:bodyPr vert="horz" lIns="91440" tIns="45720" rIns="91440" bIns="45720" rtlCol="0" anchor="ctr">
+            <a:normAutofit/>
+          </a:bodyPr>
+          <a:lstStyle>
+            <a:lvl1pPr marL="285750" indent="-285750" algn="l" defTabSz="457200" rtl="0" eaLnBrk="1" latinLnBrk="1" hangingPunct="1">
+              <a:spcBef>
+                <a:spcPts val="0"/>
+              </a:spcBef>
+              <a:spcAft>
+                <a:spcPts val="1000"/>
+              </a:spcAft>
+              <a:buClr>
+                <a:schemeClr val="tx1"/>
+              </a:buClr>
+              <a:buSzPct val="100000"/>
+              <a:buFont typeface="Arial"/>
+              <a:buChar char="•"/>
+              <a:defRPr sz="1800" kern="1200" cap="none">
+                <a:solidFill>
+                  <a:schemeClr val="tx1"/>
+                </a:solidFill>
+                <a:effectLst/>
+                <a:latin typeface="+mn-lt"/>
+                <a:ea typeface="+mn-ea"/>
+                <a:cs typeface="+mn-cs"/>
+              </a:defRPr>
+            </a:lvl1pPr>
+            <a:lvl2pPr marL="742950" indent="-285750" algn="l" defTabSz="457200" rtl="0" eaLnBrk="1" latinLnBrk="1" hangingPunct="1">
+              <a:spcBef>
+                <a:spcPts val="0"/>
+              </a:spcBef>
+              <a:spcAft>
+                <a:spcPts val="1000"/>
+              </a:spcAft>
+              <a:buClr>
+                <a:schemeClr val="tx1"/>
+              </a:buClr>
+              <a:buSzPct val="100000"/>
+              <a:buFont typeface="Arial"/>
+              <a:buChar char="•"/>
+              <a:defRPr sz="1600" kern="1200" cap="none">
+                <a:solidFill>
+                  <a:schemeClr val="tx1"/>
+                </a:solidFill>
+                <a:effectLst/>
+                <a:latin typeface="+mn-lt"/>
+                <a:ea typeface="+mn-ea"/>
+                <a:cs typeface="+mn-cs"/>
+              </a:defRPr>
+            </a:lvl2pPr>
+            <a:lvl3pPr marL="1200150" indent="-285750" algn="l" defTabSz="457200" rtl="0" eaLnBrk="1" latinLnBrk="1" hangingPunct="1">
+              <a:spcBef>
+                <a:spcPts val="0"/>
+              </a:spcBef>
+              <a:spcAft>
+                <a:spcPts val="1000"/>
+              </a:spcAft>
+              <a:buClr>
+                <a:schemeClr val="tx1"/>
+              </a:buClr>
+              <a:buSzPct val="100000"/>
+              <a:buFont typeface="Arial"/>
+              <a:buChar char="•"/>
+              <a:defRPr sz="1400" kern="1200" cap="none">
+                <a:solidFill>
+                  <a:schemeClr val="tx1"/>
+                </a:solidFill>
+                <a:effectLst/>
+                <a:latin typeface="+mn-lt"/>
+                <a:ea typeface="+mn-ea"/>
+                <a:cs typeface="+mn-cs"/>
+              </a:defRPr>
+            </a:lvl3pPr>
+            <a:lvl4pPr marL="1543050" indent="-171450" algn="l" defTabSz="457200" rtl="0" eaLnBrk="1" latinLnBrk="1" hangingPunct="1">
+              <a:spcBef>
+                <a:spcPts val="0"/>
+              </a:spcBef>
+              <a:spcAft>
+                <a:spcPts val="1000"/>
+              </a:spcAft>
+              <a:buClr>
+                <a:schemeClr val="tx1"/>
+              </a:buClr>
+              <a:buSzPct val="100000"/>
+              <a:buFont typeface="Arial"/>
+              <a:buChar char="•"/>
+              <a:defRPr sz="1200" kern="1200" cap="none">
+                <a:solidFill>
+                  <a:schemeClr val="tx1"/>
+                </a:solidFill>
+                <a:effectLst/>
+                <a:latin typeface="+mn-lt"/>
+                <a:ea typeface="+mn-ea"/>
+                <a:cs typeface="+mn-cs"/>
+              </a:defRPr>
+            </a:lvl4pPr>
+            <a:lvl5pPr marL="2000250" indent="-171450" algn="l" defTabSz="457200" rtl="0" eaLnBrk="1" latinLnBrk="1" hangingPunct="1">
+              <a:spcBef>
+                <a:spcPts val="0"/>
+              </a:spcBef>
+              <a:spcAft>
+                <a:spcPts val="1000"/>
+              </a:spcAft>
+              <a:buClr>
+                <a:schemeClr val="tx1"/>
+              </a:buClr>
+              <a:buSzPct val="100000"/>
+              <a:buFont typeface="Arial"/>
+              <a:buChar char="•"/>
+              <a:defRPr sz="1200" kern="1200" cap="none">
+                <a:solidFill>
+                  <a:schemeClr val="tx1"/>
+                </a:solidFill>
+                <a:effectLst/>
+                <a:latin typeface="+mn-lt"/>
+                <a:ea typeface="+mn-ea"/>
+                <a:cs typeface="+mn-cs"/>
+              </a:defRPr>
+            </a:lvl5pPr>
+            <a:lvl6pPr marL="2514600" indent="-228600" algn="l" defTabSz="457200" rtl="0" eaLnBrk="1" latinLnBrk="1" hangingPunct="1">
+              <a:spcBef>
+                <a:spcPts val="0"/>
+              </a:spcBef>
+              <a:spcAft>
+                <a:spcPts val="1000"/>
+              </a:spcAft>
+              <a:buClr>
+                <a:schemeClr val="tx1"/>
+              </a:buClr>
+              <a:buSzPct val="100000"/>
+              <a:buFont typeface="Arial"/>
+              <a:buChar char="•"/>
+              <a:defRPr sz="1200" kern="1200" cap="none">
+                <a:solidFill>
+                  <a:schemeClr val="tx1"/>
+                </a:solidFill>
+                <a:effectLst/>
+                <a:latin typeface="+mn-lt"/>
+                <a:ea typeface="+mn-ea"/>
+                <a:cs typeface="+mn-cs"/>
+              </a:defRPr>
+            </a:lvl6pPr>
+            <a:lvl7pPr marL="2971800" indent="-228600" algn="l" defTabSz="457200" rtl="0" eaLnBrk="1" latinLnBrk="1" hangingPunct="1">
+              <a:spcBef>
+                <a:spcPts val="0"/>
+              </a:spcBef>
+              <a:spcAft>
+                <a:spcPts val="1000"/>
+              </a:spcAft>
+              <a:buClr>
+                <a:schemeClr val="tx1"/>
+              </a:buClr>
+              <a:buSzPct val="100000"/>
+              <a:buFont typeface="Arial"/>
+              <a:buChar char="•"/>
+              <a:defRPr sz="1200" kern="1200" cap="none">
+                <a:solidFill>
+                  <a:schemeClr val="tx1"/>
+                </a:solidFill>
+                <a:effectLst/>
+                <a:latin typeface="+mn-lt"/>
+                <a:ea typeface="+mn-ea"/>
+                <a:cs typeface="+mn-cs"/>
+              </a:defRPr>
+            </a:lvl7pPr>
+            <a:lvl8pPr marL="3429000" indent="-228600" algn="l" defTabSz="457200" rtl="0" eaLnBrk="1" latinLnBrk="1" hangingPunct="1">
+              <a:spcBef>
+                <a:spcPts val="0"/>
+              </a:spcBef>
+              <a:spcAft>
+                <a:spcPts val="1000"/>
+              </a:spcAft>
+              <a:buClr>
+                <a:schemeClr val="tx1"/>
+              </a:buClr>
+              <a:buSzPct val="100000"/>
+              <a:buFont typeface="Arial"/>
+              <a:buChar char="•"/>
+              <a:defRPr sz="1200" kern="1200" cap="none">
+                <a:solidFill>
+                  <a:schemeClr val="tx1"/>
+                </a:solidFill>
+                <a:effectLst/>
+                <a:latin typeface="+mn-lt"/>
+                <a:ea typeface="+mn-ea"/>
+                <a:cs typeface="+mn-cs"/>
+              </a:defRPr>
+            </a:lvl8pPr>
+            <a:lvl9pPr marL="3886200" indent="-228600" algn="l" defTabSz="457200" rtl="0" eaLnBrk="1" latinLnBrk="1" hangingPunct="1">
+              <a:spcBef>
+                <a:spcPts val="0"/>
+              </a:spcBef>
+              <a:spcAft>
+                <a:spcPts val="1000"/>
+              </a:spcAft>
+              <a:buClr>
+                <a:schemeClr val="tx1"/>
+              </a:buClr>
+              <a:buSzPct val="100000"/>
+              <a:buFont typeface="Arial"/>
+              <a:buChar char="•"/>
+              <a:defRPr sz="1200" kern="1200" cap="none">
+                <a:solidFill>
+                  <a:schemeClr val="tx1"/>
+                </a:solidFill>
+                <a:effectLst/>
+                <a:latin typeface="+mn-lt"/>
+                <a:ea typeface="+mn-ea"/>
+                <a:cs typeface="+mn-cs"/>
+              </a:defRPr>
+            </a:lvl9pPr>
+          </a:lstStyle>
+          <a:p>
+            <a:pPr marL="0" indent="0" algn="ctr">
+              <a:buNone/>
+            </a:pPr>
+            <a:r>
+              <a:rPr lang="ko-KR" altLang="en-US" sz="3500" dirty="0"/>
+              <a:t>만약 지구에 달이 떨어진다면</a:t>
+            </a:r>
+            <a:r>
+              <a:rPr lang="en-US" altLang="ko-KR" sz="3500" dirty="0"/>
+              <a:t>?</a:t>
+            </a:r>
+          </a:p>
+          <a:p>
+            <a:pPr marL="0" indent="0" algn="ctr">
+              <a:buNone/>
+            </a:pPr>
+            <a:r>
+              <a:rPr lang="ko-KR" altLang="en-US" sz="2800" dirty="0">
+                <a:solidFill>
+                  <a:schemeClr val="tx2">
+                    <a:lumMod val="25000"/>
+                  </a:schemeClr>
+                </a:solidFill>
+              </a:rPr>
+              <a:t>떨어지는 달에 의한 지구환경에서 적응하고 살아남아라</a:t>
+            </a:r>
+            <a:r>
+              <a:rPr lang="en-US" altLang="ko-KR" sz="2800" dirty="0">
+                <a:solidFill>
+                  <a:schemeClr val="tx2">
+                    <a:lumMod val="25000"/>
+                  </a:schemeClr>
+                </a:solidFill>
+              </a:rPr>
+              <a:t>!</a:t>
+            </a:r>
+          </a:p>
+          <a:p>
+            <a:pPr marL="0" indent="0" algn="ctr">
+              <a:buNone/>
+            </a:pPr>
+            <a:endParaRPr lang="en-US" altLang="ko-KR" sz="1500" dirty="0">
+              <a:solidFill>
+                <a:schemeClr val="tx2">
+                  <a:lumMod val="25000"/>
+                </a:schemeClr>
+              </a:solidFill>
+            </a:endParaRPr>
+          </a:p>
+          <a:p>
+            <a:pPr marL="0" indent="0" algn="ctr">
+              <a:buNone/>
+            </a:pPr>
+            <a:r>
+              <a:rPr lang="ko-KR" altLang="en-US" sz="1500" dirty="0">
+                <a:solidFill>
+                  <a:schemeClr val="bg2">
+                    <a:lumMod val="75000"/>
+                  </a:schemeClr>
+                </a:solidFill>
+              </a:rPr>
+              <a:t>장르</a:t>
+            </a:r>
+            <a:r>
+              <a:rPr lang="en-US" altLang="ko-KR" sz="1500" dirty="0">
+                <a:solidFill>
+                  <a:schemeClr val="bg2">
+                    <a:lumMod val="75000"/>
+                  </a:schemeClr>
+                </a:solidFill>
+              </a:rPr>
+              <a:t>: MMO</a:t>
+            </a:r>
+            <a:r>
+              <a:rPr lang="ko-KR" altLang="en-US" sz="1500" dirty="0">
+                <a:solidFill>
+                  <a:schemeClr val="bg2">
+                    <a:lumMod val="75000"/>
+                  </a:schemeClr>
+                </a:solidFill>
+              </a:rPr>
+              <a:t> 서바이벌 </a:t>
+            </a:r>
+            <a:r>
+              <a:rPr lang="ko-KR" altLang="en-US" sz="1500" dirty="0" err="1">
+                <a:solidFill>
+                  <a:schemeClr val="bg2">
+                    <a:lumMod val="75000"/>
+                  </a:schemeClr>
+                </a:solidFill>
+              </a:rPr>
+              <a:t>샌드박스</a:t>
+            </a:r>
+            <a:endParaRPr lang="en-US" altLang="ko-KR" sz="1500" dirty="0">
+              <a:solidFill>
+                <a:schemeClr val="bg2">
+                  <a:lumMod val="75000"/>
+                </a:schemeClr>
+              </a:solidFill>
+            </a:endParaRPr>
+          </a:p>
+        </p:txBody>
+      </p:sp>
+      <p:sp>
+        <p:nvSpPr>
           <p:cNvPr id="2" name="제목 1">
             <a:extLst>
               <a:ext uri="{FF2B5EF4-FFF2-40B4-BE49-F238E27FC236}">
@@ -9080,6 +12975,121 @@
           <a:p>
             <a:r>
               <a:rPr lang="ko-KR" altLang="en-US" dirty="0"/>
+              <a:t>게임 소개</a:t>
+            </a:r>
+          </a:p>
+        </p:txBody>
+      </p:sp>
+      <p:pic>
+        <p:nvPicPr>
+          <p:cNvPr id="1026" name="Picture 2">
+            <a:extLst>
+              <a:ext uri="{FF2B5EF4-FFF2-40B4-BE49-F238E27FC236}">
+                <a16:creationId xmlns:a16="http://schemas.microsoft.com/office/drawing/2014/main" id="{3FC63816-30DE-B23F-A624-4EF32BBFCE5E}"/>
+              </a:ext>
+            </a:extLst>
+          </p:cNvPr>
+          <p:cNvPicPr preferRelativeResize="0">
+            <a:picLocks noGrp="1" noChangeArrowheads="1"/>
+          </p:cNvPicPr>
+          <p:nvPr>
+            <p:ph idx="1"/>
+          </p:nvPr>
+        </p:nvPicPr>
+        <p:blipFill>
+          <a:blip r:embed="rId2">
+            <a:extLst>
+              <a:ext uri="{28A0092B-C50C-407E-A947-70E740481C1C}">
+                <a14:useLocalDpi xmlns:a14="http://schemas.microsoft.com/office/drawing/2010/main" val="0"/>
+              </a:ext>
+            </a:extLst>
+          </a:blip>
+          <a:srcRect/>
+          <a:stretch>
+            <a:fillRect/>
+          </a:stretch>
+        </p:blipFill>
+        <p:spPr bwMode="auto">
+          <a:xfrm>
+            <a:off x="685801" y="2124231"/>
+            <a:ext cx="3625043" cy="3798000"/>
+          </a:xfrm>
+          <a:prstGeom prst="rect">
+            <a:avLst/>
+          </a:prstGeom>
+          <a:noFill/>
+          <a:extLst>
+            <a:ext uri="{909E8E84-426E-40DD-AFC4-6F175D3DCCD1}">
+              <a14:hiddenFill xmlns:a14="http://schemas.microsoft.com/office/drawing/2010/main">
+                <a:solidFill>
+                  <a:srgbClr val="FFFFFF"/>
+                </a:solidFill>
+              </a14:hiddenFill>
+            </a:ext>
+          </a:extLst>
+        </p:spPr>
+      </p:pic>
+    </p:spTree>
+    <p:extLst>
+      <p:ext uri="{BB962C8B-B14F-4D97-AF65-F5344CB8AC3E}">
+        <p14:creationId xmlns:p14="http://schemas.microsoft.com/office/powerpoint/2010/main" val="3498070282"/>
+      </p:ext>
+    </p:extLst>
+  </p:cSld>
+  <p:clrMapOvr>
+    <a:masterClrMapping/>
+  </p:clrMapOvr>
+</p:sld>
+</file>
+
+<file path=ppt/slides/slide4.xml><?xml version="1.0" encoding="utf-8"?>
+<p:sld xmlns:a="http://schemas.openxmlformats.org/drawingml/2006/main" xmlns:r="http://schemas.openxmlformats.org/officeDocument/2006/relationships" xmlns:p="http://schemas.openxmlformats.org/presentationml/2006/main">
+  <p:cSld>
+    <p:spTree>
+      <p:nvGrpSpPr>
+        <p:cNvPr id="1" name=""/>
+        <p:cNvGrpSpPr/>
+        <p:nvPr/>
+      </p:nvGrpSpPr>
+      <p:grpSpPr>
+        <a:xfrm>
+          <a:off x="0" y="0"/>
+          <a:ext cx="0" cy="0"/>
+          <a:chOff x="0" y="0"/>
+          <a:chExt cx="0" cy="0"/>
+        </a:xfrm>
+      </p:grpSpPr>
+      <p:sp>
+        <p:nvSpPr>
+          <p:cNvPr id="2" name="제목 1">
+            <a:extLst>
+              <a:ext uri="{FF2B5EF4-FFF2-40B4-BE49-F238E27FC236}">
+                <a16:creationId xmlns:a16="http://schemas.microsoft.com/office/drawing/2014/main" id="{CDFD7412-7A37-454A-BD81-F7FCA4765680}"/>
+              </a:ext>
+            </a:extLst>
+          </p:cNvPr>
+          <p:cNvSpPr>
+            <a:spLocks noGrp="1"/>
+          </p:cNvSpPr>
+          <p:nvPr>
+            <p:ph type="title"/>
+          </p:nvPr>
+        </p:nvSpPr>
+        <p:spPr>
+          <a:solidFill>
+            <a:schemeClr val="accent2">
+              <a:lumMod val="20000"/>
+              <a:lumOff val="80000"/>
+              <a:alpha val="50000"/>
+            </a:schemeClr>
+          </a:solidFill>
+        </p:spPr>
+        <p:txBody>
+          <a:bodyPr/>
+          <a:lstStyle/>
+          <a:p>
+            <a:r>
+              <a:rPr lang="ko-KR" altLang="en-US" dirty="0"/>
               <a:t>게임의 컨셉</a:t>
             </a:r>
           </a:p>
@@ -9102,6 +13112,10 @@
           </p:nvPr>
         </p:nvSpPr>
         <p:spPr>
+          <a:xfrm>
+            <a:off x="685801" y="2142066"/>
+            <a:ext cx="10131425" cy="3798000"/>
+          </a:xfrm>
           <a:solidFill>
             <a:schemeClr val="accent2">
               <a:lumMod val="20000"/>
@@ -9179,12 +13193,77 @@
             <a:endParaRPr lang="en-US" altLang="ko-KR" dirty="0"/>
           </a:p>
           <a:p>
-            <a:pPr marL="0" indent="0">
-              <a:buNone/>
-            </a:pPr>
-            <a:endParaRPr lang="en-US" altLang="ko-KR" dirty="0"/>
-          </a:p>
-          <a:p>
+            <a:r>
+              <a:rPr lang="ko-KR" altLang="en-US" dirty="0"/>
+              <a:t>최대 </a:t>
+            </a:r>
+            <a:r>
+              <a:rPr lang="en-US" altLang="ko-KR" dirty="0"/>
+              <a:t>100</a:t>
+            </a:r>
+            <a:r>
+              <a:rPr lang="ko-KR" altLang="en-US" dirty="0"/>
+              <a:t>인이 한 서버에서 플레이하며 일정 기간마다 서버가 초기화 되고 초기화가 다가올수록 게임플레이가 변화한다</a:t>
+            </a:r>
+            <a:r>
+              <a:rPr lang="en-US" altLang="ko-KR" dirty="0"/>
+              <a:t>.</a:t>
+            </a:r>
+          </a:p>
+          <a:p>
+            <a:r>
+              <a:rPr lang="ko-KR" altLang="en-US" dirty="0"/>
+              <a:t>게임의 배경은 유튜브 채널 </a:t>
+            </a:r>
+            <a:r>
+              <a:rPr lang="en-US" altLang="ko-KR" dirty="0" err="1"/>
+              <a:t>Kurzgesagt</a:t>
+            </a:r>
+            <a:r>
+              <a:rPr lang="ko-KR" altLang="en-US" dirty="0"/>
+              <a:t>의 동영상 </a:t>
+            </a:r>
+            <a:r>
+              <a:rPr lang="en-US" altLang="ko-KR" dirty="0">
+                <a:solidFill>
+                  <a:schemeClr val="accent6">
+                    <a:lumMod val="60000"/>
+                    <a:lumOff val="40000"/>
+                  </a:schemeClr>
+                </a:solidFill>
+                <a:hlinkClick r:id="rId2">
+                  <a:extLst>
+                    <a:ext uri="{A12FA001-AC4F-418D-AE19-62706E023703}">
+                      <ahyp:hlinkClr xmlns:ahyp="http://schemas.microsoft.com/office/drawing/2018/hyperlinkcolor" val="tx"/>
+                    </a:ext>
+                  </a:extLst>
+                </a:hlinkClick>
+              </a:rPr>
+              <a:t>What Happens if the Moon Crashes into Earth?</a:t>
+            </a:r>
+            <a:r>
+              <a:rPr lang="ko-KR" altLang="en-US" dirty="0">
+                <a:solidFill>
+                  <a:schemeClr val="accent6">
+                    <a:lumMod val="60000"/>
+                    <a:lumOff val="40000"/>
+                  </a:schemeClr>
+                </a:solidFill>
+              </a:rPr>
+              <a:t> </a:t>
+            </a:r>
+            <a:r>
+              <a:rPr lang="ko-KR" altLang="en-US" dirty="0"/>
+              <a:t>를 배경으로 한다</a:t>
+            </a:r>
+            <a:r>
+              <a:rPr lang="en-US" altLang="ko-KR" dirty="0"/>
+              <a:t>.</a:t>
+            </a:r>
+            <a:r>
+              <a:rPr lang="ko-KR" altLang="en-US" dirty="0"/>
+              <a:t> </a:t>
+            </a:r>
             <a:endParaRPr lang="en-US" altLang="ko-KR" dirty="0"/>
           </a:p>
         </p:txBody>
@@ -9202,7 +13281,7 @@
 </p:sld>
 </file>
 
-<file path=ppt/slides/slide4.xml><?xml version="1.0" encoding="utf-8"?>
+<file path=ppt/slides/slide5.xml><?xml version="1.0" encoding="utf-8"?>
 <p:sld xmlns:a="http://schemas.openxmlformats.org/drawingml/2006/main" xmlns:r="http://schemas.openxmlformats.org/officeDocument/2006/relationships" xmlns:p="http://schemas.openxmlformats.org/presentationml/2006/main">
   <p:cSld>
     <p:spTree>
@@ -9613,7 +13692,7 @@
 </p:sld>
 </file>
 
-<file path=ppt/slides/slide5.xml><?xml version="1.0" encoding="utf-8"?>
+<file path=ppt/slides/slide6.xml><?xml version="1.0" encoding="utf-8"?>
 <p:sld xmlns:a="http://schemas.openxmlformats.org/drawingml/2006/main" xmlns:r="http://schemas.openxmlformats.org/officeDocument/2006/relationships" xmlns:p="http://schemas.openxmlformats.org/presentationml/2006/main">
   <p:cSld>
     <p:spTree>
@@ -9920,7 +13999,7 @@
 </p:sld>
 </file>
 
-<file path=ppt/slides/slide6.xml><?xml version="1.0" encoding="utf-8"?>
+<file path=ppt/slides/slide7.xml><?xml version="1.0" encoding="utf-8"?>
 <p:sld xmlns:a="http://schemas.openxmlformats.org/drawingml/2006/main" xmlns:r="http://schemas.openxmlformats.org/officeDocument/2006/relationships" xmlns:p="http://schemas.openxmlformats.org/presentationml/2006/main">
   <p:cSld>
     <p:spTree>
@@ -10008,7 +14087,7 @@
           <a:p>
             <a:r>
               <a:rPr lang="ko-KR" altLang="en-US" dirty="0"/>
-              <a:t>흙은 매 밀물마다 완전히 재충전 된다</a:t>
+              <a:t>자원은 밀물이 한 번 지나가면 재충전된다</a:t>
             </a:r>
             <a:r>
               <a:rPr lang="en-US" altLang="ko-KR" dirty="0"/>
@@ -10018,7 +14097,33 @@
           <a:p>
             <a:r>
               <a:rPr lang="ko-KR" altLang="en-US" dirty="0"/>
-              <a:t>고철 등 기타 자원은 재충전 이 느리거나 되지 않아 새로운 지역 탐사가 장려된다</a:t>
+              <a:t>자원에 따라 다른 재충전 속도를 가진다</a:t>
+            </a:r>
+            <a:r>
+              <a:rPr lang="en-US" altLang="ko-KR" dirty="0"/>
+              <a:t>. </a:t>
+            </a:r>
+          </a:p>
+          <a:p>
+            <a:pPr lvl="1"/>
+            <a:r>
+              <a:rPr lang="ko-KR" altLang="en-US" dirty="0"/>
+              <a:t>흙은 밀물마다 재충전 된다</a:t>
+            </a:r>
+            <a:r>
+              <a:rPr lang="en-US" altLang="ko-KR" dirty="0"/>
+              <a:t>.</a:t>
+            </a:r>
+          </a:p>
+          <a:p>
+            <a:pPr lvl="1"/>
+            <a:r>
+              <a:rPr lang="en-US" altLang="ko-KR" dirty="0"/>
+              <a:t> </a:t>
+            </a:r>
+            <a:r>
+              <a:rPr lang="ko-KR" altLang="en-US" dirty="0"/>
+              <a:t>고철은 재충전이 느려 새로운 지역의 탐사가 장려된다</a:t>
             </a:r>
             <a:r>
               <a:rPr lang="en-US" altLang="ko-KR" dirty="0"/>
@@ -10077,7 +14182,7 @@
 </p:sld>
 </file>
 
-<file path=ppt/slides/slide7.xml><?xml version="1.0" encoding="utf-8"?>
+<file path=ppt/slides/slide8.xml><?xml version="1.0" encoding="utf-8"?>
 <p:sld xmlns:a="http://schemas.openxmlformats.org/drawingml/2006/main" xmlns:r="http://schemas.openxmlformats.org/officeDocument/2006/relationships" xmlns:p="http://schemas.openxmlformats.org/presentationml/2006/main">
   <p:cSld>
     <p:spTree>
@@ -10205,10 +14310,10 @@
       </p:sp>
       <p:pic>
         <p:nvPicPr>
-          <p:cNvPr id="5" name="그림 4">
+          <p:cNvPr id="6" name="그림 5">
             <a:extLst>
               <a:ext uri="{FF2B5EF4-FFF2-40B4-BE49-F238E27FC236}">
-                <a16:creationId xmlns:a16="http://schemas.microsoft.com/office/drawing/2014/main" id="{A6E2BE47-BEB0-44E3-8EA6-471D342AC425}"/>
+                <a16:creationId xmlns:a16="http://schemas.microsoft.com/office/drawing/2014/main" id="{D7E5EC19-78DE-4A0D-BA6E-F626162F66EA}"/>
               </a:ext>
             </a:extLst>
           </p:cNvPr>
@@ -10231,266 +14336,110 @@
         </p:blipFill>
         <p:spPr>
           <a:xfrm>
-            <a:off x="5751513" y="1055325"/>
-            <a:ext cx="4160939" cy="564815"/>
+            <a:off x="4062148" y="2142064"/>
+            <a:ext cx="6755078" cy="3799731"/>
           </a:xfrm>
           <a:prstGeom prst="rect">
             <a:avLst/>
           </a:prstGeom>
         </p:spPr>
       </p:pic>
-      <p:pic>
-        <p:nvPicPr>
-          <p:cNvPr id="7" name="그림 6">
+      <p:grpSp>
+        <p:nvGrpSpPr>
+          <p:cNvPr id="7" name="그룹 6">
             <a:extLst>
               <a:ext uri="{FF2B5EF4-FFF2-40B4-BE49-F238E27FC236}">
-                <a16:creationId xmlns:a16="http://schemas.microsoft.com/office/drawing/2014/main" id="{29A52346-3787-47EA-833D-4C2B9982C5DB}"/>
+                <a16:creationId xmlns:a16="http://schemas.microsoft.com/office/drawing/2014/main" id="{1FD7B004-19AF-37D8-DA6A-135C3706A12E}"/>
               </a:ext>
             </a:extLst>
           </p:cNvPr>
-          <p:cNvPicPr>
-            <a:picLocks noChangeAspect="1"/>
-          </p:cNvPicPr>
+          <p:cNvGrpSpPr/>
           <p:nvPr/>
-        </p:nvPicPr>
-        <p:blipFill>
-          <a:blip r:embed="rId3">
-            <a:extLst>
-              <a:ext uri="{28A0092B-C50C-407E-A947-70E740481C1C}">
-                <a14:useLocalDpi xmlns:a14="http://schemas.microsoft.com/office/drawing/2010/main" val="0"/>
-              </a:ext>
-            </a:extLst>
-          </a:blip>
-          <a:stretch>
-            <a:fillRect/>
-          </a:stretch>
-        </p:blipFill>
-        <p:spPr>
+        </p:nvGrpSpPr>
+        <p:grpSpPr>
           <a:xfrm>
-            <a:off x="4062148" y="2142065"/>
-            <a:ext cx="6755078" cy="3797172"/>
+            <a:off x="6329605" y="893432"/>
+            <a:ext cx="4160939" cy="888601"/>
+            <a:chOff x="6012769" y="731539"/>
+            <a:chExt cx="4160939" cy="888601"/>
           </a:xfrm>
-          <a:prstGeom prst="rect">
-            <a:avLst/>
-          </a:prstGeom>
-        </p:spPr>
-      </p:pic>
+        </p:grpSpPr>
+        <p:pic>
+          <p:nvPicPr>
+            <p:cNvPr id="5" name="그림 4">
+              <a:extLst>
+                <a:ext uri="{FF2B5EF4-FFF2-40B4-BE49-F238E27FC236}">
+                  <a16:creationId xmlns:a16="http://schemas.microsoft.com/office/drawing/2014/main" id="{A6E2BE47-BEB0-44E3-8EA6-471D342AC425}"/>
+                </a:ext>
+              </a:extLst>
+            </p:cNvPr>
+            <p:cNvPicPr>
+              <a:picLocks noChangeAspect="1"/>
+            </p:cNvPicPr>
+            <p:nvPr/>
+          </p:nvPicPr>
+          <p:blipFill>
+            <a:blip r:embed="rId3">
+              <a:extLst>
+                <a:ext uri="{28A0092B-C50C-407E-A947-70E740481C1C}">
+                  <a14:useLocalDpi xmlns:a14="http://schemas.microsoft.com/office/drawing/2010/main" val="0"/>
+                </a:ext>
+              </a:extLst>
+            </a:blip>
+            <a:stretch>
+              <a:fillRect/>
+            </a:stretch>
+          </p:blipFill>
+          <p:spPr>
+            <a:xfrm>
+              <a:off x="6012769" y="1055325"/>
+              <a:ext cx="4160939" cy="564815"/>
+            </a:xfrm>
+            <a:prstGeom prst="rect">
+              <a:avLst/>
+            </a:prstGeom>
+          </p:spPr>
+        </p:pic>
+        <p:sp>
+          <p:nvSpPr>
+            <p:cNvPr id="4" name="TextBox 3">
+              <a:extLst>
+                <a:ext uri="{FF2B5EF4-FFF2-40B4-BE49-F238E27FC236}">
+                  <a16:creationId xmlns:a16="http://schemas.microsoft.com/office/drawing/2014/main" id="{CC3C5B20-75DC-E083-4984-675F31BD606F}"/>
+                </a:ext>
+              </a:extLst>
+            </p:cNvPr>
+            <p:cNvSpPr txBox="1"/>
+            <p:nvPr/>
+          </p:nvSpPr>
+          <p:spPr>
+            <a:xfrm>
+              <a:off x="7113642" y="731539"/>
+              <a:ext cx="1959191" cy="369332"/>
+            </a:xfrm>
+            <a:prstGeom prst="rect">
+              <a:avLst/>
+            </a:prstGeom>
+            <a:noFill/>
+          </p:spPr>
+          <p:txBody>
+            <a:bodyPr wrap="none" rtlCol="0">
+              <a:spAutoFit/>
+            </a:bodyPr>
+            <a:lstStyle/>
+            <a:p>
+              <a:r>
+                <a:rPr lang="ko-KR" altLang="en-US" dirty="0"/>
+                <a:t>썰물 사이클 주기</a:t>
+              </a:r>
+            </a:p>
+          </p:txBody>
+        </p:sp>
+      </p:grpSp>
     </p:spTree>
     <p:extLst>
       <p:ext uri="{BB962C8B-B14F-4D97-AF65-F5344CB8AC3E}">
         <p14:creationId xmlns:p14="http://schemas.microsoft.com/office/powerpoint/2010/main" val="2853173892"/>
-      </p:ext>
-    </p:extLst>
-  </p:cSld>
-  <p:clrMapOvr>
-    <a:masterClrMapping/>
-  </p:clrMapOvr>
-</p:sld>
-</file>
-
-<file path=ppt/slides/slide8.xml><?xml version="1.0" encoding="utf-8"?>
-<p:sld xmlns:a="http://schemas.openxmlformats.org/drawingml/2006/main" xmlns:r="http://schemas.openxmlformats.org/officeDocument/2006/relationships" xmlns:p="http://schemas.openxmlformats.org/presentationml/2006/main">
-  <p:cSld>
-    <p:spTree>
-      <p:nvGrpSpPr>
-        <p:cNvPr id="1" name=""/>
-        <p:cNvGrpSpPr/>
-        <p:nvPr/>
-      </p:nvGrpSpPr>
-      <p:grpSpPr>
-        <a:xfrm>
-          <a:off x="0" y="0"/>
-          <a:ext cx="0" cy="0"/>
-          <a:chOff x="0" y="0"/>
-          <a:chExt cx="0" cy="0"/>
-        </a:xfrm>
-      </p:grpSpPr>
-      <p:sp>
-        <p:nvSpPr>
-          <p:cNvPr id="2" name="제목 1">
-            <a:extLst>
-              <a:ext uri="{FF2B5EF4-FFF2-40B4-BE49-F238E27FC236}">
-                <a16:creationId xmlns:a16="http://schemas.microsoft.com/office/drawing/2014/main" id="{21494923-7577-4118-997F-EA0A33D52C9F}"/>
-              </a:ext>
-            </a:extLst>
-          </p:cNvPr>
-          <p:cNvSpPr>
-            <a:spLocks noGrp="1"/>
-          </p:cNvSpPr>
-          <p:nvPr>
-            <p:ph type="title"/>
-          </p:nvPr>
-        </p:nvSpPr>
-        <p:spPr>
-          <a:solidFill>
-            <a:schemeClr val="accent2">
-              <a:lumMod val="20000"/>
-              <a:lumOff val="80000"/>
-              <a:alpha val="50000"/>
-            </a:schemeClr>
-          </a:solidFill>
-        </p:spPr>
-        <p:txBody>
-          <a:bodyPr/>
-          <a:lstStyle/>
-          <a:p>
-            <a:r>
-              <a:rPr lang="ko-KR" altLang="en-US" dirty="0"/>
-              <a:t>최후의 시련</a:t>
-            </a:r>
-          </a:p>
-        </p:txBody>
-      </p:sp>
-      <p:sp>
-        <p:nvSpPr>
-          <p:cNvPr id="3" name="내용 개체 틀 2">
-            <a:extLst>
-              <a:ext uri="{FF2B5EF4-FFF2-40B4-BE49-F238E27FC236}">
-                <a16:creationId xmlns:a16="http://schemas.microsoft.com/office/drawing/2014/main" id="{1B9FAA24-A70E-4569-A6FD-258DBE24A120}"/>
-              </a:ext>
-            </a:extLst>
-          </p:cNvPr>
-          <p:cNvSpPr>
-            <a:spLocks noGrp="1"/>
-          </p:cNvSpPr>
-          <p:nvPr>
-            <p:ph idx="1"/>
-          </p:nvPr>
-        </p:nvSpPr>
-        <p:spPr>
-          <a:xfrm>
-            <a:off x="685802" y="2142067"/>
-            <a:ext cx="3376346" cy="3798168"/>
-          </a:xfrm>
-          <a:solidFill>
-            <a:schemeClr val="accent2">
-              <a:lumMod val="20000"/>
-              <a:lumOff val="80000"/>
-              <a:alpha val="50000"/>
-            </a:schemeClr>
-          </a:solidFill>
-        </p:spPr>
-        <p:txBody>
-          <a:bodyPr>
-            <a:normAutofit/>
-          </a:bodyPr>
-          <a:lstStyle/>
-          <a:p>
-            <a:pPr>
-              <a:buClrTx/>
-            </a:pPr>
-            <a:r>
-              <a:rPr lang="ko-KR" altLang="en-US" dirty="0"/>
-              <a:t>자원을 더 이상 생산 할 수 없고 소비만 하면서 버텨야 하는 단계</a:t>
-            </a:r>
-            <a:endParaRPr lang="en-US" altLang="ko-KR" dirty="0"/>
-          </a:p>
-          <a:p>
-            <a:pPr>
-              <a:buClrTx/>
-            </a:pPr>
-            <a:r>
-              <a:rPr lang="ko-KR" altLang="en-US" dirty="0"/>
-              <a:t>엔딩 직전에</a:t>
-            </a:r>
-            <a:r>
-              <a:rPr lang="en-US" altLang="ko-KR" dirty="0"/>
-              <a:t>, </a:t>
-            </a:r>
-            <a:r>
-              <a:rPr lang="ko-KR" altLang="en-US" dirty="0"/>
-              <a:t>플레이어에게 마지막 도전을 주는 단계</a:t>
-            </a:r>
-            <a:endParaRPr lang="en-US" altLang="ko-KR" dirty="0"/>
-          </a:p>
-          <a:p>
-            <a:pPr>
-              <a:buClrTx/>
-            </a:pPr>
-            <a:r>
-              <a:rPr lang="ko-KR" altLang="en-US" dirty="0"/>
-              <a:t>밀물과 썰물의 교체 시기가 오히려 점점 빨라지고 기온이 하강한다</a:t>
-            </a:r>
-            <a:endParaRPr lang="en-US" altLang="ko-KR" dirty="0"/>
-          </a:p>
-        </p:txBody>
-      </p:sp>
-      <p:pic>
-        <p:nvPicPr>
-          <p:cNvPr id="6" name="그림 5">
-            <a:extLst>
-              <a:ext uri="{FF2B5EF4-FFF2-40B4-BE49-F238E27FC236}">
-                <a16:creationId xmlns:a16="http://schemas.microsoft.com/office/drawing/2014/main" id="{0D675B0A-4BC6-4652-AC52-DC1EEB752DFC}"/>
-              </a:ext>
-            </a:extLst>
-          </p:cNvPr>
-          <p:cNvPicPr>
-            <a:picLocks noChangeAspect="1"/>
-          </p:cNvPicPr>
-          <p:nvPr/>
-        </p:nvPicPr>
-        <p:blipFill>
-          <a:blip r:embed="rId2">
-            <a:extLst>
-              <a:ext uri="{28A0092B-C50C-407E-A947-70E740481C1C}">
-                <a14:useLocalDpi xmlns:a14="http://schemas.microsoft.com/office/drawing/2010/main" val="0"/>
-              </a:ext>
-            </a:extLst>
-          </a:blip>
-          <a:stretch>
-            <a:fillRect/>
-          </a:stretch>
-        </p:blipFill>
-        <p:spPr>
-          <a:xfrm>
-            <a:off x="5751512" y="1055325"/>
-            <a:ext cx="4160939" cy="560751"/>
-          </a:xfrm>
-          <a:prstGeom prst="rect">
-            <a:avLst/>
-          </a:prstGeom>
-        </p:spPr>
-      </p:pic>
-      <p:pic>
-        <p:nvPicPr>
-          <p:cNvPr id="7" name="그림 6">
-            <a:extLst>
-              <a:ext uri="{FF2B5EF4-FFF2-40B4-BE49-F238E27FC236}">
-                <a16:creationId xmlns:a16="http://schemas.microsoft.com/office/drawing/2014/main" id="{316359B5-0BE0-483C-8982-CA1B8CE5DAFA}"/>
-              </a:ext>
-            </a:extLst>
-          </p:cNvPr>
-          <p:cNvPicPr>
-            <a:picLocks noChangeAspect="1"/>
-          </p:cNvPicPr>
-          <p:nvPr/>
-        </p:nvPicPr>
-        <p:blipFill>
-          <a:blip r:embed="rId3">
-            <a:extLst>
-              <a:ext uri="{28A0092B-C50C-407E-A947-70E740481C1C}">
-                <a14:useLocalDpi xmlns:a14="http://schemas.microsoft.com/office/drawing/2010/main" val="0"/>
-              </a:ext>
-            </a:extLst>
-          </a:blip>
-          <a:stretch>
-            <a:fillRect/>
-          </a:stretch>
-        </p:blipFill>
-        <p:spPr>
-          <a:xfrm>
-            <a:off x="4304823" y="2142067"/>
-            <a:ext cx="6272111" cy="3798168"/>
-          </a:xfrm>
-          <a:prstGeom prst="rect">
-            <a:avLst/>
-          </a:prstGeom>
-        </p:spPr>
-      </p:pic>
-    </p:spTree>
-    <p:extLst>
-      <p:ext uri="{BB962C8B-B14F-4D97-AF65-F5344CB8AC3E}">
-        <p14:creationId xmlns:p14="http://schemas.microsoft.com/office/powerpoint/2010/main" val="261379973"/>
       </p:ext>
     </p:extLst>
   </p:cSld>
@@ -10522,7 +14471,7 @@
           <p:cNvPr id="2" name="제목 1">
             <a:extLst>
               <a:ext uri="{FF2B5EF4-FFF2-40B4-BE49-F238E27FC236}">
-                <a16:creationId xmlns:a16="http://schemas.microsoft.com/office/drawing/2014/main" id="{CDFD7412-7A37-454A-BD81-F7FCA4765680}"/>
+                <a16:creationId xmlns:a16="http://schemas.microsoft.com/office/drawing/2014/main" id="{21494923-7577-4118-997F-EA0A33D52C9F}"/>
               </a:ext>
             </a:extLst>
           </p:cNvPr>
@@ -10548,7 +14497,7 @@
           <a:p>
             <a:r>
               <a:rPr lang="ko-KR" altLang="en-US" dirty="0"/>
-              <a:t>뗏목 탐사</a:t>
+              <a:t>최후의 시련</a:t>
             </a:r>
           </a:p>
         </p:txBody>
@@ -10558,7 +14507,7 @@
           <p:cNvPr id="3" name="내용 개체 틀 2">
             <a:extLst>
               <a:ext uri="{FF2B5EF4-FFF2-40B4-BE49-F238E27FC236}">
-                <a16:creationId xmlns:a16="http://schemas.microsoft.com/office/drawing/2014/main" id="{D4B1CE7D-45CA-4AA1-AE0F-7D9B60E3357E}"/>
+                <a16:creationId xmlns:a16="http://schemas.microsoft.com/office/drawing/2014/main" id="{1B9FAA24-A70E-4569-A6FD-258DBE24A120}"/>
               </a:ext>
             </a:extLst>
           </p:cNvPr>
@@ -10572,7 +14521,7 @@
         <p:spPr>
           <a:xfrm>
             <a:off x="685802" y="2142067"/>
-            <a:ext cx="10131424" cy="3798168"/>
+            <a:ext cx="3376346" cy="3798168"/>
           </a:xfrm>
           <a:solidFill>
             <a:schemeClr val="accent2">
@@ -10583,50 +14532,27 @@
           </a:solidFill>
         </p:spPr>
         <p:txBody>
-          <a:bodyPr/>
+          <a:bodyPr>
+            <a:normAutofit/>
+          </a:bodyPr>
           <a:lstStyle/>
           <a:p>
+            <a:pPr>
+              <a:buClrTx/>
+            </a:pPr>
             <a:r>
               <a:rPr lang="ko-KR" altLang="en-US" dirty="0"/>
-              <a:t>밀물 기간에 가능한 제한적인 탐사를 위한 시스템으로 뗏목 건설에 필요한 자원 때문에 초반에는 이용이 불가능하다</a:t>
-            </a:r>
-            <a:r>
-              <a:rPr lang="en-US" altLang="ko-KR" dirty="0"/>
-              <a:t>.</a:t>
-            </a:r>
-          </a:p>
-          <a:p>
+              <a:t>자원을 더 이상 생산 할 수 없고 소비만 하면서 버텨야 하는 단계</a:t>
+            </a:r>
+            <a:endParaRPr lang="en-US" altLang="ko-KR" dirty="0"/>
+          </a:p>
+          <a:p>
+            <a:pPr>
+              <a:buClrTx/>
+            </a:pPr>
             <a:r>
               <a:rPr lang="ko-KR" altLang="en-US" dirty="0"/>
-              <a:t>밀물 기간에도 잠기지 않은 고지대는 파악할 수 있기 때문에  수위 상승으로 인해 이주할 고지대를 미리 수색할 수 있다</a:t>
-            </a:r>
-            <a:r>
-              <a:rPr lang="en-US" altLang="ko-KR" dirty="0"/>
-              <a:t>.</a:t>
-            </a:r>
-          </a:p>
-          <a:p>
-            <a:r>
-              <a:rPr lang="ko-KR" altLang="en-US" dirty="0"/>
-              <a:t>상점을 통해 해금된 신규</a:t>
-            </a:r>
-            <a:r>
-              <a:rPr lang="en-US" altLang="ko-KR" dirty="0"/>
-              <a:t>/</a:t>
-            </a:r>
-            <a:r>
-              <a:rPr lang="ko-KR" altLang="en-US" dirty="0"/>
-              <a:t>특수 자원의 위치를 미리 파악해 부표를 설치하고  썰물 기간에 탐사할 수 있다</a:t>
-            </a:r>
-            <a:r>
-              <a:rPr lang="en-US" altLang="ko-KR" dirty="0"/>
-              <a:t>.</a:t>
-            </a:r>
-          </a:p>
-          <a:p>
-            <a:r>
-              <a:rPr lang="ko-KR" altLang="en-US" dirty="0"/>
-              <a:t>반대로</a:t>
+              <a:t>엔딩 직전에</a:t>
             </a:r>
             <a:r>
               <a:rPr lang="en-US" altLang="ko-KR" dirty="0"/>
@@ -10634,19 +14560,154 @@
             </a:r>
             <a:r>
               <a:rPr lang="ko-KR" altLang="en-US" dirty="0"/>
-              <a:t>썰물 기간동안 발견한 장소에 부표를 설치해 밀물 기간동안 탐사할 수도 있다</a:t>
-            </a:r>
-            <a:r>
-              <a:rPr lang="en-US" altLang="ko-KR" dirty="0"/>
-              <a:t>.</a:t>
-            </a:r>
-          </a:p>
-        </p:txBody>
-      </p:sp>
+              <a:t>플레이어에게 마지막 도전을 주는 단계</a:t>
+            </a:r>
+            <a:endParaRPr lang="en-US" altLang="ko-KR" dirty="0"/>
+          </a:p>
+          <a:p>
+            <a:pPr>
+              <a:buClrTx/>
+            </a:pPr>
+            <a:r>
+              <a:rPr lang="ko-KR" altLang="en-US" dirty="0"/>
+              <a:t>밀물과 썰물의 교체 시기가 오히려 점점 빨라지고 기온이 하강한다</a:t>
+            </a:r>
+            <a:endParaRPr lang="en-US" altLang="ko-KR" dirty="0"/>
+          </a:p>
+        </p:txBody>
+      </p:sp>
+      <p:pic>
+        <p:nvPicPr>
+          <p:cNvPr id="5" name="그림 4">
+            <a:extLst>
+              <a:ext uri="{FF2B5EF4-FFF2-40B4-BE49-F238E27FC236}">
+                <a16:creationId xmlns:a16="http://schemas.microsoft.com/office/drawing/2014/main" id="{9C45F591-8EE1-487B-8913-AF742B66A5D2}"/>
+              </a:ext>
+            </a:extLst>
+          </p:cNvPr>
+          <p:cNvPicPr>
+            <a:picLocks noChangeAspect="1"/>
+          </p:cNvPicPr>
+          <p:nvPr/>
+        </p:nvPicPr>
+        <p:blipFill>
+          <a:blip r:embed="rId2">
+            <a:extLst>
+              <a:ext uri="{28A0092B-C50C-407E-A947-70E740481C1C}">
+                <a14:useLocalDpi xmlns:a14="http://schemas.microsoft.com/office/drawing/2010/main" val="0"/>
+              </a:ext>
+            </a:extLst>
+          </a:blip>
+          <a:stretch>
+            <a:fillRect/>
+          </a:stretch>
+        </p:blipFill>
+        <p:spPr>
+          <a:xfrm>
+            <a:off x="4064927" y="2142067"/>
+            <a:ext cx="6752299" cy="3798168"/>
+          </a:xfrm>
+          <a:prstGeom prst="rect">
+            <a:avLst/>
+          </a:prstGeom>
+        </p:spPr>
+      </p:pic>
+      <p:grpSp>
+        <p:nvGrpSpPr>
+          <p:cNvPr id="8" name="그룹 7">
+            <a:extLst>
+              <a:ext uri="{FF2B5EF4-FFF2-40B4-BE49-F238E27FC236}">
+                <a16:creationId xmlns:a16="http://schemas.microsoft.com/office/drawing/2014/main" id="{CF2CBEA7-185B-494A-8972-F77AA5F1B60A}"/>
+              </a:ext>
+            </a:extLst>
+          </p:cNvPr>
+          <p:cNvGrpSpPr/>
+          <p:nvPr/>
+        </p:nvGrpSpPr>
+        <p:grpSpPr>
+          <a:xfrm>
+            <a:off x="6329274" y="903582"/>
+            <a:ext cx="4160939" cy="868301"/>
+            <a:chOff x="6012021" y="917765"/>
+            <a:chExt cx="4160939" cy="868301"/>
+          </a:xfrm>
+        </p:grpSpPr>
+        <p:pic>
+          <p:nvPicPr>
+            <p:cNvPr id="6" name="그림 5">
+              <a:extLst>
+                <a:ext uri="{FF2B5EF4-FFF2-40B4-BE49-F238E27FC236}">
+                  <a16:creationId xmlns:a16="http://schemas.microsoft.com/office/drawing/2014/main" id="{0D675B0A-4BC6-4652-AC52-DC1EEB752DFC}"/>
+                </a:ext>
+              </a:extLst>
+            </p:cNvPr>
+            <p:cNvPicPr>
+              <a:picLocks noChangeAspect="1"/>
+            </p:cNvPicPr>
+            <p:nvPr/>
+          </p:nvPicPr>
+          <p:blipFill>
+            <a:blip r:embed="rId3">
+              <a:extLst>
+                <a:ext uri="{28A0092B-C50C-407E-A947-70E740481C1C}">
+                  <a14:useLocalDpi xmlns:a14="http://schemas.microsoft.com/office/drawing/2010/main" val="0"/>
+                </a:ext>
+              </a:extLst>
+            </a:blip>
+            <a:stretch>
+              <a:fillRect/>
+            </a:stretch>
+          </p:blipFill>
+          <p:spPr>
+            <a:xfrm>
+              <a:off x="6012021" y="1225315"/>
+              <a:ext cx="4160939" cy="560751"/>
+            </a:xfrm>
+            <a:prstGeom prst="rect">
+              <a:avLst/>
+            </a:prstGeom>
+          </p:spPr>
+        </p:pic>
+        <p:sp>
+          <p:nvSpPr>
+            <p:cNvPr id="7" name="TextBox 6">
+              <a:extLst>
+                <a:ext uri="{FF2B5EF4-FFF2-40B4-BE49-F238E27FC236}">
+                  <a16:creationId xmlns:a16="http://schemas.microsoft.com/office/drawing/2014/main" id="{D9496390-E9B4-7D3B-0DA6-0486BCD96162}"/>
+                </a:ext>
+              </a:extLst>
+            </p:cNvPr>
+            <p:cNvSpPr txBox="1"/>
+            <p:nvPr/>
+          </p:nvSpPr>
+          <p:spPr>
+            <a:xfrm>
+              <a:off x="7112894" y="917765"/>
+              <a:ext cx="1959191" cy="369332"/>
+            </a:xfrm>
+            <a:prstGeom prst="rect">
+              <a:avLst/>
+            </a:prstGeom>
+            <a:noFill/>
+          </p:spPr>
+          <p:txBody>
+            <a:bodyPr wrap="none" rtlCol="0">
+              <a:spAutoFit/>
+            </a:bodyPr>
+            <a:lstStyle/>
+            <a:p>
+              <a:r>
+                <a:rPr lang="ko-KR" altLang="en-US" dirty="0"/>
+                <a:t>밀물 사이클 주기</a:t>
+              </a:r>
+            </a:p>
+          </p:txBody>
+        </p:sp>
+      </p:grpSp>
     </p:spTree>
     <p:extLst>
       <p:ext uri="{BB962C8B-B14F-4D97-AF65-F5344CB8AC3E}">
-        <p14:creationId xmlns:p14="http://schemas.microsoft.com/office/powerpoint/2010/main" val="2866254711"/>
+        <p14:creationId xmlns:p14="http://schemas.microsoft.com/office/powerpoint/2010/main" val="261379973"/>
       </p:ext>
     </p:extLst>
   </p:cSld>

--- a/문서/마지막 달 조영환,김태현,양영현.pptx
+++ b/문서/마지막 달 조영환,김태현,양영현.pptx
@@ -26,8 +26,10 @@
     <p:sldId id="341" r:id="rId20"/>
     <p:sldId id="345" r:id="rId21"/>
     <p:sldId id="339" r:id="rId22"/>
-    <p:sldId id="350" r:id="rId23"/>
-    <p:sldId id="351" r:id="rId24"/>
+    <p:sldId id="353" r:id="rId23"/>
+    <p:sldId id="350" r:id="rId24"/>
+    <p:sldId id="352" r:id="rId25"/>
+    <p:sldId id="351" r:id="rId26"/>
   </p:sldIdLst>
   <p:sldSz cx="12192000" cy="6858000"/>
   <p:notesSz cx="6858000" cy="9144000"/>
@@ -358,7 +360,7 @@
           <a:p>
             <a:fld id="{D2297394-4390-4D82-9D35-4E44BBC72258}" type="datetimeFigureOut">
               <a:rPr lang="ko-KR" altLang="en-US" smtClean="0"/>
-              <a:t>2023-10-15</a:t>
+              <a:t>2023-11-14</a:t>
             </a:fld>
             <a:endParaRPr lang="ko-KR" altLang="en-US"/>
           </a:p>
@@ -692,7 +694,7 @@
           <a:p>
             <a:fld id="{D2297394-4390-4D82-9D35-4E44BBC72258}" type="datetimeFigureOut">
               <a:rPr lang="ko-KR" altLang="en-US" smtClean="0"/>
-              <a:t>2023-10-15</a:t>
+              <a:t>2023-11-14</a:t>
             </a:fld>
             <a:endParaRPr lang="ko-KR" altLang="en-US"/>
           </a:p>
@@ -970,7 +972,7 @@
           <a:p>
             <a:fld id="{D2297394-4390-4D82-9D35-4E44BBC72258}" type="datetimeFigureOut">
               <a:rPr lang="ko-KR" altLang="en-US" smtClean="0"/>
-              <a:t>2023-10-15</a:t>
+              <a:t>2023-11-14</a:t>
             </a:fld>
             <a:endParaRPr lang="ko-KR" altLang="en-US"/>
           </a:p>
@@ -1538,7 +1540,7 @@
           <a:p>
             <a:fld id="{D2297394-4390-4D82-9D35-4E44BBC72258}" type="datetimeFigureOut">
               <a:rPr lang="ko-KR" altLang="en-US" smtClean="0"/>
-              <a:t>2023-10-15</a:t>
+              <a:t>2023-11-14</a:t>
             </a:fld>
             <a:endParaRPr lang="ko-KR" altLang="en-US"/>
           </a:p>
@@ -1816,7 +1818,7 @@
           <a:p>
             <a:fld id="{D2297394-4390-4D82-9D35-4E44BBC72258}" type="datetimeFigureOut">
               <a:rPr lang="ko-KR" altLang="en-US" smtClean="0"/>
-              <a:t>2023-10-15</a:t>
+              <a:t>2023-11-14</a:t>
             </a:fld>
             <a:endParaRPr lang="ko-KR" altLang="en-US"/>
           </a:p>
@@ -2378,7 +2380,7 @@
           <a:p>
             <a:fld id="{D2297394-4390-4D82-9D35-4E44BBC72258}" type="datetimeFigureOut">
               <a:rPr lang="ko-KR" altLang="en-US" smtClean="0"/>
-              <a:t>2023-10-15</a:t>
+              <a:t>2023-11-14</a:t>
             </a:fld>
             <a:endParaRPr lang="ko-KR" altLang="en-US"/>
           </a:p>
@@ -2705,7 +2707,7 @@
           <a:p>
             <a:fld id="{D2297394-4390-4D82-9D35-4E44BBC72258}" type="datetimeFigureOut">
               <a:rPr lang="ko-KR" altLang="en-US" smtClean="0"/>
-              <a:t>2023-10-15</a:t>
+              <a:t>2023-11-14</a:t>
             </a:fld>
             <a:endParaRPr lang="ko-KR" altLang="en-US"/>
           </a:p>
@@ -2882,7 +2884,7 @@
           <a:p>
             <a:fld id="{D2297394-4390-4D82-9D35-4E44BBC72258}" type="datetimeFigureOut">
               <a:rPr lang="ko-KR" altLang="en-US" smtClean="0"/>
-              <a:t>2023-10-15</a:t>
+              <a:t>2023-11-14</a:t>
             </a:fld>
             <a:endParaRPr lang="ko-KR" altLang="en-US"/>
           </a:p>
@@ -3120,7 +3122,7 @@
           <a:p>
             <a:fld id="{D2297394-4390-4D82-9D35-4E44BBC72258}" type="datetimeFigureOut">
               <a:rPr lang="ko-KR" altLang="en-US" smtClean="0"/>
-              <a:t>2023-10-15</a:t>
+              <a:t>2023-11-14</a:t>
             </a:fld>
             <a:endParaRPr lang="ko-KR" altLang="en-US"/>
           </a:p>
@@ -3320,7 +3322,7 @@
           <a:p>
             <a:fld id="{D2297394-4390-4D82-9D35-4E44BBC72258}" type="datetimeFigureOut">
               <a:rPr lang="ko-KR" altLang="en-US" smtClean="0"/>
-              <a:t>2023-10-15</a:t>
+              <a:t>2023-11-14</a:t>
             </a:fld>
             <a:endParaRPr lang="ko-KR" altLang="en-US"/>
           </a:p>
@@ -3596,7 +3598,7 @@
           <a:p>
             <a:fld id="{D2297394-4390-4D82-9D35-4E44BBC72258}" type="datetimeFigureOut">
               <a:rPr lang="ko-KR" altLang="en-US" smtClean="0"/>
-              <a:t>2023-10-15</a:t>
+              <a:t>2023-11-14</a:t>
             </a:fld>
             <a:endParaRPr lang="ko-KR" altLang="en-US"/>
           </a:p>
@@ -3862,7 +3864,7 @@
           <a:p>
             <a:fld id="{D2297394-4390-4D82-9D35-4E44BBC72258}" type="datetimeFigureOut">
               <a:rPr lang="ko-KR" altLang="en-US" smtClean="0"/>
-              <a:t>2023-10-15</a:t>
+              <a:t>2023-11-14</a:t>
             </a:fld>
             <a:endParaRPr lang="ko-KR" altLang="en-US"/>
           </a:p>
@@ -4236,7 +4238,7 @@
           <a:p>
             <a:fld id="{D2297394-4390-4D82-9D35-4E44BBC72258}" type="datetimeFigureOut">
               <a:rPr lang="ko-KR" altLang="en-US" smtClean="0"/>
-              <a:t>2023-10-15</a:t>
+              <a:t>2023-11-14</a:t>
             </a:fld>
             <a:endParaRPr lang="ko-KR" altLang="en-US"/>
           </a:p>
@@ -4384,7 +4386,7 @@
           <a:p>
             <a:fld id="{D2297394-4390-4D82-9D35-4E44BBC72258}" type="datetimeFigureOut">
               <a:rPr lang="ko-KR" altLang="en-US" smtClean="0"/>
-              <a:t>2023-10-15</a:t>
+              <a:t>2023-11-14</a:t>
             </a:fld>
             <a:endParaRPr lang="ko-KR" altLang="en-US"/>
           </a:p>
@@ -4509,7 +4511,7 @@
           <a:p>
             <a:fld id="{D2297394-4390-4D82-9D35-4E44BBC72258}" type="datetimeFigureOut">
               <a:rPr lang="ko-KR" altLang="en-US" smtClean="0"/>
-              <a:t>2023-10-15</a:t>
+              <a:t>2023-11-14</a:t>
             </a:fld>
             <a:endParaRPr lang="ko-KR" altLang="en-US"/>
           </a:p>
@@ -4794,7 +4796,7 @@
           <a:p>
             <a:fld id="{D2297394-4390-4D82-9D35-4E44BBC72258}" type="datetimeFigureOut">
               <a:rPr lang="ko-KR" altLang="en-US" smtClean="0"/>
-              <a:t>2023-10-15</a:t>
+              <a:t>2023-11-14</a:t>
             </a:fld>
             <a:endParaRPr lang="ko-KR" altLang="en-US"/>
           </a:p>
@@ -5118,7 +5120,7 @@
           <a:p>
             <a:fld id="{D2297394-4390-4D82-9D35-4E44BBC72258}" type="datetimeFigureOut">
               <a:rPr lang="ko-KR" altLang="en-US" smtClean="0"/>
-              <a:t>2023-10-15</a:t>
+              <a:t>2023-11-14</a:t>
             </a:fld>
             <a:endParaRPr lang="ko-KR" altLang="en-US"/>
           </a:p>
@@ -5341,7 +5343,7 @@
           <a:p>
             <a:fld id="{D2297394-4390-4D82-9D35-4E44BBC72258}" type="datetimeFigureOut">
               <a:rPr lang="ko-KR" altLang="en-US" smtClean="0"/>
-              <a:t>2023-10-15</a:t>
+              <a:t>2023-11-14</a:t>
             </a:fld>
             <a:endParaRPr lang="ko-KR" altLang="en-US"/>
           </a:p>
@@ -7234,6 +7236,10 @@
           </p:nvPr>
         </p:nvSpPr>
         <p:spPr>
+          <a:xfrm>
+            <a:off x="685802" y="576044"/>
+            <a:ext cx="10131425" cy="1456267"/>
+          </a:xfrm>
           <a:solidFill>
             <a:schemeClr val="accent2">
               <a:lumMod val="20000"/>
@@ -7857,7 +7863,7 @@
         </p:blipFill>
         <p:spPr>
           <a:xfrm>
-            <a:off x="685801" y="2140512"/>
+            <a:off x="685801" y="2132736"/>
             <a:ext cx="5839459" cy="3798168"/>
           </a:xfrm>
         </p:spPr>
@@ -8218,7 +8224,7 @@
           <a:p>
             <a:r>
               <a:rPr lang="ko-KR" altLang="en-US" dirty="0"/>
-              <a:t>중간재 </a:t>
+              <a:t>중간재</a:t>
             </a:r>
           </a:p>
         </p:txBody>
@@ -8251,7 +8257,7 @@
         </p:blipFill>
         <p:spPr>
           <a:xfrm>
-            <a:off x="685801" y="2132264"/>
+            <a:off x="685801" y="2132432"/>
             <a:ext cx="5839200" cy="3798000"/>
           </a:xfrm>
           <a:prstGeom prst="rect">
@@ -8503,7 +8509,7 @@
             </a:lvl9pPr>
           </a:lstStyle>
           <a:p>
-            <a:pPr algn="l">
+            <a:pPr>
               <a:buFont typeface="Arial" panose="020B0604020202020204" pitchFamily="34" charset="0"/>
               <a:buChar char="•"/>
             </a:pPr>
@@ -8518,23 +8524,45 @@
             </a:endParaRPr>
           </a:p>
           <a:p>
-            <a:pPr algn="l">
+            <a:pPr>
               <a:buFont typeface="Arial" panose="020B0604020202020204" pitchFamily="34" charset="0"/>
               <a:buChar char="•"/>
             </a:pPr>
             <a:r>
-              <a:rPr lang="ko-KR" altLang="en-US" b="0" i="0" dirty="0">
-                <a:effectLst/>
+              <a:rPr lang="ko-KR" altLang="en-US" dirty="0">
+                <a:latin typeface="-apple-system"/>
+              </a:rPr>
+              <a:t>마인크래프트 나뭇가지</a:t>
+            </a:r>
+            <a:endParaRPr lang="en-US" altLang="ko-KR" dirty="0">
+              <a:latin typeface="-apple-system"/>
+            </a:endParaRPr>
+          </a:p>
+          <a:p>
+            <a:pPr>
+              <a:buFont typeface="Arial" panose="020B0604020202020204" pitchFamily="34" charset="0"/>
+              <a:buChar char="•"/>
+            </a:pPr>
+            <a:r>
+              <a:rPr lang="ko-KR" altLang="en-US" dirty="0">
+                <a:latin typeface="-apple-system"/>
+              </a:rPr>
+              <a:t>아이템을 만드는데 사용되는 재료</a:t>
+            </a:r>
+            <a:endParaRPr lang="en-US" altLang="ko-KR" dirty="0">
+              <a:latin typeface="-apple-system"/>
+            </a:endParaRPr>
+          </a:p>
+          <a:p>
+            <a:pPr>
+              <a:buFont typeface="Arial" panose="020B0604020202020204" pitchFamily="34" charset="0"/>
+              <a:buChar char="•"/>
+            </a:pPr>
+            <a:r>
+              <a:rPr lang="ko-KR" altLang="en-US" dirty="0">
                 <a:latin typeface="-apple-system"/>
               </a:rPr>
               <a:t>생산 단계를 늘려 플레이어가 자동화 시설을 건설하도록 유도한다</a:t>
-            </a:r>
-            <a:r>
-              <a:rPr lang="en-US" altLang="ko-KR" b="0" i="0" dirty="0">
-                <a:effectLst/>
-                <a:latin typeface="-apple-system"/>
-              </a:rPr>
-              <a:t>.</a:t>
             </a:r>
             <a:endParaRPr lang="ko-KR" altLang="en-US" b="0" i="0" dirty="0">
               <a:effectLst/>
@@ -8543,6 +8571,45 @@
           </a:p>
         </p:txBody>
       </p:sp>
+      <p:cxnSp>
+        <p:nvCxnSpPr>
+          <p:cNvPr id="5" name="직선 화살표 연결선 4">
+            <a:extLst>
+              <a:ext uri="{FF2B5EF4-FFF2-40B4-BE49-F238E27FC236}">
+                <a16:creationId xmlns:a16="http://schemas.microsoft.com/office/drawing/2014/main" id="{BAEF72D0-3A2B-B82C-2658-C53A800EE3A7}"/>
+              </a:ext>
+            </a:extLst>
+          </p:cNvPr>
+          <p:cNvCxnSpPr/>
+          <p:nvPr/>
+        </p:nvCxnSpPr>
+        <p:spPr>
+          <a:xfrm>
+            <a:off x="847725" y="2781300"/>
+            <a:ext cx="0" cy="647700"/>
+          </a:xfrm>
+          <a:prstGeom prst="straightConnector1">
+            <a:avLst/>
+          </a:prstGeom>
+          <a:ln>
+            <a:tailEnd type="triangle"/>
+          </a:ln>
+        </p:spPr>
+        <p:style>
+          <a:lnRef idx="1">
+            <a:schemeClr val="accent1"/>
+          </a:lnRef>
+          <a:fillRef idx="0">
+            <a:schemeClr val="accent1"/>
+          </a:fillRef>
+          <a:effectRef idx="0">
+            <a:schemeClr val="accent1"/>
+          </a:effectRef>
+          <a:fontRef idx="minor">
+            <a:schemeClr val="tx1"/>
+          </a:fontRef>
+        </p:style>
+      </p:cxnSp>
     </p:spTree>
     <p:extLst>
       <p:ext uri="{BB962C8B-B14F-4D97-AF65-F5344CB8AC3E}">
@@ -9417,6 +9484,123 @@
           </a:xfrm>
         </p:spPr>
       </p:pic>
+      <p:cxnSp>
+        <p:nvCxnSpPr>
+          <p:cNvPr id="12" name="직선 화살표 연결선 11">
+            <a:extLst>
+              <a:ext uri="{FF2B5EF4-FFF2-40B4-BE49-F238E27FC236}">
+                <a16:creationId xmlns:a16="http://schemas.microsoft.com/office/drawing/2014/main" id="{D6B9B199-29B9-E329-3B38-1D81260F1C20}"/>
+              </a:ext>
+            </a:extLst>
+          </p:cNvPr>
+          <p:cNvCxnSpPr/>
+          <p:nvPr/>
+        </p:nvCxnSpPr>
+        <p:spPr>
+          <a:xfrm flipV="1">
+            <a:off x="869950" y="4229100"/>
+            <a:ext cx="0" cy="568325"/>
+          </a:xfrm>
+          <a:prstGeom prst="straightConnector1">
+            <a:avLst/>
+          </a:prstGeom>
+          <a:ln>
+            <a:tailEnd type="triangle"/>
+          </a:ln>
+        </p:spPr>
+        <p:style>
+          <a:lnRef idx="1">
+            <a:schemeClr val="accent1"/>
+          </a:lnRef>
+          <a:fillRef idx="0">
+            <a:schemeClr val="accent1"/>
+          </a:fillRef>
+          <a:effectRef idx="0">
+            <a:schemeClr val="accent1"/>
+          </a:effectRef>
+          <a:fontRef idx="minor">
+            <a:schemeClr val="tx1"/>
+          </a:fontRef>
+        </p:style>
+      </p:cxnSp>
+      <p:cxnSp>
+        <p:nvCxnSpPr>
+          <p:cNvPr id="16" name="직선 화살표 연결선 15">
+            <a:extLst>
+              <a:ext uri="{FF2B5EF4-FFF2-40B4-BE49-F238E27FC236}">
+                <a16:creationId xmlns:a16="http://schemas.microsoft.com/office/drawing/2014/main" id="{8868B983-43AB-4377-490D-D812EE885B78}"/>
+              </a:ext>
+            </a:extLst>
+          </p:cNvPr>
+          <p:cNvCxnSpPr/>
+          <p:nvPr/>
+        </p:nvCxnSpPr>
+        <p:spPr>
+          <a:xfrm>
+            <a:off x="3314700" y="2765425"/>
+            <a:ext cx="0" cy="663575"/>
+          </a:xfrm>
+          <a:prstGeom prst="straightConnector1">
+            <a:avLst/>
+          </a:prstGeom>
+          <a:ln>
+            <a:tailEnd type="triangle"/>
+          </a:ln>
+        </p:spPr>
+        <p:style>
+          <a:lnRef idx="1">
+            <a:schemeClr val="accent1"/>
+          </a:lnRef>
+          <a:fillRef idx="0">
+            <a:schemeClr val="accent1"/>
+          </a:fillRef>
+          <a:effectRef idx="0">
+            <a:schemeClr val="accent1"/>
+          </a:effectRef>
+          <a:fontRef idx="minor">
+            <a:schemeClr val="tx1"/>
+          </a:fontRef>
+        </p:style>
+      </p:cxnSp>
+      <p:cxnSp>
+        <p:nvCxnSpPr>
+          <p:cNvPr id="18" name="직선 화살표 연결선 17">
+            <a:extLst>
+              <a:ext uri="{FF2B5EF4-FFF2-40B4-BE49-F238E27FC236}">
+                <a16:creationId xmlns:a16="http://schemas.microsoft.com/office/drawing/2014/main" id="{D93F8E4D-F962-0FE7-15AE-AC9A10EDCE82}"/>
+              </a:ext>
+            </a:extLst>
+          </p:cNvPr>
+          <p:cNvCxnSpPr/>
+          <p:nvPr/>
+        </p:nvCxnSpPr>
+        <p:spPr>
+          <a:xfrm>
+            <a:off x="869950" y="2724150"/>
+            <a:ext cx="0" cy="704850"/>
+          </a:xfrm>
+          <a:prstGeom prst="straightConnector1">
+            <a:avLst/>
+          </a:prstGeom>
+          <a:ln>
+            <a:tailEnd type="triangle"/>
+          </a:ln>
+        </p:spPr>
+        <p:style>
+          <a:lnRef idx="1">
+            <a:schemeClr val="accent1"/>
+          </a:lnRef>
+          <a:fillRef idx="0">
+            <a:schemeClr val="accent1"/>
+          </a:fillRef>
+          <a:effectRef idx="0">
+            <a:schemeClr val="accent1"/>
+          </a:effectRef>
+          <a:fontRef idx="minor">
+            <a:schemeClr val="tx1"/>
+          </a:fontRef>
+        </p:style>
+      </p:cxnSp>
     </p:spTree>
     <p:extLst>
       <p:ext uri="{BB962C8B-B14F-4D97-AF65-F5344CB8AC3E}">
@@ -11332,7 +11516,7 @@
           <a:p>
             <a:r>
               <a:rPr lang="ko-KR" altLang="en-US" dirty="0"/>
-              <a:t>수강 과목</a:t>
+              <a:t>타 게임과 차별성</a:t>
             </a:r>
           </a:p>
         </p:txBody>
@@ -12262,7 +12446,7 @@
     </p:spTree>
     <p:extLst>
       <p:ext uri="{BB962C8B-B14F-4D97-AF65-F5344CB8AC3E}">
-        <p14:creationId xmlns:p14="http://schemas.microsoft.com/office/powerpoint/2010/main" val="4247809250"/>
+        <p14:creationId xmlns:p14="http://schemas.microsoft.com/office/powerpoint/2010/main" val="886446782"/>
       </p:ext>
     </p:extLst>
   </p:cSld>
@@ -12291,6 +12475,1570 @@
       </p:grpSpPr>
       <p:sp>
         <p:nvSpPr>
+          <p:cNvPr id="14" name="내용 개체 틀 2">
+            <a:extLst>
+              <a:ext uri="{FF2B5EF4-FFF2-40B4-BE49-F238E27FC236}">
+                <a16:creationId xmlns:a16="http://schemas.microsoft.com/office/drawing/2014/main" id="{CADAC4F1-0A7E-1513-5CEE-05194359B1FA}"/>
+              </a:ext>
+            </a:extLst>
+          </p:cNvPr>
+          <p:cNvSpPr txBox="1">
+            <a:spLocks/>
+          </p:cNvSpPr>
+          <p:nvPr/>
+        </p:nvSpPr>
+        <p:spPr>
+          <a:xfrm>
+            <a:off x="685802" y="2142067"/>
+            <a:ext cx="3284312" cy="3798168"/>
+          </a:xfrm>
+          <a:prstGeom prst="rect">
+            <a:avLst/>
+          </a:prstGeom>
+          <a:solidFill>
+            <a:schemeClr val="accent2">
+              <a:lumMod val="20000"/>
+              <a:lumOff val="80000"/>
+              <a:alpha val="50000"/>
+            </a:schemeClr>
+          </a:solidFill>
+        </p:spPr>
+        <p:txBody>
+          <a:bodyPr vert="horz" lIns="91440" tIns="45720" rIns="91440" bIns="45720" rtlCol="0" anchor="ctr">
+            <a:normAutofit/>
+          </a:bodyPr>
+          <a:lstStyle>
+            <a:lvl1pPr marL="285750" indent="-285750" algn="l" defTabSz="457200" rtl="0" eaLnBrk="1" latinLnBrk="1" hangingPunct="1">
+              <a:spcBef>
+                <a:spcPts val="0"/>
+              </a:spcBef>
+              <a:spcAft>
+                <a:spcPts val="1000"/>
+              </a:spcAft>
+              <a:buClr>
+                <a:schemeClr val="tx1"/>
+              </a:buClr>
+              <a:buSzPct val="100000"/>
+              <a:buFont typeface="Arial"/>
+              <a:buChar char="•"/>
+              <a:defRPr sz="1800" kern="1200" cap="none">
+                <a:solidFill>
+                  <a:schemeClr val="tx1"/>
+                </a:solidFill>
+                <a:effectLst/>
+                <a:latin typeface="+mn-lt"/>
+                <a:ea typeface="+mn-ea"/>
+                <a:cs typeface="+mn-cs"/>
+              </a:defRPr>
+            </a:lvl1pPr>
+            <a:lvl2pPr marL="742950" indent="-285750" algn="l" defTabSz="457200" rtl="0" eaLnBrk="1" latinLnBrk="1" hangingPunct="1">
+              <a:spcBef>
+                <a:spcPts val="0"/>
+              </a:spcBef>
+              <a:spcAft>
+                <a:spcPts val="1000"/>
+              </a:spcAft>
+              <a:buClr>
+                <a:schemeClr val="tx1"/>
+              </a:buClr>
+              <a:buSzPct val="100000"/>
+              <a:buFont typeface="Arial"/>
+              <a:buChar char="•"/>
+              <a:defRPr sz="1600" kern="1200" cap="none">
+                <a:solidFill>
+                  <a:schemeClr val="tx1"/>
+                </a:solidFill>
+                <a:effectLst/>
+                <a:latin typeface="+mn-lt"/>
+                <a:ea typeface="+mn-ea"/>
+                <a:cs typeface="+mn-cs"/>
+              </a:defRPr>
+            </a:lvl2pPr>
+            <a:lvl3pPr marL="1200150" indent="-285750" algn="l" defTabSz="457200" rtl="0" eaLnBrk="1" latinLnBrk="1" hangingPunct="1">
+              <a:spcBef>
+                <a:spcPts val="0"/>
+              </a:spcBef>
+              <a:spcAft>
+                <a:spcPts val="1000"/>
+              </a:spcAft>
+              <a:buClr>
+                <a:schemeClr val="tx1"/>
+              </a:buClr>
+              <a:buSzPct val="100000"/>
+              <a:buFont typeface="Arial"/>
+              <a:buChar char="•"/>
+              <a:defRPr sz="1400" kern="1200" cap="none">
+                <a:solidFill>
+                  <a:schemeClr val="tx1"/>
+                </a:solidFill>
+                <a:effectLst/>
+                <a:latin typeface="+mn-lt"/>
+                <a:ea typeface="+mn-ea"/>
+                <a:cs typeface="+mn-cs"/>
+              </a:defRPr>
+            </a:lvl3pPr>
+            <a:lvl4pPr marL="1543050" indent="-171450" algn="l" defTabSz="457200" rtl="0" eaLnBrk="1" latinLnBrk="1" hangingPunct="1">
+              <a:spcBef>
+                <a:spcPts val="0"/>
+              </a:spcBef>
+              <a:spcAft>
+                <a:spcPts val="1000"/>
+              </a:spcAft>
+              <a:buClr>
+                <a:schemeClr val="tx1"/>
+              </a:buClr>
+              <a:buSzPct val="100000"/>
+              <a:buFont typeface="Arial"/>
+              <a:buChar char="•"/>
+              <a:defRPr sz="1200" kern="1200" cap="none">
+                <a:solidFill>
+                  <a:schemeClr val="tx1"/>
+                </a:solidFill>
+                <a:effectLst/>
+                <a:latin typeface="+mn-lt"/>
+                <a:ea typeface="+mn-ea"/>
+                <a:cs typeface="+mn-cs"/>
+              </a:defRPr>
+            </a:lvl4pPr>
+            <a:lvl5pPr marL="2000250" indent="-171450" algn="l" defTabSz="457200" rtl="0" eaLnBrk="1" latinLnBrk="1" hangingPunct="1">
+              <a:spcBef>
+                <a:spcPts val="0"/>
+              </a:spcBef>
+              <a:spcAft>
+                <a:spcPts val="1000"/>
+              </a:spcAft>
+              <a:buClr>
+                <a:schemeClr val="tx1"/>
+              </a:buClr>
+              <a:buSzPct val="100000"/>
+              <a:buFont typeface="Arial"/>
+              <a:buChar char="•"/>
+              <a:defRPr sz="1200" kern="1200" cap="none">
+                <a:solidFill>
+                  <a:schemeClr val="tx1"/>
+                </a:solidFill>
+                <a:effectLst/>
+                <a:latin typeface="+mn-lt"/>
+                <a:ea typeface="+mn-ea"/>
+                <a:cs typeface="+mn-cs"/>
+              </a:defRPr>
+            </a:lvl5pPr>
+            <a:lvl6pPr marL="2514600" indent="-228600" algn="l" defTabSz="457200" rtl="0" eaLnBrk="1" latinLnBrk="1" hangingPunct="1">
+              <a:spcBef>
+                <a:spcPts val="0"/>
+              </a:spcBef>
+              <a:spcAft>
+                <a:spcPts val="1000"/>
+              </a:spcAft>
+              <a:buClr>
+                <a:schemeClr val="tx1"/>
+              </a:buClr>
+              <a:buSzPct val="100000"/>
+              <a:buFont typeface="Arial"/>
+              <a:buChar char="•"/>
+              <a:defRPr sz="1200" kern="1200" cap="none">
+                <a:solidFill>
+                  <a:schemeClr val="tx1"/>
+                </a:solidFill>
+                <a:effectLst/>
+                <a:latin typeface="+mn-lt"/>
+                <a:ea typeface="+mn-ea"/>
+                <a:cs typeface="+mn-cs"/>
+              </a:defRPr>
+            </a:lvl6pPr>
+            <a:lvl7pPr marL="2971800" indent="-228600" algn="l" defTabSz="457200" rtl="0" eaLnBrk="1" latinLnBrk="1" hangingPunct="1">
+              <a:spcBef>
+                <a:spcPts val="0"/>
+              </a:spcBef>
+              <a:spcAft>
+                <a:spcPts val="1000"/>
+              </a:spcAft>
+              <a:buClr>
+                <a:schemeClr val="tx1"/>
+              </a:buClr>
+              <a:buSzPct val="100000"/>
+              <a:buFont typeface="Arial"/>
+              <a:buChar char="•"/>
+              <a:defRPr sz="1200" kern="1200" cap="none">
+                <a:solidFill>
+                  <a:schemeClr val="tx1"/>
+                </a:solidFill>
+                <a:effectLst/>
+                <a:latin typeface="+mn-lt"/>
+                <a:ea typeface="+mn-ea"/>
+                <a:cs typeface="+mn-cs"/>
+              </a:defRPr>
+            </a:lvl7pPr>
+            <a:lvl8pPr marL="3429000" indent="-228600" algn="l" defTabSz="457200" rtl="0" eaLnBrk="1" latinLnBrk="1" hangingPunct="1">
+              <a:spcBef>
+                <a:spcPts val="0"/>
+              </a:spcBef>
+              <a:spcAft>
+                <a:spcPts val="1000"/>
+              </a:spcAft>
+              <a:buClr>
+                <a:schemeClr val="tx1"/>
+              </a:buClr>
+              <a:buSzPct val="100000"/>
+              <a:buFont typeface="Arial"/>
+              <a:buChar char="•"/>
+              <a:defRPr sz="1200" kern="1200" cap="none">
+                <a:solidFill>
+                  <a:schemeClr val="tx1"/>
+                </a:solidFill>
+                <a:effectLst/>
+                <a:latin typeface="+mn-lt"/>
+                <a:ea typeface="+mn-ea"/>
+                <a:cs typeface="+mn-cs"/>
+              </a:defRPr>
+            </a:lvl8pPr>
+            <a:lvl9pPr marL="3886200" indent="-228600" algn="l" defTabSz="457200" rtl="0" eaLnBrk="1" latinLnBrk="1" hangingPunct="1">
+              <a:spcBef>
+                <a:spcPts val="0"/>
+              </a:spcBef>
+              <a:spcAft>
+                <a:spcPts val="1000"/>
+              </a:spcAft>
+              <a:buClr>
+                <a:schemeClr val="tx1"/>
+              </a:buClr>
+              <a:buSzPct val="100000"/>
+              <a:buFont typeface="Arial"/>
+              <a:buChar char="•"/>
+              <a:defRPr sz="1200" kern="1200" cap="none">
+                <a:solidFill>
+                  <a:schemeClr val="tx1"/>
+                </a:solidFill>
+                <a:effectLst/>
+                <a:latin typeface="+mn-lt"/>
+                <a:ea typeface="+mn-ea"/>
+                <a:cs typeface="+mn-cs"/>
+              </a:defRPr>
+            </a:lvl9pPr>
+          </a:lstStyle>
+          <a:p>
+            <a:pPr>
+              <a:buClrTx/>
+            </a:pPr>
+            <a:endParaRPr lang="en-US" altLang="ko-KR" dirty="0"/>
+          </a:p>
+        </p:txBody>
+      </p:sp>
+      <p:sp>
+        <p:nvSpPr>
+          <p:cNvPr id="4" name="제목 1">
+            <a:extLst>
+              <a:ext uri="{FF2B5EF4-FFF2-40B4-BE49-F238E27FC236}">
+                <a16:creationId xmlns:a16="http://schemas.microsoft.com/office/drawing/2014/main" id="{0B1DA833-78C9-1074-2F78-C0CA5C206F07}"/>
+              </a:ext>
+            </a:extLst>
+          </p:cNvPr>
+          <p:cNvSpPr>
+            <a:spLocks noGrp="1"/>
+          </p:cNvSpPr>
+          <p:nvPr>
+            <p:ph type="title"/>
+          </p:nvPr>
+        </p:nvSpPr>
+        <p:spPr>
+          <a:xfrm>
+            <a:off x="685801" y="609600"/>
+            <a:ext cx="10131425" cy="1456267"/>
+          </a:xfrm>
+          <a:solidFill>
+            <a:schemeClr val="accent2">
+              <a:lumMod val="20000"/>
+              <a:lumOff val="80000"/>
+              <a:alpha val="50000"/>
+            </a:schemeClr>
+          </a:solidFill>
+        </p:spPr>
+        <p:txBody>
+          <a:bodyPr/>
+          <a:lstStyle/>
+          <a:p>
+            <a:r>
+              <a:rPr lang="ko-KR" altLang="en-US" dirty="0"/>
+              <a:t>수강 과목</a:t>
+            </a:r>
+          </a:p>
+        </p:txBody>
+      </p:sp>
+      <p:sp>
+        <p:nvSpPr>
+          <p:cNvPr id="3" name="내용 개체 틀 2">
+            <a:extLst>
+              <a:ext uri="{FF2B5EF4-FFF2-40B4-BE49-F238E27FC236}">
+                <a16:creationId xmlns:a16="http://schemas.microsoft.com/office/drawing/2014/main" id="{BDB4074F-F3C9-CF47-F321-C7F952C7FF24}"/>
+              </a:ext>
+            </a:extLst>
+          </p:cNvPr>
+          <p:cNvSpPr txBox="1">
+            <a:spLocks/>
+          </p:cNvSpPr>
+          <p:nvPr/>
+        </p:nvSpPr>
+        <p:spPr>
+          <a:xfrm>
+            <a:off x="4109357" y="2142067"/>
+            <a:ext cx="3284312" cy="3798168"/>
+          </a:xfrm>
+          <a:prstGeom prst="rect">
+            <a:avLst/>
+          </a:prstGeom>
+          <a:solidFill>
+            <a:schemeClr val="accent2">
+              <a:lumMod val="20000"/>
+              <a:lumOff val="80000"/>
+              <a:alpha val="50000"/>
+            </a:schemeClr>
+          </a:solidFill>
+        </p:spPr>
+        <p:txBody>
+          <a:bodyPr vert="horz" lIns="91440" tIns="45720" rIns="91440" bIns="45720" rtlCol="0" anchor="ctr">
+            <a:normAutofit/>
+          </a:bodyPr>
+          <a:lstStyle>
+            <a:lvl1pPr marL="285750" indent="-285750" algn="l" defTabSz="457200" rtl="0" eaLnBrk="1" latinLnBrk="1" hangingPunct="1">
+              <a:spcBef>
+                <a:spcPts val="0"/>
+              </a:spcBef>
+              <a:spcAft>
+                <a:spcPts val="1000"/>
+              </a:spcAft>
+              <a:buClr>
+                <a:schemeClr val="tx1"/>
+              </a:buClr>
+              <a:buSzPct val="100000"/>
+              <a:buFont typeface="Arial"/>
+              <a:buChar char="•"/>
+              <a:defRPr sz="1800" kern="1200" cap="none">
+                <a:solidFill>
+                  <a:schemeClr val="tx1"/>
+                </a:solidFill>
+                <a:effectLst/>
+                <a:latin typeface="+mn-lt"/>
+                <a:ea typeface="+mn-ea"/>
+                <a:cs typeface="+mn-cs"/>
+              </a:defRPr>
+            </a:lvl1pPr>
+            <a:lvl2pPr marL="742950" indent="-285750" algn="l" defTabSz="457200" rtl="0" eaLnBrk="1" latinLnBrk="1" hangingPunct="1">
+              <a:spcBef>
+                <a:spcPts val="0"/>
+              </a:spcBef>
+              <a:spcAft>
+                <a:spcPts val="1000"/>
+              </a:spcAft>
+              <a:buClr>
+                <a:schemeClr val="tx1"/>
+              </a:buClr>
+              <a:buSzPct val="100000"/>
+              <a:buFont typeface="Arial"/>
+              <a:buChar char="•"/>
+              <a:defRPr sz="1600" kern="1200" cap="none">
+                <a:solidFill>
+                  <a:schemeClr val="tx1"/>
+                </a:solidFill>
+                <a:effectLst/>
+                <a:latin typeface="+mn-lt"/>
+                <a:ea typeface="+mn-ea"/>
+                <a:cs typeface="+mn-cs"/>
+              </a:defRPr>
+            </a:lvl2pPr>
+            <a:lvl3pPr marL="1200150" indent="-285750" algn="l" defTabSz="457200" rtl="0" eaLnBrk="1" latinLnBrk="1" hangingPunct="1">
+              <a:spcBef>
+                <a:spcPts val="0"/>
+              </a:spcBef>
+              <a:spcAft>
+                <a:spcPts val="1000"/>
+              </a:spcAft>
+              <a:buClr>
+                <a:schemeClr val="tx1"/>
+              </a:buClr>
+              <a:buSzPct val="100000"/>
+              <a:buFont typeface="Arial"/>
+              <a:buChar char="•"/>
+              <a:defRPr sz="1400" kern="1200" cap="none">
+                <a:solidFill>
+                  <a:schemeClr val="tx1"/>
+                </a:solidFill>
+                <a:effectLst/>
+                <a:latin typeface="+mn-lt"/>
+                <a:ea typeface="+mn-ea"/>
+                <a:cs typeface="+mn-cs"/>
+              </a:defRPr>
+            </a:lvl3pPr>
+            <a:lvl4pPr marL="1543050" indent="-171450" algn="l" defTabSz="457200" rtl="0" eaLnBrk="1" latinLnBrk="1" hangingPunct="1">
+              <a:spcBef>
+                <a:spcPts val="0"/>
+              </a:spcBef>
+              <a:spcAft>
+                <a:spcPts val="1000"/>
+              </a:spcAft>
+              <a:buClr>
+                <a:schemeClr val="tx1"/>
+              </a:buClr>
+              <a:buSzPct val="100000"/>
+              <a:buFont typeface="Arial"/>
+              <a:buChar char="•"/>
+              <a:defRPr sz="1200" kern="1200" cap="none">
+                <a:solidFill>
+                  <a:schemeClr val="tx1"/>
+                </a:solidFill>
+                <a:effectLst/>
+                <a:latin typeface="+mn-lt"/>
+                <a:ea typeface="+mn-ea"/>
+                <a:cs typeface="+mn-cs"/>
+              </a:defRPr>
+            </a:lvl4pPr>
+            <a:lvl5pPr marL="2000250" indent="-171450" algn="l" defTabSz="457200" rtl="0" eaLnBrk="1" latinLnBrk="1" hangingPunct="1">
+              <a:spcBef>
+                <a:spcPts val="0"/>
+              </a:spcBef>
+              <a:spcAft>
+                <a:spcPts val="1000"/>
+              </a:spcAft>
+              <a:buClr>
+                <a:schemeClr val="tx1"/>
+              </a:buClr>
+              <a:buSzPct val="100000"/>
+              <a:buFont typeface="Arial"/>
+              <a:buChar char="•"/>
+              <a:defRPr sz="1200" kern="1200" cap="none">
+                <a:solidFill>
+                  <a:schemeClr val="tx1"/>
+                </a:solidFill>
+                <a:effectLst/>
+                <a:latin typeface="+mn-lt"/>
+                <a:ea typeface="+mn-ea"/>
+                <a:cs typeface="+mn-cs"/>
+              </a:defRPr>
+            </a:lvl5pPr>
+            <a:lvl6pPr marL="2514600" indent="-228600" algn="l" defTabSz="457200" rtl="0" eaLnBrk="1" latinLnBrk="1" hangingPunct="1">
+              <a:spcBef>
+                <a:spcPts val="0"/>
+              </a:spcBef>
+              <a:spcAft>
+                <a:spcPts val="1000"/>
+              </a:spcAft>
+              <a:buClr>
+                <a:schemeClr val="tx1"/>
+              </a:buClr>
+              <a:buSzPct val="100000"/>
+              <a:buFont typeface="Arial"/>
+              <a:buChar char="•"/>
+              <a:defRPr sz="1200" kern="1200" cap="none">
+                <a:solidFill>
+                  <a:schemeClr val="tx1"/>
+                </a:solidFill>
+                <a:effectLst/>
+                <a:latin typeface="+mn-lt"/>
+                <a:ea typeface="+mn-ea"/>
+                <a:cs typeface="+mn-cs"/>
+              </a:defRPr>
+            </a:lvl6pPr>
+            <a:lvl7pPr marL="2971800" indent="-228600" algn="l" defTabSz="457200" rtl="0" eaLnBrk="1" latinLnBrk="1" hangingPunct="1">
+              <a:spcBef>
+                <a:spcPts val="0"/>
+              </a:spcBef>
+              <a:spcAft>
+                <a:spcPts val="1000"/>
+              </a:spcAft>
+              <a:buClr>
+                <a:schemeClr val="tx1"/>
+              </a:buClr>
+              <a:buSzPct val="100000"/>
+              <a:buFont typeface="Arial"/>
+              <a:buChar char="•"/>
+              <a:defRPr sz="1200" kern="1200" cap="none">
+                <a:solidFill>
+                  <a:schemeClr val="tx1"/>
+                </a:solidFill>
+                <a:effectLst/>
+                <a:latin typeface="+mn-lt"/>
+                <a:ea typeface="+mn-ea"/>
+                <a:cs typeface="+mn-cs"/>
+              </a:defRPr>
+            </a:lvl7pPr>
+            <a:lvl8pPr marL="3429000" indent="-228600" algn="l" defTabSz="457200" rtl="0" eaLnBrk="1" latinLnBrk="1" hangingPunct="1">
+              <a:spcBef>
+                <a:spcPts val="0"/>
+              </a:spcBef>
+              <a:spcAft>
+                <a:spcPts val="1000"/>
+              </a:spcAft>
+              <a:buClr>
+                <a:schemeClr val="tx1"/>
+              </a:buClr>
+              <a:buSzPct val="100000"/>
+              <a:buFont typeface="Arial"/>
+              <a:buChar char="•"/>
+              <a:defRPr sz="1200" kern="1200" cap="none">
+                <a:solidFill>
+                  <a:schemeClr val="tx1"/>
+                </a:solidFill>
+                <a:effectLst/>
+                <a:latin typeface="+mn-lt"/>
+                <a:ea typeface="+mn-ea"/>
+                <a:cs typeface="+mn-cs"/>
+              </a:defRPr>
+            </a:lvl8pPr>
+            <a:lvl9pPr marL="3886200" indent="-228600" algn="l" defTabSz="457200" rtl="0" eaLnBrk="1" latinLnBrk="1" hangingPunct="1">
+              <a:spcBef>
+                <a:spcPts val="0"/>
+              </a:spcBef>
+              <a:spcAft>
+                <a:spcPts val="1000"/>
+              </a:spcAft>
+              <a:buClr>
+                <a:schemeClr val="tx1"/>
+              </a:buClr>
+              <a:buSzPct val="100000"/>
+              <a:buFont typeface="Arial"/>
+              <a:buChar char="•"/>
+              <a:defRPr sz="1200" kern="1200" cap="none">
+                <a:solidFill>
+                  <a:schemeClr val="tx1"/>
+                </a:solidFill>
+                <a:effectLst/>
+                <a:latin typeface="+mn-lt"/>
+                <a:ea typeface="+mn-ea"/>
+                <a:cs typeface="+mn-cs"/>
+              </a:defRPr>
+            </a:lvl9pPr>
+          </a:lstStyle>
+          <a:p>
+            <a:pPr>
+              <a:buClrTx/>
+            </a:pPr>
+            <a:endParaRPr lang="en-US" altLang="ko-KR" dirty="0"/>
+          </a:p>
+        </p:txBody>
+      </p:sp>
+      <p:sp>
+        <p:nvSpPr>
+          <p:cNvPr id="5" name="내용 개체 틀 2">
+            <a:extLst>
+              <a:ext uri="{FF2B5EF4-FFF2-40B4-BE49-F238E27FC236}">
+                <a16:creationId xmlns:a16="http://schemas.microsoft.com/office/drawing/2014/main" id="{097FD412-3F29-3D2D-A354-190865129920}"/>
+              </a:ext>
+            </a:extLst>
+          </p:cNvPr>
+          <p:cNvSpPr txBox="1">
+            <a:spLocks/>
+          </p:cNvSpPr>
+          <p:nvPr/>
+        </p:nvSpPr>
+        <p:spPr>
+          <a:xfrm>
+            <a:off x="7532914" y="2142067"/>
+            <a:ext cx="3284312" cy="3798168"/>
+          </a:xfrm>
+          <a:prstGeom prst="rect">
+            <a:avLst/>
+          </a:prstGeom>
+          <a:solidFill>
+            <a:schemeClr val="accent2">
+              <a:lumMod val="20000"/>
+              <a:lumOff val="80000"/>
+              <a:alpha val="50000"/>
+            </a:schemeClr>
+          </a:solidFill>
+        </p:spPr>
+        <p:txBody>
+          <a:bodyPr vert="horz" lIns="91440" tIns="45720" rIns="91440" bIns="45720" rtlCol="0" anchor="ctr">
+            <a:normAutofit/>
+          </a:bodyPr>
+          <a:lstStyle>
+            <a:lvl1pPr marL="285750" indent="-285750" algn="l" defTabSz="457200" rtl="0" eaLnBrk="1" latinLnBrk="1" hangingPunct="1">
+              <a:spcBef>
+                <a:spcPts val="0"/>
+              </a:spcBef>
+              <a:spcAft>
+                <a:spcPts val="1000"/>
+              </a:spcAft>
+              <a:buClr>
+                <a:schemeClr val="tx1"/>
+              </a:buClr>
+              <a:buSzPct val="100000"/>
+              <a:buFont typeface="Arial"/>
+              <a:buChar char="•"/>
+              <a:defRPr sz="1800" kern="1200" cap="none">
+                <a:solidFill>
+                  <a:schemeClr val="tx1"/>
+                </a:solidFill>
+                <a:effectLst/>
+                <a:latin typeface="+mn-lt"/>
+                <a:ea typeface="+mn-ea"/>
+                <a:cs typeface="+mn-cs"/>
+              </a:defRPr>
+            </a:lvl1pPr>
+            <a:lvl2pPr marL="742950" indent="-285750" algn="l" defTabSz="457200" rtl="0" eaLnBrk="1" latinLnBrk="1" hangingPunct="1">
+              <a:spcBef>
+                <a:spcPts val="0"/>
+              </a:spcBef>
+              <a:spcAft>
+                <a:spcPts val="1000"/>
+              </a:spcAft>
+              <a:buClr>
+                <a:schemeClr val="tx1"/>
+              </a:buClr>
+              <a:buSzPct val="100000"/>
+              <a:buFont typeface="Arial"/>
+              <a:buChar char="•"/>
+              <a:defRPr sz="1600" kern="1200" cap="none">
+                <a:solidFill>
+                  <a:schemeClr val="tx1"/>
+                </a:solidFill>
+                <a:effectLst/>
+                <a:latin typeface="+mn-lt"/>
+                <a:ea typeface="+mn-ea"/>
+                <a:cs typeface="+mn-cs"/>
+              </a:defRPr>
+            </a:lvl2pPr>
+            <a:lvl3pPr marL="1200150" indent="-285750" algn="l" defTabSz="457200" rtl="0" eaLnBrk="1" latinLnBrk="1" hangingPunct="1">
+              <a:spcBef>
+                <a:spcPts val="0"/>
+              </a:spcBef>
+              <a:spcAft>
+                <a:spcPts val="1000"/>
+              </a:spcAft>
+              <a:buClr>
+                <a:schemeClr val="tx1"/>
+              </a:buClr>
+              <a:buSzPct val="100000"/>
+              <a:buFont typeface="Arial"/>
+              <a:buChar char="•"/>
+              <a:defRPr sz="1400" kern="1200" cap="none">
+                <a:solidFill>
+                  <a:schemeClr val="tx1"/>
+                </a:solidFill>
+                <a:effectLst/>
+                <a:latin typeface="+mn-lt"/>
+                <a:ea typeface="+mn-ea"/>
+                <a:cs typeface="+mn-cs"/>
+              </a:defRPr>
+            </a:lvl3pPr>
+            <a:lvl4pPr marL="1543050" indent="-171450" algn="l" defTabSz="457200" rtl="0" eaLnBrk="1" latinLnBrk="1" hangingPunct="1">
+              <a:spcBef>
+                <a:spcPts val="0"/>
+              </a:spcBef>
+              <a:spcAft>
+                <a:spcPts val="1000"/>
+              </a:spcAft>
+              <a:buClr>
+                <a:schemeClr val="tx1"/>
+              </a:buClr>
+              <a:buSzPct val="100000"/>
+              <a:buFont typeface="Arial"/>
+              <a:buChar char="•"/>
+              <a:defRPr sz="1200" kern="1200" cap="none">
+                <a:solidFill>
+                  <a:schemeClr val="tx1"/>
+                </a:solidFill>
+                <a:effectLst/>
+                <a:latin typeface="+mn-lt"/>
+                <a:ea typeface="+mn-ea"/>
+                <a:cs typeface="+mn-cs"/>
+              </a:defRPr>
+            </a:lvl4pPr>
+            <a:lvl5pPr marL="2000250" indent="-171450" algn="l" defTabSz="457200" rtl="0" eaLnBrk="1" latinLnBrk="1" hangingPunct="1">
+              <a:spcBef>
+                <a:spcPts val="0"/>
+              </a:spcBef>
+              <a:spcAft>
+                <a:spcPts val="1000"/>
+              </a:spcAft>
+              <a:buClr>
+                <a:schemeClr val="tx1"/>
+              </a:buClr>
+              <a:buSzPct val="100000"/>
+              <a:buFont typeface="Arial"/>
+              <a:buChar char="•"/>
+              <a:defRPr sz="1200" kern="1200" cap="none">
+                <a:solidFill>
+                  <a:schemeClr val="tx1"/>
+                </a:solidFill>
+                <a:effectLst/>
+                <a:latin typeface="+mn-lt"/>
+                <a:ea typeface="+mn-ea"/>
+                <a:cs typeface="+mn-cs"/>
+              </a:defRPr>
+            </a:lvl5pPr>
+            <a:lvl6pPr marL="2514600" indent="-228600" algn="l" defTabSz="457200" rtl="0" eaLnBrk="1" latinLnBrk="1" hangingPunct="1">
+              <a:spcBef>
+                <a:spcPts val="0"/>
+              </a:spcBef>
+              <a:spcAft>
+                <a:spcPts val="1000"/>
+              </a:spcAft>
+              <a:buClr>
+                <a:schemeClr val="tx1"/>
+              </a:buClr>
+              <a:buSzPct val="100000"/>
+              <a:buFont typeface="Arial"/>
+              <a:buChar char="•"/>
+              <a:defRPr sz="1200" kern="1200" cap="none">
+                <a:solidFill>
+                  <a:schemeClr val="tx1"/>
+                </a:solidFill>
+                <a:effectLst/>
+                <a:latin typeface="+mn-lt"/>
+                <a:ea typeface="+mn-ea"/>
+                <a:cs typeface="+mn-cs"/>
+              </a:defRPr>
+            </a:lvl6pPr>
+            <a:lvl7pPr marL="2971800" indent="-228600" algn="l" defTabSz="457200" rtl="0" eaLnBrk="1" latinLnBrk="1" hangingPunct="1">
+              <a:spcBef>
+                <a:spcPts val="0"/>
+              </a:spcBef>
+              <a:spcAft>
+                <a:spcPts val="1000"/>
+              </a:spcAft>
+              <a:buClr>
+                <a:schemeClr val="tx1"/>
+              </a:buClr>
+              <a:buSzPct val="100000"/>
+              <a:buFont typeface="Arial"/>
+              <a:buChar char="•"/>
+              <a:defRPr sz="1200" kern="1200" cap="none">
+                <a:solidFill>
+                  <a:schemeClr val="tx1"/>
+                </a:solidFill>
+                <a:effectLst/>
+                <a:latin typeface="+mn-lt"/>
+                <a:ea typeface="+mn-ea"/>
+                <a:cs typeface="+mn-cs"/>
+              </a:defRPr>
+            </a:lvl7pPr>
+            <a:lvl8pPr marL="3429000" indent="-228600" algn="l" defTabSz="457200" rtl="0" eaLnBrk="1" latinLnBrk="1" hangingPunct="1">
+              <a:spcBef>
+                <a:spcPts val="0"/>
+              </a:spcBef>
+              <a:spcAft>
+                <a:spcPts val="1000"/>
+              </a:spcAft>
+              <a:buClr>
+                <a:schemeClr val="tx1"/>
+              </a:buClr>
+              <a:buSzPct val="100000"/>
+              <a:buFont typeface="Arial"/>
+              <a:buChar char="•"/>
+              <a:defRPr sz="1200" kern="1200" cap="none">
+                <a:solidFill>
+                  <a:schemeClr val="tx1"/>
+                </a:solidFill>
+                <a:effectLst/>
+                <a:latin typeface="+mn-lt"/>
+                <a:ea typeface="+mn-ea"/>
+                <a:cs typeface="+mn-cs"/>
+              </a:defRPr>
+            </a:lvl8pPr>
+            <a:lvl9pPr marL="3886200" indent="-228600" algn="l" defTabSz="457200" rtl="0" eaLnBrk="1" latinLnBrk="1" hangingPunct="1">
+              <a:spcBef>
+                <a:spcPts val="0"/>
+              </a:spcBef>
+              <a:spcAft>
+                <a:spcPts val="1000"/>
+              </a:spcAft>
+              <a:buClr>
+                <a:schemeClr val="tx1"/>
+              </a:buClr>
+              <a:buSzPct val="100000"/>
+              <a:buFont typeface="Arial"/>
+              <a:buChar char="•"/>
+              <a:defRPr sz="1200" kern="1200" cap="none">
+                <a:solidFill>
+                  <a:schemeClr val="tx1"/>
+                </a:solidFill>
+                <a:effectLst/>
+                <a:latin typeface="+mn-lt"/>
+                <a:ea typeface="+mn-ea"/>
+                <a:cs typeface="+mn-cs"/>
+              </a:defRPr>
+            </a:lvl9pPr>
+          </a:lstStyle>
+          <a:p>
+            <a:pPr>
+              <a:buClrTx/>
+            </a:pPr>
+            <a:endParaRPr lang="en-US" altLang="ko-KR" dirty="0"/>
+          </a:p>
+        </p:txBody>
+      </p:sp>
+      <p:sp>
+        <p:nvSpPr>
+          <p:cNvPr id="7" name="사각형: 둥근 모서리 6">
+            <a:extLst>
+              <a:ext uri="{FF2B5EF4-FFF2-40B4-BE49-F238E27FC236}">
+                <a16:creationId xmlns:a16="http://schemas.microsoft.com/office/drawing/2014/main" id="{47BAD4C4-DA6A-6F88-C31D-2931ED988096}"/>
+              </a:ext>
+            </a:extLst>
+          </p:cNvPr>
+          <p:cNvSpPr/>
+          <p:nvPr/>
+        </p:nvSpPr>
+        <p:spPr>
+          <a:xfrm>
+            <a:off x="1595505" y="2267339"/>
+            <a:ext cx="1464906" cy="587828"/>
+          </a:xfrm>
+          <a:prstGeom prst="roundRect">
+            <a:avLst/>
+          </a:prstGeom>
+          <a:solidFill>
+            <a:srgbClr val="0D0A3A"/>
+          </a:solidFill>
+          <a:ln>
+            <a:solidFill>
+              <a:srgbClr val="0D0A3A"/>
+            </a:solidFill>
+          </a:ln>
+        </p:spPr>
+        <p:style>
+          <a:lnRef idx="2">
+            <a:schemeClr val="accent1">
+              <a:shade val="15000"/>
+            </a:schemeClr>
+          </a:lnRef>
+          <a:fillRef idx="1">
+            <a:schemeClr val="accent1"/>
+          </a:fillRef>
+          <a:effectRef idx="0">
+            <a:schemeClr val="accent1"/>
+          </a:effectRef>
+          <a:fontRef idx="minor">
+            <a:schemeClr val="lt1"/>
+          </a:fontRef>
+        </p:style>
+        <p:txBody>
+          <a:bodyPr rtlCol="0" anchor="ctr"/>
+          <a:lstStyle/>
+          <a:p>
+            <a:pPr algn="ctr"/>
+            <a:r>
+              <a:rPr lang="ko-KR" altLang="en-US" dirty="0"/>
+              <a:t>조영환</a:t>
+            </a:r>
+          </a:p>
+        </p:txBody>
+      </p:sp>
+      <p:sp>
+        <p:nvSpPr>
+          <p:cNvPr id="8" name="사각형: 둥근 모서리 7">
+            <a:extLst>
+              <a:ext uri="{FF2B5EF4-FFF2-40B4-BE49-F238E27FC236}">
+                <a16:creationId xmlns:a16="http://schemas.microsoft.com/office/drawing/2014/main" id="{95881B3F-A016-D754-2935-A537F471331A}"/>
+              </a:ext>
+            </a:extLst>
+          </p:cNvPr>
+          <p:cNvSpPr/>
+          <p:nvPr/>
+        </p:nvSpPr>
+        <p:spPr>
+          <a:xfrm>
+            <a:off x="5019060" y="2267339"/>
+            <a:ext cx="1464906" cy="587828"/>
+          </a:xfrm>
+          <a:prstGeom prst="roundRect">
+            <a:avLst/>
+          </a:prstGeom>
+          <a:solidFill>
+            <a:srgbClr val="0D0A3A"/>
+          </a:solidFill>
+          <a:ln>
+            <a:solidFill>
+              <a:srgbClr val="0D0A3A"/>
+            </a:solidFill>
+          </a:ln>
+        </p:spPr>
+        <p:style>
+          <a:lnRef idx="2">
+            <a:schemeClr val="accent1">
+              <a:shade val="15000"/>
+            </a:schemeClr>
+          </a:lnRef>
+          <a:fillRef idx="1">
+            <a:schemeClr val="accent1"/>
+          </a:fillRef>
+          <a:effectRef idx="0">
+            <a:schemeClr val="accent1"/>
+          </a:effectRef>
+          <a:fontRef idx="minor">
+            <a:schemeClr val="lt1"/>
+          </a:fontRef>
+        </p:style>
+        <p:txBody>
+          <a:bodyPr rtlCol="0" anchor="ctr"/>
+          <a:lstStyle/>
+          <a:p>
+            <a:pPr algn="ctr"/>
+            <a:r>
+              <a:rPr lang="ko-KR" altLang="en-US" dirty="0"/>
+              <a:t>김태현</a:t>
+            </a:r>
+          </a:p>
+        </p:txBody>
+      </p:sp>
+      <p:sp>
+        <p:nvSpPr>
+          <p:cNvPr id="9" name="사각형: 둥근 모서리 8">
+            <a:extLst>
+              <a:ext uri="{FF2B5EF4-FFF2-40B4-BE49-F238E27FC236}">
+                <a16:creationId xmlns:a16="http://schemas.microsoft.com/office/drawing/2014/main" id="{CC5FEB54-84B4-5CC8-8EC1-5A9CF60E1913}"/>
+              </a:ext>
+            </a:extLst>
+          </p:cNvPr>
+          <p:cNvSpPr/>
+          <p:nvPr/>
+        </p:nvSpPr>
+        <p:spPr>
+          <a:xfrm>
+            <a:off x="8442617" y="2267339"/>
+            <a:ext cx="1464906" cy="587828"/>
+          </a:xfrm>
+          <a:prstGeom prst="roundRect">
+            <a:avLst/>
+          </a:prstGeom>
+          <a:solidFill>
+            <a:srgbClr val="0D0A3A"/>
+          </a:solidFill>
+          <a:ln>
+            <a:solidFill>
+              <a:srgbClr val="0D0A3A"/>
+            </a:solidFill>
+          </a:ln>
+        </p:spPr>
+        <p:style>
+          <a:lnRef idx="2">
+            <a:schemeClr val="accent1">
+              <a:shade val="15000"/>
+            </a:schemeClr>
+          </a:lnRef>
+          <a:fillRef idx="1">
+            <a:schemeClr val="accent1"/>
+          </a:fillRef>
+          <a:effectRef idx="0">
+            <a:schemeClr val="accent1"/>
+          </a:effectRef>
+          <a:fontRef idx="minor">
+            <a:schemeClr val="lt1"/>
+          </a:fontRef>
+        </p:style>
+        <p:txBody>
+          <a:bodyPr rtlCol="0" anchor="ctr"/>
+          <a:lstStyle/>
+          <a:p>
+            <a:pPr algn="ctr"/>
+            <a:r>
+              <a:rPr lang="ko-KR" altLang="en-US" dirty="0" err="1"/>
+              <a:t>양연현</a:t>
+            </a:r>
+            <a:endParaRPr lang="ko-KR" altLang="en-US" dirty="0"/>
+          </a:p>
+        </p:txBody>
+      </p:sp>
+      <p:sp>
+        <p:nvSpPr>
+          <p:cNvPr id="10" name="TextBox 9">
+            <a:extLst>
+              <a:ext uri="{FF2B5EF4-FFF2-40B4-BE49-F238E27FC236}">
+                <a16:creationId xmlns:a16="http://schemas.microsoft.com/office/drawing/2014/main" id="{E51AA664-C0CD-9663-2828-21CC8A45D2B8}"/>
+              </a:ext>
+            </a:extLst>
+          </p:cNvPr>
+          <p:cNvSpPr txBox="1"/>
+          <p:nvPr/>
+        </p:nvSpPr>
+        <p:spPr>
+          <a:xfrm>
+            <a:off x="863083" y="2980439"/>
+            <a:ext cx="2603598" cy="1477328"/>
+          </a:xfrm>
+          <a:prstGeom prst="rect">
+            <a:avLst/>
+          </a:prstGeom>
+          <a:noFill/>
+        </p:spPr>
+        <p:txBody>
+          <a:bodyPr wrap="none" rtlCol="0">
+            <a:spAutoFit/>
+          </a:bodyPr>
+          <a:lstStyle/>
+          <a:p>
+            <a:pPr marL="285750" indent="-285750">
+              <a:buClrTx/>
+              <a:buFont typeface="Arial" panose="020B0604020202020204" pitchFamily="34" charset="0"/>
+              <a:buChar char="•"/>
+            </a:pPr>
+            <a:r>
+              <a:rPr lang="ko-KR" altLang="en-US" dirty="0"/>
+              <a:t>게임 인터페이스</a:t>
+            </a:r>
+            <a:endParaRPr lang="en-US" altLang="ko-KR" dirty="0"/>
+          </a:p>
+          <a:p>
+            <a:pPr marL="285750" indent="-285750">
+              <a:buClrTx/>
+              <a:buFont typeface="Arial" panose="020B0604020202020204" pitchFamily="34" charset="0"/>
+              <a:buChar char="•"/>
+            </a:pPr>
+            <a:r>
+              <a:rPr lang="ko-KR" altLang="en-US" dirty="0"/>
+              <a:t>데이터베이스</a:t>
+            </a:r>
+            <a:endParaRPr lang="en-US" altLang="ko-KR" dirty="0"/>
+          </a:p>
+          <a:p>
+            <a:pPr marL="285750" indent="-285750">
+              <a:buClrTx/>
+              <a:buFont typeface="Arial" panose="020B0604020202020204" pitchFamily="34" charset="0"/>
+              <a:buChar char="•"/>
+            </a:pPr>
+            <a:r>
+              <a:rPr lang="ko-KR" altLang="en-US" dirty="0"/>
+              <a:t>게임엔진</a:t>
+            </a:r>
+            <a:endParaRPr lang="en-US" altLang="ko-KR" dirty="0"/>
+          </a:p>
+          <a:p>
+            <a:pPr marL="285750" indent="-285750">
+              <a:buClrTx/>
+              <a:buFont typeface="Arial" panose="020B0604020202020204" pitchFamily="34" charset="0"/>
+              <a:buChar char="•"/>
+            </a:pPr>
+            <a:r>
+              <a:rPr lang="ko-KR" altLang="en-US" dirty="0"/>
+              <a:t>네트워크 프로그래밍</a:t>
+            </a:r>
+            <a:endParaRPr lang="en-US" altLang="ko-KR" dirty="0"/>
+          </a:p>
+          <a:p>
+            <a:endParaRPr lang="ko-KR" altLang="en-US" dirty="0"/>
+          </a:p>
+        </p:txBody>
+      </p:sp>
+      <p:sp>
+        <p:nvSpPr>
+          <p:cNvPr id="12" name="TextBox 11">
+            <a:extLst>
+              <a:ext uri="{FF2B5EF4-FFF2-40B4-BE49-F238E27FC236}">
+                <a16:creationId xmlns:a16="http://schemas.microsoft.com/office/drawing/2014/main" id="{40F63AD7-697B-E38E-B1E5-7DA57A4951DD}"/>
+              </a:ext>
+            </a:extLst>
+          </p:cNvPr>
+          <p:cNvSpPr txBox="1"/>
+          <p:nvPr/>
+        </p:nvSpPr>
+        <p:spPr>
+          <a:xfrm>
+            <a:off x="4250392" y="2980439"/>
+            <a:ext cx="2141933" cy="1477328"/>
+          </a:xfrm>
+          <a:prstGeom prst="rect">
+            <a:avLst/>
+          </a:prstGeom>
+          <a:noFill/>
+        </p:spPr>
+        <p:txBody>
+          <a:bodyPr wrap="none" rtlCol="0">
+            <a:spAutoFit/>
+          </a:bodyPr>
+          <a:lstStyle/>
+          <a:p>
+            <a:pPr marL="285750" indent="-285750">
+              <a:buClrTx/>
+              <a:buFont typeface="Arial" panose="020B0604020202020204" pitchFamily="34" charset="0"/>
+              <a:buChar char="•"/>
+            </a:pPr>
+            <a:r>
+              <a:rPr lang="ko-KR" altLang="en-US" dirty="0"/>
+              <a:t>게임 인터페이스</a:t>
+            </a:r>
+            <a:endParaRPr lang="en-US" altLang="ko-KR" dirty="0"/>
+          </a:p>
+          <a:p>
+            <a:pPr marL="285750" indent="-285750">
+              <a:buClrTx/>
+              <a:buFont typeface="Arial" panose="020B0604020202020204" pitchFamily="34" charset="0"/>
+              <a:buChar char="•"/>
+            </a:pPr>
+            <a:r>
+              <a:rPr lang="ko-KR" altLang="en-US" dirty="0"/>
+              <a:t>데이터베이스</a:t>
+            </a:r>
+            <a:endParaRPr lang="en-US" altLang="ko-KR" dirty="0"/>
+          </a:p>
+          <a:p>
+            <a:pPr marL="285750" indent="-285750">
+              <a:buClrTx/>
+              <a:buFont typeface="Arial" panose="020B0604020202020204" pitchFamily="34" charset="0"/>
+              <a:buChar char="•"/>
+            </a:pPr>
+            <a:r>
+              <a:rPr lang="ko-KR" altLang="en-US" dirty="0"/>
+              <a:t>게임엔진</a:t>
+            </a:r>
+            <a:endParaRPr lang="en-US" altLang="ko-KR" dirty="0"/>
+          </a:p>
+          <a:p>
+            <a:pPr marL="285750" indent="-285750">
+              <a:buClrTx/>
+              <a:buFont typeface="Arial" panose="020B0604020202020204" pitchFamily="34" charset="0"/>
+              <a:buChar char="•"/>
+            </a:pPr>
+            <a:r>
+              <a:rPr lang="en-US" altLang="ko-KR" dirty="0"/>
+              <a:t>3D</a:t>
+            </a:r>
+            <a:r>
+              <a:rPr lang="ko-KR" altLang="en-US" dirty="0"/>
+              <a:t>모델링</a:t>
+            </a:r>
+            <a:endParaRPr lang="en-US" altLang="ko-KR" dirty="0"/>
+          </a:p>
+          <a:p>
+            <a:pPr marL="285750" indent="-285750">
+              <a:buFont typeface="Arial" panose="020B0604020202020204" pitchFamily="34" charset="0"/>
+              <a:buChar char="•"/>
+            </a:pPr>
+            <a:endParaRPr lang="ko-KR" altLang="en-US" dirty="0"/>
+          </a:p>
+        </p:txBody>
+      </p:sp>
+      <p:sp>
+        <p:nvSpPr>
+          <p:cNvPr id="13" name="TextBox 12">
+            <a:extLst>
+              <a:ext uri="{FF2B5EF4-FFF2-40B4-BE49-F238E27FC236}">
+                <a16:creationId xmlns:a16="http://schemas.microsoft.com/office/drawing/2014/main" id="{39037018-E783-CF90-3017-6A4AD86FF2F1}"/>
+              </a:ext>
+            </a:extLst>
+          </p:cNvPr>
+          <p:cNvSpPr txBox="1"/>
+          <p:nvPr/>
+        </p:nvSpPr>
+        <p:spPr>
+          <a:xfrm>
+            <a:off x="7680682" y="2980439"/>
+            <a:ext cx="1887055" cy="1200329"/>
+          </a:xfrm>
+          <a:prstGeom prst="rect">
+            <a:avLst/>
+          </a:prstGeom>
+          <a:noFill/>
+        </p:spPr>
+        <p:txBody>
+          <a:bodyPr wrap="none" rtlCol="0">
+            <a:spAutoFit/>
+          </a:bodyPr>
+          <a:lstStyle/>
+          <a:p>
+            <a:pPr marL="285750" indent="-285750">
+              <a:buClrTx/>
+              <a:buFont typeface="Arial" panose="020B0604020202020204" pitchFamily="34" charset="0"/>
+              <a:buChar char="•"/>
+            </a:pPr>
+            <a:r>
+              <a:rPr lang="en-US" altLang="ko-KR" dirty="0"/>
+              <a:t>3D</a:t>
+            </a:r>
+            <a:r>
+              <a:rPr lang="ko-KR" altLang="en-US" dirty="0"/>
+              <a:t>모델링</a:t>
+            </a:r>
+            <a:endParaRPr lang="en-US" altLang="ko-KR" dirty="0"/>
+          </a:p>
+          <a:p>
+            <a:pPr marL="285750" indent="-285750">
+              <a:buClrTx/>
+              <a:buFont typeface="Arial" panose="020B0604020202020204" pitchFamily="34" charset="0"/>
+              <a:buChar char="•"/>
+            </a:pPr>
+            <a:r>
+              <a:rPr lang="en-US" altLang="ko-KR" dirty="0"/>
+              <a:t>3D</a:t>
+            </a:r>
+            <a:r>
+              <a:rPr lang="ko-KR" altLang="en-US" dirty="0"/>
+              <a:t>애니메이션</a:t>
+            </a:r>
+            <a:endParaRPr lang="en-US" altLang="ko-KR" dirty="0"/>
+          </a:p>
+          <a:p>
+            <a:pPr marL="285750" indent="-285750">
+              <a:buClrTx/>
+              <a:buFont typeface="Arial" panose="020B0604020202020204" pitchFamily="34" charset="0"/>
+              <a:buChar char="•"/>
+            </a:pPr>
+            <a:r>
+              <a:rPr lang="ko-KR" altLang="en-US" dirty="0"/>
+              <a:t>게임기획</a:t>
+            </a:r>
+            <a:endParaRPr lang="en-US" altLang="ko-KR" dirty="0"/>
+          </a:p>
+          <a:p>
+            <a:pPr marL="285750" indent="-285750">
+              <a:buFont typeface="Arial" panose="020B0604020202020204" pitchFamily="34" charset="0"/>
+              <a:buChar char="•"/>
+            </a:pPr>
+            <a:endParaRPr lang="ko-KR" altLang="en-US" dirty="0"/>
+          </a:p>
+        </p:txBody>
+      </p:sp>
+    </p:spTree>
+    <p:extLst>
+      <p:ext uri="{BB962C8B-B14F-4D97-AF65-F5344CB8AC3E}">
+        <p14:creationId xmlns:p14="http://schemas.microsoft.com/office/powerpoint/2010/main" val="4247809250"/>
+      </p:ext>
+    </p:extLst>
+  </p:cSld>
+  <p:clrMapOvr>
+    <a:masterClrMapping/>
+  </p:clrMapOvr>
+</p:sld>
+</file>
+
+<file path=ppt/slides/slide24.xml><?xml version="1.0" encoding="utf-8"?>
+<p:sld xmlns:a="http://schemas.openxmlformats.org/drawingml/2006/main" xmlns:r="http://schemas.openxmlformats.org/officeDocument/2006/relationships" xmlns:p="http://schemas.openxmlformats.org/presentationml/2006/main">
+  <p:cSld>
+    <p:spTree>
+      <p:nvGrpSpPr>
+        <p:cNvPr id="1" name=""/>
+        <p:cNvGrpSpPr/>
+        <p:nvPr/>
+      </p:nvGrpSpPr>
+      <p:grpSpPr>
+        <a:xfrm>
+          <a:off x="0" y="0"/>
+          <a:ext cx="0" cy="0"/>
+          <a:chOff x="0" y="0"/>
+          <a:chExt cx="0" cy="0"/>
+        </a:xfrm>
+      </p:grpSpPr>
+      <p:sp>
+        <p:nvSpPr>
+          <p:cNvPr id="14" name="내용 개체 틀 2">
+            <a:extLst>
+              <a:ext uri="{FF2B5EF4-FFF2-40B4-BE49-F238E27FC236}">
+                <a16:creationId xmlns:a16="http://schemas.microsoft.com/office/drawing/2014/main" id="{CADAC4F1-0A7E-1513-5CEE-05194359B1FA}"/>
+              </a:ext>
+            </a:extLst>
+          </p:cNvPr>
+          <p:cNvSpPr txBox="1">
+            <a:spLocks/>
+          </p:cNvSpPr>
+          <p:nvPr/>
+        </p:nvSpPr>
+        <p:spPr>
+          <a:xfrm>
+            <a:off x="685802" y="2142067"/>
+            <a:ext cx="10131424" cy="3798168"/>
+          </a:xfrm>
+          <a:prstGeom prst="rect">
+            <a:avLst/>
+          </a:prstGeom>
+          <a:solidFill>
+            <a:schemeClr val="accent2">
+              <a:lumMod val="20000"/>
+              <a:lumOff val="80000"/>
+              <a:alpha val="50000"/>
+            </a:schemeClr>
+          </a:solidFill>
+        </p:spPr>
+        <p:txBody>
+          <a:bodyPr vert="horz" lIns="91440" tIns="45720" rIns="91440" bIns="45720" rtlCol="0" anchor="ctr">
+            <a:normAutofit/>
+          </a:bodyPr>
+          <a:lstStyle>
+            <a:lvl1pPr marL="285750" indent="-285750" algn="l" defTabSz="457200" rtl="0" eaLnBrk="1" latinLnBrk="1" hangingPunct="1">
+              <a:spcBef>
+                <a:spcPts val="0"/>
+              </a:spcBef>
+              <a:spcAft>
+                <a:spcPts val="1000"/>
+              </a:spcAft>
+              <a:buClr>
+                <a:schemeClr val="tx1"/>
+              </a:buClr>
+              <a:buSzPct val="100000"/>
+              <a:buFont typeface="Arial"/>
+              <a:buChar char="•"/>
+              <a:defRPr sz="1800" kern="1200" cap="none">
+                <a:solidFill>
+                  <a:schemeClr val="tx1"/>
+                </a:solidFill>
+                <a:effectLst/>
+                <a:latin typeface="+mn-lt"/>
+                <a:ea typeface="+mn-ea"/>
+                <a:cs typeface="+mn-cs"/>
+              </a:defRPr>
+            </a:lvl1pPr>
+            <a:lvl2pPr marL="742950" indent="-285750" algn="l" defTabSz="457200" rtl="0" eaLnBrk="1" latinLnBrk="1" hangingPunct="1">
+              <a:spcBef>
+                <a:spcPts val="0"/>
+              </a:spcBef>
+              <a:spcAft>
+                <a:spcPts val="1000"/>
+              </a:spcAft>
+              <a:buClr>
+                <a:schemeClr val="tx1"/>
+              </a:buClr>
+              <a:buSzPct val="100000"/>
+              <a:buFont typeface="Arial"/>
+              <a:buChar char="•"/>
+              <a:defRPr sz="1600" kern="1200" cap="none">
+                <a:solidFill>
+                  <a:schemeClr val="tx1"/>
+                </a:solidFill>
+                <a:effectLst/>
+                <a:latin typeface="+mn-lt"/>
+                <a:ea typeface="+mn-ea"/>
+                <a:cs typeface="+mn-cs"/>
+              </a:defRPr>
+            </a:lvl2pPr>
+            <a:lvl3pPr marL="1200150" indent="-285750" algn="l" defTabSz="457200" rtl="0" eaLnBrk="1" latinLnBrk="1" hangingPunct="1">
+              <a:spcBef>
+                <a:spcPts val="0"/>
+              </a:spcBef>
+              <a:spcAft>
+                <a:spcPts val="1000"/>
+              </a:spcAft>
+              <a:buClr>
+                <a:schemeClr val="tx1"/>
+              </a:buClr>
+              <a:buSzPct val="100000"/>
+              <a:buFont typeface="Arial"/>
+              <a:buChar char="•"/>
+              <a:defRPr sz="1400" kern="1200" cap="none">
+                <a:solidFill>
+                  <a:schemeClr val="tx1"/>
+                </a:solidFill>
+                <a:effectLst/>
+                <a:latin typeface="+mn-lt"/>
+                <a:ea typeface="+mn-ea"/>
+                <a:cs typeface="+mn-cs"/>
+              </a:defRPr>
+            </a:lvl3pPr>
+            <a:lvl4pPr marL="1543050" indent="-171450" algn="l" defTabSz="457200" rtl="0" eaLnBrk="1" latinLnBrk="1" hangingPunct="1">
+              <a:spcBef>
+                <a:spcPts val="0"/>
+              </a:spcBef>
+              <a:spcAft>
+                <a:spcPts val="1000"/>
+              </a:spcAft>
+              <a:buClr>
+                <a:schemeClr val="tx1"/>
+              </a:buClr>
+              <a:buSzPct val="100000"/>
+              <a:buFont typeface="Arial"/>
+              <a:buChar char="•"/>
+              <a:defRPr sz="1200" kern="1200" cap="none">
+                <a:solidFill>
+                  <a:schemeClr val="tx1"/>
+                </a:solidFill>
+                <a:effectLst/>
+                <a:latin typeface="+mn-lt"/>
+                <a:ea typeface="+mn-ea"/>
+                <a:cs typeface="+mn-cs"/>
+              </a:defRPr>
+            </a:lvl4pPr>
+            <a:lvl5pPr marL="2000250" indent="-171450" algn="l" defTabSz="457200" rtl="0" eaLnBrk="1" latinLnBrk="1" hangingPunct="1">
+              <a:spcBef>
+                <a:spcPts val="0"/>
+              </a:spcBef>
+              <a:spcAft>
+                <a:spcPts val="1000"/>
+              </a:spcAft>
+              <a:buClr>
+                <a:schemeClr val="tx1"/>
+              </a:buClr>
+              <a:buSzPct val="100000"/>
+              <a:buFont typeface="Arial"/>
+              <a:buChar char="•"/>
+              <a:defRPr sz="1200" kern="1200" cap="none">
+                <a:solidFill>
+                  <a:schemeClr val="tx1"/>
+                </a:solidFill>
+                <a:effectLst/>
+                <a:latin typeface="+mn-lt"/>
+                <a:ea typeface="+mn-ea"/>
+                <a:cs typeface="+mn-cs"/>
+              </a:defRPr>
+            </a:lvl5pPr>
+            <a:lvl6pPr marL="2514600" indent="-228600" algn="l" defTabSz="457200" rtl="0" eaLnBrk="1" latinLnBrk="1" hangingPunct="1">
+              <a:spcBef>
+                <a:spcPts val="0"/>
+              </a:spcBef>
+              <a:spcAft>
+                <a:spcPts val="1000"/>
+              </a:spcAft>
+              <a:buClr>
+                <a:schemeClr val="tx1"/>
+              </a:buClr>
+              <a:buSzPct val="100000"/>
+              <a:buFont typeface="Arial"/>
+              <a:buChar char="•"/>
+              <a:defRPr sz="1200" kern="1200" cap="none">
+                <a:solidFill>
+                  <a:schemeClr val="tx1"/>
+                </a:solidFill>
+                <a:effectLst/>
+                <a:latin typeface="+mn-lt"/>
+                <a:ea typeface="+mn-ea"/>
+                <a:cs typeface="+mn-cs"/>
+              </a:defRPr>
+            </a:lvl6pPr>
+            <a:lvl7pPr marL="2971800" indent="-228600" algn="l" defTabSz="457200" rtl="0" eaLnBrk="1" latinLnBrk="1" hangingPunct="1">
+              <a:spcBef>
+                <a:spcPts val="0"/>
+              </a:spcBef>
+              <a:spcAft>
+                <a:spcPts val="1000"/>
+              </a:spcAft>
+              <a:buClr>
+                <a:schemeClr val="tx1"/>
+              </a:buClr>
+              <a:buSzPct val="100000"/>
+              <a:buFont typeface="Arial"/>
+              <a:buChar char="•"/>
+              <a:defRPr sz="1200" kern="1200" cap="none">
+                <a:solidFill>
+                  <a:schemeClr val="tx1"/>
+                </a:solidFill>
+                <a:effectLst/>
+                <a:latin typeface="+mn-lt"/>
+                <a:ea typeface="+mn-ea"/>
+                <a:cs typeface="+mn-cs"/>
+              </a:defRPr>
+            </a:lvl7pPr>
+            <a:lvl8pPr marL="3429000" indent="-228600" algn="l" defTabSz="457200" rtl="0" eaLnBrk="1" latinLnBrk="1" hangingPunct="1">
+              <a:spcBef>
+                <a:spcPts val="0"/>
+              </a:spcBef>
+              <a:spcAft>
+                <a:spcPts val="1000"/>
+              </a:spcAft>
+              <a:buClr>
+                <a:schemeClr val="tx1"/>
+              </a:buClr>
+              <a:buSzPct val="100000"/>
+              <a:buFont typeface="Arial"/>
+              <a:buChar char="•"/>
+              <a:defRPr sz="1200" kern="1200" cap="none">
+                <a:solidFill>
+                  <a:schemeClr val="tx1"/>
+                </a:solidFill>
+                <a:effectLst/>
+                <a:latin typeface="+mn-lt"/>
+                <a:ea typeface="+mn-ea"/>
+                <a:cs typeface="+mn-cs"/>
+              </a:defRPr>
+            </a:lvl8pPr>
+            <a:lvl9pPr marL="3886200" indent="-228600" algn="l" defTabSz="457200" rtl="0" eaLnBrk="1" latinLnBrk="1" hangingPunct="1">
+              <a:spcBef>
+                <a:spcPts val="0"/>
+              </a:spcBef>
+              <a:spcAft>
+                <a:spcPts val="1000"/>
+              </a:spcAft>
+              <a:buClr>
+                <a:schemeClr val="tx1"/>
+              </a:buClr>
+              <a:buSzPct val="100000"/>
+              <a:buFont typeface="Arial"/>
+              <a:buChar char="•"/>
+              <a:defRPr sz="1200" kern="1200" cap="none">
+                <a:solidFill>
+                  <a:schemeClr val="tx1"/>
+                </a:solidFill>
+                <a:effectLst/>
+                <a:latin typeface="+mn-lt"/>
+                <a:ea typeface="+mn-ea"/>
+                <a:cs typeface="+mn-cs"/>
+              </a:defRPr>
+            </a:lvl9pPr>
+          </a:lstStyle>
+          <a:p>
+            <a:pPr>
+              <a:buClrTx/>
+            </a:pPr>
+            <a:endParaRPr lang="en-US" altLang="ko-KR" dirty="0"/>
+          </a:p>
+        </p:txBody>
+      </p:sp>
+      <p:sp>
+        <p:nvSpPr>
+          <p:cNvPr id="4" name="제목 1">
+            <a:extLst>
+              <a:ext uri="{FF2B5EF4-FFF2-40B4-BE49-F238E27FC236}">
+                <a16:creationId xmlns:a16="http://schemas.microsoft.com/office/drawing/2014/main" id="{0B1DA833-78C9-1074-2F78-C0CA5C206F07}"/>
+              </a:ext>
+            </a:extLst>
+          </p:cNvPr>
+          <p:cNvSpPr>
+            <a:spLocks noGrp="1"/>
+          </p:cNvSpPr>
+          <p:nvPr>
+            <p:ph type="title"/>
+          </p:nvPr>
+        </p:nvSpPr>
+        <p:spPr>
+          <a:xfrm>
+            <a:off x="685801" y="609600"/>
+            <a:ext cx="10131425" cy="1456267"/>
+          </a:xfrm>
+          <a:solidFill>
+            <a:schemeClr val="accent2">
+              <a:lumMod val="20000"/>
+              <a:lumOff val="80000"/>
+              <a:alpha val="50000"/>
+            </a:schemeClr>
+          </a:solidFill>
+        </p:spPr>
+        <p:txBody>
+          <a:bodyPr/>
+          <a:lstStyle/>
+          <a:p>
+            <a:r>
+              <a:rPr lang="ko-KR" altLang="en-US" dirty="0"/>
+              <a:t>역할 분담 및 일정</a:t>
+            </a:r>
+          </a:p>
+        </p:txBody>
+      </p:sp>
+    </p:spTree>
+    <p:extLst>
+      <p:ext uri="{BB962C8B-B14F-4D97-AF65-F5344CB8AC3E}">
+        <p14:creationId xmlns:p14="http://schemas.microsoft.com/office/powerpoint/2010/main" val="3980518960"/>
+      </p:ext>
+    </p:extLst>
+  </p:cSld>
+  <p:clrMapOvr>
+    <a:masterClrMapping/>
+  </p:clrMapOvr>
+</p:sld>
+</file>
+
+<file path=ppt/slides/slide25.xml><?xml version="1.0" encoding="utf-8"?>
+<p:sld xmlns:a="http://schemas.openxmlformats.org/drawingml/2006/main" xmlns:r="http://schemas.openxmlformats.org/officeDocument/2006/relationships" xmlns:p="http://schemas.openxmlformats.org/presentationml/2006/main">
+  <p:cSld>
+    <p:spTree>
+      <p:nvGrpSpPr>
+        <p:cNvPr id="1" name=""/>
+        <p:cNvGrpSpPr/>
+        <p:nvPr/>
+      </p:nvGrpSpPr>
+      <p:grpSpPr>
+        <a:xfrm>
+          <a:off x="0" y="0"/>
+          <a:ext cx="0" cy="0"/>
+          <a:chOff x="0" y="0"/>
+          <a:chExt cx="0" cy="0"/>
+        </a:xfrm>
+      </p:grpSpPr>
+      <p:sp>
+        <p:nvSpPr>
           <p:cNvPr id="2" name="제목 1">
             <a:extLst>
               <a:ext uri="{FF2B5EF4-FFF2-40B4-BE49-F238E27FC236}">
@@ -12456,20 +14204,7 @@
                   </a:extLst>
                 </a:hlinkClick>
               </a:rPr>
-              <a:t>What Happens if the Moon Crashes into Earth?: </a:t>
-            </a:r>
-            <a:r>
-              <a:rPr lang="en-US" altLang="ko-KR" sz="1700" dirty="0">
-                <a:latin typeface="+mj-ea"/>
-                <a:hlinkClick r:id="rId2">
-                  <a:extLst>
-                    <a:ext uri="{A12FA001-AC4F-418D-AE19-62706E023703}">
-                      <ahyp:hlinkClr xmlns:ahyp="http://schemas.microsoft.com/office/drawing/2018/hyperlinkcolor" val="tx"/>
-                    </a:ext>
-                  </a:extLst>
-                </a:hlinkClick>
-              </a:rPr>
-              <a:t>(https://www.youtube.com/watch?v=lheapd7bgLA&amp;t=522s&amp;ab_channel=Kurzgesagt%E2%80%93InaNutshell</a:t>
+              <a:t>What Happens if the Moon Crashes into Earth?: (https://www.youtube.com/watch?v=lheapd7bgLA&amp;t=522s&amp;ab_channel=Kurzgesagt%E2%80%93InaNutshell</a:t>
             </a:r>
             <a:r>
               <a:rPr lang="en-US" altLang="ko-KR" sz="1700" dirty="0">
@@ -12845,12 +14580,18 @@
               <a:buNone/>
             </a:pPr>
             <a:r>
-              <a:rPr lang="ko-KR" altLang="en-US" sz="3500" dirty="0"/>
-              <a:t>만약 지구에 달이 떨어진다면</a:t>
-            </a:r>
-            <a:r>
-              <a:rPr lang="en-US" altLang="ko-KR" sz="3500" dirty="0"/>
-              <a:t>?</a:t>
+              <a:rPr lang="ko-KR" altLang="en-US" sz="3200" dirty="0">
+                <a:latin typeface="+mj-ea"/>
+                <a:ea typeface="+mj-ea"/>
+              </a:rPr>
+              <a:t>지구에 가까워지는 달</a:t>
+            </a:r>
+            <a:r>
+              <a:rPr lang="en-US" altLang="ko-KR" sz="3200" dirty="0">
+                <a:latin typeface="+mj-ea"/>
+                <a:ea typeface="+mj-ea"/>
+              </a:rPr>
+              <a:t>!</a:t>
             </a:r>
           </a:p>
           <a:p>
@@ -12865,18 +14606,15 @@
                   </a:schemeClr>
                 </a:solidFill>
               </a:rPr>
-              <a:t>떨어지는 달에 의한 지구환경에서 적응하고 살아남아라</a:t>
-            </a:r>
-            <a:r>
-              <a:rPr lang="en-US" altLang="ko-KR" sz="2800" dirty="0">
-                <a:solidFill>
-                  <a:schemeClr val="tx2">
-                    <a:lumMod val="25000"/>
-                  </a:schemeClr>
-                </a:solidFill>
-              </a:rPr>
-              <a:t>!</a:t>
-            </a:r>
+              <a:t>지구로 다가오는 달에 의해 점차 강해지는 밀물과 썰물에서 살아남아라</a:t>
+            </a:r>
+            <a:endParaRPr lang="en-US" altLang="ko-KR" sz="2800" dirty="0">
+              <a:solidFill>
+                <a:schemeClr val="tx2">
+                  <a:lumMod val="25000"/>
+                </a:schemeClr>
+              </a:solidFill>
+            </a:endParaRPr>
           </a:p>
           <a:p>
             <a:pPr marL="0" indent="0" algn="ctr">
@@ -13134,14 +14872,38 @@
             </a:r>
             <a:r>
               <a:rPr lang="ko-KR" altLang="en-US" dirty="0"/>
-              <a:t>년이라는 기간 동안 달이 지구로 천천히 추락하는 게임</a:t>
+              <a:t>년이라는 기간 동안 </a:t>
+            </a:r>
+            <a:r>
+              <a:rPr lang="ko-KR" altLang="en-US" dirty="0">
+                <a:solidFill>
+                  <a:schemeClr val="bg2"/>
+                </a:solidFill>
+              </a:rPr>
+              <a:t>달이 지구로 천천히 추락</a:t>
+            </a:r>
+            <a:r>
+              <a:rPr lang="ko-KR" altLang="en-US" dirty="0"/>
+              <a:t>하는 게임</a:t>
             </a:r>
             <a:endParaRPr lang="en-US" altLang="ko-KR" dirty="0"/>
           </a:p>
           <a:p>
             <a:r>
               <a:rPr lang="ko-KR" altLang="en-US" dirty="0"/>
-              <a:t>달의 충돌로 발생하는 피해보다 달이 가까워 지면서 발생하는 해수면의 변화와 생존자</a:t>
+              <a:t>달의 충돌로 발생하는 피해보다 달이 가까워 지면서 발생하는 </a:t>
+            </a:r>
+            <a:r>
+              <a:rPr lang="ko-KR" altLang="en-US" dirty="0">
+                <a:solidFill>
+                  <a:schemeClr val="bg2"/>
+                </a:solidFill>
+              </a:rPr>
+              <a:t>해수면의 변화</a:t>
+            </a:r>
+            <a:r>
+              <a:rPr lang="ko-KR" altLang="en-US" dirty="0"/>
+              <a:t>와 생존자</a:t>
             </a:r>
             <a:r>
               <a:rPr lang="en-US" altLang="ko-KR" dirty="0"/>
@@ -13157,31 +14919,67 @@
             </a:r>
             <a:r>
               <a:rPr lang="ko-KR" altLang="en-US" dirty="0"/>
-              <a:t>들이 자기생존을 하기 위한 탐험</a:t>
-            </a:r>
-            <a:r>
-              <a:rPr lang="en-US" altLang="ko-KR" dirty="0"/>
+              <a:t>들이 자기생존을 하기 위한 </a:t>
+            </a:r>
+            <a:r>
+              <a:rPr lang="ko-KR" altLang="en-US" dirty="0">
+                <a:solidFill>
+                  <a:schemeClr val="bg2"/>
+                </a:solidFill>
+              </a:rPr>
+              <a:t>탐험</a:t>
+            </a:r>
+            <a:r>
+              <a:rPr lang="en-US" altLang="ko-KR" dirty="0">
+                <a:solidFill>
+                  <a:schemeClr val="bg2"/>
+                </a:solidFill>
+              </a:rPr>
               <a:t>,</a:t>
             </a:r>
             <a:r>
+              <a:rPr lang="ko-KR" altLang="en-US" dirty="0">
+                <a:solidFill>
+                  <a:schemeClr val="bg2"/>
+                </a:solidFill>
+              </a:rPr>
+              <a:t>수집</a:t>
+            </a:r>
+            <a:r>
+              <a:rPr lang="en-US" altLang="ko-KR" dirty="0">
+                <a:solidFill>
+                  <a:schemeClr val="bg2"/>
+                </a:solidFill>
+              </a:rPr>
+              <a:t>,</a:t>
+            </a:r>
+            <a:r>
+              <a:rPr lang="ko-KR" altLang="en-US" dirty="0">
+                <a:solidFill>
+                  <a:schemeClr val="bg2"/>
+                </a:solidFill>
+              </a:rPr>
+              <a:t>약탈</a:t>
+            </a:r>
+            <a:r>
+              <a:rPr lang="en-US" altLang="ko-KR" dirty="0">
+                <a:solidFill>
+                  <a:schemeClr val="bg2"/>
+                </a:solidFill>
+              </a:rPr>
+              <a:t>,</a:t>
+            </a:r>
+            <a:r>
+              <a:rPr lang="ko-KR" altLang="en-US" dirty="0">
+                <a:solidFill>
+                  <a:schemeClr val="bg2"/>
+                </a:solidFill>
+              </a:rPr>
+              <a:t>방어</a:t>
+            </a:r>
+            <a:r>
               <a:rPr lang="ko-KR" altLang="en-US" dirty="0"/>
-              <a:t>수집</a:t>
-            </a:r>
-            <a:r>
-              <a:rPr lang="en-US" altLang="ko-KR" dirty="0"/>
-              <a:t>,</a:t>
-            </a:r>
-            <a:r>
-              <a:rPr lang="ko-KR" altLang="en-US" dirty="0"/>
-              <a:t>약탈</a:t>
-            </a:r>
-            <a:r>
-              <a:rPr lang="en-US" altLang="ko-KR" dirty="0"/>
-              <a:t>,</a:t>
-            </a:r>
-            <a:r>
-              <a:rPr lang="ko-KR" altLang="en-US" dirty="0"/>
-              <a:t>방어가 게임의 핵심 요소</a:t>
+              <a:t>가 게임의 핵심 요소</a:t>
             </a:r>
             <a:endParaRPr lang="en-US" altLang="ko-KR" dirty="0"/>
           </a:p>
@@ -13203,68 +15001,48 @@
             </a:r>
             <a:r>
               <a:rPr lang="ko-KR" altLang="en-US" dirty="0"/>
-              <a:t>인이 한 서버에서 플레이하며 일정 기간마다 서버가 초기화 되고 초기화가 다가올수록 게임플레이가 변화한다</a:t>
+              <a:t>인이 한 서버에서 플레이하며 </a:t>
+            </a:r>
+            <a:r>
+              <a:rPr lang="ko-KR" altLang="en-US" dirty="0">
+                <a:solidFill>
+                  <a:schemeClr val="bg2"/>
+                </a:solidFill>
+              </a:rPr>
+              <a:t>일정 기간마다 서버가 초기화 </a:t>
+            </a:r>
+            <a:r>
+              <a:rPr lang="ko-KR" altLang="en-US" dirty="0"/>
+              <a:t>되고</a:t>
+            </a:r>
+            <a:r>
+              <a:rPr lang="en-US" altLang="ko-KR" dirty="0"/>
+              <a:t>(</a:t>
+            </a:r>
+            <a:r>
+              <a:rPr lang="ko-KR" altLang="en-US" dirty="0" err="1"/>
+              <a:t>시즌제</a:t>
+            </a:r>
+            <a:r>
+              <a:rPr lang="en-US" altLang="ko-KR" dirty="0"/>
+              <a:t>)</a:t>
+            </a:r>
+            <a:r>
+              <a:rPr lang="ko-KR" altLang="en-US" dirty="0"/>
+              <a:t> 초기화가 다가올수록 </a:t>
+            </a:r>
+            <a:r>
+              <a:rPr lang="ko-KR" altLang="en-US" dirty="0">
+                <a:solidFill>
+                  <a:schemeClr val="bg2"/>
+                </a:solidFill>
+              </a:rPr>
+              <a:t>게임플레이가 빨라진다</a:t>
             </a:r>
             <a:r>
               <a:rPr lang="en-US" altLang="ko-KR" dirty="0"/>
               <a:t>.</a:t>
             </a:r>
-          </a:p>
-          <a:p>
-            <a:r>
-              <a:rPr lang="ko-KR" altLang="en-US" dirty="0"/>
-              <a:t>게임의 배경은 유튜브 채널 </a:t>
-            </a:r>
-            <a:r>
-              <a:rPr lang="en-US" altLang="ko-KR" dirty="0" err="1"/>
-              <a:t>Kurzgesagt</a:t>
-            </a:r>
-            <a:r>
-              <a:rPr lang="ko-KR" altLang="en-US" dirty="0"/>
-              <a:t>의 동영상 </a:t>
-            </a:r>
-            <a:r>
-              <a:rPr lang="en-US" altLang="ko-KR" dirty="0">
-                <a:solidFill>
-                  <a:schemeClr val="accent6">
-                    <a:lumMod val="60000"/>
-                    <a:lumOff val="40000"/>
-                  </a:schemeClr>
-                </a:solidFill>
-                <a:hlinkClick r:id="rId2">
-                  <a:extLst>
-                    <a:ext uri="{A12FA001-AC4F-418D-AE19-62706E023703}">
-                      <ahyp:hlinkClr xmlns:ahyp="http://schemas.microsoft.com/office/drawing/2018/hyperlinkcolor" val="tx"/>
-                    </a:ext>
-                  </a:extLst>
-                </a:hlinkClick>
-              </a:rPr>
-              <a:t>What Happens if the Moon Crashes into Earth?</a:t>
-            </a:r>
-            <a:r>
-              <a:rPr lang="ko-KR" altLang="en-US" dirty="0">
-                <a:solidFill>
-                  <a:schemeClr val="accent6">
-                    <a:lumMod val="60000"/>
-                    <a:lumOff val="40000"/>
-                  </a:schemeClr>
-                </a:solidFill>
-              </a:rPr>
-              <a:t> </a:t>
-            </a:r>
-            <a:r>
-              <a:rPr lang="ko-KR" altLang="en-US" dirty="0"/>
-              <a:t>를 배경으로 한다</a:t>
-            </a:r>
-            <a:r>
-              <a:rPr lang="en-US" altLang="ko-KR" dirty="0"/>
-              <a:t>.</a:t>
-            </a:r>
-            <a:r>
-              <a:rPr lang="ko-KR" altLang="en-US" dirty="0"/>
-              <a:t> </a:t>
-            </a:r>
-            <a:endParaRPr lang="en-US" altLang="ko-KR" dirty="0"/>
           </a:p>
         </p:txBody>
       </p:sp>
@@ -13379,7 +15157,15 @@
             </a:r>
             <a:r>
               <a:rPr lang="ko-KR" altLang="en-US" dirty="0"/>
-              <a:t>썰물의 강도가 강해진다</a:t>
+              <a:t>썰물의 </a:t>
+            </a:r>
+            <a:r>
+              <a:rPr lang="ko-KR" altLang="en-US" dirty="0">
+                <a:solidFill>
+                  <a:schemeClr val="bg2"/>
+                </a:solidFill>
+              </a:rPr>
+              <a:t>주기가 빠르고 높아 진다</a:t>
             </a:r>
             <a:r>
               <a:rPr lang="en-US" altLang="ko-KR" dirty="0"/>
@@ -13390,7 +15176,19 @@
             <a:pPr lvl="1"/>
             <a:r>
               <a:rPr lang="ko-KR" altLang="en-US" dirty="0"/>
-              <a:t>밀물 기간의 수위가 높아져서 더 높은 건물을 점령해야 한다</a:t>
+              <a:t>밀물 기간의 수위가 높아져서 </a:t>
+            </a:r>
+            <a:r>
+              <a:rPr lang="ko-KR" altLang="en-US" dirty="0">
+                <a:solidFill>
+                  <a:schemeClr val="bg2"/>
+                </a:solidFill>
+              </a:rPr>
+              <a:t>더 높은 건물을 점령</a:t>
+            </a:r>
+            <a:r>
+              <a:rPr lang="ko-KR" altLang="en-US" dirty="0"/>
+              <a:t>해야 한다</a:t>
             </a:r>
             <a:r>
               <a:rPr lang="en-US" altLang="ko-KR" dirty="0"/>
@@ -13401,7 +15199,35 @@
             <a:pPr lvl="1"/>
             <a:r>
               <a:rPr lang="ko-KR" altLang="en-US" dirty="0"/>
-              <a:t>썰물 기간에 탐사 가능한 저지대가 추가로 해금된다</a:t>
+              <a:t>썰물 기간에 </a:t>
+            </a:r>
+            <a:r>
+              <a:rPr lang="ko-KR" altLang="en-US" dirty="0">
+                <a:solidFill>
+                  <a:schemeClr val="bg2"/>
+                </a:solidFill>
+              </a:rPr>
+              <a:t>지역 탐사</a:t>
+            </a:r>
+            <a:r>
+              <a:rPr lang="en-US" altLang="ko-KR" dirty="0">
+                <a:solidFill>
+                  <a:schemeClr val="bg2"/>
+                </a:solidFill>
+              </a:rPr>
+              <a:t>, </a:t>
+            </a:r>
+            <a:r>
+              <a:rPr lang="ko-KR" altLang="en-US" dirty="0">
+                <a:solidFill>
+                  <a:schemeClr val="bg2"/>
+                </a:solidFill>
+              </a:rPr>
+              <a:t>고층 건물의 탐험</a:t>
+            </a:r>
+            <a:r>
+              <a:rPr lang="ko-KR" altLang="en-US" dirty="0"/>
+              <a:t>을 해야 한다 </a:t>
             </a:r>
             <a:r>
               <a:rPr lang="en-US" altLang="ko-KR" dirty="0"/>
@@ -13411,7 +15237,15 @@
           <a:p>
             <a:r>
               <a:rPr lang="ko-KR" altLang="en-US" dirty="0"/>
-              <a:t>시간이 지나면서 주기의 지속 시간이 길어진다</a:t>
+              <a:t>시간이 지나면서 </a:t>
+            </a:r>
+            <a:r>
+              <a:rPr lang="ko-KR" altLang="en-US" dirty="0">
+                <a:solidFill>
+                  <a:schemeClr val="bg2"/>
+                </a:solidFill>
+              </a:rPr>
+              <a:t>주기의 지속 시간이 길어진다</a:t>
             </a:r>
             <a:r>
               <a:rPr lang="en-US" altLang="ko-KR" dirty="0"/>
@@ -13422,7 +15256,7 @@
             <a:pPr lvl="1"/>
             <a:r>
               <a:rPr lang="ko-KR" altLang="en-US" dirty="0"/>
-              <a:t>밀물 기간이 길어지면 자원이 가공되지 않아 결핍이 발생할 수 있다</a:t>
+              <a:t>밀물 기간이 길어지면 자원이 가공되지 않아 자원 결핍이 발생할 수 있다</a:t>
             </a:r>
             <a:r>
               <a:rPr lang="en-US" altLang="ko-KR" dirty="0"/>
@@ -13800,7 +15634,23 @@
           <a:p>
             <a:r>
               <a:rPr lang="ko-KR" altLang="en-US" dirty="0"/>
-              <a:t>고지대로 대피해서 기지를 건설하는 단계</a:t>
+              <a:t>고지대로 대피해서 기지를 건설</a:t>
+            </a:r>
+            <a:r>
+              <a:rPr lang="en-US" altLang="ko-KR" dirty="0"/>
+              <a:t>,</a:t>
+            </a:r>
+            <a:r>
+              <a:rPr lang="ko-KR" altLang="en-US" dirty="0"/>
+              <a:t>정비</a:t>
+            </a:r>
+            <a:r>
+              <a:rPr lang="en-US" altLang="ko-KR" dirty="0"/>
+              <a:t>,</a:t>
+            </a:r>
+            <a:r>
+              <a:rPr lang="ko-KR" altLang="en-US" dirty="0"/>
+              <a:t>방어 하는 단계</a:t>
             </a:r>
             <a:endParaRPr lang="en-US" altLang="ko-KR" dirty="0"/>
           </a:p>
